--- a/Presentatie.pptx
+++ b/Presentatie.pptx
@@ -4,19 +4,24 @@
   <p:sldMasterIdLst>
     <p:sldMasterId id="2147483648" r:id="rId1"/>
   </p:sldMasterIdLst>
+  <p:notesMasterIdLst>
+    <p:notesMasterId r:id="rId10"/>
+  </p:notesMasterIdLst>
   <p:sldIdLst>
-    <p:sldId id="256" r:id="rId2"/>
-    <p:sldId id="260" r:id="rId3"/>
-    <p:sldId id="258" r:id="rId4"/>
-    <p:sldId id="257" r:id="rId5"/>
-    <p:sldId id="259" r:id="rId6"/>
-    <p:sldId id="261" r:id="rId7"/>
+    <p:sldId id="270" r:id="rId2"/>
+    <p:sldId id="264" r:id="rId3"/>
+    <p:sldId id="271" r:id="rId4"/>
+    <p:sldId id="275" r:id="rId5"/>
+    <p:sldId id="272" r:id="rId6"/>
+    <p:sldId id="274" r:id="rId7"/>
+    <p:sldId id="273" r:id="rId8"/>
+    <p:sldId id="263" r:id="rId9"/>
   </p:sldIdLst>
   <p:sldSz cx="12192000" cy="6858000"/>
   <p:notesSz cx="6858000" cy="9144000"/>
   <p:defaultTextStyle>
     <a:defPPr>
-      <a:defRPr lang="nl-BE"/>
+      <a:defRPr lang="en-US"/>
     </a:defPPr>
     <a:lvl1pPr marL="0" algn="l" defTabSz="914400" rtl="0" eaLnBrk="1" latinLnBrk="0" hangingPunct="1">
       <a:defRPr sz="1800" kern="1200">
@@ -109,12 +114,22 @@
       </a:defRPr>
     </a:lvl9pPr>
   </p:defaultTextStyle>
+  <p:extLst>
+    <p:ext uri="{EFAFB233-063F-42B5-8137-9DF3F51BA10A}">
+      <p15:sldGuideLst xmlns:p15="http://schemas.microsoft.com/office/powerpoint/2012/main"/>
+    </p:ext>
+  </p:extLst>
 </p:presentation>
 </file>
 
-<file path=ppt/slideLayouts/slideLayout1.xml><?xml version="1.0" encoding="utf-8"?>
-<p:sldLayout xmlns:a="http://schemas.openxmlformats.org/drawingml/2006/main" xmlns:r="http://schemas.openxmlformats.org/officeDocument/2006/relationships" xmlns:p="http://schemas.openxmlformats.org/presentationml/2006/main" type="title" preserve="1">
-  <p:cSld name="Titeldia">
+<file path=ppt/notesMasters/notesMaster1.xml><?xml version="1.0" encoding="utf-8"?>
+<p:notesMaster xmlns:a="http://schemas.openxmlformats.org/drawingml/2006/main" xmlns:r="http://schemas.openxmlformats.org/officeDocument/2006/relationships" xmlns:p="http://schemas.openxmlformats.org/presentationml/2006/main">
+  <p:cSld>
+    <p:bg>
+      <p:bgRef idx="1001">
+        <a:schemeClr val="bg1"/>
+      </p:bgRef>
+    </p:bg>
     <p:spTree>
       <p:nvGrpSpPr>
         <p:cNvPr id="1" name=""/>
@@ -131,13 +146,351 @@
       </p:grpSpPr>
       <p:sp>
         <p:nvSpPr>
-          <p:cNvPr id="2" name="Titel 1">
-            <a:extLst>
-              <a:ext uri="{FF2B5EF4-FFF2-40B4-BE49-F238E27FC236}">
-                <a16:creationId xmlns:a16="http://schemas.microsoft.com/office/drawing/2014/main" id="{F88783A2-01F5-8549-946C-EB023C29C41F}"/>
-              </a:ext>
-            </a:extLst>
-          </p:cNvPr>
+          <p:cNvPr id="2" name="Header Placeholder 1"/>
+          <p:cNvSpPr>
+            <a:spLocks noGrp="1"/>
+          </p:cNvSpPr>
+          <p:nvPr>
+            <p:ph type="hdr" sz="quarter"/>
+          </p:nvPr>
+        </p:nvSpPr>
+        <p:spPr>
+          <a:xfrm>
+            <a:off x="0" y="0"/>
+            <a:ext cx="2971800" cy="458788"/>
+          </a:xfrm>
+          <a:prstGeom prst="rect">
+            <a:avLst/>
+          </a:prstGeom>
+        </p:spPr>
+        <p:txBody>
+          <a:bodyPr vert="horz" lIns="91440" tIns="45720" rIns="91440" bIns="45720" rtlCol="0"/>
+          <a:lstStyle>
+            <a:lvl1pPr algn="l">
+              <a:defRPr sz="1200"/>
+            </a:lvl1pPr>
+          </a:lstStyle>
+          <a:p>
+            <a:endParaRPr lang="en-US"/>
+          </a:p>
+        </p:txBody>
+      </p:sp>
+      <p:sp>
+        <p:nvSpPr>
+          <p:cNvPr id="3" name="Date Placeholder 2"/>
+          <p:cNvSpPr>
+            <a:spLocks noGrp="1"/>
+          </p:cNvSpPr>
+          <p:nvPr>
+            <p:ph type="dt" idx="1"/>
+          </p:nvPr>
+        </p:nvSpPr>
+        <p:spPr>
+          <a:xfrm>
+            <a:off x="3884613" y="0"/>
+            <a:ext cx="2971800" cy="458788"/>
+          </a:xfrm>
+          <a:prstGeom prst="rect">
+            <a:avLst/>
+          </a:prstGeom>
+        </p:spPr>
+        <p:txBody>
+          <a:bodyPr vert="horz" lIns="91440" tIns="45720" rIns="91440" bIns="45720" rtlCol="0"/>
+          <a:lstStyle>
+            <a:lvl1pPr algn="r">
+              <a:defRPr sz="1200"/>
+            </a:lvl1pPr>
+          </a:lstStyle>
+          <a:p>
+            <a:fld id="{A034EED6-39AB-4311-872A-0192AD9FD702}" type="datetimeFigureOut">
+              <a:rPr lang="en-US" smtClean="0"/>
+              <a:t>11/4/2022</a:t>
+            </a:fld>
+            <a:endParaRPr lang="en-US"/>
+          </a:p>
+        </p:txBody>
+      </p:sp>
+      <p:sp>
+        <p:nvSpPr>
+          <p:cNvPr id="4" name="Slide Image Placeholder 3"/>
+          <p:cNvSpPr>
+            <a:spLocks noGrp="1" noRot="1" noChangeAspect="1"/>
+          </p:cNvSpPr>
+          <p:nvPr>
+            <p:ph type="sldImg" idx="2"/>
+          </p:nvPr>
+        </p:nvSpPr>
+        <p:spPr>
+          <a:xfrm>
+            <a:off x="685800" y="1143000"/>
+            <a:ext cx="5486400" cy="3086100"/>
+          </a:xfrm>
+          <a:prstGeom prst="rect">
+            <a:avLst/>
+          </a:prstGeom>
+          <a:noFill/>
+          <a:ln w="12700">
+            <a:solidFill>
+              <a:prstClr val="black"/>
+            </a:solidFill>
+          </a:ln>
+        </p:spPr>
+        <p:txBody>
+          <a:bodyPr vert="horz" lIns="91440" tIns="45720" rIns="91440" bIns="45720" rtlCol="0" anchor="ctr"/>
+          <a:lstStyle/>
+          <a:p>
+            <a:endParaRPr lang="en-US"/>
+          </a:p>
+        </p:txBody>
+      </p:sp>
+      <p:sp>
+        <p:nvSpPr>
+          <p:cNvPr id="5" name="Notes Placeholder 4"/>
+          <p:cNvSpPr>
+            <a:spLocks noGrp="1"/>
+          </p:cNvSpPr>
+          <p:nvPr>
+            <p:ph type="body" sz="quarter" idx="3"/>
+          </p:nvPr>
+        </p:nvSpPr>
+        <p:spPr>
+          <a:xfrm>
+            <a:off x="685800" y="4400550"/>
+            <a:ext cx="5486400" cy="3600450"/>
+          </a:xfrm>
+          <a:prstGeom prst="rect">
+            <a:avLst/>
+          </a:prstGeom>
+        </p:spPr>
+        <p:txBody>
+          <a:bodyPr vert="horz" lIns="91440" tIns="45720" rIns="91440" bIns="45720" rtlCol="0"/>
+          <a:lstStyle/>
+          <a:p>
+            <a:pPr lvl="0"/>
+            <a:r>
+              <a:rPr lang="en-US"/>
+              <a:t>Click to edit Master text styles</a:t>
+            </a:r>
+          </a:p>
+          <a:p>
+            <a:pPr lvl="1"/>
+            <a:r>
+              <a:rPr lang="en-US"/>
+              <a:t>Second level</a:t>
+            </a:r>
+          </a:p>
+          <a:p>
+            <a:pPr lvl="2"/>
+            <a:r>
+              <a:rPr lang="en-US"/>
+              <a:t>Third level</a:t>
+            </a:r>
+          </a:p>
+          <a:p>
+            <a:pPr lvl="3"/>
+            <a:r>
+              <a:rPr lang="en-US"/>
+              <a:t>Fourth level</a:t>
+            </a:r>
+          </a:p>
+          <a:p>
+            <a:pPr lvl="4"/>
+            <a:r>
+              <a:rPr lang="en-US"/>
+              <a:t>Fifth level</a:t>
+            </a:r>
+          </a:p>
+        </p:txBody>
+      </p:sp>
+      <p:sp>
+        <p:nvSpPr>
+          <p:cNvPr id="6" name="Footer Placeholder 5"/>
+          <p:cNvSpPr>
+            <a:spLocks noGrp="1"/>
+          </p:cNvSpPr>
+          <p:nvPr>
+            <p:ph type="ftr" sz="quarter" idx="4"/>
+          </p:nvPr>
+        </p:nvSpPr>
+        <p:spPr>
+          <a:xfrm>
+            <a:off x="0" y="8685213"/>
+            <a:ext cx="2971800" cy="458787"/>
+          </a:xfrm>
+          <a:prstGeom prst="rect">
+            <a:avLst/>
+          </a:prstGeom>
+        </p:spPr>
+        <p:txBody>
+          <a:bodyPr vert="horz" lIns="91440" tIns="45720" rIns="91440" bIns="45720" rtlCol="0" anchor="b"/>
+          <a:lstStyle>
+            <a:lvl1pPr algn="l">
+              <a:defRPr sz="1200"/>
+            </a:lvl1pPr>
+          </a:lstStyle>
+          <a:p>
+            <a:endParaRPr lang="en-US"/>
+          </a:p>
+        </p:txBody>
+      </p:sp>
+      <p:sp>
+        <p:nvSpPr>
+          <p:cNvPr id="7" name="Slide Number Placeholder 6"/>
+          <p:cNvSpPr>
+            <a:spLocks noGrp="1"/>
+          </p:cNvSpPr>
+          <p:nvPr>
+            <p:ph type="sldNum" sz="quarter" idx="5"/>
+          </p:nvPr>
+        </p:nvSpPr>
+        <p:spPr>
+          <a:xfrm>
+            <a:off x="3884613" y="8685213"/>
+            <a:ext cx="2971800" cy="458787"/>
+          </a:xfrm>
+          <a:prstGeom prst="rect">
+            <a:avLst/>
+          </a:prstGeom>
+        </p:spPr>
+        <p:txBody>
+          <a:bodyPr vert="horz" lIns="91440" tIns="45720" rIns="91440" bIns="45720" rtlCol="0" anchor="b"/>
+          <a:lstStyle>
+            <a:lvl1pPr algn="r">
+              <a:defRPr sz="1200"/>
+            </a:lvl1pPr>
+          </a:lstStyle>
+          <a:p>
+            <a:fld id="{F86C081C-CFAD-490C-B934-1A1F0CF879F0}" type="slidenum">
+              <a:rPr lang="en-US" smtClean="0"/>
+              <a:t>‹nr.›</a:t>
+            </a:fld>
+            <a:endParaRPr lang="en-US"/>
+          </a:p>
+        </p:txBody>
+      </p:sp>
+    </p:spTree>
+    <p:extLst>
+      <p:ext uri="{BB962C8B-B14F-4D97-AF65-F5344CB8AC3E}">
+        <p14:creationId xmlns:p14="http://schemas.microsoft.com/office/powerpoint/2010/main" val="35634448"/>
+      </p:ext>
+    </p:extLst>
+  </p:cSld>
+  <p:clrMap bg1="lt1" tx1="dk1" bg2="lt2" tx2="dk2" accent1="accent1" accent2="accent2" accent3="accent3" accent4="accent4" accent5="accent5" accent6="accent6" hlink="hlink" folHlink="folHlink"/>
+  <p:notesStyle>
+    <a:lvl1pPr marL="0" algn="l" defTabSz="914400" rtl="0" eaLnBrk="1" latinLnBrk="0" hangingPunct="1">
+      <a:defRPr sz="1200" kern="1200">
+        <a:solidFill>
+          <a:schemeClr val="tx1"/>
+        </a:solidFill>
+        <a:latin typeface="+mn-lt"/>
+        <a:ea typeface="+mn-ea"/>
+        <a:cs typeface="+mn-cs"/>
+      </a:defRPr>
+    </a:lvl1pPr>
+    <a:lvl2pPr marL="457200" algn="l" defTabSz="914400" rtl="0" eaLnBrk="1" latinLnBrk="0" hangingPunct="1">
+      <a:defRPr sz="1200" kern="1200">
+        <a:solidFill>
+          <a:schemeClr val="tx1"/>
+        </a:solidFill>
+        <a:latin typeface="+mn-lt"/>
+        <a:ea typeface="+mn-ea"/>
+        <a:cs typeface="+mn-cs"/>
+      </a:defRPr>
+    </a:lvl2pPr>
+    <a:lvl3pPr marL="914400" algn="l" defTabSz="914400" rtl="0" eaLnBrk="1" latinLnBrk="0" hangingPunct="1">
+      <a:defRPr sz="1200" kern="1200">
+        <a:solidFill>
+          <a:schemeClr val="tx1"/>
+        </a:solidFill>
+        <a:latin typeface="+mn-lt"/>
+        <a:ea typeface="+mn-ea"/>
+        <a:cs typeface="+mn-cs"/>
+      </a:defRPr>
+    </a:lvl3pPr>
+    <a:lvl4pPr marL="1371600" algn="l" defTabSz="914400" rtl="0" eaLnBrk="1" latinLnBrk="0" hangingPunct="1">
+      <a:defRPr sz="1200" kern="1200">
+        <a:solidFill>
+          <a:schemeClr val="tx1"/>
+        </a:solidFill>
+        <a:latin typeface="+mn-lt"/>
+        <a:ea typeface="+mn-ea"/>
+        <a:cs typeface="+mn-cs"/>
+      </a:defRPr>
+    </a:lvl4pPr>
+    <a:lvl5pPr marL="1828800" algn="l" defTabSz="914400" rtl="0" eaLnBrk="1" latinLnBrk="0" hangingPunct="1">
+      <a:defRPr sz="1200" kern="1200">
+        <a:solidFill>
+          <a:schemeClr val="tx1"/>
+        </a:solidFill>
+        <a:latin typeface="+mn-lt"/>
+        <a:ea typeface="+mn-ea"/>
+        <a:cs typeface="+mn-cs"/>
+      </a:defRPr>
+    </a:lvl5pPr>
+    <a:lvl6pPr marL="2286000" algn="l" defTabSz="914400" rtl="0" eaLnBrk="1" latinLnBrk="0" hangingPunct="1">
+      <a:defRPr sz="1200" kern="1200">
+        <a:solidFill>
+          <a:schemeClr val="tx1"/>
+        </a:solidFill>
+        <a:latin typeface="+mn-lt"/>
+        <a:ea typeface="+mn-ea"/>
+        <a:cs typeface="+mn-cs"/>
+      </a:defRPr>
+    </a:lvl6pPr>
+    <a:lvl7pPr marL="2743200" algn="l" defTabSz="914400" rtl="0" eaLnBrk="1" latinLnBrk="0" hangingPunct="1">
+      <a:defRPr sz="1200" kern="1200">
+        <a:solidFill>
+          <a:schemeClr val="tx1"/>
+        </a:solidFill>
+        <a:latin typeface="+mn-lt"/>
+        <a:ea typeface="+mn-ea"/>
+        <a:cs typeface="+mn-cs"/>
+      </a:defRPr>
+    </a:lvl7pPr>
+    <a:lvl8pPr marL="3200400" algn="l" defTabSz="914400" rtl="0" eaLnBrk="1" latinLnBrk="0" hangingPunct="1">
+      <a:defRPr sz="1200" kern="1200">
+        <a:solidFill>
+          <a:schemeClr val="tx1"/>
+        </a:solidFill>
+        <a:latin typeface="+mn-lt"/>
+        <a:ea typeface="+mn-ea"/>
+        <a:cs typeface="+mn-cs"/>
+      </a:defRPr>
+    </a:lvl8pPr>
+    <a:lvl9pPr marL="3657600" algn="l" defTabSz="914400" rtl="0" eaLnBrk="1" latinLnBrk="0" hangingPunct="1">
+      <a:defRPr sz="1200" kern="1200">
+        <a:solidFill>
+          <a:schemeClr val="tx1"/>
+        </a:solidFill>
+        <a:latin typeface="+mn-lt"/>
+        <a:ea typeface="+mn-ea"/>
+        <a:cs typeface="+mn-cs"/>
+      </a:defRPr>
+    </a:lvl9pPr>
+  </p:notesStyle>
+</p:notesMaster>
+</file>
+
+<file path=ppt/slideLayouts/slideLayout1.xml><?xml version="1.0" encoding="utf-8"?>
+<p:sldLayout xmlns:a="http://schemas.openxmlformats.org/drawingml/2006/main" xmlns:r="http://schemas.openxmlformats.org/officeDocument/2006/relationships" xmlns:p="http://schemas.openxmlformats.org/presentationml/2006/main" type="title" preserve="1">
+  <p:cSld name="Title Slide">
+    <p:spTree>
+      <p:nvGrpSpPr>
+        <p:cNvPr id="1" name=""/>
+        <p:cNvGrpSpPr/>
+        <p:nvPr/>
+      </p:nvGrpSpPr>
+      <p:grpSpPr>
+        <a:xfrm>
+          <a:off x="0" y="0"/>
+          <a:ext cx="0" cy="0"/>
+          <a:chOff x="0" y="0"/>
+          <a:chExt cx="0" cy="0"/>
+        </a:xfrm>
+      </p:grpSpPr>
+      <p:sp>
+        <p:nvSpPr>
+          <p:cNvPr id="2" name="Title 1"/>
           <p:cNvSpPr>
             <a:spLocks noGrp="1"/>
           </p:cNvSpPr>
@@ -160,22 +513,15 @@
           </a:lstStyle>
           <a:p>
             <a:r>
-              <a:rPr lang="nl-NL"/>
-              <a:t>Klik om stijl te bewerken</a:t>
-            </a:r>
-            <a:endParaRPr lang="nl-BE"/>
-          </a:p>
-        </p:txBody>
-      </p:sp>
-      <p:sp>
-        <p:nvSpPr>
-          <p:cNvPr id="3" name="Ondertitel 2">
-            <a:extLst>
-              <a:ext uri="{FF2B5EF4-FFF2-40B4-BE49-F238E27FC236}">
-                <a16:creationId xmlns:a16="http://schemas.microsoft.com/office/drawing/2014/main" id="{E9F001DC-6AF9-5899-0F80-D3A690BAB5EE}"/>
-              </a:ext>
-            </a:extLst>
-          </p:cNvPr>
+              <a:rPr lang="en-US"/>
+              <a:t>Click to edit Master title style</a:t>
+            </a:r>
+          </a:p>
+        </p:txBody>
+      </p:sp>
+      <p:sp>
+        <p:nvSpPr>
+          <p:cNvPr id="3" name="Subtitle 2"/>
           <p:cNvSpPr>
             <a:spLocks noGrp="1"/>
           </p:cNvSpPr>
@@ -231,22 +577,15 @@
           </a:lstStyle>
           <a:p>
             <a:r>
-              <a:rPr lang="nl-NL"/>
-              <a:t>Klikken om de ondertitelstijl van het model te bewerken</a:t>
-            </a:r>
-            <a:endParaRPr lang="nl-BE"/>
-          </a:p>
-        </p:txBody>
-      </p:sp>
-      <p:sp>
-        <p:nvSpPr>
-          <p:cNvPr id="4" name="Tijdelijke aanduiding voor datum 3">
-            <a:extLst>
-              <a:ext uri="{FF2B5EF4-FFF2-40B4-BE49-F238E27FC236}">
-                <a16:creationId xmlns:a16="http://schemas.microsoft.com/office/drawing/2014/main" id="{F5659B57-8E10-4EF2-8084-FE9A41922C9F}"/>
-              </a:ext>
-            </a:extLst>
-          </p:cNvPr>
+              <a:rPr lang="en-US"/>
+              <a:t>Click to edit Master subtitle style</a:t>
+            </a:r>
+          </a:p>
+        </p:txBody>
+      </p:sp>
+      <p:sp>
+        <p:nvSpPr>
+          <p:cNvPr id="4" name="Date Placeholder 3"/>
           <p:cNvSpPr>
             <a:spLocks noGrp="1"/>
           </p:cNvSpPr>
@@ -259,23 +598,17 @@
           <a:bodyPr/>
           <a:lstStyle/>
           <a:p>
-            <a:fld id="{B122D6EC-866D-48C9-925C-D529405F6C81}" type="datetimeFigureOut">
-              <a:rPr lang="nl-BE" smtClean="0"/>
-              <a:t>31/10/2022</a:t>
+            <a:fld id="{A545F807-836F-4D5D-874B-A69A7FCC58CB}" type="datetime1">
+              <a:rPr lang="en-US" smtClean="0"/>
+              <a:t>11/4/2022</a:t>
             </a:fld>
-            <a:endParaRPr lang="nl-BE"/>
-          </a:p>
-        </p:txBody>
-      </p:sp>
-      <p:sp>
-        <p:nvSpPr>
-          <p:cNvPr id="5" name="Tijdelijke aanduiding voor voettekst 4">
-            <a:extLst>
-              <a:ext uri="{FF2B5EF4-FFF2-40B4-BE49-F238E27FC236}">
-                <a16:creationId xmlns:a16="http://schemas.microsoft.com/office/drawing/2014/main" id="{411DD2D1-09C4-360B-D8B7-B203B2E243DC}"/>
-              </a:ext>
-            </a:extLst>
-          </p:cNvPr>
+            <a:endParaRPr lang="en-US"/>
+          </a:p>
+        </p:txBody>
+      </p:sp>
+      <p:sp>
+        <p:nvSpPr>
+          <p:cNvPr id="5" name="Footer Placeholder 4"/>
           <p:cNvSpPr>
             <a:spLocks noGrp="1"/>
           </p:cNvSpPr>
@@ -288,19 +621,13 @@
           <a:bodyPr/>
           <a:lstStyle/>
           <a:p>
-            <a:endParaRPr lang="nl-BE"/>
-          </a:p>
-        </p:txBody>
-      </p:sp>
-      <p:sp>
-        <p:nvSpPr>
-          <p:cNvPr id="6" name="Tijdelijke aanduiding voor dianummer 5">
-            <a:extLst>
-              <a:ext uri="{FF2B5EF4-FFF2-40B4-BE49-F238E27FC236}">
-                <a16:creationId xmlns:a16="http://schemas.microsoft.com/office/drawing/2014/main" id="{832DA2F3-8E7F-CF7E-E68C-C9BFB150380E}"/>
-              </a:ext>
-            </a:extLst>
-          </p:cNvPr>
+            <a:endParaRPr lang="en-US"/>
+          </a:p>
+        </p:txBody>
+      </p:sp>
+      <p:sp>
+        <p:nvSpPr>
+          <p:cNvPr id="6" name="Slide Number Placeholder 5"/>
           <p:cNvSpPr>
             <a:spLocks noGrp="1"/>
           </p:cNvSpPr>
@@ -313,18 +640,18 @@
           <a:bodyPr/>
           <a:lstStyle/>
           <a:p>
-            <a:fld id="{7D4F5712-4DFC-4A89-8F2A-D717D9919970}" type="slidenum">
-              <a:rPr lang="nl-BE" smtClean="0"/>
+            <a:fld id="{58EBAA78-A8B6-4B10-8AE6-E0A63F3F5923}" type="slidenum">
+              <a:rPr lang="en-US" smtClean="0"/>
               <a:t>‹nr.›</a:t>
             </a:fld>
-            <a:endParaRPr lang="nl-BE"/>
+            <a:endParaRPr lang="en-US"/>
           </a:p>
         </p:txBody>
       </p:sp>
     </p:spTree>
     <p:extLst>
       <p:ext uri="{BB962C8B-B14F-4D97-AF65-F5344CB8AC3E}">
-        <p14:creationId xmlns:p14="http://schemas.microsoft.com/office/powerpoint/2010/main" val="249344527"/>
+        <p14:creationId xmlns:p14="http://schemas.microsoft.com/office/powerpoint/2010/main" val="1371603020"/>
       </p:ext>
     </p:extLst>
   </p:cSld>
@@ -336,7 +663,7 @@
 
 <file path=ppt/slideLayouts/slideLayout10.xml><?xml version="1.0" encoding="utf-8"?>
 <p:sldLayout xmlns:a="http://schemas.openxmlformats.org/drawingml/2006/main" xmlns:r="http://schemas.openxmlformats.org/officeDocument/2006/relationships" xmlns:p="http://schemas.openxmlformats.org/presentationml/2006/main" type="vertTx" preserve="1">
-  <p:cSld name="Titel en verticale tekst">
+  <p:cSld name="Title and Vertical Text">
     <p:spTree>
       <p:nvGrpSpPr>
         <p:cNvPr id="1" name=""/>
@@ -353,13 +680,7 @@
       </p:grpSpPr>
       <p:sp>
         <p:nvSpPr>
-          <p:cNvPr id="2" name="Titel 1">
-            <a:extLst>
-              <a:ext uri="{FF2B5EF4-FFF2-40B4-BE49-F238E27FC236}">
-                <a16:creationId xmlns:a16="http://schemas.microsoft.com/office/drawing/2014/main" id="{D0B0CED4-8E9F-511E-1933-ADE8DAE827B8}"/>
-              </a:ext>
-            </a:extLst>
-          </p:cNvPr>
+          <p:cNvPr id="2" name="Title 1"/>
           <p:cNvSpPr>
             <a:spLocks noGrp="1"/>
           </p:cNvSpPr>
@@ -373,22 +694,15 @@
           <a:lstStyle/>
           <a:p>
             <a:r>
-              <a:rPr lang="nl-NL"/>
-              <a:t>Klik om stijl te bewerken</a:t>
-            </a:r>
-            <a:endParaRPr lang="nl-BE"/>
-          </a:p>
-        </p:txBody>
-      </p:sp>
-      <p:sp>
-        <p:nvSpPr>
-          <p:cNvPr id="3" name="Tijdelijke aanduiding voor verticale tekst 2">
-            <a:extLst>
-              <a:ext uri="{FF2B5EF4-FFF2-40B4-BE49-F238E27FC236}">
-                <a16:creationId xmlns:a16="http://schemas.microsoft.com/office/drawing/2014/main" id="{ED6A7086-E281-BC3C-8E44-B65261C12613}"/>
-              </a:ext>
-            </a:extLst>
-          </p:cNvPr>
+              <a:rPr lang="en-US"/>
+              <a:t>Click to edit Master title style</a:t>
+            </a:r>
+          </a:p>
+        </p:txBody>
+      </p:sp>
+      <p:sp>
+        <p:nvSpPr>
+          <p:cNvPr id="3" name="Vertical Text Placeholder 2"/>
           <p:cNvSpPr>
             <a:spLocks noGrp="1"/>
           </p:cNvSpPr>
@@ -403,50 +717,43 @@
           <a:p>
             <a:pPr lvl="0"/>
             <a:r>
-              <a:rPr lang="nl-NL"/>
-              <a:t>Klikken om de tekststijl van het model te bewerken</a:t>
+              <a:rPr lang="en-US"/>
+              <a:t>Click to edit Master text styles</a:t>
             </a:r>
           </a:p>
           <a:p>
             <a:pPr lvl="1"/>
             <a:r>
-              <a:rPr lang="nl-NL"/>
-              <a:t>Tweede niveau</a:t>
+              <a:rPr lang="en-US"/>
+              <a:t>Second level</a:t>
             </a:r>
           </a:p>
           <a:p>
             <a:pPr lvl="2"/>
             <a:r>
-              <a:rPr lang="nl-NL"/>
-              <a:t>Derde niveau</a:t>
+              <a:rPr lang="en-US"/>
+              <a:t>Third level</a:t>
             </a:r>
           </a:p>
           <a:p>
             <a:pPr lvl="3"/>
             <a:r>
-              <a:rPr lang="nl-NL"/>
-              <a:t>Vierde niveau</a:t>
+              <a:rPr lang="en-US"/>
+              <a:t>Fourth level</a:t>
             </a:r>
           </a:p>
           <a:p>
             <a:pPr lvl="4"/>
             <a:r>
-              <a:rPr lang="nl-NL"/>
-              <a:t>Vijfde niveau</a:t>
-            </a:r>
-            <a:endParaRPr lang="nl-BE"/>
-          </a:p>
-        </p:txBody>
-      </p:sp>
-      <p:sp>
-        <p:nvSpPr>
-          <p:cNvPr id="4" name="Tijdelijke aanduiding voor datum 3">
-            <a:extLst>
-              <a:ext uri="{FF2B5EF4-FFF2-40B4-BE49-F238E27FC236}">
-                <a16:creationId xmlns:a16="http://schemas.microsoft.com/office/drawing/2014/main" id="{7DC592C1-6A4C-3795-6A11-2EA9594FF23F}"/>
-              </a:ext>
-            </a:extLst>
-          </p:cNvPr>
+              <a:rPr lang="en-US"/>
+              <a:t>Fifth level</a:t>
+            </a:r>
+          </a:p>
+        </p:txBody>
+      </p:sp>
+      <p:sp>
+        <p:nvSpPr>
+          <p:cNvPr id="4" name="Date Placeholder 3"/>
           <p:cNvSpPr>
             <a:spLocks noGrp="1"/>
           </p:cNvSpPr>
@@ -459,23 +766,17 @@
           <a:bodyPr/>
           <a:lstStyle/>
           <a:p>
-            <a:fld id="{B122D6EC-866D-48C9-925C-D529405F6C81}" type="datetimeFigureOut">
-              <a:rPr lang="nl-BE" smtClean="0"/>
-              <a:t>31/10/2022</a:t>
+            <a:fld id="{54DB6B26-6A9F-4406-92F5-6D332EF95DFD}" type="datetime1">
+              <a:rPr lang="en-US" smtClean="0"/>
+              <a:t>11/4/2022</a:t>
             </a:fld>
-            <a:endParaRPr lang="nl-BE"/>
-          </a:p>
-        </p:txBody>
-      </p:sp>
-      <p:sp>
-        <p:nvSpPr>
-          <p:cNvPr id="5" name="Tijdelijke aanduiding voor voettekst 4">
-            <a:extLst>
-              <a:ext uri="{FF2B5EF4-FFF2-40B4-BE49-F238E27FC236}">
-                <a16:creationId xmlns:a16="http://schemas.microsoft.com/office/drawing/2014/main" id="{7A10B166-4872-2DDF-FBEC-8C7F7AB80901}"/>
-              </a:ext>
-            </a:extLst>
-          </p:cNvPr>
+            <a:endParaRPr lang="en-US"/>
+          </a:p>
+        </p:txBody>
+      </p:sp>
+      <p:sp>
+        <p:nvSpPr>
+          <p:cNvPr id="5" name="Footer Placeholder 4"/>
           <p:cNvSpPr>
             <a:spLocks noGrp="1"/>
           </p:cNvSpPr>
@@ -488,19 +789,13 @@
           <a:bodyPr/>
           <a:lstStyle/>
           <a:p>
-            <a:endParaRPr lang="nl-BE"/>
-          </a:p>
-        </p:txBody>
-      </p:sp>
-      <p:sp>
-        <p:nvSpPr>
-          <p:cNvPr id="6" name="Tijdelijke aanduiding voor dianummer 5">
-            <a:extLst>
-              <a:ext uri="{FF2B5EF4-FFF2-40B4-BE49-F238E27FC236}">
-                <a16:creationId xmlns:a16="http://schemas.microsoft.com/office/drawing/2014/main" id="{C22B06E7-5611-7590-91D9-802DCD4E1A41}"/>
-              </a:ext>
-            </a:extLst>
-          </p:cNvPr>
+            <a:endParaRPr lang="en-US"/>
+          </a:p>
+        </p:txBody>
+      </p:sp>
+      <p:sp>
+        <p:nvSpPr>
+          <p:cNvPr id="6" name="Slide Number Placeholder 5"/>
           <p:cNvSpPr>
             <a:spLocks noGrp="1"/>
           </p:cNvSpPr>
@@ -513,18 +808,18 @@
           <a:bodyPr/>
           <a:lstStyle/>
           <a:p>
-            <a:fld id="{7D4F5712-4DFC-4A89-8F2A-D717D9919970}" type="slidenum">
-              <a:rPr lang="nl-BE" smtClean="0"/>
+            <a:fld id="{58EBAA78-A8B6-4B10-8AE6-E0A63F3F5923}" type="slidenum">
+              <a:rPr lang="en-US" smtClean="0"/>
               <a:t>‹nr.›</a:t>
             </a:fld>
-            <a:endParaRPr lang="nl-BE"/>
+            <a:endParaRPr lang="en-US"/>
           </a:p>
         </p:txBody>
       </p:sp>
     </p:spTree>
     <p:extLst>
       <p:ext uri="{BB962C8B-B14F-4D97-AF65-F5344CB8AC3E}">
-        <p14:creationId xmlns:p14="http://schemas.microsoft.com/office/powerpoint/2010/main" val="977153507"/>
+        <p14:creationId xmlns:p14="http://schemas.microsoft.com/office/powerpoint/2010/main" val="1715152369"/>
       </p:ext>
     </p:extLst>
   </p:cSld>
@@ -536,7 +831,7 @@
 
 <file path=ppt/slideLayouts/slideLayout11.xml><?xml version="1.0" encoding="utf-8"?>
 <p:sldLayout xmlns:a="http://schemas.openxmlformats.org/drawingml/2006/main" xmlns:r="http://schemas.openxmlformats.org/officeDocument/2006/relationships" xmlns:p="http://schemas.openxmlformats.org/presentationml/2006/main" type="vertTitleAndTx" preserve="1">
-  <p:cSld name="Verticale titel en tekst">
+  <p:cSld name="Vertical Title and Text">
     <p:spTree>
       <p:nvGrpSpPr>
         <p:cNvPr id="1" name=""/>
@@ -553,13 +848,7 @@
       </p:grpSpPr>
       <p:sp>
         <p:nvSpPr>
-          <p:cNvPr id="2" name="Verticale titel 1">
-            <a:extLst>
-              <a:ext uri="{FF2B5EF4-FFF2-40B4-BE49-F238E27FC236}">
-                <a16:creationId xmlns:a16="http://schemas.microsoft.com/office/drawing/2014/main" id="{80476FF5-6D94-1E8B-137B-4345A6B268B6}"/>
-              </a:ext>
-            </a:extLst>
-          </p:cNvPr>
+          <p:cNvPr id="2" name="Vertical Title 1"/>
           <p:cNvSpPr>
             <a:spLocks noGrp="1"/>
           </p:cNvSpPr>
@@ -578,22 +867,15 @@
           <a:lstStyle/>
           <a:p>
             <a:r>
-              <a:rPr lang="nl-NL"/>
-              <a:t>Klik om stijl te bewerken</a:t>
-            </a:r>
-            <a:endParaRPr lang="nl-BE"/>
-          </a:p>
-        </p:txBody>
-      </p:sp>
-      <p:sp>
-        <p:nvSpPr>
-          <p:cNvPr id="3" name="Tijdelijke aanduiding voor verticale tekst 2">
-            <a:extLst>
-              <a:ext uri="{FF2B5EF4-FFF2-40B4-BE49-F238E27FC236}">
-                <a16:creationId xmlns:a16="http://schemas.microsoft.com/office/drawing/2014/main" id="{9CFC5188-FC0E-4065-F6E7-341953B077E5}"/>
-              </a:ext>
-            </a:extLst>
-          </p:cNvPr>
+              <a:rPr lang="en-US"/>
+              <a:t>Click to edit Master title style</a:t>
+            </a:r>
+          </a:p>
+        </p:txBody>
+      </p:sp>
+      <p:sp>
+        <p:nvSpPr>
+          <p:cNvPr id="3" name="Vertical Text Placeholder 2"/>
           <p:cNvSpPr>
             <a:spLocks noGrp="1"/>
           </p:cNvSpPr>
@@ -613,50 +895,43 @@
           <a:p>
             <a:pPr lvl="0"/>
             <a:r>
-              <a:rPr lang="nl-NL"/>
-              <a:t>Klikken om de tekststijl van het model te bewerken</a:t>
+              <a:rPr lang="en-US"/>
+              <a:t>Click to edit Master text styles</a:t>
             </a:r>
           </a:p>
           <a:p>
             <a:pPr lvl="1"/>
             <a:r>
-              <a:rPr lang="nl-NL"/>
-              <a:t>Tweede niveau</a:t>
+              <a:rPr lang="en-US"/>
+              <a:t>Second level</a:t>
             </a:r>
           </a:p>
           <a:p>
             <a:pPr lvl="2"/>
             <a:r>
-              <a:rPr lang="nl-NL"/>
-              <a:t>Derde niveau</a:t>
+              <a:rPr lang="en-US"/>
+              <a:t>Third level</a:t>
             </a:r>
           </a:p>
           <a:p>
             <a:pPr lvl="3"/>
             <a:r>
-              <a:rPr lang="nl-NL"/>
-              <a:t>Vierde niveau</a:t>
+              <a:rPr lang="en-US"/>
+              <a:t>Fourth level</a:t>
             </a:r>
           </a:p>
           <a:p>
             <a:pPr lvl="4"/>
             <a:r>
-              <a:rPr lang="nl-NL"/>
-              <a:t>Vijfde niveau</a:t>
-            </a:r>
-            <a:endParaRPr lang="nl-BE"/>
-          </a:p>
-        </p:txBody>
-      </p:sp>
-      <p:sp>
-        <p:nvSpPr>
-          <p:cNvPr id="4" name="Tijdelijke aanduiding voor datum 3">
-            <a:extLst>
-              <a:ext uri="{FF2B5EF4-FFF2-40B4-BE49-F238E27FC236}">
-                <a16:creationId xmlns:a16="http://schemas.microsoft.com/office/drawing/2014/main" id="{62F7A04A-F7F3-55EA-FC6D-556485300BB2}"/>
-              </a:ext>
-            </a:extLst>
-          </p:cNvPr>
+              <a:rPr lang="en-US"/>
+              <a:t>Fifth level</a:t>
+            </a:r>
+          </a:p>
+        </p:txBody>
+      </p:sp>
+      <p:sp>
+        <p:nvSpPr>
+          <p:cNvPr id="4" name="Date Placeholder 3"/>
           <p:cNvSpPr>
             <a:spLocks noGrp="1"/>
           </p:cNvSpPr>
@@ -669,23 +944,17 @@
           <a:bodyPr/>
           <a:lstStyle/>
           <a:p>
-            <a:fld id="{B122D6EC-866D-48C9-925C-D529405F6C81}" type="datetimeFigureOut">
-              <a:rPr lang="nl-BE" smtClean="0"/>
-              <a:t>31/10/2022</a:t>
+            <a:fld id="{F7CFF9CC-CF3B-44C1-BD85-CB8CD18212E2}" type="datetime1">
+              <a:rPr lang="en-US" smtClean="0"/>
+              <a:t>11/4/2022</a:t>
             </a:fld>
-            <a:endParaRPr lang="nl-BE"/>
-          </a:p>
-        </p:txBody>
-      </p:sp>
-      <p:sp>
-        <p:nvSpPr>
-          <p:cNvPr id="5" name="Tijdelijke aanduiding voor voettekst 4">
-            <a:extLst>
-              <a:ext uri="{FF2B5EF4-FFF2-40B4-BE49-F238E27FC236}">
-                <a16:creationId xmlns:a16="http://schemas.microsoft.com/office/drawing/2014/main" id="{4D9E1387-9182-B888-59C4-73B7656F2AB8}"/>
-              </a:ext>
-            </a:extLst>
-          </p:cNvPr>
+            <a:endParaRPr lang="en-US"/>
+          </a:p>
+        </p:txBody>
+      </p:sp>
+      <p:sp>
+        <p:nvSpPr>
+          <p:cNvPr id="5" name="Footer Placeholder 4"/>
           <p:cNvSpPr>
             <a:spLocks noGrp="1"/>
           </p:cNvSpPr>
@@ -698,19 +967,13 @@
           <a:bodyPr/>
           <a:lstStyle/>
           <a:p>
-            <a:endParaRPr lang="nl-BE"/>
-          </a:p>
-        </p:txBody>
-      </p:sp>
-      <p:sp>
-        <p:nvSpPr>
-          <p:cNvPr id="6" name="Tijdelijke aanduiding voor dianummer 5">
-            <a:extLst>
-              <a:ext uri="{FF2B5EF4-FFF2-40B4-BE49-F238E27FC236}">
-                <a16:creationId xmlns:a16="http://schemas.microsoft.com/office/drawing/2014/main" id="{937F7000-5CDD-ECB0-A338-E890DA7D5B30}"/>
-              </a:ext>
-            </a:extLst>
-          </p:cNvPr>
+            <a:endParaRPr lang="en-US"/>
+          </a:p>
+        </p:txBody>
+      </p:sp>
+      <p:sp>
+        <p:nvSpPr>
+          <p:cNvPr id="6" name="Slide Number Placeholder 5"/>
           <p:cNvSpPr>
             <a:spLocks noGrp="1"/>
           </p:cNvSpPr>
@@ -723,18 +986,18 @@
           <a:bodyPr/>
           <a:lstStyle/>
           <a:p>
-            <a:fld id="{7D4F5712-4DFC-4A89-8F2A-D717D9919970}" type="slidenum">
-              <a:rPr lang="nl-BE" smtClean="0"/>
+            <a:fld id="{58EBAA78-A8B6-4B10-8AE6-E0A63F3F5923}" type="slidenum">
+              <a:rPr lang="en-US" smtClean="0"/>
               <a:t>‹nr.›</a:t>
             </a:fld>
-            <a:endParaRPr lang="nl-BE"/>
+            <a:endParaRPr lang="en-US"/>
           </a:p>
         </p:txBody>
       </p:sp>
     </p:spTree>
     <p:extLst>
       <p:ext uri="{BB962C8B-B14F-4D97-AF65-F5344CB8AC3E}">
-        <p14:creationId xmlns:p14="http://schemas.microsoft.com/office/powerpoint/2010/main" val="3660655911"/>
+        <p14:creationId xmlns:p14="http://schemas.microsoft.com/office/powerpoint/2010/main" val="4265133022"/>
       </p:ext>
     </p:extLst>
   </p:cSld>
@@ -746,7 +1009,7 @@
 
 <file path=ppt/slideLayouts/slideLayout2.xml><?xml version="1.0" encoding="utf-8"?>
 <p:sldLayout xmlns:a="http://schemas.openxmlformats.org/drawingml/2006/main" xmlns:r="http://schemas.openxmlformats.org/officeDocument/2006/relationships" xmlns:p="http://schemas.openxmlformats.org/presentationml/2006/main" type="obj" preserve="1">
-  <p:cSld name="Titel en object">
+  <p:cSld name="Title and Content">
     <p:spTree>
       <p:nvGrpSpPr>
         <p:cNvPr id="1" name=""/>
@@ -763,13 +1026,7 @@
       </p:grpSpPr>
       <p:sp>
         <p:nvSpPr>
-          <p:cNvPr id="2" name="Titel 1">
-            <a:extLst>
-              <a:ext uri="{FF2B5EF4-FFF2-40B4-BE49-F238E27FC236}">
-                <a16:creationId xmlns:a16="http://schemas.microsoft.com/office/drawing/2014/main" id="{FFE3192A-28D9-76CA-9315-D1AEB9CDCB35}"/>
-              </a:ext>
-            </a:extLst>
-          </p:cNvPr>
+          <p:cNvPr id="2" name="Title 1"/>
           <p:cNvSpPr>
             <a:spLocks noGrp="1"/>
           </p:cNvSpPr>
@@ -783,22 +1040,15 @@
           <a:lstStyle/>
           <a:p>
             <a:r>
-              <a:rPr lang="nl-NL"/>
-              <a:t>Klik om stijl te bewerken</a:t>
-            </a:r>
-            <a:endParaRPr lang="nl-BE"/>
-          </a:p>
-        </p:txBody>
-      </p:sp>
-      <p:sp>
-        <p:nvSpPr>
-          <p:cNvPr id="3" name="Tijdelijke aanduiding voor inhoud 2">
-            <a:extLst>
-              <a:ext uri="{FF2B5EF4-FFF2-40B4-BE49-F238E27FC236}">
-                <a16:creationId xmlns:a16="http://schemas.microsoft.com/office/drawing/2014/main" id="{17E1905A-9671-DE39-7740-849FCE064302}"/>
-              </a:ext>
-            </a:extLst>
-          </p:cNvPr>
+              <a:rPr lang="en-US"/>
+              <a:t>Click to edit Master title style</a:t>
+            </a:r>
+          </a:p>
+        </p:txBody>
+      </p:sp>
+      <p:sp>
+        <p:nvSpPr>
+          <p:cNvPr id="3" name="Content Placeholder 2"/>
           <p:cNvSpPr>
             <a:spLocks noGrp="1"/>
           </p:cNvSpPr>
@@ -813,50 +1063,43 @@
           <a:p>
             <a:pPr lvl="0"/>
             <a:r>
-              <a:rPr lang="nl-NL"/>
-              <a:t>Klikken om de tekststijl van het model te bewerken</a:t>
+              <a:rPr lang="en-US"/>
+              <a:t>Click to edit Master text styles</a:t>
             </a:r>
           </a:p>
           <a:p>
             <a:pPr lvl="1"/>
             <a:r>
-              <a:rPr lang="nl-NL"/>
-              <a:t>Tweede niveau</a:t>
+              <a:rPr lang="en-US"/>
+              <a:t>Second level</a:t>
             </a:r>
           </a:p>
           <a:p>
             <a:pPr lvl="2"/>
             <a:r>
-              <a:rPr lang="nl-NL"/>
-              <a:t>Derde niveau</a:t>
+              <a:rPr lang="en-US"/>
+              <a:t>Third level</a:t>
             </a:r>
           </a:p>
           <a:p>
             <a:pPr lvl="3"/>
             <a:r>
-              <a:rPr lang="nl-NL"/>
-              <a:t>Vierde niveau</a:t>
+              <a:rPr lang="en-US"/>
+              <a:t>Fourth level</a:t>
             </a:r>
           </a:p>
           <a:p>
             <a:pPr lvl="4"/>
             <a:r>
-              <a:rPr lang="nl-NL"/>
-              <a:t>Vijfde niveau</a:t>
-            </a:r>
-            <a:endParaRPr lang="nl-BE"/>
-          </a:p>
-        </p:txBody>
-      </p:sp>
-      <p:sp>
-        <p:nvSpPr>
-          <p:cNvPr id="4" name="Tijdelijke aanduiding voor datum 3">
-            <a:extLst>
-              <a:ext uri="{FF2B5EF4-FFF2-40B4-BE49-F238E27FC236}">
-                <a16:creationId xmlns:a16="http://schemas.microsoft.com/office/drawing/2014/main" id="{2855D16F-1CF5-1557-75E6-572BD609294F}"/>
-              </a:ext>
-            </a:extLst>
-          </p:cNvPr>
+              <a:rPr lang="en-US"/>
+              <a:t>Fifth level</a:t>
+            </a:r>
+          </a:p>
+        </p:txBody>
+      </p:sp>
+      <p:sp>
+        <p:nvSpPr>
+          <p:cNvPr id="4" name="Date Placeholder 3"/>
           <p:cNvSpPr>
             <a:spLocks noGrp="1"/>
           </p:cNvSpPr>
@@ -869,23 +1112,17 @@
           <a:bodyPr/>
           <a:lstStyle/>
           <a:p>
-            <a:fld id="{B122D6EC-866D-48C9-925C-D529405F6C81}" type="datetimeFigureOut">
-              <a:rPr lang="nl-BE" smtClean="0"/>
-              <a:t>31/10/2022</a:t>
+            <a:fld id="{3938454D-FE39-42CD-BE11-AE96EA6800B4}" type="datetime1">
+              <a:rPr lang="en-US" smtClean="0"/>
+              <a:t>11/4/2022</a:t>
             </a:fld>
-            <a:endParaRPr lang="nl-BE"/>
-          </a:p>
-        </p:txBody>
-      </p:sp>
-      <p:sp>
-        <p:nvSpPr>
-          <p:cNvPr id="5" name="Tijdelijke aanduiding voor voettekst 4">
-            <a:extLst>
-              <a:ext uri="{FF2B5EF4-FFF2-40B4-BE49-F238E27FC236}">
-                <a16:creationId xmlns:a16="http://schemas.microsoft.com/office/drawing/2014/main" id="{20B7CF44-11BC-3DCB-75BB-49D102931F6D}"/>
-              </a:ext>
-            </a:extLst>
-          </p:cNvPr>
+            <a:endParaRPr lang="en-US"/>
+          </a:p>
+        </p:txBody>
+      </p:sp>
+      <p:sp>
+        <p:nvSpPr>
+          <p:cNvPr id="5" name="Footer Placeholder 4"/>
           <p:cNvSpPr>
             <a:spLocks noGrp="1"/>
           </p:cNvSpPr>
@@ -898,19 +1135,13 @@
           <a:bodyPr/>
           <a:lstStyle/>
           <a:p>
-            <a:endParaRPr lang="nl-BE"/>
-          </a:p>
-        </p:txBody>
-      </p:sp>
-      <p:sp>
-        <p:nvSpPr>
-          <p:cNvPr id="6" name="Tijdelijke aanduiding voor dianummer 5">
-            <a:extLst>
-              <a:ext uri="{FF2B5EF4-FFF2-40B4-BE49-F238E27FC236}">
-                <a16:creationId xmlns:a16="http://schemas.microsoft.com/office/drawing/2014/main" id="{B168C36D-7921-23C6-84E9-A24C37D39A81}"/>
-              </a:ext>
-            </a:extLst>
-          </p:cNvPr>
+            <a:endParaRPr lang="en-US"/>
+          </a:p>
+        </p:txBody>
+      </p:sp>
+      <p:sp>
+        <p:nvSpPr>
+          <p:cNvPr id="6" name="Slide Number Placeholder 5"/>
           <p:cNvSpPr>
             <a:spLocks noGrp="1"/>
           </p:cNvSpPr>
@@ -923,18 +1154,18 @@
           <a:bodyPr/>
           <a:lstStyle/>
           <a:p>
-            <a:fld id="{7D4F5712-4DFC-4A89-8F2A-D717D9919970}" type="slidenum">
-              <a:rPr lang="nl-BE" smtClean="0"/>
+            <a:fld id="{58EBAA78-A8B6-4B10-8AE6-E0A63F3F5923}" type="slidenum">
+              <a:rPr lang="en-US" smtClean="0"/>
               <a:t>‹nr.›</a:t>
             </a:fld>
-            <a:endParaRPr lang="nl-BE"/>
+            <a:endParaRPr lang="en-US"/>
           </a:p>
         </p:txBody>
       </p:sp>
     </p:spTree>
     <p:extLst>
       <p:ext uri="{BB962C8B-B14F-4D97-AF65-F5344CB8AC3E}">
-        <p14:creationId xmlns:p14="http://schemas.microsoft.com/office/powerpoint/2010/main" val="823059175"/>
+        <p14:creationId xmlns:p14="http://schemas.microsoft.com/office/powerpoint/2010/main" val="2217417427"/>
       </p:ext>
     </p:extLst>
   </p:cSld>
@@ -946,7 +1177,7 @@
 
 <file path=ppt/slideLayouts/slideLayout3.xml><?xml version="1.0" encoding="utf-8"?>
 <p:sldLayout xmlns:a="http://schemas.openxmlformats.org/drawingml/2006/main" xmlns:r="http://schemas.openxmlformats.org/officeDocument/2006/relationships" xmlns:p="http://schemas.openxmlformats.org/presentationml/2006/main" type="secHead" preserve="1">
-  <p:cSld name="Sectiekop">
+  <p:cSld name="Section Header">
     <p:spTree>
       <p:nvGrpSpPr>
         <p:cNvPr id="1" name=""/>
@@ -963,13 +1194,7 @@
       </p:grpSpPr>
       <p:sp>
         <p:nvSpPr>
-          <p:cNvPr id="2" name="Titel 1">
-            <a:extLst>
-              <a:ext uri="{FF2B5EF4-FFF2-40B4-BE49-F238E27FC236}">
-                <a16:creationId xmlns:a16="http://schemas.microsoft.com/office/drawing/2014/main" id="{309A0E73-60E6-3E15-9765-91163F5D7A43}"/>
-              </a:ext>
-            </a:extLst>
-          </p:cNvPr>
+          <p:cNvPr id="2" name="Title 1"/>
           <p:cNvSpPr>
             <a:spLocks noGrp="1"/>
           </p:cNvSpPr>
@@ -992,22 +1217,15 @@
           </a:lstStyle>
           <a:p>
             <a:r>
-              <a:rPr lang="nl-NL"/>
-              <a:t>Klik om stijl te bewerken</a:t>
-            </a:r>
-            <a:endParaRPr lang="nl-BE"/>
-          </a:p>
-        </p:txBody>
-      </p:sp>
-      <p:sp>
-        <p:nvSpPr>
-          <p:cNvPr id="3" name="Tijdelijke aanduiding voor tekst 2">
-            <a:extLst>
-              <a:ext uri="{FF2B5EF4-FFF2-40B4-BE49-F238E27FC236}">
-                <a16:creationId xmlns:a16="http://schemas.microsoft.com/office/drawing/2014/main" id="{58EFBE86-5DBA-5C7F-CB06-DD416C02D0D8}"/>
-              </a:ext>
-            </a:extLst>
-          </p:cNvPr>
+              <a:rPr lang="en-US"/>
+              <a:t>Click to edit Master title style</a:t>
+            </a:r>
+          </a:p>
+        </p:txBody>
+      </p:sp>
+      <p:sp>
+        <p:nvSpPr>
+          <p:cNvPr id="3" name="Text Placeholder 2"/>
           <p:cNvSpPr>
             <a:spLocks noGrp="1"/>
           </p:cNvSpPr>
@@ -1118,21 +1336,15 @@
           <a:p>
             <a:pPr lvl="0"/>
             <a:r>
-              <a:rPr lang="nl-NL"/>
-              <a:t>Klikken om de tekststijl van het model te bewerken</a:t>
-            </a:r>
-          </a:p>
-        </p:txBody>
-      </p:sp>
-      <p:sp>
-        <p:nvSpPr>
-          <p:cNvPr id="4" name="Tijdelijke aanduiding voor datum 3">
-            <a:extLst>
-              <a:ext uri="{FF2B5EF4-FFF2-40B4-BE49-F238E27FC236}">
-                <a16:creationId xmlns:a16="http://schemas.microsoft.com/office/drawing/2014/main" id="{663D6F22-10F0-22DA-19A1-0589D83B2176}"/>
-              </a:ext>
-            </a:extLst>
-          </p:cNvPr>
+              <a:rPr lang="en-US"/>
+              <a:t>Click to edit Master text styles</a:t>
+            </a:r>
+          </a:p>
+        </p:txBody>
+      </p:sp>
+      <p:sp>
+        <p:nvSpPr>
+          <p:cNvPr id="4" name="Date Placeholder 3"/>
           <p:cNvSpPr>
             <a:spLocks noGrp="1"/>
           </p:cNvSpPr>
@@ -1145,23 +1357,17 @@
           <a:bodyPr/>
           <a:lstStyle/>
           <a:p>
-            <a:fld id="{B122D6EC-866D-48C9-925C-D529405F6C81}" type="datetimeFigureOut">
-              <a:rPr lang="nl-BE" smtClean="0"/>
-              <a:t>31/10/2022</a:t>
+            <a:fld id="{15AC4295-CAF5-4ECE-9BA5-421ACF1724F7}" type="datetime1">
+              <a:rPr lang="en-US" smtClean="0"/>
+              <a:t>11/4/2022</a:t>
             </a:fld>
-            <a:endParaRPr lang="nl-BE"/>
-          </a:p>
-        </p:txBody>
-      </p:sp>
-      <p:sp>
-        <p:nvSpPr>
-          <p:cNvPr id="5" name="Tijdelijke aanduiding voor voettekst 4">
-            <a:extLst>
-              <a:ext uri="{FF2B5EF4-FFF2-40B4-BE49-F238E27FC236}">
-                <a16:creationId xmlns:a16="http://schemas.microsoft.com/office/drawing/2014/main" id="{73034343-3D9F-D26F-BBF1-0D38DBE4211A}"/>
-              </a:ext>
-            </a:extLst>
-          </p:cNvPr>
+            <a:endParaRPr lang="en-US"/>
+          </a:p>
+        </p:txBody>
+      </p:sp>
+      <p:sp>
+        <p:nvSpPr>
+          <p:cNvPr id="5" name="Footer Placeholder 4"/>
           <p:cNvSpPr>
             <a:spLocks noGrp="1"/>
           </p:cNvSpPr>
@@ -1174,19 +1380,13 @@
           <a:bodyPr/>
           <a:lstStyle/>
           <a:p>
-            <a:endParaRPr lang="nl-BE"/>
-          </a:p>
-        </p:txBody>
-      </p:sp>
-      <p:sp>
-        <p:nvSpPr>
-          <p:cNvPr id="6" name="Tijdelijke aanduiding voor dianummer 5">
-            <a:extLst>
-              <a:ext uri="{FF2B5EF4-FFF2-40B4-BE49-F238E27FC236}">
-                <a16:creationId xmlns:a16="http://schemas.microsoft.com/office/drawing/2014/main" id="{0333E321-C77A-2473-4362-BBF8473023E1}"/>
-              </a:ext>
-            </a:extLst>
-          </p:cNvPr>
+            <a:endParaRPr lang="en-US"/>
+          </a:p>
+        </p:txBody>
+      </p:sp>
+      <p:sp>
+        <p:nvSpPr>
+          <p:cNvPr id="6" name="Slide Number Placeholder 5"/>
           <p:cNvSpPr>
             <a:spLocks noGrp="1"/>
           </p:cNvSpPr>
@@ -1199,18 +1399,18 @@
           <a:bodyPr/>
           <a:lstStyle/>
           <a:p>
-            <a:fld id="{7D4F5712-4DFC-4A89-8F2A-D717D9919970}" type="slidenum">
-              <a:rPr lang="nl-BE" smtClean="0"/>
+            <a:fld id="{58EBAA78-A8B6-4B10-8AE6-E0A63F3F5923}" type="slidenum">
+              <a:rPr lang="en-US" smtClean="0"/>
               <a:t>‹nr.›</a:t>
             </a:fld>
-            <a:endParaRPr lang="nl-BE"/>
+            <a:endParaRPr lang="en-US"/>
           </a:p>
         </p:txBody>
       </p:sp>
     </p:spTree>
     <p:extLst>
       <p:ext uri="{BB962C8B-B14F-4D97-AF65-F5344CB8AC3E}">
-        <p14:creationId xmlns:p14="http://schemas.microsoft.com/office/powerpoint/2010/main" val="4158178719"/>
+        <p14:creationId xmlns:p14="http://schemas.microsoft.com/office/powerpoint/2010/main" val="1319812401"/>
       </p:ext>
     </p:extLst>
   </p:cSld>
@@ -1222,7 +1422,7 @@
 
 <file path=ppt/slideLayouts/slideLayout4.xml><?xml version="1.0" encoding="utf-8"?>
 <p:sldLayout xmlns:a="http://schemas.openxmlformats.org/drawingml/2006/main" xmlns:r="http://schemas.openxmlformats.org/officeDocument/2006/relationships" xmlns:p="http://schemas.openxmlformats.org/presentationml/2006/main" type="twoObj" preserve="1">
-  <p:cSld name="Inhoud van twee">
+  <p:cSld name="Two Content">
     <p:spTree>
       <p:nvGrpSpPr>
         <p:cNvPr id="1" name=""/>
@@ -1239,13 +1439,7 @@
       </p:grpSpPr>
       <p:sp>
         <p:nvSpPr>
-          <p:cNvPr id="2" name="Titel 1">
-            <a:extLst>
-              <a:ext uri="{FF2B5EF4-FFF2-40B4-BE49-F238E27FC236}">
-                <a16:creationId xmlns:a16="http://schemas.microsoft.com/office/drawing/2014/main" id="{7865013E-7F1D-A109-1FBF-AA9185541505}"/>
-              </a:ext>
-            </a:extLst>
-          </p:cNvPr>
+          <p:cNvPr id="2" name="Title 1"/>
           <p:cNvSpPr>
             <a:spLocks noGrp="1"/>
           </p:cNvSpPr>
@@ -1259,22 +1453,15 @@
           <a:lstStyle/>
           <a:p>
             <a:r>
-              <a:rPr lang="nl-NL"/>
-              <a:t>Klik om stijl te bewerken</a:t>
-            </a:r>
-            <a:endParaRPr lang="nl-BE"/>
-          </a:p>
-        </p:txBody>
-      </p:sp>
-      <p:sp>
-        <p:nvSpPr>
-          <p:cNvPr id="3" name="Tijdelijke aanduiding voor inhoud 2">
-            <a:extLst>
-              <a:ext uri="{FF2B5EF4-FFF2-40B4-BE49-F238E27FC236}">
-                <a16:creationId xmlns:a16="http://schemas.microsoft.com/office/drawing/2014/main" id="{9C9B647C-3B5D-4785-A71E-C83A80716F45}"/>
-              </a:ext>
-            </a:extLst>
-          </p:cNvPr>
+              <a:rPr lang="en-US"/>
+              <a:t>Click to edit Master title style</a:t>
+            </a:r>
+          </a:p>
+        </p:txBody>
+      </p:sp>
+      <p:sp>
+        <p:nvSpPr>
+          <p:cNvPr id="3" name="Content Placeholder 2"/>
           <p:cNvSpPr>
             <a:spLocks noGrp="1"/>
           </p:cNvSpPr>
@@ -1294,50 +1481,43 @@
           <a:p>
             <a:pPr lvl="0"/>
             <a:r>
-              <a:rPr lang="nl-NL"/>
-              <a:t>Klikken om de tekststijl van het model te bewerken</a:t>
+              <a:rPr lang="en-US"/>
+              <a:t>Click to edit Master text styles</a:t>
             </a:r>
           </a:p>
           <a:p>
             <a:pPr lvl="1"/>
             <a:r>
-              <a:rPr lang="nl-NL"/>
-              <a:t>Tweede niveau</a:t>
+              <a:rPr lang="en-US"/>
+              <a:t>Second level</a:t>
             </a:r>
           </a:p>
           <a:p>
             <a:pPr lvl="2"/>
             <a:r>
-              <a:rPr lang="nl-NL"/>
-              <a:t>Derde niveau</a:t>
+              <a:rPr lang="en-US"/>
+              <a:t>Third level</a:t>
             </a:r>
           </a:p>
           <a:p>
             <a:pPr lvl="3"/>
             <a:r>
-              <a:rPr lang="nl-NL"/>
-              <a:t>Vierde niveau</a:t>
+              <a:rPr lang="en-US"/>
+              <a:t>Fourth level</a:t>
             </a:r>
           </a:p>
           <a:p>
             <a:pPr lvl="4"/>
             <a:r>
-              <a:rPr lang="nl-NL"/>
-              <a:t>Vijfde niveau</a:t>
-            </a:r>
-            <a:endParaRPr lang="nl-BE"/>
-          </a:p>
-        </p:txBody>
-      </p:sp>
-      <p:sp>
-        <p:nvSpPr>
-          <p:cNvPr id="4" name="Tijdelijke aanduiding voor inhoud 3">
-            <a:extLst>
-              <a:ext uri="{FF2B5EF4-FFF2-40B4-BE49-F238E27FC236}">
-                <a16:creationId xmlns:a16="http://schemas.microsoft.com/office/drawing/2014/main" id="{72336C45-2607-4B02-17DE-A3FE3BF1A2A6}"/>
-              </a:ext>
-            </a:extLst>
-          </p:cNvPr>
+              <a:rPr lang="en-US"/>
+              <a:t>Fifth level</a:t>
+            </a:r>
+          </a:p>
+        </p:txBody>
+      </p:sp>
+      <p:sp>
+        <p:nvSpPr>
+          <p:cNvPr id="4" name="Content Placeholder 3"/>
           <p:cNvSpPr>
             <a:spLocks noGrp="1"/>
           </p:cNvSpPr>
@@ -1357,50 +1537,43 @@
           <a:p>
             <a:pPr lvl="0"/>
             <a:r>
-              <a:rPr lang="nl-NL"/>
-              <a:t>Klikken om de tekststijl van het model te bewerken</a:t>
+              <a:rPr lang="en-US"/>
+              <a:t>Click to edit Master text styles</a:t>
             </a:r>
           </a:p>
           <a:p>
             <a:pPr lvl="1"/>
             <a:r>
-              <a:rPr lang="nl-NL"/>
-              <a:t>Tweede niveau</a:t>
+              <a:rPr lang="en-US"/>
+              <a:t>Second level</a:t>
             </a:r>
           </a:p>
           <a:p>
             <a:pPr lvl="2"/>
             <a:r>
-              <a:rPr lang="nl-NL"/>
-              <a:t>Derde niveau</a:t>
+              <a:rPr lang="en-US"/>
+              <a:t>Third level</a:t>
             </a:r>
           </a:p>
           <a:p>
             <a:pPr lvl="3"/>
             <a:r>
-              <a:rPr lang="nl-NL"/>
-              <a:t>Vierde niveau</a:t>
+              <a:rPr lang="en-US"/>
+              <a:t>Fourth level</a:t>
             </a:r>
           </a:p>
           <a:p>
             <a:pPr lvl="4"/>
             <a:r>
-              <a:rPr lang="nl-NL"/>
-              <a:t>Vijfde niveau</a:t>
-            </a:r>
-            <a:endParaRPr lang="nl-BE"/>
-          </a:p>
-        </p:txBody>
-      </p:sp>
-      <p:sp>
-        <p:nvSpPr>
-          <p:cNvPr id="5" name="Tijdelijke aanduiding voor datum 4">
-            <a:extLst>
-              <a:ext uri="{FF2B5EF4-FFF2-40B4-BE49-F238E27FC236}">
-                <a16:creationId xmlns:a16="http://schemas.microsoft.com/office/drawing/2014/main" id="{EA34E1D6-2810-0831-4044-48C92E015E59}"/>
-              </a:ext>
-            </a:extLst>
-          </p:cNvPr>
+              <a:rPr lang="en-US"/>
+              <a:t>Fifth level</a:t>
+            </a:r>
+          </a:p>
+        </p:txBody>
+      </p:sp>
+      <p:sp>
+        <p:nvSpPr>
+          <p:cNvPr id="5" name="Date Placeholder 4"/>
           <p:cNvSpPr>
             <a:spLocks noGrp="1"/>
           </p:cNvSpPr>
@@ -1413,23 +1586,17 @@
           <a:bodyPr/>
           <a:lstStyle/>
           <a:p>
-            <a:fld id="{B122D6EC-866D-48C9-925C-D529405F6C81}" type="datetimeFigureOut">
-              <a:rPr lang="nl-BE" smtClean="0"/>
-              <a:t>31/10/2022</a:t>
+            <a:fld id="{2029BD38-4644-4DB7-ADAE-2B6E91DEDF25}" type="datetime1">
+              <a:rPr lang="en-US" smtClean="0"/>
+              <a:t>11/4/2022</a:t>
             </a:fld>
-            <a:endParaRPr lang="nl-BE"/>
-          </a:p>
-        </p:txBody>
-      </p:sp>
-      <p:sp>
-        <p:nvSpPr>
-          <p:cNvPr id="6" name="Tijdelijke aanduiding voor voettekst 5">
-            <a:extLst>
-              <a:ext uri="{FF2B5EF4-FFF2-40B4-BE49-F238E27FC236}">
-                <a16:creationId xmlns:a16="http://schemas.microsoft.com/office/drawing/2014/main" id="{9A28A0E7-F65D-E2FB-DE67-FFA67774C71A}"/>
-              </a:ext>
-            </a:extLst>
-          </p:cNvPr>
+            <a:endParaRPr lang="en-US"/>
+          </a:p>
+        </p:txBody>
+      </p:sp>
+      <p:sp>
+        <p:nvSpPr>
+          <p:cNvPr id="6" name="Footer Placeholder 5"/>
           <p:cNvSpPr>
             <a:spLocks noGrp="1"/>
           </p:cNvSpPr>
@@ -1442,19 +1609,13 @@
           <a:bodyPr/>
           <a:lstStyle/>
           <a:p>
-            <a:endParaRPr lang="nl-BE"/>
-          </a:p>
-        </p:txBody>
-      </p:sp>
-      <p:sp>
-        <p:nvSpPr>
-          <p:cNvPr id="7" name="Tijdelijke aanduiding voor dianummer 6">
-            <a:extLst>
-              <a:ext uri="{FF2B5EF4-FFF2-40B4-BE49-F238E27FC236}">
-                <a16:creationId xmlns:a16="http://schemas.microsoft.com/office/drawing/2014/main" id="{CED113D2-EE5E-1CE0-0438-A39C0B345AA1}"/>
-              </a:ext>
-            </a:extLst>
-          </p:cNvPr>
+            <a:endParaRPr lang="en-US"/>
+          </a:p>
+        </p:txBody>
+      </p:sp>
+      <p:sp>
+        <p:nvSpPr>
+          <p:cNvPr id="7" name="Slide Number Placeholder 6"/>
           <p:cNvSpPr>
             <a:spLocks noGrp="1"/>
           </p:cNvSpPr>
@@ -1467,18 +1628,18 @@
           <a:bodyPr/>
           <a:lstStyle/>
           <a:p>
-            <a:fld id="{7D4F5712-4DFC-4A89-8F2A-D717D9919970}" type="slidenum">
-              <a:rPr lang="nl-BE" smtClean="0"/>
+            <a:fld id="{58EBAA78-A8B6-4B10-8AE6-E0A63F3F5923}" type="slidenum">
+              <a:rPr lang="en-US" smtClean="0"/>
               <a:t>‹nr.›</a:t>
             </a:fld>
-            <a:endParaRPr lang="nl-BE"/>
+            <a:endParaRPr lang="en-US"/>
           </a:p>
         </p:txBody>
       </p:sp>
     </p:spTree>
     <p:extLst>
       <p:ext uri="{BB962C8B-B14F-4D97-AF65-F5344CB8AC3E}">
-        <p14:creationId xmlns:p14="http://schemas.microsoft.com/office/powerpoint/2010/main" val="3140824504"/>
+        <p14:creationId xmlns:p14="http://schemas.microsoft.com/office/powerpoint/2010/main" val="1825076382"/>
       </p:ext>
     </p:extLst>
   </p:cSld>
@@ -1490,7 +1651,7 @@
 
 <file path=ppt/slideLayouts/slideLayout5.xml><?xml version="1.0" encoding="utf-8"?>
 <p:sldLayout xmlns:a="http://schemas.openxmlformats.org/drawingml/2006/main" xmlns:r="http://schemas.openxmlformats.org/officeDocument/2006/relationships" xmlns:p="http://schemas.openxmlformats.org/presentationml/2006/main" type="twoTxTwoObj" preserve="1">
-  <p:cSld name="Vergelijking">
+  <p:cSld name="Comparison">
     <p:spTree>
       <p:nvGrpSpPr>
         <p:cNvPr id="1" name=""/>
@@ -1507,13 +1668,7 @@
       </p:grpSpPr>
       <p:sp>
         <p:nvSpPr>
-          <p:cNvPr id="2" name="Titel 1">
-            <a:extLst>
-              <a:ext uri="{FF2B5EF4-FFF2-40B4-BE49-F238E27FC236}">
-                <a16:creationId xmlns:a16="http://schemas.microsoft.com/office/drawing/2014/main" id="{59BB47E1-B4E2-DC01-928E-714AB707B907}"/>
-              </a:ext>
-            </a:extLst>
-          </p:cNvPr>
+          <p:cNvPr id="2" name="Title 1"/>
           <p:cNvSpPr>
             <a:spLocks noGrp="1"/>
           </p:cNvSpPr>
@@ -1532,22 +1687,15 @@
           <a:lstStyle/>
           <a:p>
             <a:r>
-              <a:rPr lang="nl-NL"/>
-              <a:t>Klik om stijl te bewerken</a:t>
-            </a:r>
-            <a:endParaRPr lang="nl-BE"/>
-          </a:p>
-        </p:txBody>
-      </p:sp>
-      <p:sp>
-        <p:nvSpPr>
-          <p:cNvPr id="3" name="Tijdelijke aanduiding voor tekst 2">
-            <a:extLst>
-              <a:ext uri="{FF2B5EF4-FFF2-40B4-BE49-F238E27FC236}">
-                <a16:creationId xmlns:a16="http://schemas.microsoft.com/office/drawing/2014/main" id="{021B7BAB-2CEB-FBBD-F41D-D455A08F2701}"/>
-              </a:ext>
-            </a:extLst>
-          </p:cNvPr>
+              <a:rPr lang="en-US"/>
+              <a:t>Click to edit Master title style</a:t>
+            </a:r>
+          </a:p>
+        </p:txBody>
+      </p:sp>
+      <p:sp>
+        <p:nvSpPr>
+          <p:cNvPr id="3" name="Text Placeholder 2"/>
           <p:cNvSpPr>
             <a:spLocks noGrp="1"/>
           </p:cNvSpPr>
@@ -1604,21 +1752,15 @@
           <a:p>
             <a:pPr lvl="0"/>
             <a:r>
-              <a:rPr lang="nl-NL"/>
-              <a:t>Klikken om de tekststijl van het model te bewerken</a:t>
-            </a:r>
-          </a:p>
-        </p:txBody>
-      </p:sp>
-      <p:sp>
-        <p:nvSpPr>
-          <p:cNvPr id="4" name="Tijdelijke aanduiding voor inhoud 3">
-            <a:extLst>
-              <a:ext uri="{FF2B5EF4-FFF2-40B4-BE49-F238E27FC236}">
-                <a16:creationId xmlns:a16="http://schemas.microsoft.com/office/drawing/2014/main" id="{3F85E9A7-0495-078D-8B5E-24CF64EC7351}"/>
-              </a:ext>
-            </a:extLst>
-          </p:cNvPr>
+              <a:rPr lang="en-US"/>
+              <a:t>Click to edit Master text styles</a:t>
+            </a:r>
+          </a:p>
+        </p:txBody>
+      </p:sp>
+      <p:sp>
+        <p:nvSpPr>
+          <p:cNvPr id="4" name="Content Placeholder 3"/>
           <p:cNvSpPr>
             <a:spLocks noGrp="1"/>
           </p:cNvSpPr>
@@ -1638,50 +1780,43 @@
           <a:p>
             <a:pPr lvl="0"/>
             <a:r>
-              <a:rPr lang="nl-NL"/>
-              <a:t>Klikken om de tekststijl van het model te bewerken</a:t>
+              <a:rPr lang="en-US"/>
+              <a:t>Click to edit Master text styles</a:t>
             </a:r>
           </a:p>
           <a:p>
             <a:pPr lvl="1"/>
             <a:r>
-              <a:rPr lang="nl-NL"/>
-              <a:t>Tweede niveau</a:t>
+              <a:rPr lang="en-US"/>
+              <a:t>Second level</a:t>
             </a:r>
           </a:p>
           <a:p>
             <a:pPr lvl="2"/>
             <a:r>
-              <a:rPr lang="nl-NL"/>
-              <a:t>Derde niveau</a:t>
+              <a:rPr lang="en-US"/>
+              <a:t>Third level</a:t>
             </a:r>
           </a:p>
           <a:p>
             <a:pPr lvl="3"/>
             <a:r>
-              <a:rPr lang="nl-NL"/>
-              <a:t>Vierde niveau</a:t>
+              <a:rPr lang="en-US"/>
+              <a:t>Fourth level</a:t>
             </a:r>
           </a:p>
           <a:p>
             <a:pPr lvl="4"/>
             <a:r>
-              <a:rPr lang="nl-NL"/>
-              <a:t>Vijfde niveau</a:t>
-            </a:r>
-            <a:endParaRPr lang="nl-BE"/>
-          </a:p>
-        </p:txBody>
-      </p:sp>
-      <p:sp>
-        <p:nvSpPr>
-          <p:cNvPr id="5" name="Tijdelijke aanduiding voor tekst 4">
-            <a:extLst>
-              <a:ext uri="{FF2B5EF4-FFF2-40B4-BE49-F238E27FC236}">
-                <a16:creationId xmlns:a16="http://schemas.microsoft.com/office/drawing/2014/main" id="{CEAC6827-90AB-A6A3-114A-6480AAA400CF}"/>
-              </a:ext>
-            </a:extLst>
-          </p:cNvPr>
+              <a:rPr lang="en-US"/>
+              <a:t>Fifth level</a:t>
+            </a:r>
+          </a:p>
+        </p:txBody>
+      </p:sp>
+      <p:sp>
+        <p:nvSpPr>
+          <p:cNvPr id="5" name="Text Placeholder 4"/>
           <p:cNvSpPr>
             <a:spLocks noGrp="1"/>
           </p:cNvSpPr>
@@ -1738,21 +1873,15 @@
           <a:p>
             <a:pPr lvl="0"/>
             <a:r>
-              <a:rPr lang="nl-NL"/>
-              <a:t>Klikken om de tekststijl van het model te bewerken</a:t>
-            </a:r>
-          </a:p>
-        </p:txBody>
-      </p:sp>
-      <p:sp>
-        <p:nvSpPr>
-          <p:cNvPr id="6" name="Tijdelijke aanduiding voor inhoud 5">
-            <a:extLst>
-              <a:ext uri="{FF2B5EF4-FFF2-40B4-BE49-F238E27FC236}">
-                <a16:creationId xmlns:a16="http://schemas.microsoft.com/office/drawing/2014/main" id="{81610FE9-A328-DD66-01C2-A637391D4798}"/>
-              </a:ext>
-            </a:extLst>
-          </p:cNvPr>
+              <a:rPr lang="en-US"/>
+              <a:t>Click to edit Master text styles</a:t>
+            </a:r>
+          </a:p>
+        </p:txBody>
+      </p:sp>
+      <p:sp>
+        <p:nvSpPr>
+          <p:cNvPr id="6" name="Content Placeholder 5"/>
           <p:cNvSpPr>
             <a:spLocks noGrp="1"/>
           </p:cNvSpPr>
@@ -1772,50 +1901,43 @@
           <a:p>
             <a:pPr lvl="0"/>
             <a:r>
-              <a:rPr lang="nl-NL"/>
-              <a:t>Klikken om de tekststijl van het model te bewerken</a:t>
+              <a:rPr lang="en-US"/>
+              <a:t>Click to edit Master text styles</a:t>
             </a:r>
           </a:p>
           <a:p>
             <a:pPr lvl="1"/>
             <a:r>
-              <a:rPr lang="nl-NL"/>
-              <a:t>Tweede niveau</a:t>
+              <a:rPr lang="en-US"/>
+              <a:t>Second level</a:t>
             </a:r>
           </a:p>
           <a:p>
             <a:pPr lvl="2"/>
             <a:r>
-              <a:rPr lang="nl-NL"/>
-              <a:t>Derde niveau</a:t>
+              <a:rPr lang="en-US"/>
+              <a:t>Third level</a:t>
             </a:r>
           </a:p>
           <a:p>
             <a:pPr lvl="3"/>
             <a:r>
-              <a:rPr lang="nl-NL"/>
-              <a:t>Vierde niveau</a:t>
+              <a:rPr lang="en-US"/>
+              <a:t>Fourth level</a:t>
             </a:r>
           </a:p>
           <a:p>
             <a:pPr lvl="4"/>
             <a:r>
-              <a:rPr lang="nl-NL"/>
-              <a:t>Vijfde niveau</a:t>
-            </a:r>
-            <a:endParaRPr lang="nl-BE"/>
-          </a:p>
-        </p:txBody>
-      </p:sp>
-      <p:sp>
-        <p:nvSpPr>
-          <p:cNvPr id="7" name="Tijdelijke aanduiding voor datum 6">
-            <a:extLst>
-              <a:ext uri="{FF2B5EF4-FFF2-40B4-BE49-F238E27FC236}">
-                <a16:creationId xmlns:a16="http://schemas.microsoft.com/office/drawing/2014/main" id="{230F5700-5D25-B4C4-FF06-A32A096D5764}"/>
-              </a:ext>
-            </a:extLst>
-          </p:cNvPr>
+              <a:rPr lang="en-US"/>
+              <a:t>Fifth level</a:t>
+            </a:r>
+          </a:p>
+        </p:txBody>
+      </p:sp>
+      <p:sp>
+        <p:nvSpPr>
+          <p:cNvPr id="7" name="Date Placeholder 6"/>
           <p:cNvSpPr>
             <a:spLocks noGrp="1"/>
           </p:cNvSpPr>
@@ -1828,23 +1950,17 @@
           <a:bodyPr/>
           <a:lstStyle/>
           <a:p>
-            <a:fld id="{B122D6EC-866D-48C9-925C-D529405F6C81}" type="datetimeFigureOut">
-              <a:rPr lang="nl-BE" smtClean="0"/>
-              <a:t>31/10/2022</a:t>
+            <a:fld id="{58564C8A-517D-4C94-BE03-FFC67836ECF0}" type="datetime1">
+              <a:rPr lang="en-US" smtClean="0"/>
+              <a:t>11/4/2022</a:t>
             </a:fld>
-            <a:endParaRPr lang="nl-BE"/>
-          </a:p>
-        </p:txBody>
-      </p:sp>
-      <p:sp>
-        <p:nvSpPr>
-          <p:cNvPr id="8" name="Tijdelijke aanduiding voor voettekst 7">
-            <a:extLst>
-              <a:ext uri="{FF2B5EF4-FFF2-40B4-BE49-F238E27FC236}">
-                <a16:creationId xmlns:a16="http://schemas.microsoft.com/office/drawing/2014/main" id="{5E9A4A32-9ED4-148F-015F-7B2F06425FE6}"/>
-              </a:ext>
-            </a:extLst>
-          </p:cNvPr>
+            <a:endParaRPr lang="en-US"/>
+          </a:p>
+        </p:txBody>
+      </p:sp>
+      <p:sp>
+        <p:nvSpPr>
+          <p:cNvPr id="8" name="Footer Placeholder 7"/>
           <p:cNvSpPr>
             <a:spLocks noGrp="1"/>
           </p:cNvSpPr>
@@ -1857,19 +1973,13 @@
           <a:bodyPr/>
           <a:lstStyle/>
           <a:p>
-            <a:endParaRPr lang="nl-BE"/>
-          </a:p>
-        </p:txBody>
-      </p:sp>
-      <p:sp>
-        <p:nvSpPr>
-          <p:cNvPr id="9" name="Tijdelijke aanduiding voor dianummer 8">
-            <a:extLst>
-              <a:ext uri="{FF2B5EF4-FFF2-40B4-BE49-F238E27FC236}">
-                <a16:creationId xmlns:a16="http://schemas.microsoft.com/office/drawing/2014/main" id="{18A36795-98A1-72E9-0A02-2071625C8212}"/>
-              </a:ext>
-            </a:extLst>
-          </p:cNvPr>
+            <a:endParaRPr lang="en-US"/>
+          </a:p>
+        </p:txBody>
+      </p:sp>
+      <p:sp>
+        <p:nvSpPr>
+          <p:cNvPr id="9" name="Slide Number Placeholder 8"/>
           <p:cNvSpPr>
             <a:spLocks noGrp="1"/>
           </p:cNvSpPr>
@@ -1882,18 +1992,18 @@
           <a:bodyPr/>
           <a:lstStyle/>
           <a:p>
-            <a:fld id="{7D4F5712-4DFC-4A89-8F2A-D717D9919970}" type="slidenum">
-              <a:rPr lang="nl-BE" smtClean="0"/>
+            <a:fld id="{58EBAA78-A8B6-4B10-8AE6-E0A63F3F5923}" type="slidenum">
+              <a:rPr lang="en-US" smtClean="0"/>
               <a:t>‹nr.›</a:t>
             </a:fld>
-            <a:endParaRPr lang="nl-BE"/>
+            <a:endParaRPr lang="en-US"/>
           </a:p>
         </p:txBody>
       </p:sp>
     </p:spTree>
     <p:extLst>
       <p:ext uri="{BB962C8B-B14F-4D97-AF65-F5344CB8AC3E}">
-        <p14:creationId xmlns:p14="http://schemas.microsoft.com/office/powerpoint/2010/main" val="435210704"/>
+        <p14:creationId xmlns:p14="http://schemas.microsoft.com/office/powerpoint/2010/main" val="820962196"/>
       </p:ext>
     </p:extLst>
   </p:cSld>
@@ -1905,7 +2015,7 @@
 
 <file path=ppt/slideLayouts/slideLayout6.xml><?xml version="1.0" encoding="utf-8"?>
 <p:sldLayout xmlns:a="http://schemas.openxmlformats.org/drawingml/2006/main" xmlns:r="http://schemas.openxmlformats.org/officeDocument/2006/relationships" xmlns:p="http://schemas.openxmlformats.org/presentationml/2006/main" type="titleOnly" preserve="1">
-  <p:cSld name="Alleen titel">
+  <p:cSld name="Title Only">
     <p:spTree>
       <p:nvGrpSpPr>
         <p:cNvPr id="1" name=""/>
@@ -1922,13 +2032,7 @@
       </p:grpSpPr>
       <p:sp>
         <p:nvSpPr>
-          <p:cNvPr id="2" name="Titel 1">
-            <a:extLst>
-              <a:ext uri="{FF2B5EF4-FFF2-40B4-BE49-F238E27FC236}">
-                <a16:creationId xmlns:a16="http://schemas.microsoft.com/office/drawing/2014/main" id="{4CDB464A-031D-8EBC-C063-1C51D721DFF4}"/>
-              </a:ext>
-            </a:extLst>
-          </p:cNvPr>
+          <p:cNvPr id="2" name="Title 1"/>
           <p:cNvSpPr>
             <a:spLocks noGrp="1"/>
           </p:cNvSpPr>
@@ -1942,22 +2046,15 @@
           <a:lstStyle/>
           <a:p>
             <a:r>
-              <a:rPr lang="nl-NL"/>
-              <a:t>Klik om stijl te bewerken</a:t>
-            </a:r>
-            <a:endParaRPr lang="nl-BE"/>
-          </a:p>
-        </p:txBody>
-      </p:sp>
-      <p:sp>
-        <p:nvSpPr>
-          <p:cNvPr id="3" name="Tijdelijke aanduiding voor datum 2">
-            <a:extLst>
-              <a:ext uri="{FF2B5EF4-FFF2-40B4-BE49-F238E27FC236}">
-                <a16:creationId xmlns:a16="http://schemas.microsoft.com/office/drawing/2014/main" id="{51748B20-2AD2-D314-749C-8370970DA2A9}"/>
-              </a:ext>
-            </a:extLst>
-          </p:cNvPr>
+              <a:rPr lang="en-US"/>
+              <a:t>Click to edit Master title style</a:t>
+            </a:r>
+          </a:p>
+        </p:txBody>
+      </p:sp>
+      <p:sp>
+        <p:nvSpPr>
+          <p:cNvPr id="3" name="Date Placeholder 2"/>
           <p:cNvSpPr>
             <a:spLocks noGrp="1"/>
           </p:cNvSpPr>
@@ -1970,23 +2067,17 @@
           <a:bodyPr/>
           <a:lstStyle/>
           <a:p>
-            <a:fld id="{B122D6EC-866D-48C9-925C-D529405F6C81}" type="datetimeFigureOut">
-              <a:rPr lang="nl-BE" smtClean="0"/>
-              <a:t>31/10/2022</a:t>
+            <a:fld id="{4385644D-08C9-4441-852A-03B1F7D1FA80}" type="datetime1">
+              <a:rPr lang="en-US" smtClean="0"/>
+              <a:t>11/4/2022</a:t>
             </a:fld>
-            <a:endParaRPr lang="nl-BE"/>
-          </a:p>
-        </p:txBody>
-      </p:sp>
-      <p:sp>
-        <p:nvSpPr>
-          <p:cNvPr id="4" name="Tijdelijke aanduiding voor voettekst 3">
-            <a:extLst>
-              <a:ext uri="{FF2B5EF4-FFF2-40B4-BE49-F238E27FC236}">
-                <a16:creationId xmlns:a16="http://schemas.microsoft.com/office/drawing/2014/main" id="{3484ABCA-62FE-747D-4463-91ECEFE04F88}"/>
-              </a:ext>
-            </a:extLst>
-          </p:cNvPr>
+            <a:endParaRPr lang="en-US"/>
+          </a:p>
+        </p:txBody>
+      </p:sp>
+      <p:sp>
+        <p:nvSpPr>
+          <p:cNvPr id="4" name="Footer Placeholder 3"/>
           <p:cNvSpPr>
             <a:spLocks noGrp="1"/>
           </p:cNvSpPr>
@@ -1999,19 +2090,13 @@
           <a:bodyPr/>
           <a:lstStyle/>
           <a:p>
-            <a:endParaRPr lang="nl-BE"/>
-          </a:p>
-        </p:txBody>
-      </p:sp>
-      <p:sp>
-        <p:nvSpPr>
-          <p:cNvPr id="5" name="Tijdelijke aanduiding voor dianummer 4">
-            <a:extLst>
-              <a:ext uri="{FF2B5EF4-FFF2-40B4-BE49-F238E27FC236}">
-                <a16:creationId xmlns:a16="http://schemas.microsoft.com/office/drawing/2014/main" id="{DCB2F306-EF64-47F5-84D8-38801E098CCA}"/>
-              </a:ext>
-            </a:extLst>
-          </p:cNvPr>
+            <a:endParaRPr lang="en-US"/>
+          </a:p>
+        </p:txBody>
+      </p:sp>
+      <p:sp>
+        <p:nvSpPr>
+          <p:cNvPr id="5" name="Slide Number Placeholder 4"/>
           <p:cNvSpPr>
             <a:spLocks noGrp="1"/>
           </p:cNvSpPr>
@@ -2024,18 +2109,18 @@
           <a:bodyPr/>
           <a:lstStyle/>
           <a:p>
-            <a:fld id="{7D4F5712-4DFC-4A89-8F2A-D717D9919970}" type="slidenum">
-              <a:rPr lang="nl-BE" smtClean="0"/>
+            <a:fld id="{58EBAA78-A8B6-4B10-8AE6-E0A63F3F5923}" type="slidenum">
+              <a:rPr lang="en-US" smtClean="0"/>
               <a:t>‹nr.›</a:t>
             </a:fld>
-            <a:endParaRPr lang="nl-BE"/>
+            <a:endParaRPr lang="en-US"/>
           </a:p>
         </p:txBody>
       </p:sp>
     </p:spTree>
     <p:extLst>
       <p:ext uri="{BB962C8B-B14F-4D97-AF65-F5344CB8AC3E}">
-        <p14:creationId xmlns:p14="http://schemas.microsoft.com/office/powerpoint/2010/main" val="1610325314"/>
+        <p14:creationId xmlns:p14="http://schemas.microsoft.com/office/powerpoint/2010/main" val="1765810459"/>
       </p:ext>
     </p:extLst>
   </p:cSld>
@@ -2047,7 +2132,7 @@
 
 <file path=ppt/slideLayouts/slideLayout7.xml><?xml version="1.0" encoding="utf-8"?>
 <p:sldLayout xmlns:a="http://schemas.openxmlformats.org/drawingml/2006/main" xmlns:r="http://schemas.openxmlformats.org/officeDocument/2006/relationships" xmlns:p="http://schemas.openxmlformats.org/presentationml/2006/main" type="blank" preserve="1">
-  <p:cSld name="Leeg">
+  <p:cSld name="Blank">
     <p:spTree>
       <p:nvGrpSpPr>
         <p:cNvPr id="1" name=""/>
@@ -2064,13 +2149,7 @@
       </p:grpSpPr>
       <p:sp>
         <p:nvSpPr>
-          <p:cNvPr id="2" name="Tijdelijke aanduiding voor datum 1">
-            <a:extLst>
-              <a:ext uri="{FF2B5EF4-FFF2-40B4-BE49-F238E27FC236}">
-                <a16:creationId xmlns:a16="http://schemas.microsoft.com/office/drawing/2014/main" id="{4A4B085E-3AC7-1177-F52B-F3D7799A6EE4}"/>
-              </a:ext>
-            </a:extLst>
-          </p:cNvPr>
+          <p:cNvPr id="2" name="Date Placeholder 1"/>
           <p:cNvSpPr>
             <a:spLocks noGrp="1"/>
           </p:cNvSpPr>
@@ -2083,23 +2162,17 @@
           <a:bodyPr/>
           <a:lstStyle/>
           <a:p>
-            <a:fld id="{B122D6EC-866D-48C9-925C-D529405F6C81}" type="datetimeFigureOut">
-              <a:rPr lang="nl-BE" smtClean="0"/>
-              <a:t>31/10/2022</a:t>
+            <a:fld id="{139B5574-D002-4381-8804-EAFBB3510711}" type="datetime1">
+              <a:rPr lang="en-US" smtClean="0"/>
+              <a:t>11/4/2022</a:t>
             </a:fld>
-            <a:endParaRPr lang="nl-BE"/>
-          </a:p>
-        </p:txBody>
-      </p:sp>
-      <p:sp>
-        <p:nvSpPr>
-          <p:cNvPr id="3" name="Tijdelijke aanduiding voor voettekst 2">
-            <a:extLst>
-              <a:ext uri="{FF2B5EF4-FFF2-40B4-BE49-F238E27FC236}">
-                <a16:creationId xmlns:a16="http://schemas.microsoft.com/office/drawing/2014/main" id="{81851E86-84AB-6BBA-4ADB-8CA95B86A2B2}"/>
-              </a:ext>
-            </a:extLst>
-          </p:cNvPr>
+            <a:endParaRPr lang="en-US"/>
+          </a:p>
+        </p:txBody>
+      </p:sp>
+      <p:sp>
+        <p:nvSpPr>
+          <p:cNvPr id="3" name="Footer Placeholder 2"/>
           <p:cNvSpPr>
             <a:spLocks noGrp="1"/>
           </p:cNvSpPr>
@@ -2112,19 +2185,13 @@
           <a:bodyPr/>
           <a:lstStyle/>
           <a:p>
-            <a:endParaRPr lang="nl-BE"/>
-          </a:p>
-        </p:txBody>
-      </p:sp>
-      <p:sp>
-        <p:nvSpPr>
-          <p:cNvPr id="4" name="Tijdelijke aanduiding voor dianummer 3">
-            <a:extLst>
-              <a:ext uri="{FF2B5EF4-FFF2-40B4-BE49-F238E27FC236}">
-                <a16:creationId xmlns:a16="http://schemas.microsoft.com/office/drawing/2014/main" id="{9C23534C-A05B-382A-E4AE-32B964CD14F3}"/>
-              </a:ext>
-            </a:extLst>
-          </p:cNvPr>
+            <a:endParaRPr lang="en-US"/>
+          </a:p>
+        </p:txBody>
+      </p:sp>
+      <p:sp>
+        <p:nvSpPr>
+          <p:cNvPr id="4" name="Slide Number Placeholder 3"/>
           <p:cNvSpPr>
             <a:spLocks noGrp="1"/>
           </p:cNvSpPr>
@@ -2137,18 +2204,18 @@
           <a:bodyPr/>
           <a:lstStyle/>
           <a:p>
-            <a:fld id="{7D4F5712-4DFC-4A89-8F2A-D717D9919970}" type="slidenum">
-              <a:rPr lang="nl-BE" smtClean="0"/>
+            <a:fld id="{58EBAA78-A8B6-4B10-8AE6-E0A63F3F5923}" type="slidenum">
+              <a:rPr lang="en-US" smtClean="0"/>
               <a:t>‹nr.›</a:t>
             </a:fld>
-            <a:endParaRPr lang="nl-BE"/>
+            <a:endParaRPr lang="en-US"/>
           </a:p>
         </p:txBody>
       </p:sp>
     </p:spTree>
     <p:extLst>
       <p:ext uri="{BB962C8B-B14F-4D97-AF65-F5344CB8AC3E}">
-        <p14:creationId xmlns:p14="http://schemas.microsoft.com/office/powerpoint/2010/main" val="771894052"/>
+        <p14:creationId xmlns:p14="http://schemas.microsoft.com/office/powerpoint/2010/main" val="937349391"/>
       </p:ext>
     </p:extLst>
   </p:cSld>
@@ -2160,7 +2227,7 @@
 
 <file path=ppt/slideLayouts/slideLayout8.xml><?xml version="1.0" encoding="utf-8"?>
 <p:sldLayout xmlns:a="http://schemas.openxmlformats.org/drawingml/2006/main" xmlns:r="http://schemas.openxmlformats.org/officeDocument/2006/relationships" xmlns:p="http://schemas.openxmlformats.org/presentationml/2006/main" type="objTx" preserve="1">
-  <p:cSld name="Inhoud met bijschrift">
+  <p:cSld name="Content with Caption">
     <p:spTree>
       <p:nvGrpSpPr>
         <p:cNvPr id="1" name=""/>
@@ -2177,13 +2244,7 @@
       </p:grpSpPr>
       <p:sp>
         <p:nvSpPr>
-          <p:cNvPr id="2" name="Titel 1">
-            <a:extLst>
-              <a:ext uri="{FF2B5EF4-FFF2-40B4-BE49-F238E27FC236}">
-                <a16:creationId xmlns:a16="http://schemas.microsoft.com/office/drawing/2014/main" id="{A1191200-223A-45B6-D0FB-39B64ECC0898}"/>
-              </a:ext>
-            </a:extLst>
-          </p:cNvPr>
+          <p:cNvPr id="2" name="Title 1"/>
           <p:cNvSpPr>
             <a:spLocks noGrp="1"/>
           </p:cNvSpPr>
@@ -2206,22 +2267,15 @@
           </a:lstStyle>
           <a:p>
             <a:r>
-              <a:rPr lang="nl-NL"/>
-              <a:t>Klik om stijl te bewerken</a:t>
-            </a:r>
-            <a:endParaRPr lang="nl-BE"/>
-          </a:p>
-        </p:txBody>
-      </p:sp>
-      <p:sp>
-        <p:nvSpPr>
-          <p:cNvPr id="3" name="Tijdelijke aanduiding voor inhoud 2">
-            <a:extLst>
-              <a:ext uri="{FF2B5EF4-FFF2-40B4-BE49-F238E27FC236}">
-                <a16:creationId xmlns:a16="http://schemas.microsoft.com/office/drawing/2014/main" id="{9D62AD17-0DAC-E8DF-CC62-A502E1F0604C}"/>
-              </a:ext>
-            </a:extLst>
-          </p:cNvPr>
+              <a:rPr lang="en-US"/>
+              <a:t>Click to edit Master title style</a:t>
+            </a:r>
+          </a:p>
+        </p:txBody>
+      </p:sp>
+      <p:sp>
+        <p:nvSpPr>
+          <p:cNvPr id="3" name="Content Placeholder 2"/>
           <p:cNvSpPr>
             <a:spLocks noGrp="1"/>
           </p:cNvSpPr>
@@ -2269,50 +2323,43 @@
           <a:p>
             <a:pPr lvl="0"/>
             <a:r>
-              <a:rPr lang="nl-NL"/>
-              <a:t>Klikken om de tekststijl van het model te bewerken</a:t>
+              <a:rPr lang="en-US"/>
+              <a:t>Click to edit Master text styles</a:t>
             </a:r>
           </a:p>
           <a:p>
             <a:pPr lvl="1"/>
             <a:r>
-              <a:rPr lang="nl-NL"/>
-              <a:t>Tweede niveau</a:t>
+              <a:rPr lang="en-US"/>
+              <a:t>Second level</a:t>
             </a:r>
           </a:p>
           <a:p>
             <a:pPr lvl="2"/>
             <a:r>
-              <a:rPr lang="nl-NL"/>
-              <a:t>Derde niveau</a:t>
+              <a:rPr lang="en-US"/>
+              <a:t>Third level</a:t>
             </a:r>
           </a:p>
           <a:p>
             <a:pPr lvl="3"/>
             <a:r>
-              <a:rPr lang="nl-NL"/>
-              <a:t>Vierde niveau</a:t>
+              <a:rPr lang="en-US"/>
+              <a:t>Fourth level</a:t>
             </a:r>
           </a:p>
           <a:p>
             <a:pPr lvl="4"/>
             <a:r>
-              <a:rPr lang="nl-NL"/>
-              <a:t>Vijfde niveau</a:t>
-            </a:r>
-            <a:endParaRPr lang="nl-BE"/>
-          </a:p>
-        </p:txBody>
-      </p:sp>
-      <p:sp>
-        <p:nvSpPr>
-          <p:cNvPr id="4" name="Tijdelijke aanduiding voor tekst 3">
-            <a:extLst>
-              <a:ext uri="{FF2B5EF4-FFF2-40B4-BE49-F238E27FC236}">
-                <a16:creationId xmlns:a16="http://schemas.microsoft.com/office/drawing/2014/main" id="{FEF49CF8-2D32-8993-25BC-FB6161D36FCC}"/>
-              </a:ext>
-            </a:extLst>
-          </p:cNvPr>
+              <a:rPr lang="en-US"/>
+              <a:t>Fifth level</a:t>
+            </a:r>
+          </a:p>
+        </p:txBody>
+      </p:sp>
+      <p:sp>
+        <p:nvSpPr>
+          <p:cNvPr id="4" name="Text Placeholder 3"/>
           <p:cNvSpPr>
             <a:spLocks noGrp="1"/>
           </p:cNvSpPr>
@@ -2369,21 +2416,15 @@
           <a:p>
             <a:pPr lvl="0"/>
             <a:r>
-              <a:rPr lang="nl-NL"/>
-              <a:t>Klikken om de tekststijl van het model te bewerken</a:t>
-            </a:r>
-          </a:p>
-        </p:txBody>
-      </p:sp>
-      <p:sp>
-        <p:nvSpPr>
-          <p:cNvPr id="5" name="Tijdelijke aanduiding voor datum 4">
-            <a:extLst>
-              <a:ext uri="{FF2B5EF4-FFF2-40B4-BE49-F238E27FC236}">
-                <a16:creationId xmlns:a16="http://schemas.microsoft.com/office/drawing/2014/main" id="{2B186EDB-E164-3EA3-8E52-5ACA703C75B2}"/>
-              </a:ext>
-            </a:extLst>
-          </p:cNvPr>
+              <a:rPr lang="en-US"/>
+              <a:t>Click to edit Master text styles</a:t>
+            </a:r>
+          </a:p>
+        </p:txBody>
+      </p:sp>
+      <p:sp>
+        <p:nvSpPr>
+          <p:cNvPr id="5" name="Date Placeholder 4"/>
           <p:cNvSpPr>
             <a:spLocks noGrp="1"/>
           </p:cNvSpPr>
@@ -2396,23 +2437,17 @@
           <a:bodyPr/>
           <a:lstStyle/>
           <a:p>
-            <a:fld id="{B122D6EC-866D-48C9-925C-D529405F6C81}" type="datetimeFigureOut">
-              <a:rPr lang="nl-BE" smtClean="0"/>
-              <a:t>31/10/2022</a:t>
+            <a:fld id="{5A68FAAE-7C8C-41FE-8695-DFED53AB67E3}" type="datetime1">
+              <a:rPr lang="en-US" smtClean="0"/>
+              <a:t>11/4/2022</a:t>
             </a:fld>
-            <a:endParaRPr lang="nl-BE"/>
-          </a:p>
-        </p:txBody>
-      </p:sp>
-      <p:sp>
-        <p:nvSpPr>
-          <p:cNvPr id="6" name="Tijdelijke aanduiding voor voettekst 5">
-            <a:extLst>
-              <a:ext uri="{FF2B5EF4-FFF2-40B4-BE49-F238E27FC236}">
-                <a16:creationId xmlns:a16="http://schemas.microsoft.com/office/drawing/2014/main" id="{D8ADD2CD-5563-5AEE-1DA3-01FA91D78FC7}"/>
-              </a:ext>
-            </a:extLst>
-          </p:cNvPr>
+            <a:endParaRPr lang="en-US"/>
+          </a:p>
+        </p:txBody>
+      </p:sp>
+      <p:sp>
+        <p:nvSpPr>
+          <p:cNvPr id="6" name="Footer Placeholder 5"/>
           <p:cNvSpPr>
             <a:spLocks noGrp="1"/>
           </p:cNvSpPr>
@@ -2425,19 +2460,13 @@
           <a:bodyPr/>
           <a:lstStyle/>
           <a:p>
-            <a:endParaRPr lang="nl-BE"/>
-          </a:p>
-        </p:txBody>
-      </p:sp>
-      <p:sp>
-        <p:nvSpPr>
-          <p:cNvPr id="7" name="Tijdelijke aanduiding voor dianummer 6">
-            <a:extLst>
-              <a:ext uri="{FF2B5EF4-FFF2-40B4-BE49-F238E27FC236}">
-                <a16:creationId xmlns:a16="http://schemas.microsoft.com/office/drawing/2014/main" id="{CB6B4EF0-5C4C-37B9-FCB6-2A11D66C93B5}"/>
-              </a:ext>
-            </a:extLst>
-          </p:cNvPr>
+            <a:endParaRPr lang="en-US"/>
+          </a:p>
+        </p:txBody>
+      </p:sp>
+      <p:sp>
+        <p:nvSpPr>
+          <p:cNvPr id="7" name="Slide Number Placeholder 6"/>
           <p:cNvSpPr>
             <a:spLocks noGrp="1"/>
           </p:cNvSpPr>
@@ -2450,18 +2479,18 @@
           <a:bodyPr/>
           <a:lstStyle/>
           <a:p>
-            <a:fld id="{7D4F5712-4DFC-4A89-8F2A-D717D9919970}" type="slidenum">
-              <a:rPr lang="nl-BE" smtClean="0"/>
+            <a:fld id="{58EBAA78-A8B6-4B10-8AE6-E0A63F3F5923}" type="slidenum">
+              <a:rPr lang="en-US" smtClean="0"/>
               <a:t>‹nr.›</a:t>
             </a:fld>
-            <a:endParaRPr lang="nl-BE"/>
+            <a:endParaRPr lang="en-US"/>
           </a:p>
         </p:txBody>
       </p:sp>
     </p:spTree>
     <p:extLst>
       <p:ext uri="{BB962C8B-B14F-4D97-AF65-F5344CB8AC3E}">
-        <p14:creationId xmlns:p14="http://schemas.microsoft.com/office/powerpoint/2010/main" val="4081871341"/>
+        <p14:creationId xmlns:p14="http://schemas.microsoft.com/office/powerpoint/2010/main" val="2177808304"/>
       </p:ext>
     </p:extLst>
   </p:cSld>
@@ -2473,7 +2502,7 @@
 
 <file path=ppt/slideLayouts/slideLayout9.xml><?xml version="1.0" encoding="utf-8"?>
 <p:sldLayout xmlns:a="http://schemas.openxmlformats.org/drawingml/2006/main" xmlns:r="http://schemas.openxmlformats.org/officeDocument/2006/relationships" xmlns:p="http://schemas.openxmlformats.org/presentationml/2006/main" type="picTx" preserve="1">
-  <p:cSld name="Afbeelding met bijschrift">
+  <p:cSld name="Picture with Caption">
     <p:spTree>
       <p:nvGrpSpPr>
         <p:cNvPr id="1" name=""/>
@@ -2490,13 +2519,7 @@
       </p:grpSpPr>
       <p:sp>
         <p:nvSpPr>
-          <p:cNvPr id="2" name="Titel 1">
-            <a:extLst>
-              <a:ext uri="{FF2B5EF4-FFF2-40B4-BE49-F238E27FC236}">
-                <a16:creationId xmlns:a16="http://schemas.microsoft.com/office/drawing/2014/main" id="{C43A6309-705F-7D3D-CBFA-C3BA49BF834F}"/>
-              </a:ext>
-            </a:extLst>
-          </p:cNvPr>
+          <p:cNvPr id="2" name="Title 1"/>
           <p:cNvSpPr>
             <a:spLocks noGrp="1"/>
           </p:cNvSpPr>
@@ -2519,22 +2542,15 @@
           </a:lstStyle>
           <a:p>
             <a:r>
-              <a:rPr lang="nl-NL"/>
-              <a:t>Klik om stijl te bewerken</a:t>
-            </a:r>
-            <a:endParaRPr lang="nl-BE"/>
-          </a:p>
-        </p:txBody>
-      </p:sp>
-      <p:sp>
-        <p:nvSpPr>
-          <p:cNvPr id="3" name="Tijdelijke aanduiding voor afbeelding 2">
-            <a:extLst>
-              <a:ext uri="{FF2B5EF4-FFF2-40B4-BE49-F238E27FC236}">
-                <a16:creationId xmlns:a16="http://schemas.microsoft.com/office/drawing/2014/main" id="{B5C29CC1-1EED-899C-6A2F-BBC212D86B35}"/>
-              </a:ext>
-            </a:extLst>
-          </p:cNvPr>
+              <a:rPr lang="en-US"/>
+              <a:t>Click to edit Master title style</a:t>
+            </a:r>
+          </a:p>
+        </p:txBody>
+      </p:sp>
+      <p:sp>
+        <p:nvSpPr>
+          <p:cNvPr id="3" name="Picture Placeholder 2"/>
           <p:cNvSpPr>
             <a:spLocks noGrp="1"/>
           </p:cNvSpPr>
@@ -2589,19 +2605,13 @@
             </a:lvl9pPr>
           </a:lstStyle>
           <a:p>
-            <a:endParaRPr lang="nl-BE"/>
-          </a:p>
-        </p:txBody>
-      </p:sp>
-      <p:sp>
-        <p:nvSpPr>
-          <p:cNvPr id="4" name="Tijdelijke aanduiding voor tekst 3">
-            <a:extLst>
-              <a:ext uri="{FF2B5EF4-FFF2-40B4-BE49-F238E27FC236}">
-                <a16:creationId xmlns:a16="http://schemas.microsoft.com/office/drawing/2014/main" id="{2F5B7CAB-CBBC-6086-B3C7-51FA352A196E}"/>
-              </a:ext>
-            </a:extLst>
-          </p:cNvPr>
+            <a:endParaRPr lang="en-US"/>
+          </a:p>
+        </p:txBody>
+      </p:sp>
+      <p:sp>
+        <p:nvSpPr>
+          <p:cNvPr id="4" name="Text Placeholder 3"/>
           <p:cNvSpPr>
             <a:spLocks noGrp="1"/>
           </p:cNvSpPr>
@@ -2658,21 +2668,15 @@
           <a:p>
             <a:pPr lvl="0"/>
             <a:r>
-              <a:rPr lang="nl-NL"/>
-              <a:t>Klikken om de tekststijl van het model te bewerken</a:t>
-            </a:r>
-          </a:p>
-        </p:txBody>
-      </p:sp>
-      <p:sp>
-        <p:nvSpPr>
-          <p:cNvPr id="5" name="Tijdelijke aanduiding voor datum 4">
-            <a:extLst>
-              <a:ext uri="{FF2B5EF4-FFF2-40B4-BE49-F238E27FC236}">
-                <a16:creationId xmlns:a16="http://schemas.microsoft.com/office/drawing/2014/main" id="{1C396C5C-8124-0C9C-3F19-FA5F67D89418}"/>
-              </a:ext>
-            </a:extLst>
-          </p:cNvPr>
+              <a:rPr lang="en-US"/>
+              <a:t>Click to edit Master text styles</a:t>
+            </a:r>
+          </a:p>
+        </p:txBody>
+      </p:sp>
+      <p:sp>
+        <p:nvSpPr>
+          <p:cNvPr id="5" name="Date Placeholder 4"/>
           <p:cNvSpPr>
             <a:spLocks noGrp="1"/>
           </p:cNvSpPr>
@@ -2685,23 +2689,17 @@
           <a:bodyPr/>
           <a:lstStyle/>
           <a:p>
-            <a:fld id="{B122D6EC-866D-48C9-925C-D529405F6C81}" type="datetimeFigureOut">
-              <a:rPr lang="nl-BE" smtClean="0"/>
-              <a:t>31/10/2022</a:t>
+            <a:fld id="{B07D2DBE-2391-4857-A636-DE70DBBA9206}" type="datetime1">
+              <a:rPr lang="en-US" smtClean="0"/>
+              <a:t>11/4/2022</a:t>
             </a:fld>
-            <a:endParaRPr lang="nl-BE"/>
-          </a:p>
-        </p:txBody>
-      </p:sp>
-      <p:sp>
-        <p:nvSpPr>
-          <p:cNvPr id="6" name="Tijdelijke aanduiding voor voettekst 5">
-            <a:extLst>
-              <a:ext uri="{FF2B5EF4-FFF2-40B4-BE49-F238E27FC236}">
-                <a16:creationId xmlns:a16="http://schemas.microsoft.com/office/drawing/2014/main" id="{C9C11804-F946-5C62-1085-B071B1A89A28}"/>
-              </a:ext>
-            </a:extLst>
-          </p:cNvPr>
+            <a:endParaRPr lang="en-US"/>
+          </a:p>
+        </p:txBody>
+      </p:sp>
+      <p:sp>
+        <p:nvSpPr>
+          <p:cNvPr id="6" name="Footer Placeholder 5"/>
           <p:cNvSpPr>
             <a:spLocks noGrp="1"/>
           </p:cNvSpPr>
@@ -2714,19 +2712,13 @@
           <a:bodyPr/>
           <a:lstStyle/>
           <a:p>
-            <a:endParaRPr lang="nl-BE"/>
-          </a:p>
-        </p:txBody>
-      </p:sp>
-      <p:sp>
-        <p:nvSpPr>
-          <p:cNvPr id="7" name="Tijdelijke aanduiding voor dianummer 6">
-            <a:extLst>
-              <a:ext uri="{FF2B5EF4-FFF2-40B4-BE49-F238E27FC236}">
-                <a16:creationId xmlns:a16="http://schemas.microsoft.com/office/drawing/2014/main" id="{E51B98D6-BD5F-6D05-67AD-FEF53DC8146B}"/>
-              </a:ext>
-            </a:extLst>
-          </p:cNvPr>
+            <a:endParaRPr lang="en-US"/>
+          </a:p>
+        </p:txBody>
+      </p:sp>
+      <p:sp>
+        <p:nvSpPr>
+          <p:cNvPr id="7" name="Slide Number Placeholder 6"/>
           <p:cNvSpPr>
             <a:spLocks noGrp="1"/>
           </p:cNvSpPr>
@@ -2739,18 +2731,18 @@
           <a:bodyPr/>
           <a:lstStyle/>
           <a:p>
-            <a:fld id="{7D4F5712-4DFC-4A89-8F2A-D717D9919970}" type="slidenum">
-              <a:rPr lang="nl-BE" smtClean="0"/>
+            <a:fld id="{58EBAA78-A8B6-4B10-8AE6-E0A63F3F5923}" type="slidenum">
+              <a:rPr lang="en-US" smtClean="0"/>
               <a:t>‹nr.›</a:t>
             </a:fld>
-            <a:endParaRPr lang="nl-BE"/>
+            <a:endParaRPr lang="en-US"/>
           </a:p>
         </p:txBody>
       </p:sp>
     </p:spTree>
     <p:extLst>
       <p:ext uri="{BB962C8B-B14F-4D97-AF65-F5344CB8AC3E}">
-        <p14:creationId xmlns:p14="http://schemas.microsoft.com/office/powerpoint/2010/main" val="3456745913"/>
+        <p14:creationId xmlns:p14="http://schemas.microsoft.com/office/powerpoint/2010/main" val="1140286134"/>
       </p:ext>
     </p:extLst>
   </p:cSld>
@@ -2784,13 +2776,7 @@
       </p:grpSpPr>
       <p:sp>
         <p:nvSpPr>
-          <p:cNvPr id="2" name="Tijdelijke aanduiding voor titel 1">
-            <a:extLst>
-              <a:ext uri="{FF2B5EF4-FFF2-40B4-BE49-F238E27FC236}">
-                <a16:creationId xmlns:a16="http://schemas.microsoft.com/office/drawing/2014/main" id="{10DF9D05-AABE-F8CE-7083-D104621F47CE}"/>
-              </a:ext>
-            </a:extLst>
-          </p:cNvPr>
+          <p:cNvPr id="2" name="Title Placeholder 1"/>
           <p:cNvSpPr>
             <a:spLocks noGrp="1"/>
           </p:cNvSpPr>
@@ -2814,22 +2800,15 @@
           <a:lstStyle/>
           <a:p>
             <a:r>
-              <a:rPr lang="nl-NL"/>
-              <a:t>Klik om stijl te bewerken</a:t>
-            </a:r>
-            <a:endParaRPr lang="nl-BE"/>
-          </a:p>
-        </p:txBody>
-      </p:sp>
-      <p:sp>
-        <p:nvSpPr>
-          <p:cNvPr id="3" name="Tijdelijke aanduiding voor tekst 2">
-            <a:extLst>
-              <a:ext uri="{FF2B5EF4-FFF2-40B4-BE49-F238E27FC236}">
-                <a16:creationId xmlns:a16="http://schemas.microsoft.com/office/drawing/2014/main" id="{201569ED-89F9-18BD-4A71-7DDF1FE8AEE3}"/>
-              </a:ext>
-            </a:extLst>
-          </p:cNvPr>
+              <a:rPr lang="en-US"/>
+              <a:t>Click to edit Master title style</a:t>
+            </a:r>
+          </a:p>
+        </p:txBody>
+      </p:sp>
+      <p:sp>
+        <p:nvSpPr>
+          <p:cNvPr id="3" name="Text Placeholder 2"/>
           <p:cNvSpPr>
             <a:spLocks noGrp="1"/>
           </p:cNvSpPr>
@@ -2854,50 +2833,43 @@
           <a:p>
             <a:pPr lvl="0"/>
             <a:r>
-              <a:rPr lang="nl-NL"/>
-              <a:t>Klikken om de tekststijl van het model te bewerken</a:t>
+              <a:rPr lang="en-US"/>
+              <a:t>Click to edit Master text styles</a:t>
             </a:r>
           </a:p>
           <a:p>
             <a:pPr lvl="1"/>
             <a:r>
-              <a:rPr lang="nl-NL"/>
-              <a:t>Tweede niveau</a:t>
+              <a:rPr lang="en-US"/>
+              <a:t>Second level</a:t>
             </a:r>
           </a:p>
           <a:p>
             <a:pPr lvl="2"/>
             <a:r>
-              <a:rPr lang="nl-NL"/>
-              <a:t>Derde niveau</a:t>
+              <a:rPr lang="en-US"/>
+              <a:t>Third level</a:t>
             </a:r>
           </a:p>
           <a:p>
             <a:pPr lvl="3"/>
             <a:r>
-              <a:rPr lang="nl-NL"/>
-              <a:t>Vierde niveau</a:t>
+              <a:rPr lang="en-US"/>
+              <a:t>Fourth level</a:t>
             </a:r>
           </a:p>
           <a:p>
             <a:pPr lvl="4"/>
             <a:r>
-              <a:rPr lang="nl-NL"/>
-              <a:t>Vijfde niveau</a:t>
-            </a:r>
-            <a:endParaRPr lang="nl-BE"/>
-          </a:p>
-        </p:txBody>
-      </p:sp>
-      <p:sp>
-        <p:nvSpPr>
-          <p:cNvPr id="4" name="Tijdelijke aanduiding voor datum 3">
-            <a:extLst>
-              <a:ext uri="{FF2B5EF4-FFF2-40B4-BE49-F238E27FC236}">
-                <a16:creationId xmlns:a16="http://schemas.microsoft.com/office/drawing/2014/main" id="{2C08DD3B-31DC-7754-271D-8D0D092AB197}"/>
-              </a:ext>
-            </a:extLst>
-          </p:cNvPr>
+              <a:rPr lang="en-US"/>
+              <a:t>Fifth level</a:t>
+            </a:r>
+          </a:p>
+        </p:txBody>
+      </p:sp>
+      <p:sp>
+        <p:nvSpPr>
+          <p:cNvPr id="4" name="Date Placeholder 3"/>
           <p:cNvSpPr>
             <a:spLocks noGrp="1"/>
           </p:cNvSpPr>
@@ -2928,23 +2900,17 @@
             </a:lvl1pPr>
           </a:lstStyle>
           <a:p>
-            <a:fld id="{B122D6EC-866D-48C9-925C-D529405F6C81}" type="datetimeFigureOut">
-              <a:rPr lang="nl-BE" smtClean="0"/>
-              <a:t>31/10/2022</a:t>
+            <a:fld id="{E7551C38-A972-4C75-A1F0-A0F671BCE3E0}" type="datetime1">
+              <a:rPr lang="en-US" smtClean="0"/>
+              <a:t>11/4/2022</a:t>
             </a:fld>
-            <a:endParaRPr lang="nl-BE"/>
-          </a:p>
-        </p:txBody>
-      </p:sp>
-      <p:sp>
-        <p:nvSpPr>
-          <p:cNvPr id="5" name="Tijdelijke aanduiding voor voettekst 4">
-            <a:extLst>
-              <a:ext uri="{FF2B5EF4-FFF2-40B4-BE49-F238E27FC236}">
-                <a16:creationId xmlns:a16="http://schemas.microsoft.com/office/drawing/2014/main" id="{8A9A4707-8DA9-080F-1DD6-2AC51C73DA63}"/>
-              </a:ext>
-            </a:extLst>
-          </p:cNvPr>
+            <a:endParaRPr lang="en-US"/>
+          </a:p>
+        </p:txBody>
+      </p:sp>
+      <p:sp>
+        <p:nvSpPr>
+          <p:cNvPr id="5" name="Footer Placeholder 4"/>
           <p:cNvSpPr>
             <a:spLocks noGrp="1"/>
           </p:cNvSpPr>
@@ -2975,19 +2941,13 @@
             </a:lvl1pPr>
           </a:lstStyle>
           <a:p>
-            <a:endParaRPr lang="nl-BE"/>
-          </a:p>
-        </p:txBody>
-      </p:sp>
-      <p:sp>
-        <p:nvSpPr>
-          <p:cNvPr id="6" name="Tijdelijke aanduiding voor dianummer 5">
-            <a:extLst>
-              <a:ext uri="{FF2B5EF4-FFF2-40B4-BE49-F238E27FC236}">
-                <a16:creationId xmlns:a16="http://schemas.microsoft.com/office/drawing/2014/main" id="{D972AA13-5A58-2AF2-60CC-E0A6B3FE98A1}"/>
-              </a:ext>
-            </a:extLst>
-          </p:cNvPr>
+            <a:endParaRPr lang="en-US"/>
+          </a:p>
+        </p:txBody>
+      </p:sp>
+      <p:sp>
+        <p:nvSpPr>
+          <p:cNvPr id="6" name="Slide Number Placeholder 5"/>
           <p:cNvSpPr>
             <a:spLocks noGrp="1"/>
           </p:cNvSpPr>
@@ -3018,18 +2978,18 @@
             </a:lvl1pPr>
           </a:lstStyle>
           <a:p>
-            <a:fld id="{7D4F5712-4DFC-4A89-8F2A-D717D9919970}" type="slidenum">
-              <a:rPr lang="nl-BE" smtClean="0"/>
+            <a:fld id="{58EBAA78-A8B6-4B10-8AE6-E0A63F3F5923}" type="slidenum">
+              <a:rPr lang="en-US" smtClean="0"/>
               <a:t>‹nr.›</a:t>
             </a:fld>
-            <a:endParaRPr lang="nl-BE"/>
+            <a:endParaRPr lang="en-US"/>
           </a:p>
         </p:txBody>
       </p:sp>
     </p:spTree>
     <p:extLst>
       <p:ext uri="{BB962C8B-B14F-4D97-AF65-F5344CB8AC3E}">
-        <p14:creationId xmlns:p14="http://schemas.microsoft.com/office/powerpoint/2010/main" val="363254466"/>
+        <p14:creationId xmlns:p14="http://schemas.microsoft.com/office/powerpoint/2010/main" val="1857895077"/>
       </p:ext>
     </p:extLst>
   </p:cSld>
@@ -3047,6 +3007,7 @@
     <p:sldLayoutId id="2147483658" r:id="rId10"/>
     <p:sldLayoutId id="2147483659" r:id="rId11"/>
   </p:sldLayoutIdLst>
+  <p:hf hdr="0" ftr="0"/>
   <p:txStyles>
     <p:titleStyle>
       <a:lvl1pPr algn="l" defTabSz="914400" rtl="0" eaLnBrk="1" latinLnBrk="0" hangingPunct="1">
@@ -3233,7 +3194,7 @@
     </p:bodyStyle>
     <p:otherStyle>
       <a:defPPr>
-        <a:defRPr lang="nl-BE"/>
+        <a:defRPr lang="en-US"/>
       </a:defPPr>
       <a:lvl1pPr marL="0" algn="l" defTabSz="914400" rtl="0" eaLnBrk="1" latinLnBrk="0" hangingPunct="1">
         <a:defRPr sz="1800" kern="1200">
@@ -3327,12 +3288,68 @@
       </a:lvl9pPr>
     </p:otherStyle>
   </p:txStyles>
+  <p:extLst>
+    <p:ext uri="{27BBF7A9-308A-43DC-89C8-2F10F3537804}">
+      <p15:sldGuideLst xmlns:p15="http://schemas.microsoft.com/office/powerpoint/2012/main">
+        <p15:guide id="1" pos="3840" userDrawn="1">
+          <p15:clr>
+            <a:srgbClr val="F26B43"/>
+          </p15:clr>
+        </p15:guide>
+        <p15:guide id="2" orient="horz" pos="2387" userDrawn="1">
+          <p15:clr>
+            <a:srgbClr val="F26B43"/>
+          </p15:clr>
+        </p15:guide>
+        <p15:guide id="3" orient="horz" pos="3974" userDrawn="1">
+          <p15:clr>
+            <a:srgbClr val="F26B43"/>
+          </p15:clr>
+        </p15:guide>
+        <p15:guide id="4" orient="horz" pos="232" userDrawn="1">
+          <p15:clr>
+            <a:srgbClr val="F26B43"/>
+          </p15:clr>
+        </p15:guide>
+        <p15:guide id="5" orient="horz" pos="754" userDrawn="1">
+          <p15:clr>
+            <a:srgbClr val="F26B43"/>
+          </p15:clr>
+        </p15:guide>
+        <p15:guide id="6" pos="234" userDrawn="1">
+          <p15:clr>
+            <a:srgbClr val="F26B43"/>
+          </p15:clr>
+        </p15:guide>
+        <p15:guide id="7" pos="7423" userDrawn="1">
+          <p15:clr>
+            <a:srgbClr val="F26B43"/>
+          </p15:clr>
+        </p15:guide>
+      </p15:sldGuideLst>
+    </p:ext>
+  </p:extLst>
 </p:sldMaster>
 </file>
 
 <file path=ppt/slides/slide1.xml><?xml version="1.0" encoding="utf-8"?>
 <p:sld xmlns:a="http://schemas.openxmlformats.org/drawingml/2006/main" xmlns:r="http://schemas.openxmlformats.org/officeDocument/2006/relationships" xmlns:p="http://schemas.openxmlformats.org/presentationml/2006/main">
   <p:cSld>
+    <p:bg>
+      <p:bgPr>
+        <a:pattFill prst="ltUpDiag">
+          <a:fgClr>
+            <a:schemeClr val="bg1">
+              <a:lumMod val="95000"/>
+            </a:schemeClr>
+          </a:fgClr>
+          <a:bgClr>
+            <a:schemeClr val="bg1"/>
+          </a:bgClr>
+        </a:pattFill>
+        <a:effectLst/>
+      </p:bgPr>
+    </p:bg>
     <p:spTree>
       <p:nvGrpSpPr>
         <p:cNvPr id="1" name=""/>
@@ -3349,79 +3366,455 @@
       </p:grpSpPr>
       <p:sp>
         <p:nvSpPr>
-          <p:cNvPr id="2" name="Titel 1">
+          <p:cNvPr id="8" name="Rectangle 7"/>
+          <p:cNvSpPr/>
+          <p:nvPr/>
+        </p:nvSpPr>
+        <p:spPr>
+          <a:xfrm>
+            <a:off x="945941" y="1472783"/>
+            <a:ext cx="6655633" cy="3732551"/>
+          </a:xfrm>
+          <a:prstGeom prst="rect">
+            <a:avLst/>
+          </a:prstGeom>
+          <a:solidFill>
+            <a:srgbClr val="1C819E">
+              <a:alpha val="54000"/>
+            </a:srgbClr>
+          </a:solidFill>
+          <a:ln>
+            <a:noFill/>
+          </a:ln>
+        </p:spPr>
+        <p:style>
+          <a:lnRef idx="2">
+            <a:schemeClr val="accent1">
+              <a:shade val="50000"/>
+            </a:schemeClr>
+          </a:lnRef>
+          <a:fillRef idx="1">
+            <a:schemeClr val="accent1"/>
+          </a:fillRef>
+          <a:effectRef idx="0">
+            <a:schemeClr val="accent1"/>
+          </a:effectRef>
+          <a:fontRef idx="minor">
+            <a:schemeClr val="lt1"/>
+          </a:fontRef>
+        </p:style>
+        <p:txBody>
+          <a:bodyPr rtlCol="0" anchor="ctr"/>
+          <a:lstStyle/>
+          <a:p>
+            <a:pPr algn="ctr"/>
+            <a:endParaRPr lang="en-US"/>
+          </a:p>
+        </p:txBody>
+      </p:sp>
+      <p:sp>
+        <p:nvSpPr>
+          <p:cNvPr id="9" name="Rectangle 8"/>
+          <p:cNvSpPr/>
+          <p:nvPr/>
+        </p:nvSpPr>
+        <p:spPr>
+          <a:xfrm>
+            <a:off x="781050" y="1292901"/>
+            <a:ext cx="6655633" cy="3732551"/>
+          </a:xfrm>
+          <a:prstGeom prst="rect">
+            <a:avLst/>
+          </a:prstGeom>
+          <a:solidFill>
+            <a:srgbClr val="1C819E"/>
+          </a:solidFill>
+          <a:ln>
+            <a:noFill/>
+          </a:ln>
+        </p:spPr>
+        <p:style>
+          <a:lnRef idx="2">
+            <a:schemeClr val="accent1">
+              <a:shade val="50000"/>
+            </a:schemeClr>
+          </a:lnRef>
+          <a:fillRef idx="1">
+            <a:schemeClr val="accent1"/>
+          </a:fillRef>
+          <a:effectRef idx="0">
+            <a:schemeClr val="accent1"/>
+          </a:effectRef>
+          <a:fontRef idx="minor">
+            <a:schemeClr val="lt1"/>
+          </a:fontRef>
+        </p:style>
+        <p:txBody>
+          <a:bodyPr rtlCol="0" anchor="ctr"/>
+          <a:lstStyle/>
+          <a:p>
+            <a:pPr algn="ctr"/>
+            <a:endParaRPr lang="en-US" dirty="0"/>
+          </a:p>
+        </p:txBody>
+      </p:sp>
+      <p:grpSp>
+        <p:nvGrpSpPr>
+          <p:cNvPr id="2" name="Group 1"/>
+          <p:cNvGrpSpPr/>
+          <p:nvPr/>
+        </p:nvGrpSpPr>
+        <p:grpSpPr>
+          <a:xfrm>
+            <a:off x="1277183" y="2545656"/>
+            <a:ext cx="5756006" cy="1357937"/>
+            <a:chOff x="1277183" y="2833619"/>
+            <a:chExt cx="5756006" cy="1357937"/>
+          </a:xfrm>
+        </p:grpSpPr>
+        <p:sp>
+          <p:nvSpPr>
+            <p:cNvPr id="11" name="TextBox 10"/>
+            <p:cNvSpPr txBox="1"/>
+            <p:nvPr/>
+          </p:nvSpPr>
+          <p:spPr>
+            <a:xfrm>
+              <a:off x="1277183" y="2833619"/>
+              <a:ext cx="5756006" cy="830997"/>
+            </a:xfrm>
+            <a:prstGeom prst="rect">
+              <a:avLst/>
+            </a:prstGeom>
+            <a:noFill/>
+            <a:ln>
+              <a:noFill/>
+            </a:ln>
+          </p:spPr>
+          <p:txBody>
+            <a:bodyPr wrap="square" lIns="0" rtlCol="0">
+              <a:spAutoFit/>
+            </a:bodyPr>
+            <a:lstStyle/>
+            <a:p>
+              <a:r>
+                <a:rPr lang="en-ID" sz="4800" b="1" dirty="0">
+                  <a:solidFill>
+                    <a:schemeClr val="bg1"/>
+                  </a:solidFill>
+                  <a:latin typeface="Segoe UI" panose="020B0502040204020203" pitchFamily="34" charset="0"/>
+                  <a:cs typeface="Segoe UI" panose="020B0502040204020203" pitchFamily="34" charset="0"/>
+                </a:rPr>
+                <a:t>DATA </a:t>
+              </a:r>
+              <a:r>
+                <a:rPr lang="en-ID" sz="4800" b="1" dirty="0">
+                  <a:solidFill>
+                    <a:srgbClr val="FFBE00"/>
+                  </a:solidFill>
+                  <a:latin typeface="Segoe UI" panose="020B0502040204020203" pitchFamily="34" charset="0"/>
+                  <a:cs typeface="Segoe UI" panose="020B0502040204020203" pitchFamily="34" charset="0"/>
+                </a:rPr>
+                <a:t>PERSISTENCY</a:t>
+              </a:r>
+              <a:endParaRPr lang="en-US" sz="4800" b="1" dirty="0">
+                <a:solidFill>
+                  <a:srgbClr val="FFBE00"/>
+                </a:solidFill>
+                <a:latin typeface="Segoe UI" panose="020B0502040204020203" pitchFamily="34" charset="0"/>
+                <a:cs typeface="Segoe UI" panose="020B0502040204020203" pitchFamily="34" charset="0"/>
+              </a:endParaRPr>
+            </a:p>
+          </p:txBody>
+        </p:sp>
+        <p:sp>
+          <p:nvSpPr>
+            <p:cNvPr id="14" name="Rectangle 13"/>
+            <p:cNvSpPr/>
+            <p:nvPr/>
+          </p:nvSpPr>
+          <p:spPr>
+            <a:xfrm>
+              <a:off x="1277183" y="3734586"/>
+              <a:ext cx="719528" cy="79801"/>
+            </a:xfrm>
+            <a:prstGeom prst="rect">
+              <a:avLst/>
+            </a:prstGeom>
+            <a:solidFill>
+              <a:schemeClr val="bg1"/>
+            </a:solidFill>
+            <a:ln>
+              <a:noFill/>
+            </a:ln>
+          </p:spPr>
+          <p:style>
+            <a:lnRef idx="2">
+              <a:schemeClr val="accent1">
+                <a:shade val="50000"/>
+              </a:schemeClr>
+            </a:lnRef>
+            <a:fillRef idx="1">
+              <a:schemeClr val="accent1"/>
+            </a:fillRef>
+            <a:effectRef idx="0">
+              <a:schemeClr val="accent1"/>
+            </a:effectRef>
+            <a:fontRef idx="minor">
+              <a:schemeClr val="lt1"/>
+            </a:fontRef>
+          </p:style>
+          <p:txBody>
+            <a:bodyPr rtlCol="0" anchor="ctr"/>
+            <a:lstStyle/>
+            <a:p>
+              <a:pPr algn="ctr"/>
+              <a:endParaRPr lang="en-US"/>
+            </a:p>
+          </p:txBody>
+        </p:sp>
+        <p:sp>
+          <p:nvSpPr>
+            <p:cNvPr id="15" name="TextBox 14"/>
+            <p:cNvSpPr txBox="1"/>
+            <p:nvPr/>
+          </p:nvSpPr>
+          <p:spPr>
+            <a:xfrm>
+              <a:off x="1277183" y="3884356"/>
+              <a:ext cx="5451213" cy="307200"/>
+            </a:xfrm>
+            <a:prstGeom prst="rect">
+              <a:avLst/>
+            </a:prstGeom>
+            <a:noFill/>
+          </p:spPr>
+          <p:txBody>
+            <a:bodyPr wrap="square" lIns="0" rtlCol="0">
+              <a:spAutoFit/>
+            </a:bodyPr>
+            <a:lstStyle/>
+            <a:p>
+              <a:pPr>
+                <a:lnSpc>
+                  <a:spcPct val="130000"/>
+                </a:lnSpc>
+              </a:pPr>
+              <a:r>
+                <a:rPr lang="en-US" sz="1200" dirty="0">
+                  <a:solidFill>
+                    <a:schemeClr val="bg1"/>
+                  </a:solidFill>
+                  <a:latin typeface="Segoe UI" panose="020B0502040204020203" pitchFamily="34" charset="0"/>
+                  <a:cs typeface="Segoe UI" panose="020B0502040204020203" pitchFamily="34" charset="0"/>
+                </a:rPr>
+                <a:t>Maxim Derboven &amp; Jonas </a:t>
+              </a:r>
+              <a:r>
+                <a:rPr lang="en-US" sz="1200" dirty="0" err="1">
+                  <a:solidFill>
+                    <a:schemeClr val="bg1"/>
+                  </a:solidFill>
+                  <a:latin typeface="Segoe UI" panose="020B0502040204020203" pitchFamily="34" charset="0"/>
+                  <a:cs typeface="Segoe UI" panose="020B0502040204020203" pitchFamily="34" charset="0"/>
+                </a:rPr>
+                <a:t>Leijzen</a:t>
+              </a:r>
+              <a:endParaRPr lang="en-US" sz="1200" dirty="0">
+                <a:solidFill>
+                  <a:schemeClr val="bg1"/>
+                </a:solidFill>
+                <a:latin typeface="Segoe UI" panose="020B0502040204020203" pitchFamily="34" charset="0"/>
+                <a:cs typeface="Segoe UI" panose="020B0502040204020203" pitchFamily="34" charset="0"/>
+              </a:endParaRPr>
+            </a:p>
+          </p:txBody>
+        </p:sp>
+      </p:grpSp>
+      <p:grpSp>
+        <p:nvGrpSpPr>
+          <p:cNvPr id="17" name="Group 16">
             <a:extLst>
               <a:ext uri="{FF2B5EF4-FFF2-40B4-BE49-F238E27FC236}">
-                <a16:creationId xmlns:a16="http://schemas.microsoft.com/office/drawing/2014/main" id="{5BFCF001-2B6B-33A2-0527-D9CB97F307FB}"/>
+                <a16:creationId xmlns:a16="http://schemas.microsoft.com/office/drawing/2014/main" id="{C315A2BC-88CA-4BDF-875C-0459AB10704E}"/>
               </a:ext>
             </a:extLst>
           </p:cNvPr>
-          <p:cNvSpPr>
-            <a:spLocks noGrp="1"/>
-          </p:cNvSpPr>
-          <p:nvPr>
-            <p:ph type="ctrTitle"/>
-          </p:nvPr>
-        </p:nvSpPr>
-        <p:spPr/>
-        <p:txBody>
-          <a:bodyPr/>
-          <a:lstStyle/>
-          <a:p>
-            <a:r>
-              <a:rPr lang="nl-BE" dirty="0"/>
-              <a:t>Data </a:t>
-            </a:r>
-            <a:r>
-              <a:rPr lang="nl-BE" dirty="0" err="1"/>
-              <a:t>Persistency</a:t>
-            </a:r>
-            <a:endParaRPr lang="nl-BE" dirty="0"/>
-          </a:p>
-        </p:txBody>
-      </p:sp>
-      <p:sp>
-        <p:nvSpPr>
-          <p:cNvPr id="3" name="Ondertitel 2">
-            <a:extLst>
-              <a:ext uri="{FF2B5EF4-FFF2-40B4-BE49-F238E27FC236}">
-                <a16:creationId xmlns:a16="http://schemas.microsoft.com/office/drawing/2014/main" id="{0D74F750-5070-9CBE-A208-3A111B0BA723}"/>
-              </a:ext>
-            </a:extLst>
-          </p:cNvPr>
-          <p:cNvSpPr>
-            <a:spLocks noGrp="1"/>
-          </p:cNvSpPr>
-          <p:nvPr>
-            <p:ph type="subTitle" idx="1"/>
-          </p:nvPr>
-        </p:nvSpPr>
-        <p:spPr/>
-        <p:txBody>
-          <a:bodyPr>
-            <a:normAutofit/>
-          </a:bodyPr>
-          <a:lstStyle/>
-          <a:p>
-            <a:r>
-              <a:rPr lang="nl-BE" sz="2000" dirty="0"/>
-              <a:t>Maxim Derboven, Jonas </a:t>
-            </a:r>
-            <a:r>
-              <a:rPr lang="nl-BE" sz="2000" dirty="0" err="1"/>
-              <a:t>Leijzen</a:t>
-            </a:r>
-            <a:endParaRPr lang="nl-BE" sz="2000" dirty="0"/>
-          </a:p>
-          <a:p>
-            <a:endParaRPr lang="nl-BE" sz="2000" dirty="0"/>
-          </a:p>
-        </p:txBody>
-      </p:sp>
+          <p:cNvGrpSpPr/>
+          <p:nvPr/>
+        </p:nvGrpSpPr>
+        <p:grpSpPr>
+          <a:xfrm>
+            <a:off x="-1" y="6785954"/>
+            <a:ext cx="12192001" cy="87035"/>
+            <a:chOff x="-1" y="6655633"/>
+            <a:chExt cx="12192001" cy="217357"/>
+          </a:xfrm>
+        </p:grpSpPr>
+        <p:sp>
+          <p:nvSpPr>
+            <p:cNvPr id="18" name="Rectangle 17">
+              <a:extLst>
+                <a:ext uri="{FF2B5EF4-FFF2-40B4-BE49-F238E27FC236}">
+                  <a16:creationId xmlns:a16="http://schemas.microsoft.com/office/drawing/2014/main" id="{F8A9662C-82A0-4B09-AE1C-E43643A1D147}"/>
+                </a:ext>
+              </a:extLst>
+            </p:cNvPr>
+            <p:cNvSpPr/>
+            <p:nvPr/>
+          </p:nvSpPr>
+          <p:spPr>
+            <a:xfrm>
+              <a:off x="6096000" y="6655633"/>
+              <a:ext cx="3381829" cy="217357"/>
+            </a:xfrm>
+            <a:prstGeom prst="rect">
+              <a:avLst/>
+            </a:prstGeom>
+            <a:solidFill>
+              <a:srgbClr val="1C819E"/>
+            </a:solidFill>
+            <a:ln>
+              <a:noFill/>
+            </a:ln>
+          </p:spPr>
+          <p:style>
+            <a:lnRef idx="2">
+              <a:schemeClr val="accent1">
+                <a:shade val="50000"/>
+              </a:schemeClr>
+            </a:lnRef>
+            <a:fillRef idx="1">
+              <a:schemeClr val="accent1"/>
+            </a:fillRef>
+            <a:effectRef idx="0">
+              <a:schemeClr val="accent1"/>
+            </a:effectRef>
+            <a:fontRef idx="minor">
+              <a:schemeClr val="lt1"/>
+            </a:fontRef>
+          </p:style>
+          <p:txBody>
+            <a:bodyPr rtlCol="0" anchor="ctr"/>
+            <a:lstStyle/>
+            <a:p>
+              <a:pPr algn="ctr"/>
+              <a:endParaRPr lang="en-US"/>
+            </a:p>
+          </p:txBody>
+        </p:sp>
+        <p:sp>
+          <p:nvSpPr>
+            <p:cNvPr id="19" name="Rectangle 18">
+              <a:extLst>
+                <a:ext uri="{FF2B5EF4-FFF2-40B4-BE49-F238E27FC236}">
+                  <a16:creationId xmlns:a16="http://schemas.microsoft.com/office/drawing/2014/main" id="{19AF878C-C676-4EC0-89AA-BA99B6B32EE1}"/>
+                </a:ext>
+              </a:extLst>
+            </p:cNvPr>
+            <p:cNvSpPr/>
+            <p:nvPr/>
+          </p:nvSpPr>
+          <p:spPr>
+            <a:xfrm>
+              <a:off x="9477829" y="6655633"/>
+              <a:ext cx="2714171" cy="217357"/>
+            </a:xfrm>
+            <a:prstGeom prst="rect">
+              <a:avLst/>
+            </a:prstGeom>
+            <a:solidFill>
+              <a:srgbClr val="FFBE00"/>
+            </a:solidFill>
+            <a:ln>
+              <a:noFill/>
+            </a:ln>
+          </p:spPr>
+          <p:style>
+            <a:lnRef idx="2">
+              <a:schemeClr val="accent1">
+                <a:shade val="50000"/>
+              </a:schemeClr>
+            </a:lnRef>
+            <a:fillRef idx="1">
+              <a:schemeClr val="accent1"/>
+            </a:fillRef>
+            <a:effectRef idx="0">
+              <a:schemeClr val="accent1"/>
+            </a:effectRef>
+            <a:fontRef idx="minor">
+              <a:schemeClr val="lt1"/>
+            </a:fontRef>
+          </p:style>
+          <p:txBody>
+            <a:bodyPr rtlCol="0" anchor="ctr"/>
+            <a:lstStyle/>
+            <a:p>
+              <a:pPr algn="ctr"/>
+              <a:endParaRPr lang="en-US"/>
+            </a:p>
+          </p:txBody>
+        </p:sp>
+        <p:sp>
+          <p:nvSpPr>
+            <p:cNvPr id="20" name="Rectangle 19">
+              <a:extLst>
+                <a:ext uri="{FF2B5EF4-FFF2-40B4-BE49-F238E27FC236}">
+                  <a16:creationId xmlns:a16="http://schemas.microsoft.com/office/drawing/2014/main" id="{BEF138DC-F643-4132-A74A-2C7855E99A13}"/>
+                </a:ext>
+              </a:extLst>
+            </p:cNvPr>
+            <p:cNvSpPr/>
+            <p:nvPr/>
+          </p:nvSpPr>
+          <p:spPr>
+            <a:xfrm>
+              <a:off x="-1" y="6655633"/>
+              <a:ext cx="6132513" cy="217357"/>
+            </a:xfrm>
+            <a:prstGeom prst="rect">
+              <a:avLst/>
+            </a:prstGeom>
+            <a:solidFill>
+              <a:schemeClr val="tx1">
+                <a:lumMod val="75000"/>
+                <a:lumOff val="25000"/>
+              </a:schemeClr>
+            </a:solidFill>
+            <a:ln>
+              <a:noFill/>
+            </a:ln>
+          </p:spPr>
+          <p:style>
+            <a:lnRef idx="2">
+              <a:schemeClr val="accent1">
+                <a:shade val="50000"/>
+              </a:schemeClr>
+            </a:lnRef>
+            <a:fillRef idx="1">
+              <a:schemeClr val="accent1"/>
+            </a:fillRef>
+            <a:effectRef idx="0">
+              <a:schemeClr val="accent1"/>
+            </a:effectRef>
+            <a:fontRef idx="minor">
+              <a:schemeClr val="lt1"/>
+            </a:fontRef>
+          </p:style>
+          <p:txBody>
+            <a:bodyPr rtlCol="0" anchor="ctr"/>
+            <a:lstStyle/>
+            <a:p>
+              <a:pPr algn="ctr"/>
+              <a:endParaRPr lang="en-US"/>
+            </a:p>
+          </p:txBody>
+        </p:sp>
+      </p:grpSp>
     </p:spTree>
     <p:extLst>
       <p:ext uri="{BB962C8B-B14F-4D97-AF65-F5344CB8AC3E}">
-        <p14:creationId xmlns:p14="http://schemas.microsoft.com/office/powerpoint/2010/main" val="303594443"/>
+        <p14:creationId xmlns:p14="http://schemas.microsoft.com/office/powerpoint/2010/main" val="1650944375"/>
       </p:ext>
     </p:extLst>
   </p:cSld>
@@ -3450,18 +3843,12 @@
       </p:grpSpPr>
       <p:sp>
         <p:nvSpPr>
-          <p:cNvPr id="2" name="Titel 1">
-            <a:extLst>
-              <a:ext uri="{FF2B5EF4-FFF2-40B4-BE49-F238E27FC236}">
-                <a16:creationId xmlns:a16="http://schemas.microsoft.com/office/drawing/2014/main" id="{A0D14482-1B6B-3615-D3FB-32FFA5B16630}"/>
-              </a:ext>
-            </a:extLst>
-          </p:cNvPr>
+          <p:cNvPr id="2" name="Date Placeholder 1"/>
           <p:cNvSpPr>
             <a:spLocks noGrp="1"/>
           </p:cNvSpPr>
           <p:nvPr>
-            <p:ph type="title"/>
+            <p:ph type="dt" sz="half" idx="10"/>
           </p:nvPr>
         </p:nvSpPr>
         <p:spPr/>
@@ -3469,27 +3856,22 @@
           <a:bodyPr/>
           <a:lstStyle/>
           <a:p>
-            <a:r>
-              <a:rPr lang="nl-BE" dirty="0"/>
-              <a:t>Transformatie</a:t>
-            </a:r>
-          </a:p>
-        </p:txBody>
-      </p:sp>
-      <p:sp>
-        <p:nvSpPr>
-          <p:cNvPr id="3" name="Tijdelijke aanduiding voor inhoud 2">
-            <a:extLst>
-              <a:ext uri="{FF2B5EF4-FFF2-40B4-BE49-F238E27FC236}">
-                <a16:creationId xmlns:a16="http://schemas.microsoft.com/office/drawing/2014/main" id="{3C5BAE2E-2C98-DDA5-D966-AF672BCAE9B9}"/>
-              </a:ext>
-            </a:extLst>
-          </p:cNvPr>
+            <a:fld id="{5D2A5BCA-CFD9-4AED-A589-E41154D4A6DF}" type="datetime1">
+              <a:rPr lang="en-US" smtClean="0"/>
+              <a:t>11/4/2022</a:t>
+            </a:fld>
+            <a:endParaRPr lang="en-US"/>
+          </a:p>
+        </p:txBody>
+      </p:sp>
+      <p:sp>
+        <p:nvSpPr>
+          <p:cNvPr id="4" name="Slide Number Placeholder 3"/>
           <p:cNvSpPr>
             <a:spLocks noGrp="1"/>
           </p:cNvSpPr>
           <p:nvPr>
-            <p:ph idx="1"/>
+            <p:ph type="sldNum" sz="quarter" idx="12"/>
           </p:nvPr>
         </p:nvSpPr>
         <p:spPr/>
@@ -3497,20 +3879,687 @@
           <a:bodyPr/>
           <a:lstStyle/>
           <a:p>
-            <a:endParaRPr lang="nl-BE"/>
-          </a:p>
-        </p:txBody>
-      </p:sp>
+            <a:fld id="{58EBAA78-A8B6-4B10-8AE6-E0A63F3F5923}" type="slidenum">
+              <a:rPr lang="en-US" smtClean="0"/>
+              <a:t>2</a:t>
+            </a:fld>
+            <a:endParaRPr lang="en-US"/>
+          </a:p>
+        </p:txBody>
+      </p:sp>
+      <p:sp>
+        <p:nvSpPr>
+          <p:cNvPr id="123" name="Rectangle 122"/>
+          <p:cNvSpPr/>
+          <p:nvPr/>
+        </p:nvSpPr>
+        <p:spPr>
+          <a:xfrm>
+            <a:off x="440896" y="448735"/>
+            <a:ext cx="3994812" cy="646331"/>
+          </a:xfrm>
+          <a:prstGeom prst="rect">
+            <a:avLst/>
+          </a:prstGeom>
+        </p:spPr>
+        <p:txBody>
+          <a:bodyPr wrap="none">
+            <a:spAutoFit/>
+          </a:bodyPr>
+          <a:lstStyle/>
+          <a:p>
+            <a:r>
+              <a:rPr lang="en-ID" sz="3600" b="1" dirty="0">
+                <a:solidFill>
+                  <a:schemeClr val="tx1">
+                    <a:lumMod val="75000"/>
+                    <a:lumOff val="25000"/>
+                  </a:schemeClr>
+                </a:solidFill>
+                <a:latin typeface="Segoe UI" panose="020B0502040204020203" pitchFamily="34" charset="0"/>
+                <a:cs typeface="Segoe UI" panose="020B0502040204020203" pitchFamily="34" charset="0"/>
+              </a:rPr>
+              <a:t>TRANSFORMATIE</a:t>
+            </a:r>
+            <a:endParaRPr lang="en-US" sz="3600" b="1" dirty="0">
+              <a:solidFill>
+                <a:schemeClr val="tx1">
+                  <a:lumMod val="75000"/>
+                  <a:lumOff val="25000"/>
+                </a:schemeClr>
+              </a:solidFill>
+              <a:latin typeface="Segoe UI" panose="020B0502040204020203" pitchFamily="34" charset="0"/>
+              <a:cs typeface="Segoe UI" panose="020B0502040204020203" pitchFamily="34" charset="0"/>
+            </a:endParaRPr>
+          </a:p>
+        </p:txBody>
+      </p:sp>
+      <p:grpSp>
+        <p:nvGrpSpPr>
+          <p:cNvPr id="128" name="Group 127">
+            <a:extLst>
+              <a:ext uri="{FF2B5EF4-FFF2-40B4-BE49-F238E27FC236}">
+                <a16:creationId xmlns:a16="http://schemas.microsoft.com/office/drawing/2014/main" id="{0FCE2220-B5E8-4F86-8FE8-47DC246D0733}"/>
+              </a:ext>
+            </a:extLst>
+          </p:cNvPr>
+          <p:cNvGrpSpPr/>
+          <p:nvPr/>
+        </p:nvGrpSpPr>
+        <p:grpSpPr>
+          <a:xfrm>
+            <a:off x="-1" y="6785954"/>
+            <a:ext cx="12192001" cy="87035"/>
+            <a:chOff x="-1" y="6655633"/>
+            <a:chExt cx="12192001" cy="217357"/>
+          </a:xfrm>
+        </p:grpSpPr>
+        <p:sp>
+          <p:nvSpPr>
+            <p:cNvPr id="133" name="Rectangle 132">
+              <a:extLst>
+                <a:ext uri="{FF2B5EF4-FFF2-40B4-BE49-F238E27FC236}">
+                  <a16:creationId xmlns:a16="http://schemas.microsoft.com/office/drawing/2014/main" id="{1BF6E7F7-C587-492D-B4EA-CF9E0DDDE627}"/>
+                </a:ext>
+              </a:extLst>
+            </p:cNvPr>
+            <p:cNvSpPr/>
+            <p:nvPr/>
+          </p:nvSpPr>
+          <p:spPr>
+            <a:xfrm>
+              <a:off x="6096000" y="6655633"/>
+              <a:ext cx="3381829" cy="217357"/>
+            </a:xfrm>
+            <a:prstGeom prst="rect">
+              <a:avLst/>
+            </a:prstGeom>
+            <a:solidFill>
+              <a:srgbClr val="1C819E"/>
+            </a:solidFill>
+            <a:ln>
+              <a:noFill/>
+            </a:ln>
+          </p:spPr>
+          <p:style>
+            <a:lnRef idx="2">
+              <a:schemeClr val="accent1">
+                <a:shade val="50000"/>
+              </a:schemeClr>
+            </a:lnRef>
+            <a:fillRef idx="1">
+              <a:schemeClr val="accent1"/>
+            </a:fillRef>
+            <a:effectRef idx="0">
+              <a:schemeClr val="accent1"/>
+            </a:effectRef>
+            <a:fontRef idx="minor">
+              <a:schemeClr val="lt1"/>
+            </a:fontRef>
+          </p:style>
+          <p:txBody>
+            <a:bodyPr rtlCol="0" anchor="ctr"/>
+            <a:lstStyle/>
+            <a:p>
+              <a:pPr algn="ctr"/>
+              <a:endParaRPr lang="en-US"/>
+            </a:p>
+          </p:txBody>
+        </p:sp>
+        <p:sp>
+          <p:nvSpPr>
+            <p:cNvPr id="142" name="Rectangle 141">
+              <a:extLst>
+                <a:ext uri="{FF2B5EF4-FFF2-40B4-BE49-F238E27FC236}">
+                  <a16:creationId xmlns:a16="http://schemas.microsoft.com/office/drawing/2014/main" id="{A2D755BF-AEA6-4FE3-B685-ADC45A9838AC}"/>
+                </a:ext>
+              </a:extLst>
+            </p:cNvPr>
+            <p:cNvSpPr/>
+            <p:nvPr/>
+          </p:nvSpPr>
+          <p:spPr>
+            <a:xfrm>
+              <a:off x="9477829" y="6655633"/>
+              <a:ext cx="2714171" cy="217357"/>
+            </a:xfrm>
+            <a:prstGeom prst="rect">
+              <a:avLst/>
+            </a:prstGeom>
+            <a:solidFill>
+              <a:srgbClr val="FFBE00"/>
+            </a:solidFill>
+            <a:ln>
+              <a:noFill/>
+            </a:ln>
+          </p:spPr>
+          <p:style>
+            <a:lnRef idx="2">
+              <a:schemeClr val="accent1">
+                <a:shade val="50000"/>
+              </a:schemeClr>
+            </a:lnRef>
+            <a:fillRef idx="1">
+              <a:schemeClr val="accent1"/>
+            </a:fillRef>
+            <a:effectRef idx="0">
+              <a:schemeClr val="accent1"/>
+            </a:effectRef>
+            <a:fontRef idx="minor">
+              <a:schemeClr val="lt1"/>
+            </a:fontRef>
+          </p:style>
+          <p:txBody>
+            <a:bodyPr rtlCol="0" anchor="ctr"/>
+            <a:lstStyle/>
+            <a:p>
+              <a:pPr algn="ctr"/>
+              <a:endParaRPr lang="en-US"/>
+            </a:p>
+          </p:txBody>
+        </p:sp>
+        <p:sp>
+          <p:nvSpPr>
+            <p:cNvPr id="146" name="Rectangle 145">
+              <a:extLst>
+                <a:ext uri="{FF2B5EF4-FFF2-40B4-BE49-F238E27FC236}">
+                  <a16:creationId xmlns:a16="http://schemas.microsoft.com/office/drawing/2014/main" id="{4C92C81A-7EFC-4A90-A593-F3AD1DDA85B0}"/>
+                </a:ext>
+              </a:extLst>
+            </p:cNvPr>
+            <p:cNvSpPr/>
+            <p:nvPr/>
+          </p:nvSpPr>
+          <p:spPr>
+            <a:xfrm>
+              <a:off x="-1" y="6655633"/>
+              <a:ext cx="6132513" cy="217357"/>
+            </a:xfrm>
+            <a:prstGeom prst="rect">
+              <a:avLst/>
+            </a:prstGeom>
+            <a:solidFill>
+              <a:schemeClr val="tx1">
+                <a:lumMod val="75000"/>
+                <a:lumOff val="25000"/>
+              </a:schemeClr>
+            </a:solidFill>
+            <a:ln>
+              <a:noFill/>
+            </a:ln>
+          </p:spPr>
+          <p:style>
+            <a:lnRef idx="2">
+              <a:schemeClr val="accent1">
+                <a:shade val="50000"/>
+              </a:schemeClr>
+            </a:lnRef>
+            <a:fillRef idx="1">
+              <a:schemeClr val="accent1"/>
+            </a:fillRef>
+            <a:effectRef idx="0">
+              <a:schemeClr val="accent1"/>
+            </a:effectRef>
+            <a:fontRef idx="minor">
+              <a:schemeClr val="lt1"/>
+            </a:fontRef>
+          </p:style>
+          <p:txBody>
+            <a:bodyPr rtlCol="0" anchor="ctr"/>
+            <a:lstStyle/>
+            <a:p>
+              <a:pPr algn="ctr"/>
+              <a:endParaRPr lang="en-US"/>
+            </a:p>
+          </p:txBody>
+        </p:sp>
+      </p:grpSp>
+      <p:sp>
+        <p:nvSpPr>
+          <p:cNvPr id="3" name="Tekstvak 2">
+            <a:extLst>
+              <a:ext uri="{FF2B5EF4-FFF2-40B4-BE49-F238E27FC236}">
+                <a16:creationId xmlns:a16="http://schemas.microsoft.com/office/drawing/2014/main" id="{D834E2DD-2BA1-2864-B7C9-2D8CED50A421}"/>
+              </a:ext>
+            </a:extLst>
+          </p:cNvPr>
+          <p:cNvSpPr txBox="1"/>
+          <p:nvPr/>
+        </p:nvSpPr>
+        <p:spPr>
+          <a:xfrm>
+            <a:off x="572568" y="1264778"/>
+            <a:ext cx="10781232" cy="923330"/>
+          </a:xfrm>
+          <a:prstGeom prst="rect">
+            <a:avLst/>
+          </a:prstGeom>
+          <a:noFill/>
+        </p:spPr>
+        <p:txBody>
+          <a:bodyPr wrap="square" rtlCol="0">
+            <a:spAutoFit/>
+          </a:bodyPr>
+          <a:lstStyle/>
+          <a:p>
+            <a:r>
+              <a:rPr lang="nl-BE" dirty="0"/>
+              <a:t>Data van vorm tot vorm transformeren.</a:t>
+            </a:r>
+          </a:p>
+          <a:p>
+            <a:endParaRPr lang="nl-BE" dirty="0"/>
+          </a:p>
+          <a:p>
+            <a:endParaRPr lang="nl-BE" dirty="0"/>
+          </a:p>
+        </p:txBody>
+      </p:sp>
+      <p:grpSp>
+        <p:nvGrpSpPr>
+          <p:cNvPr id="10" name="Groep 9">
+            <a:extLst>
+              <a:ext uri="{FF2B5EF4-FFF2-40B4-BE49-F238E27FC236}">
+                <a16:creationId xmlns:a16="http://schemas.microsoft.com/office/drawing/2014/main" id="{CA746097-31C4-E353-F606-478A69C77ADC}"/>
+              </a:ext>
+            </a:extLst>
+          </p:cNvPr>
+          <p:cNvGrpSpPr/>
+          <p:nvPr/>
+        </p:nvGrpSpPr>
+        <p:grpSpPr>
+          <a:xfrm>
+            <a:off x="572568" y="1654219"/>
+            <a:ext cx="10781232" cy="3967273"/>
+            <a:chOff x="572568" y="1654219"/>
+            <a:chExt cx="10781232" cy="3967273"/>
+          </a:xfrm>
+        </p:grpSpPr>
+        <p:pic>
+          <p:nvPicPr>
+            <p:cNvPr id="6" name="Afbeelding 5">
+              <a:extLst>
+                <a:ext uri="{FF2B5EF4-FFF2-40B4-BE49-F238E27FC236}">
+                  <a16:creationId xmlns:a16="http://schemas.microsoft.com/office/drawing/2014/main" id="{95740C23-0A53-D366-BF6D-406B20859F98}"/>
+                </a:ext>
+              </a:extLst>
+            </p:cNvPr>
+            <p:cNvPicPr>
+              <a:picLocks noChangeAspect="1"/>
+            </p:cNvPicPr>
+            <p:nvPr/>
+          </p:nvPicPr>
+          <p:blipFill rotWithShape="1">
+            <a:blip r:embed="rId2"/>
+            <a:srcRect r="49553"/>
+            <a:stretch/>
+          </p:blipFill>
+          <p:spPr>
+            <a:xfrm>
+              <a:off x="6190953" y="1654219"/>
+              <a:ext cx="5162847" cy="3840727"/>
+            </a:xfrm>
+            <a:prstGeom prst="rect">
+              <a:avLst/>
+            </a:prstGeom>
+          </p:spPr>
+        </p:pic>
+        <p:pic>
+          <p:nvPicPr>
+            <p:cNvPr id="8" name="Afbeelding 7">
+              <a:extLst>
+                <a:ext uri="{FF2B5EF4-FFF2-40B4-BE49-F238E27FC236}">
+                  <a16:creationId xmlns:a16="http://schemas.microsoft.com/office/drawing/2014/main" id="{8DFECF22-1CAA-F59E-FCC6-648F5F15E941}"/>
+                </a:ext>
+              </a:extLst>
+            </p:cNvPr>
+            <p:cNvPicPr>
+              <a:picLocks noChangeAspect="1"/>
+            </p:cNvPicPr>
+            <p:nvPr/>
+          </p:nvPicPr>
+          <p:blipFill>
+            <a:blip r:embed="rId3"/>
+            <a:stretch>
+              <a:fillRect/>
+            </a:stretch>
+          </p:blipFill>
+          <p:spPr>
+            <a:xfrm>
+              <a:off x="572568" y="1654220"/>
+              <a:ext cx="3537959" cy="3967272"/>
+            </a:xfrm>
+            <a:prstGeom prst="rect">
+              <a:avLst/>
+            </a:prstGeom>
+          </p:spPr>
+        </p:pic>
+        <p:sp>
+          <p:nvSpPr>
+            <p:cNvPr id="9" name="Pijl: rechts 8">
+              <a:extLst>
+                <a:ext uri="{FF2B5EF4-FFF2-40B4-BE49-F238E27FC236}">
+                  <a16:creationId xmlns:a16="http://schemas.microsoft.com/office/drawing/2014/main" id="{00F0B6A3-CE18-BEEE-5115-B600B62868AF}"/>
+                </a:ext>
+              </a:extLst>
+            </p:cNvPr>
+            <p:cNvSpPr/>
+            <p:nvPr/>
+          </p:nvSpPr>
+          <p:spPr>
+            <a:xfrm>
+              <a:off x="4435708" y="3235422"/>
+              <a:ext cx="1358341" cy="511350"/>
+            </a:xfrm>
+            <a:prstGeom prst="rightArrow">
+              <a:avLst/>
+            </a:prstGeom>
+          </p:spPr>
+          <p:style>
+            <a:lnRef idx="2">
+              <a:schemeClr val="accent1">
+                <a:shade val="50000"/>
+              </a:schemeClr>
+            </a:lnRef>
+            <a:fillRef idx="1">
+              <a:schemeClr val="accent1"/>
+            </a:fillRef>
+            <a:effectRef idx="0">
+              <a:schemeClr val="accent1"/>
+            </a:effectRef>
+            <a:fontRef idx="minor">
+              <a:schemeClr val="lt1"/>
+            </a:fontRef>
+          </p:style>
+          <p:txBody>
+            <a:bodyPr rtlCol="0" anchor="ctr"/>
+            <a:lstStyle/>
+            <a:p>
+              <a:pPr algn="ctr"/>
+              <a:endParaRPr lang="nl-BE"/>
+            </a:p>
+          </p:txBody>
+        </p:sp>
+      </p:grpSp>
+      <p:grpSp>
+        <p:nvGrpSpPr>
+          <p:cNvPr id="14" name="Groep 13">
+            <a:extLst>
+              <a:ext uri="{FF2B5EF4-FFF2-40B4-BE49-F238E27FC236}">
+                <a16:creationId xmlns:a16="http://schemas.microsoft.com/office/drawing/2014/main" id="{A3BDCB95-901A-E1F7-D18B-469C22CD9D3F}"/>
+              </a:ext>
+            </a:extLst>
+          </p:cNvPr>
+          <p:cNvGrpSpPr/>
+          <p:nvPr/>
+        </p:nvGrpSpPr>
+        <p:grpSpPr>
+          <a:xfrm>
+            <a:off x="325191" y="3373156"/>
+            <a:ext cx="11211490" cy="2637778"/>
+            <a:chOff x="325191" y="3373156"/>
+            <a:chExt cx="11211490" cy="2637778"/>
+          </a:xfrm>
+        </p:grpSpPr>
+        <p:sp>
+          <p:nvSpPr>
+            <p:cNvPr id="11" name="Pijl: omlaag 10">
+              <a:extLst>
+                <a:ext uri="{FF2B5EF4-FFF2-40B4-BE49-F238E27FC236}">
+                  <a16:creationId xmlns:a16="http://schemas.microsoft.com/office/drawing/2014/main" id="{922A3CD7-7F1D-6F38-2A3A-1A179D572E13}"/>
+                </a:ext>
+              </a:extLst>
+            </p:cNvPr>
+            <p:cNvSpPr/>
+            <p:nvPr/>
+          </p:nvSpPr>
+          <p:spPr>
+            <a:xfrm>
+              <a:off x="5158542" y="3373156"/>
+              <a:ext cx="484632" cy="978408"/>
+            </a:xfrm>
+            <a:prstGeom prst="downArrow">
+              <a:avLst/>
+            </a:prstGeom>
+          </p:spPr>
+          <p:style>
+            <a:lnRef idx="2">
+              <a:schemeClr val="accent1">
+                <a:shade val="50000"/>
+              </a:schemeClr>
+            </a:lnRef>
+            <a:fillRef idx="1">
+              <a:schemeClr val="accent1"/>
+            </a:fillRef>
+            <a:effectRef idx="0">
+              <a:schemeClr val="accent1"/>
+            </a:effectRef>
+            <a:fontRef idx="minor">
+              <a:schemeClr val="lt1"/>
+            </a:fontRef>
+          </p:style>
+          <p:txBody>
+            <a:bodyPr rtlCol="0" anchor="ctr"/>
+            <a:lstStyle/>
+            <a:p>
+              <a:pPr algn="ctr"/>
+              <a:endParaRPr lang="nl-BE"/>
+            </a:p>
+          </p:txBody>
+        </p:sp>
+        <p:pic>
+          <p:nvPicPr>
+            <p:cNvPr id="13" name="Afbeelding 12">
+              <a:extLst>
+                <a:ext uri="{FF2B5EF4-FFF2-40B4-BE49-F238E27FC236}">
+                  <a16:creationId xmlns:a16="http://schemas.microsoft.com/office/drawing/2014/main" id="{1405C968-6BAE-498B-E0FC-08841D2A0CB2}"/>
+                </a:ext>
+              </a:extLst>
+            </p:cNvPr>
+            <p:cNvPicPr>
+              <a:picLocks noChangeAspect="1"/>
+            </p:cNvPicPr>
+            <p:nvPr/>
+          </p:nvPicPr>
+          <p:blipFill>
+            <a:blip r:embed="rId4"/>
+            <a:stretch>
+              <a:fillRect/>
+            </a:stretch>
+          </p:blipFill>
+          <p:spPr>
+            <a:xfrm>
+              <a:off x="325191" y="4447686"/>
+              <a:ext cx="11211490" cy="1563248"/>
+            </a:xfrm>
+            <a:prstGeom prst="rect">
+              <a:avLst/>
+            </a:prstGeom>
+          </p:spPr>
+        </p:pic>
+      </p:grpSp>
     </p:spTree>
     <p:extLst>
       <p:ext uri="{BB962C8B-B14F-4D97-AF65-F5344CB8AC3E}">
-        <p14:creationId xmlns:p14="http://schemas.microsoft.com/office/powerpoint/2010/main" val="1092226462"/>
+        <p14:creationId xmlns:p14="http://schemas.microsoft.com/office/powerpoint/2010/main" val="245037332"/>
       </p:ext>
     </p:extLst>
   </p:cSld>
   <p:clrMapOvr>
     <a:masterClrMapping/>
   </p:clrMapOvr>
+  <p:timing>
+    <p:tnLst>
+      <p:par>
+        <p:cTn id="1" dur="indefinite" restart="never" nodeType="tmRoot">
+          <p:childTnLst>
+            <p:seq concurrent="1" nextAc="seek">
+              <p:cTn id="2" dur="indefinite" nodeType="mainSeq">
+                <p:childTnLst>
+                  <p:par>
+                    <p:cTn id="3" fill="hold">
+                      <p:stCondLst>
+                        <p:cond delay="indefinite"/>
+                        <p:cond evt="onBegin" delay="0">
+                          <p:tn val="2"/>
+                        </p:cond>
+                      </p:stCondLst>
+                      <p:childTnLst>
+                        <p:par>
+                          <p:cTn id="4" fill="hold">
+                            <p:stCondLst>
+                              <p:cond delay="0"/>
+                            </p:stCondLst>
+                            <p:childTnLst>
+                              <p:par>
+                                <p:cTn id="5" presetID="1" presetClass="exit" presetSubtype="0" fill="hold" nodeType="withEffect">
+                                  <p:stCondLst>
+                                    <p:cond delay="0"/>
+                                  </p:stCondLst>
+                                  <p:childTnLst>
+                                    <p:set>
+                                      <p:cBhvr>
+                                        <p:cTn id="6" dur="1" fill="hold">
+                                          <p:stCondLst>
+                                            <p:cond delay="0"/>
+                                          </p:stCondLst>
+                                        </p:cTn>
+                                        <p:tgtEl>
+                                          <p:spTgt spid="14"/>
+                                        </p:tgtEl>
+                                        <p:attrNameLst>
+                                          <p:attrName>style.visibility</p:attrName>
+                                        </p:attrNameLst>
+                                      </p:cBhvr>
+                                      <p:to>
+                                        <p:strVal val="hidden"/>
+                                      </p:to>
+                                    </p:set>
+                                  </p:childTnLst>
+                                </p:cTn>
+                              </p:par>
+                            </p:childTnLst>
+                          </p:cTn>
+                        </p:par>
+                      </p:childTnLst>
+                    </p:cTn>
+                  </p:par>
+                  <p:par>
+                    <p:cTn id="7" fill="hold">
+                      <p:stCondLst>
+                        <p:cond delay="indefinite"/>
+                      </p:stCondLst>
+                      <p:childTnLst>
+                        <p:par>
+                          <p:cTn id="8" fill="hold">
+                            <p:stCondLst>
+                              <p:cond delay="0"/>
+                            </p:stCondLst>
+                            <p:childTnLst>
+                              <p:par>
+                                <p:cTn id="9" presetID="42" presetClass="path" presetSubtype="0" accel="50000" decel="50000" fill="hold" nodeType="clickEffect">
+                                  <p:stCondLst>
+                                    <p:cond delay="0"/>
+                                  </p:stCondLst>
+                                  <p:childTnLst>
+                                    <p:animMotion origin="layout" path="M -2.5E-6 -4.07407E-6 L -0.0026 -0.17546 " pathEditMode="relative" rAng="0" ptsTypes="AA">
+                                      <p:cBhvr>
+                                        <p:cTn id="10" dur="2000" fill="hold"/>
+                                        <p:tgtEl>
+                                          <p:spTgt spid="10"/>
+                                        </p:tgtEl>
+                                        <p:attrNameLst>
+                                          <p:attrName>ppt_x</p:attrName>
+                                          <p:attrName>ppt_y</p:attrName>
+                                        </p:attrNameLst>
+                                      </p:cBhvr>
+                                      <p:rCtr x="-130" y="-8773"/>
+                                    </p:animMotion>
+                                  </p:childTnLst>
+                                </p:cTn>
+                              </p:par>
+                              <p:par>
+                                <p:cTn id="11" presetID="6" presetClass="emph" presetSubtype="0" fill="hold" nodeType="withEffect">
+                                  <p:stCondLst>
+                                    <p:cond delay="0"/>
+                                  </p:stCondLst>
+                                  <p:childTnLst>
+                                    <p:animScale>
+                                      <p:cBhvr>
+                                        <p:cTn id="12" dur="2000" fill="hold"/>
+                                        <p:tgtEl>
+                                          <p:spTgt spid="10"/>
+                                        </p:tgtEl>
+                                      </p:cBhvr>
+                                      <p:by x="50000" y="50000"/>
+                                    </p:animScale>
+                                  </p:childTnLst>
+                                </p:cTn>
+                              </p:par>
+                            </p:childTnLst>
+                          </p:cTn>
+                        </p:par>
+                        <p:par>
+                          <p:cTn id="13" fill="hold">
+                            <p:stCondLst>
+                              <p:cond delay="2000"/>
+                            </p:stCondLst>
+                            <p:childTnLst>
+                              <p:par>
+                                <p:cTn id="14" presetID="1" presetClass="entr" presetSubtype="0" fill="hold" nodeType="afterEffect">
+                                  <p:stCondLst>
+                                    <p:cond delay="0"/>
+                                  </p:stCondLst>
+                                  <p:childTnLst>
+                                    <p:set>
+                                      <p:cBhvr>
+                                        <p:cTn id="15" dur="1" fill="hold">
+                                          <p:stCondLst>
+                                            <p:cond delay="0"/>
+                                          </p:stCondLst>
+                                        </p:cTn>
+                                        <p:tgtEl>
+                                          <p:spTgt spid="14"/>
+                                        </p:tgtEl>
+                                        <p:attrNameLst>
+                                          <p:attrName>style.visibility</p:attrName>
+                                        </p:attrNameLst>
+                                      </p:cBhvr>
+                                      <p:to>
+                                        <p:strVal val="visible"/>
+                                      </p:to>
+                                    </p:set>
+                                  </p:childTnLst>
+                                </p:cTn>
+                              </p:par>
+                            </p:childTnLst>
+                          </p:cTn>
+                        </p:par>
+                      </p:childTnLst>
+                    </p:cTn>
+                  </p:par>
+                </p:childTnLst>
+              </p:cTn>
+              <p:prevCondLst>
+                <p:cond evt="onPrev" delay="0">
+                  <p:tgtEl>
+                    <p:sldTgt/>
+                  </p:tgtEl>
+                </p:cond>
+              </p:prevCondLst>
+              <p:nextCondLst>
+                <p:cond evt="onNext" delay="0">
+                  <p:tgtEl>
+                    <p:sldTgt/>
+                  </p:tgtEl>
+                </p:cond>
+              </p:nextCondLst>
+            </p:seq>
+          </p:childTnLst>
+        </p:cTn>
+      </p:par>
+    </p:tnLst>
+  </p:timing>
 </p:sld>
 </file>
 
@@ -3533,18 +4582,12 @@
       </p:grpSpPr>
       <p:sp>
         <p:nvSpPr>
-          <p:cNvPr id="2" name="Titel 1">
-            <a:extLst>
-              <a:ext uri="{FF2B5EF4-FFF2-40B4-BE49-F238E27FC236}">
-                <a16:creationId xmlns:a16="http://schemas.microsoft.com/office/drawing/2014/main" id="{00CA7976-7288-8366-3782-28620548C023}"/>
-              </a:ext>
-            </a:extLst>
-          </p:cNvPr>
+          <p:cNvPr id="2" name="Date Placeholder 1"/>
           <p:cNvSpPr>
             <a:spLocks noGrp="1"/>
           </p:cNvSpPr>
           <p:nvPr>
-            <p:ph type="title"/>
+            <p:ph type="dt" sz="half" idx="10"/>
           </p:nvPr>
         </p:nvSpPr>
         <p:spPr/>
@@ -3552,40 +4595,22 @@
           <a:bodyPr/>
           <a:lstStyle/>
           <a:p>
-            <a:r>
-              <a:rPr lang="nl-BE" dirty="0"/>
-              <a:t>Data </a:t>
-            </a:r>
-            <a:r>
-              <a:rPr lang="nl-BE" dirty="0" err="1"/>
-              <a:t>integration</a:t>
-            </a:r>
-            <a:r>
-              <a:rPr lang="nl-BE" dirty="0"/>
-              <a:t> &amp; Data </a:t>
-            </a:r>
-            <a:r>
-              <a:rPr lang="nl-BE" dirty="0" err="1"/>
-              <a:t>warehousing</a:t>
-            </a:r>
-            <a:endParaRPr lang="nl-BE" dirty="0"/>
-          </a:p>
-        </p:txBody>
-      </p:sp>
-      <p:sp>
-        <p:nvSpPr>
-          <p:cNvPr id="3" name="Tijdelijke aanduiding voor inhoud 2">
-            <a:extLst>
-              <a:ext uri="{FF2B5EF4-FFF2-40B4-BE49-F238E27FC236}">
-                <a16:creationId xmlns:a16="http://schemas.microsoft.com/office/drawing/2014/main" id="{02C67FEE-B650-E8F9-C60F-7469924238EA}"/>
-              </a:ext>
-            </a:extLst>
-          </p:cNvPr>
+            <a:fld id="{5D2A5BCA-CFD9-4AED-A589-E41154D4A6DF}" type="datetime1">
+              <a:rPr lang="en-US" smtClean="0"/>
+              <a:t>11/4/2022</a:t>
+            </a:fld>
+            <a:endParaRPr lang="en-US"/>
+          </a:p>
+        </p:txBody>
+      </p:sp>
+      <p:sp>
+        <p:nvSpPr>
+          <p:cNvPr id="4" name="Slide Number Placeholder 3"/>
           <p:cNvSpPr>
             <a:spLocks noGrp="1"/>
           </p:cNvSpPr>
           <p:nvPr>
-            <p:ph idx="1"/>
+            <p:ph type="sldNum" sz="quarter" idx="12"/>
           </p:nvPr>
         </p:nvSpPr>
         <p:spPr/>
@@ -3593,15 +4618,463 @@
           <a:bodyPr/>
           <a:lstStyle/>
           <a:p>
+            <a:fld id="{58EBAA78-A8B6-4B10-8AE6-E0A63F3F5923}" type="slidenum">
+              <a:rPr lang="en-US" smtClean="0"/>
+              <a:t>3</a:t>
+            </a:fld>
+            <a:endParaRPr lang="en-US"/>
+          </a:p>
+        </p:txBody>
+      </p:sp>
+      <p:sp>
+        <p:nvSpPr>
+          <p:cNvPr id="123" name="Rectangle 122"/>
+          <p:cNvSpPr/>
+          <p:nvPr/>
+        </p:nvSpPr>
+        <p:spPr>
+          <a:xfrm>
+            <a:off x="440896" y="448735"/>
+            <a:ext cx="8684044" cy="646331"/>
+          </a:xfrm>
+          <a:prstGeom prst="rect">
+            <a:avLst/>
+          </a:prstGeom>
+        </p:spPr>
+        <p:txBody>
+          <a:bodyPr wrap="none">
+            <a:spAutoFit/>
+          </a:bodyPr>
+          <a:lstStyle/>
+          <a:p>
+            <a:r>
+              <a:rPr lang="en-ID" sz="3600" b="1" dirty="0">
+                <a:solidFill>
+                  <a:schemeClr val="tx1">
+                    <a:lumMod val="75000"/>
+                    <a:lumOff val="25000"/>
+                  </a:schemeClr>
+                </a:solidFill>
+                <a:latin typeface="Segoe UI" panose="020B0502040204020203" pitchFamily="34" charset="0"/>
+                <a:cs typeface="Segoe UI" panose="020B0502040204020203" pitchFamily="34" charset="0"/>
+              </a:rPr>
+              <a:t>DATA INTEGRATION &amp; WAREHOUSING</a:t>
+            </a:r>
+            <a:endParaRPr lang="en-US" sz="3600" b="1" dirty="0">
+              <a:solidFill>
+                <a:schemeClr val="tx1">
+                  <a:lumMod val="75000"/>
+                  <a:lumOff val="25000"/>
+                </a:schemeClr>
+              </a:solidFill>
+              <a:latin typeface="Segoe UI" panose="020B0502040204020203" pitchFamily="34" charset="0"/>
+              <a:cs typeface="Segoe UI" panose="020B0502040204020203" pitchFamily="34" charset="0"/>
+            </a:endParaRPr>
+          </a:p>
+        </p:txBody>
+      </p:sp>
+      <p:grpSp>
+        <p:nvGrpSpPr>
+          <p:cNvPr id="128" name="Group 127">
+            <a:extLst>
+              <a:ext uri="{FF2B5EF4-FFF2-40B4-BE49-F238E27FC236}">
+                <a16:creationId xmlns:a16="http://schemas.microsoft.com/office/drawing/2014/main" id="{0FCE2220-B5E8-4F86-8FE8-47DC246D0733}"/>
+              </a:ext>
+            </a:extLst>
+          </p:cNvPr>
+          <p:cNvGrpSpPr/>
+          <p:nvPr/>
+        </p:nvGrpSpPr>
+        <p:grpSpPr>
+          <a:xfrm>
+            <a:off x="-1" y="6785954"/>
+            <a:ext cx="12192001" cy="87035"/>
+            <a:chOff x="-1" y="6655633"/>
+            <a:chExt cx="12192001" cy="217357"/>
+          </a:xfrm>
+        </p:grpSpPr>
+        <p:sp>
+          <p:nvSpPr>
+            <p:cNvPr id="133" name="Rectangle 132">
+              <a:extLst>
+                <a:ext uri="{FF2B5EF4-FFF2-40B4-BE49-F238E27FC236}">
+                  <a16:creationId xmlns:a16="http://schemas.microsoft.com/office/drawing/2014/main" id="{1BF6E7F7-C587-492D-B4EA-CF9E0DDDE627}"/>
+                </a:ext>
+              </a:extLst>
+            </p:cNvPr>
+            <p:cNvSpPr/>
+            <p:nvPr/>
+          </p:nvSpPr>
+          <p:spPr>
+            <a:xfrm>
+              <a:off x="6096000" y="6655633"/>
+              <a:ext cx="3381829" cy="217357"/>
+            </a:xfrm>
+            <a:prstGeom prst="rect">
+              <a:avLst/>
+            </a:prstGeom>
+            <a:solidFill>
+              <a:srgbClr val="1C819E"/>
+            </a:solidFill>
+            <a:ln>
+              <a:noFill/>
+            </a:ln>
+          </p:spPr>
+          <p:style>
+            <a:lnRef idx="2">
+              <a:schemeClr val="accent1">
+                <a:shade val="50000"/>
+              </a:schemeClr>
+            </a:lnRef>
+            <a:fillRef idx="1">
+              <a:schemeClr val="accent1"/>
+            </a:fillRef>
+            <a:effectRef idx="0">
+              <a:schemeClr val="accent1"/>
+            </a:effectRef>
+            <a:fontRef idx="minor">
+              <a:schemeClr val="lt1"/>
+            </a:fontRef>
+          </p:style>
+          <p:txBody>
+            <a:bodyPr rtlCol="0" anchor="ctr"/>
+            <a:lstStyle/>
+            <a:p>
+              <a:pPr algn="ctr"/>
+              <a:endParaRPr lang="en-US"/>
+            </a:p>
+          </p:txBody>
+        </p:sp>
+        <p:sp>
+          <p:nvSpPr>
+            <p:cNvPr id="142" name="Rectangle 141">
+              <a:extLst>
+                <a:ext uri="{FF2B5EF4-FFF2-40B4-BE49-F238E27FC236}">
+                  <a16:creationId xmlns:a16="http://schemas.microsoft.com/office/drawing/2014/main" id="{A2D755BF-AEA6-4FE3-B685-ADC45A9838AC}"/>
+                </a:ext>
+              </a:extLst>
+            </p:cNvPr>
+            <p:cNvSpPr/>
+            <p:nvPr/>
+          </p:nvSpPr>
+          <p:spPr>
+            <a:xfrm>
+              <a:off x="9477829" y="6655633"/>
+              <a:ext cx="2714171" cy="217357"/>
+            </a:xfrm>
+            <a:prstGeom prst="rect">
+              <a:avLst/>
+            </a:prstGeom>
+            <a:solidFill>
+              <a:srgbClr val="FFBE00"/>
+            </a:solidFill>
+            <a:ln>
+              <a:noFill/>
+            </a:ln>
+          </p:spPr>
+          <p:style>
+            <a:lnRef idx="2">
+              <a:schemeClr val="accent1">
+                <a:shade val="50000"/>
+              </a:schemeClr>
+            </a:lnRef>
+            <a:fillRef idx="1">
+              <a:schemeClr val="accent1"/>
+            </a:fillRef>
+            <a:effectRef idx="0">
+              <a:schemeClr val="accent1"/>
+            </a:effectRef>
+            <a:fontRef idx="minor">
+              <a:schemeClr val="lt1"/>
+            </a:fontRef>
+          </p:style>
+          <p:txBody>
+            <a:bodyPr rtlCol="0" anchor="ctr"/>
+            <a:lstStyle/>
+            <a:p>
+              <a:pPr algn="ctr"/>
+              <a:endParaRPr lang="en-US"/>
+            </a:p>
+          </p:txBody>
+        </p:sp>
+        <p:sp>
+          <p:nvSpPr>
+            <p:cNvPr id="146" name="Rectangle 145">
+              <a:extLst>
+                <a:ext uri="{FF2B5EF4-FFF2-40B4-BE49-F238E27FC236}">
+                  <a16:creationId xmlns:a16="http://schemas.microsoft.com/office/drawing/2014/main" id="{4C92C81A-7EFC-4A90-A593-F3AD1DDA85B0}"/>
+                </a:ext>
+              </a:extLst>
+            </p:cNvPr>
+            <p:cNvSpPr/>
+            <p:nvPr/>
+          </p:nvSpPr>
+          <p:spPr>
+            <a:xfrm>
+              <a:off x="-1" y="6655633"/>
+              <a:ext cx="6132513" cy="217357"/>
+            </a:xfrm>
+            <a:prstGeom prst="rect">
+              <a:avLst/>
+            </a:prstGeom>
+            <a:solidFill>
+              <a:schemeClr val="tx1">
+                <a:lumMod val="75000"/>
+                <a:lumOff val="25000"/>
+              </a:schemeClr>
+            </a:solidFill>
+            <a:ln>
+              <a:noFill/>
+            </a:ln>
+          </p:spPr>
+          <p:style>
+            <a:lnRef idx="2">
+              <a:schemeClr val="accent1">
+                <a:shade val="50000"/>
+              </a:schemeClr>
+            </a:lnRef>
+            <a:fillRef idx="1">
+              <a:schemeClr val="accent1"/>
+            </a:fillRef>
+            <a:effectRef idx="0">
+              <a:schemeClr val="accent1"/>
+            </a:effectRef>
+            <a:fontRef idx="minor">
+              <a:schemeClr val="lt1"/>
+            </a:fontRef>
+          </p:style>
+          <p:txBody>
+            <a:bodyPr rtlCol="0" anchor="ctr"/>
+            <a:lstStyle/>
+            <a:p>
+              <a:pPr algn="ctr"/>
+              <a:endParaRPr lang="en-US"/>
+            </a:p>
+          </p:txBody>
+        </p:sp>
+      </p:grpSp>
+      <p:sp>
+        <p:nvSpPr>
+          <p:cNvPr id="3" name="Tekstvak 2">
+            <a:extLst>
+              <a:ext uri="{FF2B5EF4-FFF2-40B4-BE49-F238E27FC236}">
+                <a16:creationId xmlns:a16="http://schemas.microsoft.com/office/drawing/2014/main" id="{EA3194BE-A8C6-D16C-18FA-B4F175FD2341}"/>
+              </a:ext>
+            </a:extLst>
+          </p:cNvPr>
+          <p:cNvSpPr txBox="1"/>
+          <p:nvPr/>
+        </p:nvSpPr>
+        <p:spPr>
+          <a:xfrm>
+            <a:off x="555477" y="1324598"/>
+            <a:ext cx="10955708" cy="646331"/>
+          </a:xfrm>
+          <a:prstGeom prst="rect">
+            <a:avLst/>
+          </a:prstGeom>
+          <a:noFill/>
+        </p:spPr>
+        <p:txBody>
+          <a:bodyPr wrap="square" rtlCol="0">
+            <a:spAutoFit/>
+          </a:bodyPr>
+          <a:lstStyle/>
+          <a:p>
             <a:r>
               <a:rPr lang="nl-BE" dirty="0"/>
-              <a:t>Dimensies</a:t>
-            </a:r>
-          </a:p>
-          <a:p>
+              <a:t>ETL (Extract </a:t>
+            </a:r>
+            <a:r>
+              <a:rPr lang="nl-BE" dirty="0" err="1"/>
+              <a:t>Transform</a:t>
+            </a:r>
             <a:r>
               <a:rPr lang="nl-BE" dirty="0"/>
-              <a:t>Sterdiagram</a:t>
+              <a:t> Load)</a:t>
+            </a:r>
+          </a:p>
+          <a:p>
+            <a:r>
+              <a:rPr lang="nl-BE" dirty="0"/>
+              <a:t>Data uit verschillende bronnen -&gt; Transformeren -&gt; Datawarehouse</a:t>
+            </a:r>
+          </a:p>
+        </p:txBody>
+      </p:sp>
+      <p:pic>
+        <p:nvPicPr>
+          <p:cNvPr id="6" name="Afbeelding 5">
+            <a:extLst>
+              <a:ext uri="{FF2B5EF4-FFF2-40B4-BE49-F238E27FC236}">
+                <a16:creationId xmlns:a16="http://schemas.microsoft.com/office/drawing/2014/main" id="{8B7FAC3E-7696-8318-F165-2B24F57F0121}"/>
+              </a:ext>
+            </a:extLst>
+          </p:cNvPr>
+          <p:cNvPicPr>
+            <a:picLocks noChangeAspect="1"/>
+          </p:cNvPicPr>
+          <p:nvPr/>
+        </p:nvPicPr>
+        <p:blipFill>
+          <a:blip r:embed="rId2"/>
+          <a:stretch>
+            <a:fillRect/>
+          </a:stretch>
+        </p:blipFill>
+        <p:spPr>
+          <a:xfrm>
+            <a:off x="838200" y="2035407"/>
+            <a:ext cx="5838825" cy="4124325"/>
+          </a:xfrm>
+          <a:prstGeom prst="rect">
+            <a:avLst/>
+          </a:prstGeom>
+        </p:spPr>
+      </p:pic>
+      <p:sp>
+        <p:nvSpPr>
+          <p:cNvPr id="8" name="Pijl: rechts 7">
+            <a:extLst>
+              <a:ext uri="{FF2B5EF4-FFF2-40B4-BE49-F238E27FC236}">
+                <a16:creationId xmlns:a16="http://schemas.microsoft.com/office/drawing/2014/main" id="{ADE86A47-0390-BD69-E7A2-2E21EFDBEDD0}"/>
+              </a:ext>
+            </a:extLst>
+          </p:cNvPr>
+          <p:cNvSpPr/>
+          <p:nvPr/>
+        </p:nvSpPr>
+        <p:spPr>
+          <a:xfrm rot="320498">
+            <a:off x="2110811" y="2884142"/>
+            <a:ext cx="1324598" cy="623843"/>
+          </a:xfrm>
+          <a:prstGeom prst="rightArrow">
+            <a:avLst/>
+          </a:prstGeom>
+        </p:spPr>
+        <p:style>
+          <a:lnRef idx="2">
+            <a:schemeClr val="accent1">
+              <a:shade val="50000"/>
+            </a:schemeClr>
+          </a:lnRef>
+          <a:fillRef idx="1">
+            <a:schemeClr val="accent1"/>
+          </a:fillRef>
+          <a:effectRef idx="0">
+            <a:schemeClr val="accent1"/>
+          </a:effectRef>
+          <a:fontRef idx="minor">
+            <a:schemeClr val="lt1"/>
+          </a:fontRef>
+        </p:style>
+        <p:txBody>
+          <a:bodyPr rtlCol="0" anchor="ctr"/>
+          <a:lstStyle/>
+          <a:p>
+            <a:pPr algn="ctr"/>
+            <a:r>
+              <a:rPr lang="nl-BE" dirty="0"/>
+              <a:t>EXTRACT</a:t>
+            </a:r>
+          </a:p>
+        </p:txBody>
+      </p:sp>
+      <p:sp>
+        <p:nvSpPr>
+          <p:cNvPr id="9" name="Pijl: rechts 8">
+            <a:extLst>
+              <a:ext uri="{FF2B5EF4-FFF2-40B4-BE49-F238E27FC236}">
+                <a16:creationId xmlns:a16="http://schemas.microsoft.com/office/drawing/2014/main" id="{5B8B33B9-0789-030B-E4C0-EA8A0F521413}"/>
+              </a:ext>
+            </a:extLst>
+          </p:cNvPr>
+          <p:cNvSpPr/>
+          <p:nvPr/>
+        </p:nvSpPr>
+        <p:spPr>
+          <a:xfrm>
+            <a:off x="1940608" y="4194509"/>
+            <a:ext cx="1640792" cy="482838"/>
+          </a:xfrm>
+          <a:prstGeom prst="rightArrow">
+            <a:avLst/>
+          </a:prstGeom>
+        </p:spPr>
+        <p:style>
+          <a:lnRef idx="2">
+            <a:schemeClr val="accent1">
+              <a:shade val="50000"/>
+            </a:schemeClr>
+          </a:lnRef>
+          <a:fillRef idx="1">
+            <a:schemeClr val="accent1"/>
+          </a:fillRef>
+          <a:effectRef idx="0">
+            <a:schemeClr val="accent1"/>
+          </a:effectRef>
+          <a:fontRef idx="minor">
+            <a:schemeClr val="lt1"/>
+          </a:fontRef>
+        </p:style>
+        <p:txBody>
+          <a:bodyPr rtlCol="0" anchor="ctr"/>
+          <a:lstStyle/>
+          <a:p>
+            <a:pPr algn="ctr"/>
+            <a:r>
+              <a:rPr lang="nl-BE" dirty="0"/>
+              <a:t>TRANSFORM</a:t>
+            </a:r>
+          </a:p>
+        </p:txBody>
+      </p:sp>
+      <p:sp>
+        <p:nvSpPr>
+          <p:cNvPr id="10" name="Pijl: omlaag 9">
+            <a:extLst>
+              <a:ext uri="{FF2B5EF4-FFF2-40B4-BE49-F238E27FC236}">
+                <a16:creationId xmlns:a16="http://schemas.microsoft.com/office/drawing/2014/main" id="{6525A7D4-3432-26D0-78CB-52277A688252}"/>
+              </a:ext>
+            </a:extLst>
+          </p:cNvPr>
+          <p:cNvSpPr/>
+          <p:nvPr/>
+        </p:nvSpPr>
+        <p:spPr>
+          <a:xfrm>
+            <a:off x="5272755" y="2823840"/>
+            <a:ext cx="620475" cy="1339799"/>
+          </a:xfrm>
+          <a:prstGeom prst="downArrow">
+            <a:avLst/>
+          </a:prstGeom>
+        </p:spPr>
+        <p:style>
+          <a:lnRef idx="2">
+            <a:schemeClr val="accent1">
+              <a:shade val="50000"/>
+            </a:schemeClr>
+          </a:lnRef>
+          <a:fillRef idx="1">
+            <a:schemeClr val="accent1"/>
+          </a:fillRef>
+          <a:effectRef idx="0">
+            <a:schemeClr val="accent1"/>
+          </a:effectRef>
+          <a:fontRef idx="minor">
+            <a:schemeClr val="lt1"/>
+          </a:fontRef>
+        </p:style>
+        <p:txBody>
+          <a:bodyPr rtlCol="0" anchor="ctr"/>
+          <a:lstStyle/>
+          <a:p>
+            <a:pPr algn="ctr"/>
+            <a:r>
+              <a:rPr lang="nl-BE" dirty="0"/>
+              <a:t>LOAD</a:t>
             </a:r>
           </a:p>
         </p:txBody>
@@ -3609,7 +5082,7 @@
     </p:spTree>
     <p:extLst>
       <p:ext uri="{BB962C8B-B14F-4D97-AF65-F5344CB8AC3E}">
-        <p14:creationId xmlns:p14="http://schemas.microsoft.com/office/powerpoint/2010/main" val="3635001005"/>
+        <p14:creationId xmlns:p14="http://schemas.microsoft.com/office/powerpoint/2010/main" val="1414992491"/>
       </p:ext>
     </p:extLst>
   </p:cSld>
@@ -3638,18 +5111,12 @@
       </p:grpSpPr>
       <p:sp>
         <p:nvSpPr>
-          <p:cNvPr id="2" name="Titel 1">
-            <a:extLst>
-              <a:ext uri="{FF2B5EF4-FFF2-40B4-BE49-F238E27FC236}">
-                <a16:creationId xmlns:a16="http://schemas.microsoft.com/office/drawing/2014/main" id="{D0E9E519-1940-F12A-593A-F9F450B6F30C}"/>
-              </a:ext>
-            </a:extLst>
-          </p:cNvPr>
+          <p:cNvPr id="2" name="Date Placeholder 1"/>
           <p:cNvSpPr>
             <a:spLocks noGrp="1"/>
           </p:cNvSpPr>
           <p:nvPr>
-            <p:ph type="title"/>
+            <p:ph type="dt" sz="half" idx="10"/>
           </p:nvPr>
         </p:nvSpPr>
         <p:spPr/>
@@ -3657,27 +5124,22 @@
           <a:bodyPr/>
           <a:lstStyle/>
           <a:p>
-            <a:r>
-              <a:rPr lang="nl-BE" dirty="0"/>
-              <a:t>Optimalisatie</a:t>
-            </a:r>
-          </a:p>
-        </p:txBody>
-      </p:sp>
-      <p:sp>
-        <p:nvSpPr>
-          <p:cNvPr id="3" name="Tijdelijke aanduiding voor inhoud 2">
-            <a:extLst>
-              <a:ext uri="{FF2B5EF4-FFF2-40B4-BE49-F238E27FC236}">
-                <a16:creationId xmlns:a16="http://schemas.microsoft.com/office/drawing/2014/main" id="{0A1A6044-DC56-BC3A-F1A0-56832868B2B1}"/>
-              </a:ext>
-            </a:extLst>
-          </p:cNvPr>
+            <a:fld id="{5D2A5BCA-CFD9-4AED-A589-E41154D4A6DF}" type="datetime1">
+              <a:rPr lang="en-US" smtClean="0"/>
+              <a:t>11/4/2022</a:t>
+            </a:fld>
+            <a:endParaRPr lang="en-US"/>
+          </a:p>
+        </p:txBody>
+      </p:sp>
+      <p:sp>
+        <p:nvSpPr>
+          <p:cNvPr id="4" name="Slide Number Placeholder 3"/>
           <p:cNvSpPr>
             <a:spLocks noGrp="1"/>
           </p:cNvSpPr>
           <p:nvPr>
-            <p:ph idx="1"/>
+            <p:ph type="sldNum" sz="quarter" idx="12"/>
           </p:nvPr>
         </p:nvSpPr>
         <p:spPr/>
@@ -3685,14 +5147,328 @@
           <a:bodyPr/>
           <a:lstStyle/>
           <a:p>
-            <a:endParaRPr lang="nl-BE"/>
-          </a:p>
-        </p:txBody>
-      </p:sp>
+            <a:fld id="{58EBAA78-A8B6-4B10-8AE6-E0A63F3F5923}" type="slidenum">
+              <a:rPr lang="en-US" smtClean="0"/>
+              <a:t>4</a:t>
+            </a:fld>
+            <a:endParaRPr lang="en-US"/>
+          </a:p>
+        </p:txBody>
+      </p:sp>
+      <p:sp>
+        <p:nvSpPr>
+          <p:cNvPr id="123" name="Rectangle 122"/>
+          <p:cNvSpPr/>
+          <p:nvPr/>
+        </p:nvSpPr>
+        <p:spPr>
+          <a:xfrm>
+            <a:off x="440896" y="448735"/>
+            <a:ext cx="8684044" cy="646331"/>
+          </a:xfrm>
+          <a:prstGeom prst="rect">
+            <a:avLst/>
+          </a:prstGeom>
+        </p:spPr>
+        <p:txBody>
+          <a:bodyPr wrap="none">
+            <a:spAutoFit/>
+          </a:bodyPr>
+          <a:lstStyle/>
+          <a:p>
+            <a:r>
+              <a:rPr lang="en-ID" sz="3600" b="1" dirty="0">
+                <a:solidFill>
+                  <a:schemeClr val="tx1">
+                    <a:lumMod val="75000"/>
+                    <a:lumOff val="25000"/>
+                  </a:schemeClr>
+                </a:solidFill>
+                <a:latin typeface="Segoe UI" panose="020B0502040204020203" pitchFamily="34" charset="0"/>
+                <a:cs typeface="Segoe UI" panose="020B0502040204020203" pitchFamily="34" charset="0"/>
+              </a:rPr>
+              <a:t>DATA INTEGRATION &amp; WAREHOUSING</a:t>
+            </a:r>
+            <a:endParaRPr lang="en-US" sz="3600" b="1" dirty="0">
+              <a:solidFill>
+                <a:schemeClr val="tx1">
+                  <a:lumMod val="75000"/>
+                  <a:lumOff val="25000"/>
+                </a:schemeClr>
+              </a:solidFill>
+              <a:latin typeface="Segoe UI" panose="020B0502040204020203" pitchFamily="34" charset="0"/>
+              <a:cs typeface="Segoe UI" panose="020B0502040204020203" pitchFamily="34" charset="0"/>
+            </a:endParaRPr>
+          </a:p>
+        </p:txBody>
+      </p:sp>
+      <p:grpSp>
+        <p:nvGrpSpPr>
+          <p:cNvPr id="128" name="Group 127">
+            <a:extLst>
+              <a:ext uri="{FF2B5EF4-FFF2-40B4-BE49-F238E27FC236}">
+                <a16:creationId xmlns:a16="http://schemas.microsoft.com/office/drawing/2014/main" id="{0FCE2220-B5E8-4F86-8FE8-47DC246D0733}"/>
+              </a:ext>
+            </a:extLst>
+          </p:cNvPr>
+          <p:cNvGrpSpPr/>
+          <p:nvPr/>
+        </p:nvGrpSpPr>
+        <p:grpSpPr>
+          <a:xfrm>
+            <a:off x="-1" y="6785954"/>
+            <a:ext cx="12192001" cy="87035"/>
+            <a:chOff x="-1" y="6655633"/>
+            <a:chExt cx="12192001" cy="217357"/>
+          </a:xfrm>
+        </p:grpSpPr>
+        <p:sp>
+          <p:nvSpPr>
+            <p:cNvPr id="133" name="Rectangle 132">
+              <a:extLst>
+                <a:ext uri="{FF2B5EF4-FFF2-40B4-BE49-F238E27FC236}">
+                  <a16:creationId xmlns:a16="http://schemas.microsoft.com/office/drawing/2014/main" id="{1BF6E7F7-C587-492D-B4EA-CF9E0DDDE627}"/>
+                </a:ext>
+              </a:extLst>
+            </p:cNvPr>
+            <p:cNvSpPr/>
+            <p:nvPr/>
+          </p:nvSpPr>
+          <p:spPr>
+            <a:xfrm>
+              <a:off x="6096000" y="6655633"/>
+              <a:ext cx="3381829" cy="217357"/>
+            </a:xfrm>
+            <a:prstGeom prst="rect">
+              <a:avLst/>
+            </a:prstGeom>
+            <a:solidFill>
+              <a:srgbClr val="1C819E"/>
+            </a:solidFill>
+            <a:ln>
+              <a:noFill/>
+            </a:ln>
+          </p:spPr>
+          <p:style>
+            <a:lnRef idx="2">
+              <a:schemeClr val="accent1">
+                <a:shade val="50000"/>
+              </a:schemeClr>
+            </a:lnRef>
+            <a:fillRef idx="1">
+              <a:schemeClr val="accent1"/>
+            </a:fillRef>
+            <a:effectRef idx="0">
+              <a:schemeClr val="accent1"/>
+            </a:effectRef>
+            <a:fontRef idx="minor">
+              <a:schemeClr val="lt1"/>
+            </a:fontRef>
+          </p:style>
+          <p:txBody>
+            <a:bodyPr rtlCol="0" anchor="ctr"/>
+            <a:lstStyle/>
+            <a:p>
+              <a:pPr algn="ctr"/>
+              <a:endParaRPr lang="en-US"/>
+            </a:p>
+          </p:txBody>
+        </p:sp>
+        <p:sp>
+          <p:nvSpPr>
+            <p:cNvPr id="142" name="Rectangle 141">
+              <a:extLst>
+                <a:ext uri="{FF2B5EF4-FFF2-40B4-BE49-F238E27FC236}">
+                  <a16:creationId xmlns:a16="http://schemas.microsoft.com/office/drawing/2014/main" id="{A2D755BF-AEA6-4FE3-B685-ADC45A9838AC}"/>
+                </a:ext>
+              </a:extLst>
+            </p:cNvPr>
+            <p:cNvSpPr/>
+            <p:nvPr/>
+          </p:nvSpPr>
+          <p:spPr>
+            <a:xfrm>
+              <a:off x="9477829" y="6655633"/>
+              <a:ext cx="2714171" cy="217357"/>
+            </a:xfrm>
+            <a:prstGeom prst="rect">
+              <a:avLst/>
+            </a:prstGeom>
+            <a:solidFill>
+              <a:srgbClr val="FFBE00"/>
+            </a:solidFill>
+            <a:ln>
+              <a:noFill/>
+            </a:ln>
+          </p:spPr>
+          <p:style>
+            <a:lnRef idx="2">
+              <a:schemeClr val="accent1">
+                <a:shade val="50000"/>
+              </a:schemeClr>
+            </a:lnRef>
+            <a:fillRef idx="1">
+              <a:schemeClr val="accent1"/>
+            </a:fillRef>
+            <a:effectRef idx="0">
+              <a:schemeClr val="accent1"/>
+            </a:effectRef>
+            <a:fontRef idx="minor">
+              <a:schemeClr val="lt1"/>
+            </a:fontRef>
+          </p:style>
+          <p:txBody>
+            <a:bodyPr rtlCol="0" anchor="ctr"/>
+            <a:lstStyle/>
+            <a:p>
+              <a:pPr algn="ctr"/>
+              <a:endParaRPr lang="en-US"/>
+            </a:p>
+          </p:txBody>
+        </p:sp>
+        <p:sp>
+          <p:nvSpPr>
+            <p:cNvPr id="146" name="Rectangle 145">
+              <a:extLst>
+                <a:ext uri="{FF2B5EF4-FFF2-40B4-BE49-F238E27FC236}">
+                  <a16:creationId xmlns:a16="http://schemas.microsoft.com/office/drawing/2014/main" id="{4C92C81A-7EFC-4A90-A593-F3AD1DDA85B0}"/>
+                </a:ext>
+              </a:extLst>
+            </p:cNvPr>
+            <p:cNvSpPr/>
+            <p:nvPr/>
+          </p:nvSpPr>
+          <p:spPr>
+            <a:xfrm>
+              <a:off x="-1" y="6655633"/>
+              <a:ext cx="6132513" cy="217357"/>
+            </a:xfrm>
+            <a:prstGeom prst="rect">
+              <a:avLst/>
+            </a:prstGeom>
+            <a:solidFill>
+              <a:schemeClr val="tx1">
+                <a:lumMod val="75000"/>
+                <a:lumOff val="25000"/>
+              </a:schemeClr>
+            </a:solidFill>
+            <a:ln>
+              <a:noFill/>
+            </a:ln>
+          </p:spPr>
+          <p:style>
+            <a:lnRef idx="2">
+              <a:schemeClr val="accent1">
+                <a:shade val="50000"/>
+              </a:schemeClr>
+            </a:lnRef>
+            <a:fillRef idx="1">
+              <a:schemeClr val="accent1"/>
+            </a:fillRef>
+            <a:effectRef idx="0">
+              <a:schemeClr val="accent1"/>
+            </a:effectRef>
+            <a:fontRef idx="minor">
+              <a:schemeClr val="lt1"/>
+            </a:fontRef>
+          </p:style>
+          <p:txBody>
+            <a:bodyPr rtlCol="0" anchor="ctr"/>
+            <a:lstStyle/>
+            <a:p>
+              <a:pPr algn="ctr"/>
+              <a:endParaRPr lang="en-US"/>
+            </a:p>
+          </p:txBody>
+        </p:sp>
+      </p:grpSp>
+      <p:sp>
+        <p:nvSpPr>
+          <p:cNvPr id="3" name="Tekstvak 2">
+            <a:extLst>
+              <a:ext uri="{FF2B5EF4-FFF2-40B4-BE49-F238E27FC236}">
+                <a16:creationId xmlns:a16="http://schemas.microsoft.com/office/drawing/2014/main" id="{EA3194BE-A8C6-D16C-18FA-B4F175FD2341}"/>
+              </a:ext>
+            </a:extLst>
+          </p:cNvPr>
+          <p:cNvSpPr txBox="1"/>
+          <p:nvPr/>
+        </p:nvSpPr>
+        <p:spPr>
+          <a:xfrm>
+            <a:off x="555477" y="1324598"/>
+            <a:ext cx="10955708" cy="923330"/>
+          </a:xfrm>
+          <a:prstGeom prst="rect">
+            <a:avLst/>
+          </a:prstGeom>
+          <a:noFill/>
+        </p:spPr>
+        <p:txBody>
+          <a:bodyPr wrap="square" rtlCol="0">
+            <a:spAutoFit/>
+          </a:bodyPr>
+          <a:lstStyle/>
+          <a:p>
+            <a:r>
+              <a:rPr lang="nl-BE" dirty="0"/>
+              <a:t>Stermodel</a:t>
+            </a:r>
+            <a:br>
+              <a:rPr lang="nl-BE" dirty="0"/>
+            </a:br>
+            <a:r>
+              <a:rPr lang="nl-BE" dirty="0"/>
+              <a:t>Feit met FK naar verschillende dimensies</a:t>
+            </a:r>
+            <a:br>
+              <a:rPr lang="nl-BE" dirty="0"/>
+            </a:br>
+            <a:r>
+              <a:rPr lang="nl-BE" dirty="0" err="1"/>
+              <a:t>Denormalisatie</a:t>
+            </a:r>
+            <a:r>
+              <a:rPr lang="nl-BE" dirty="0"/>
+              <a:t>!</a:t>
+            </a:r>
+          </a:p>
+        </p:txBody>
+      </p:sp>
+      <p:pic>
+        <p:nvPicPr>
+          <p:cNvPr id="7" name="Afbeelding 6">
+            <a:extLst>
+              <a:ext uri="{FF2B5EF4-FFF2-40B4-BE49-F238E27FC236}">
+                <a16:creationId xmlns:a16="http://schemas.microsoft.com/office/drawing/2014/main" id="{234B814F-B276-0768-6258-76339758A749}"/>
+              </a:ext>
+            </a:extLst>
+          </p:cNvPr>
+          <p:cNvPicPr>
+            <a:picLocks noChangeAspect="1"/>
+          </p:cNvPicPr>
+          <p:nvPr/>
+        </p:nvPicPr>
+        <p:blipFill>
+          <a:blip r:embed="rId2"/>
+          <a:stretch>
+            <a:fillRect/>
+          </a:stretch>
+        </p:blipFill>
+        <p:spPr>
+          <a:xfrm>
+            <a:off x="4782918" y="1095066"/>
+            <a:ext cx="5623834" cy="5151088"/>
+          </a:xfrm>
+          <a:prstGeom prst="rect">
+            <a:avLst/>
+          </a:prstGeom>
+        </p:spPr>
+      </p:pic>
     </p:spTree>
     <p:extLst>
       <p:ext uri="{BB962C8B-B14F-4D97-AF65-F5344CB8AC3E}">
-        <p14:creationId xmlns:p14="http://schemas.microsoft.com/office/powerpoint/2010/main" val="3455530889"/>
+        <p14:creationId xmlns:p14="http://schemas.microsoft.com/office/powerpoint/2010/main" val="1427241855"/>
       </p:ext>
     </p:extLst>
   </p:cSld>
@@ -3721,18 +5497,12 @@
       </p:grpSpPr>
       <p:sp>
         <p:nvSpPr>
-          <p:cNvPr id="2" name="Titel 1">
-            <a:extLst>
-              <a:ext uri="{FF2B5EF4-FFF2-40B4-BE49-F238E27FC236}">
-                <a16:creationId xmlns:a16="http://schemas.microsoft.com/office/drawing/2014/main" id="{C9332595-AF8A-1956-DDF9-2E657E09E6F7}"/>
-              </a:ext>
-            </a:extLst>
-          </p:cNvPr>
+          <p:cNvPr id="2" name="Date Placeholder 1"/>
           <p:cNvSpPr>
             <a:spLocks noGrp="1"/>
           </p:cNvSpPr>
           <p:nvPr>
-            <p:ph type="title"/>
+            <p:ph type="dt" sz="half" idx="10"/>
           </p:nvPr>
         </p:nvSpPr>
         <p:spPr/>
@@ -3740,39 +5510,22 @@
           <a:bodyPr/>
           <a:lstStyle/>
           <a:p>
-            <a:r>
-              <a:rPr lang="nl-BE" dirty="0" err="1"/>
-              <a:t>NoSQL</a:t>
-            </a:r>
-            <a:r>
-              <a:rPr lang="nl-BE" dirty="0"/>
-              <a:t> – </a:t>
-            </a:r>
-            <a:r>
-              <a:rPr lang="nl-BE" dirty="0" err="1"/>
-              <a:t>Elastic</a:t>
-            </a:r>
-            <a:r>
-              <a:rPr lang="nl-BE" dirty="0"/>
-              <a:t> Search</a:t>
-            </a:r>
-          </a:p>
-        </p:txBody>
-      </p:sp>
-      <p:sp>
-        <p:nvSpPr>
-          <p:cNvPr id="3" name="Tijdelijke aanduiding voor inhoud 2">
-            <a:extLst>
-              <a:ext uri="{FF2B5EF4-FFF2-40B4-BE49-F238E27FC236}">
-                <a16:creationId xmlns:a16="http://schemas.microsoft.com/office/drawing/2014/main" id="{4074AD81-37AC-781B-DCD2-1FCB581038B4}"/>
-              </a:ext>
-            </a:extLst>
-          </p:cNvPr>
+            <a:fld id="{5D2A5BCA-CFD9-4AED-A589-E41154D4A6DF}" type="datetime1">
+              <a:rPr lang="en-US" smtClean="0"/>
+              <a:t>11/4/2022</a:t>
+            </a:fld>
+            <a:endParaRPr lang="en-US"/>
+          </a:p>
+        </p:txBody>
+      </p:sp>
+      <p:sp>
+        <p:nvSpPr>
+          <p:cNvPr id="4" name="Slide Number Placeholder 3"/>
           <p:cNvSpPr>
             <a:spLocks noGrp="1"/>
           </p:cNvSpPr>
           <p:nvPr>
-            <p:ph idx="1"/>
+            <p:ph type="sldNum" sz="quarter" idx="12"/>
           </p:nvPr>
         </p:nvSpPr>
         <p:spPr/>
@@ -3780,14 +5533,443 @@
           <a:bodyPr/>
           <a:lstStyle/>
           <a:p>
-            <a:endParaRPr lang="nl-BE"/>
+            <a:fld id="{58EBAA78-A8B6-4B10-8AE6-E0A63F3F5923}" type="slidenum">
+              <a:rPr lang="en-US" smtClean="0"/>
+              <a:t>5</a:t>
+            </a:fld>
+            <a:endParaRPr lang="en-US"/>
+          </a:p>
+        </p:txBody>
+      </p:sp>
+      <p:sp>
+        <p:nvSpPr>
+          <p:cNvPr id="123" name="Rectangle 122"/>
+          <p:cNvSpPr/>
+          <p:nvPr/>
+        </p:nvSpPr>
+        <p:spPr>
+          <a:xfrm>
+            <a:off x="440896" y="448735"/>
+            <a:ext cx="3597267" cy="646331"/>
+          </a:xfrm>
+          <a:prstGeom prst="rect">
+            <a:avLst/>
+          </a:prstGeom>
+        </p:spPr>
+        <p:txBody>
+          <a:bodyPr wrap="none">
+            <a:spAutoFit/>
+          </a:bodyPr>
+          <a:lstStyle/>
+          <a:p>
+            <a:r>
+              <a:rPr lang="en-ID" sz="3600" b="1" dirty="0">
+                <a:solidFill>
+                  <a:schemeClr val="tx1">
+                    <a:lumMod val="75000"/>
+                    <a:lumOff val="25000"/>
+                  </a:schemeClr>
+                </a:solidFill>
+                <a:latin typeface="Segoe UI" panose="020B0502040204020203" pitchFamily="34" charset="0"/>
+                <a:cs typeface="Segoe UI" panose="020B0502040204020203" pitchFamily="34" charset="0"/>
+              </a:rPr>
+              <a:t>OPTIMALISATIE</a:t>
+            </a:r>
+            <a:endParaRPr lang="en-US" sz="3600" b="1" dirty="0">
+              <a:solidFill>
+                <a:schemeClr val="tx1">
+                  <a:lumMod val="75000"/>
+                  <a:lumOff val="25000"/>
+                </a:schemeClr>
+              </a:solidFill>
+              <a:latin typeface="Segoe UI" panose="020B0502040204020203" pitchFamily="34" charset="0"/>
+              <a:cs typeface="Segoe UI" panose="020B0502040204020203" pitchFamily="34" charset="0"/>
+            </a:endParaRPr>
+          </a:p>
+        </p:txBody>
+      </p:sp>
+      <p:grpSp>
+        <p:nvGrpSpPr>
+          <p:cNvPr id="128" name="Group 127">
+            <a:extLst>
+              <a:ext uri="{FF2B5EF4-FFF2-40B4-BE49-F238E27FC236}">
+                <a16:creationId xmlns:a16="http://schemas.microsoft.com/office/drawing/2014/main" id="{0FCE2220-B5E8-4F86-8FE8-47DC246D0733}"/>
+              </a:ext>
+            </a:extLst>
+          </p:cNvPr>
+          <p:cNvGrpSpPr/>
+          <p:nvPr/>
+        </p:nvGrpSpPr>
+        <p:grpSpPr>
+          <a:xfrm>
+            <a:off x="-1" y="6785954"/>
+            <a:ext cx="12192001" cy="87035"/>
+            <a:chOff x="-1" y="6655633"/>
+            <a:chExt cx="12192001" cy="217357"/>
+          </a:xfrm>
+        </p:grpSpPr>
+        <p:sp>
+          <p:nvSpPr>
+            <p:cNvPr id="133" name="Rectangle 132">
+              <a:extLst>
+                <a:ext uri="{FF2B5EF4-FFF2-40B4-BE49-F238E27FC236}">
+                  <a16:creationId xmlns:a16="http://schemas.microsoft.com/office/drawing/2014/main" id="{1BF6E7F7-C587-492D-B4EA-CF9E0DDDE627}"/>
+                </a:ext>
+              </a:extLst>
+            </p:cNvPr>
+            <p:cNvSpPr/>
+            <p:nvPr/>
+          </p:nvSpPr>
+          <p:spPr>
+            <a:xfrm>
+              <a:off x="6096000" y="6655633"/>
+              <a:ext cx="3381829" cy="217357"/>
+            </a:xfrm>
+            <a:prstGeom prst="rect">
+              <a:avLst/>
+            </a:prstGeom>
+            <a:solidFill>
+              <a:srgbClr val="1C819E"/>
+            </a:solidFill>
+            <a:ln>
+              <a:noFill/>
+            </a:ln>
+          </p:spPr>
+          <p:style>
+            <a:lnRef idx="2">
+              <a:schemeClr val="accent1">
+                <a:shade val="50000"/>
+              </a:schemeClr>
+            </a:lnRef>
+            <a:fillRef idx="1">
+              <a:schemeClr val="accent1"/>
+            </a:fillRef>
+            <a:effectRef idx="0">
+              <a:schemeClr val="accent1"/>
+            </a:effectRef>
+            <a:fontRef idx="minor">
+              <a:schemeClr val="lt1"/>
+            </a:fontRef>
+          </p:style>
+          <p:txBody>
+            <a:bodyPr rtlCol="0" anchor="ctr"/>
+            <a:lstStyle/>
+            <a:p>
+              <a:pPr algn="ctr"/>
+              <a:endParaRPr lang="en-US"/>
+            </a:p>
+          </p:txBody>
+        </p:sp>
+        <p:sp>
+          <p:nvSpPr>
+            <p:cNvPr id="142" name="Rectangle 141">
+              <a:extLst>
+                <a:ext uri="{FF2B5EF4-FFF2-40B4-BE49-F238E27FC236}">
+                  <a16:creationId xmlns:a16="http://schemas.microsoft.com/office/drawing/2014/main" id="{A2D755BF-AEA6-4FE3-B685-ADC45A9838AC}"/>
+                </a:ext>
+              </a:extLst>
+            </p:cNvPr>
+            <p:cNvSpPr/>
+            <p:nvPr/>
+          </p:nvSpPr>
+          <p:spPr>
+            <a:xfrm>
+              <a:off x="9477829" y="6655633"/>
+              <a:ext cx="2714171" cy="217357"/>
+            </a:xfrm>
+            <a:prstGeom prst="rect">
+              <a:avLst/>
+            </a:prstGeom>
+            <a:solidFill>
+              <a:srgbClr val="FFBE00"/>
+            </a:solidFill>
+            <a:ln>
+              <a:noFill/>
+            </a:ln>
+          </p:spPr>
+          <p:style>
+            <a:lnRef idx="2">
+              <a:schemeClr val="accent1">
+                <a:shade val="50000"/>
+              </a:schemeClr>
+            </a:lnRef>
+            <a:fillRef idx="1">
+              <a:schemeClr val="accent1"/>
+            </a:fillRef>
+            <a:effectRef idx="0">
+              <a:schemeClr val="accent1"/>
+            </a:effectRef>
+            <a:fontRef idx="minor">
+              <a:schemeClr val="lt1"/>
+            </a:fontRef>
+          </p:style>
+          <p:txBody>
+            <a:bodyPr rtlCol="0" anchor="ctr"/>
+            <a:lstStyle/>
+            <a:p>
+              <a:pPr algn="ctr"/>
+              <a:endParaRPr lang="en-US"/>
+            </a:p>
+          </p:txBody>
+        </p:sp>
+        <p:sp>
+          <p:nvSpPr>
+            <p:cNvPr id="146" name="Rectangle 145">
+              <a:extLst>
+                <a:ext uri="{FF2B5EF4-FFF2-40B4-BE49-F238E27FC236}">
+                  <a16:creationId xmlns:a16="http://schemas.microsoft.com/office/drawing/2014/main" id="{4C92C81A-7EFC-4A90-A593-F3AD1DDA85B0}"/>
+                </a:ext>
+              </a:extLst>
+            </p:cNvPr>
+            <p:cNvSpPr/>
+            <p:nvPr/>
+          </p:nvSpPr>
+          <p:spPr>
+            <a:xfrm>
+              <a:off x="-1" y="6655633"/>
+              <a:ext cx="6132513" cy="217357"/>
+            </a:xfrm>
+            <a:prstGeom prst="rect">
+              <a:avLst/>
+            </a:prstGeom>
+            <a:solidFill>
+              <a:schemeClr val="tx1">
+                <a:lumMod val="75000"/>
+                <a:lumOff val="25000"/>
+              </a:schemeClr>
+            </a:solidFill>
+            <a:ln>
+              <a:noFill/>
+            </a:ln>
+          </p:spPr>
+          <p:style>
+            <a:lnRef idx="2">
+              <a:schemeClr val="accent1">
+                <a:shade val="50000"/>
+              </a:schemeClr>
+            </a:lnRef>
+            <a:fillRef idx="1">
+              <a:schemeClr val="accent1"/>
+            </a:fillRef>
+            <a:effectRef idx="0">
+              <a:schemeClr val="accent1"/>
+            </a:effectRef>
+            <a:fontRef idx="minor">
+              <a:schemeClr val="lt1"/>
+            </a:fontRef>
+          </p:style>
+          <p:txBody>
+            <a:bodyPr rtlCol="0" anchor="ctr"/>
+            <a:lstStyle/>
+            <a:p>
+              <a:pPr algn="ctr"/>
+              <a:endParaRPr lang="en-US"/>
+            </a:p>
+          </p:txBody>
+        </p:sp>
+      </p:grpSp>
+      <p:sp>
+        <p:nvSpPr>
+          <p:cNvPr id="5" name="Tekstvak 4">
+            <a:extLst>
+              <a:ext uri="{FF2B5EF4-FFF2-40B4-BE49-F238E27FC236}">
+                <a16:creationId xmlns:a16="http://schemas.microsoft.com/office/drawing/2014/main" id="{C2674757-1719-B8D0-1328-7261096EC4FB}"/>
+              </a:ext>
+            </a:extLst>
+          </p:cNvPr>
+          <p:cNvSpPr txBox="1"/>
+          <p:nvPr/>
+        </p:nvSpPr>
+        <p:spPr>
+          <a:xfrm>
+            <a:off x="532598" y="2448908"/>
+            <a:ext cx="7824002" cy="3293209"/>
+          </a:xfrm>
+          <a:prstGeom prst="rect">
+            <a:avLst/>
+          </a:prstGeom>
+          <a:noFill/>
+        </p:spPr>
+        <p:txBody>
+          <a:bodyPr wrap="square">
+            <a:spAutoFit/>
+          </a:bodyPr>
+          <a:lstStyle/>
+          <a:p>
+            <a:r>
+              <a:rPr lang="nl-BE" dirty="0" err="1"/>
+              <a:t>Partitioneren</a:t>
+            </a:r>
+            <a:endParaRPr lang="nl-BE" dirty="0"/>
+          </a:p>
+          <a:p>
+            <a:r>
+              <a:rPr lang="nl-BE" sz="1600" i="1" dirty="0" err="1"/>
+              <a:t>Horizontal</a:t>
+            </a:r>
+            <a:r>
+              <a:rPr lang="nl-BE" sz="1600" i="1" dirty="0"/>
+              <a:t> </a:t>
+            </a:r>
+            <a:r>
+              <a:rPr lang="nl-BE" sz="1600" i="1" dirty="0" err="1"/>
+              <a:t>Partitionering</a:t>
+            </a:r>
+            <a:r>
+              <a:rPr lang="nl-BE" sz="1600" i="1" dirty="0"/>
+              <a:t>: veel effect op query met beperkte range</a:t>
+            </a:r>
+          </a:p>
+          <a:p>
+            <a:endParaRPr lang="nl-BE" sz="1600" i="1" dirty="0"/>
+          </a:p>
+          <a:p>
+            <a:r>
+              <a:rPr lang="nl-BE" dirty="0"/>
+              <a:t>Logische </a:t>
+            </a:r>
+            <a:r>
+              <a:rPr lang="nl-BE" dirty="0" err="1"/>
+              <a:t>Indexed</a:t>
+            </a:r>
+            <a:r>
+              <a:rPr lang="nl-BE" dirty="0"/>
+              <a:t> View</a:t>
+            </a:r>
+          </a:p>
+          <a:p>
+            <a:r>
+              <a:rPr lang="nl-BE" sz="1600" i="1" dirty="0" err="1"/>
+              <a:t>Queries</a:t>
+            </a:r>
+            <a:r>
+              <a:rPr lang="nl-BE" sz="1600" i="1" dirty="0"/>
+              <a:t> met veel </a:t>
+            </a:r>
+            <a:r>
+              <a:rPr lang="nl-BE" sz="1600" i="1" dirty="0" err="1"/>
+              <a:t>joins</a:t>
+            </a:r>
+            <a:r>
+              <a:rPr lang="nl-BE" sz="1600" i="1" dirty="0"/>
+              <a:t> en rijen die niet vaak </a:t>
+            </a:r>
+            <a:r>
+              <a:rPr lang="nl-BE" sz="1600" i="1" dirty="0" err="1"/>
+              <a:t>geupdate</a:t>
+            </a:r>
+            <a:r>
+              <a:rPr lang="nl-BE" sz="1600" i="1" dirty="0"/>
+              <a:t> moeten worden.</a:t>
+            </a:r>
+          </a:p>
+          <a:p>
+            <a:endParaRPr lang="nl-BE" dirty="0"/>
+          </a:p>
+          <a:p>
+            <a:r>
+              <a:rPr lang="nl-BE" dirty="0"/>
+              <a:t>Column Storage</a:t>
+            </a:r>
+          </a:p>
+          <a:p>
+            <a:r>
+              <a:rPr lang="nl-BE" sz="1600" i="1" dirty="0"/>
+              <a:t>Column store index: full </a:t>
+            </a:r>
+            <a:r>
+              <a:rPr lang="nl-BE" sz="1600" i="1" dirty="0" err="1"/>
+              <a:t>table</a:t>
+            </a:r>
+            <a:r>
+              <a:rPr lang="nl-BE" sz="1600" i="1" dirty="0"/>
+              <a:t> scan naar index scan</a:t>
+            </a:r>
+          </a:p>
+          <a:p>
+            <a:endParaRPr lang="nl-BE" dirty="0"/>
+          </a:p>
+          <a:p>
+            <a:r>
+              <a:rPr lang="nl-BE" dirty="0" err="1"/>
+              <a:t>Table</a:t>
+            </a:r>
+            <a:r>
+              <a:rPr lang="nl-BE" dirty="0"/>
+              <a:t> </a:t>
+            </a:r>
+            <a:r>
+              <a:rPr lang="nl-BE" dirty="0" err="1"/>
+              <a:t>Compression</a:t>
+            </a:r>
+            <a:endParaRPr lang="nl-BE" dirty="0"/>
+          </a:p>
+          <a:p>
+            <a:r>
+              <a:rPr lang="nl-BE" sz="1600" i="1" dirty="0"/>
+              <a:t>Beperken van tabel grootte, vergt veel I/O operaties</a:t>
+            </a:r>
+          </a:p>
+          <a:p>
+            <a:endParaRPr lang="nl-BE" dirty="0"/>
+          </a:p>
+        </p:txBody>
+      </p:sp>
+      <p:sp>
+        <p:nvSpPr>
+          <p:cNvPr id="6" name="Tekstvak 5">
+            <a:extLst>
+              <a:ext uri="{FF2B5EF4-FFF2-40B4-BE49-F238E27FC236}">
+                <a16:creationId xmlns:a16="http://schemas.microsoft.com/office/drawing/2014/main" id="{A2540295-D4DC-F406-D1C7-6311BD0DCD87}"/>
+              </a:ext>
+            </a:extLst>
+          </p:cNvPr>
+          <p:cNvSpPr txBox="1"/>
+          <p:nvPr/>
+        </p:nvSpPr>
+        <p:spPr>
+          <a:xfrm>
+            <a:off x="532598" y="1302240"/>
+            <a:ext cx="7824002" cy="646331"/>
+          </a:xfrm>
+          <a:prstGeom prst="rect">
+            <a:avLst/>
+          </a:prstGeom>
+          <a:noFill/>
+        </p:spPr>
+        <p:txBody>
+          <a:bodyPr wrap="square" rtlCol="0">
+            <a:spAutoFit/>
+          </a:bodyPr>
+          <a:lstStyle/>
+          <a:p>
+            <a:r>
+              <a:rPr lang="nl-BE" b="1" dirty="0"/>
+              <a:t>Indicators</a:t>
+            </a:r>
+            <a:br>
+              <a:rPr lang="nl-BE" dirty="0"/>
+            </a:br>
+            <a:r>
+              <a:rPr lang="nl-BE" dirty="0" err="1"/>
+              <a:t>Explain</a:t>
+            </a:r>
+            <a:r>
+              <a:rPr lang="nl-BE" dirty="0"/>
+              <a:t> plan &amp; </a:t>
+            </a:r>
+            <a:r>
+              <a:rPr lang="nl-BE" dirty="0" err="1"/>
+              <a:t>cost</a:t>
+            </a:r>
+            <a:endParaRPr lang="nl-BE" dirty="0"/>
           </a:p>
         </p:txBody>
       </p:sp>
     </p:spTree>
     <p:extLst>
       <p:ext uri="{BB962C8B-B14F-4D97-AF65-F5344CB8AC3E}">
-        <p14:creationId xmlns:p14="http://schemas.microsoft.com/office/powerpoint/2010/main" val="3547046184"/>
+        <p14:creationId xmlns:p14="http://schemas.microsoft.com/office/powerpoint/2010/main" val="661325967"/>
       </p:ext>
     </p:extLst>
   </p:cSld>
@@ -3814,20 +5996,2112 @@
           <a:chExt cx="0" cy="0"/>
         </a:xfrm>
       </p:grpSpPr>
-      <p:sp>
-        <p:nvSpPr>
-          <p:cNvPr id="2" name="Titel 1">
+      <p:grpSp>
+        <p:nvGrpSpPr>
+          <p:cNvPr id="181" name="Group 180">
             <a:extLst>
               <a:ext uri="{FF2B5EF4-FFF2-40B4-BE49-F238E27FC236}">
-                <a16:creationId xmlns:a16="http://schemas.microsoft.com/office/drawing/2014/main" id="{BEEA5F56-9C32-F004-8B70-9570B93BB55D}"/>
+                <a16:creationId xmlns:a16="http://schemas.microsoft.com/office/drawing/2014/main" id="{3F7F3BCE-10A9-4059-8E7A-286F7D6A5CF7}"/>
               </a:ext>
             </a:extLst>
           </p:cNvPr>
+          <p:cNvGrpSpPr/>
+          <p:nvPr/>
+        </p:nvGrpSpPr>
+        <p:grpSpPr>
+          <a:xfrm>
+            <a:off x="8847862" y="2041137"/>
+            <a:ext cx="285750" cy="214313"/>
+            <a:chOff x="2614613" y="809625"/>
+            <a:chExt cx="285750" cy="214313"/>
+          </a:xfrm>
+          <a:solidFill>
+            <a:srgbClr val="1C819E"/>
+          </a:solidFill>
+        </p:grpSpPr>
+        <p:sp>
+          <p:nvSpPr>
+            <p:cNvPr id="182" name="Freeform 78">
+              <a:extLst>
+                <a:ext uri="{FF2B5EF4-FFF2-40B4-BE49-F238E27FC236}">
+                  <a16:creationId xmlns:a16="http://schemas.microsoft.com/office/drawing/2014/main" id="{1F27A54E-0FBC-4700-B090-2AAC791B3D1D}"/>
+                </a:ext>
+              </a:extLst>
+            </p:cNvPr>
+            <p:cNvSpPr>
+              <a:spLocks/>
+            </p:cNvSpPr>
+            <p:nvPr/>
+          </p:nvSpPr>
+          <p:spPr bwMode="auto">
+            <a:xfrm>
+              <a:off x="2614613" y="809625"/>
+              <a:ext cx="133350" cy="214313"/>
+            </a:xfrm>
+            <a:custGeom>
+              <a:avLst/>
+              <a:gdLst>
+                <a:gd name="T0" fmla="*/ 316 w 335"/>
+                <a:gd name="T1" fmla="*/ 47 h 540"/>
+                <a:gd name="T2" fmla="*/ 325 w 335"/>
+                <a:gd name="T3" fmla="*/ 43 h 540"/>
+                <a:gd name="T4" fmla="*/ 331 w 335"/>
+                <a:gd name="T5" fmla="*/ 37 h 540"/>
+                <a:gd name="T6" fmla="*/ 335 w 335"/>
+                <a:gd name="T7" fmla="*/ 28 h 540"/>
+                <a:gd name="T8" fmla="*/ 335 w 335"/>
+                <a:gd name="T9" fmla="*/ 19 h 540"/>
+                <a:gd name="T10" fmla="*/ 331 w 335"/>
+                <a:gd name="T11" fmla="*/ 10 h 540"/>
+                <a:gd name="T12" fmla="*/ 325 w 335"/>
+                <a:gd name="T13" fmla="*/ 4 h 540"/>
+                <a:gd name="T14" fmla="*/ 316 w 335"/>
+                <a:gd name="T15" fmla="*/ 0 h 540"/>
+                <a:gd name="T16" fmla="*/ 294 w 335"/>
+                <a:gd name="T17" fmla="*/ 0 h 540"/>
+                <a:gd name="T18" fmla="*/ 260 w 335"/>
+                <a:gd name="T19" fmla="*/ 3 h 540"/>
+                <a:gd name="T20" fmla="*/ 227 w 335"/>
+                <a:gd name="T21" fmla="*/ 10 h 540"/>
+                <a:gd name="T22" fmla="*/ 198 w 335"/>
+                <a:gd name="T23" fmla="*/ 20 h 540"/>
+                <a:gd name="T24" fmla="*/ 169 w 335"/>
+                <a:gd name="T25" fmla="*/ 33 h 540"/>
+                <a:gd name="T26" fmla="*/ 142 w 335"/>
+                <a:gd name="T27" fmla="*/ 49 h 540"/>
+                <a:gd name="T28" fmla="*/ 117 w 335"/>
+                <a:gd name="T29" fmla="*/ 68 h 540"/>
+                <a:gd name="T30" fmla="*/ 95 w 335"/>
+                <a:gd name="T31" fmla="*/ 89 h 540"/>
+                <a:gd name="T32" fmla="*/ 75 w 335"/>
+                <a:gd name="T33" fmla="*/ 113 h 540"/>
+                <a:gd name="T34" fmla="*/ 57 w 335"/>
+                <a:gd name="T35" fmla="*/ 141 h 540"/>
+                <a:gd name="T36" fmla="*/ 41 w 335"/>
+                <a:gd name="T37" fmla="*/ 170 h 540"/>
+                <a:gd name="T38" fmla="*/ 27 w 335"/>
+                <a:gd name="T39" fmla="*/ 202 h 540"/>
+                <a:gd name="T40" fmla="*/ 17 w 335"/>
+                <a:gd name="T41" fmla="*/ 236 h 540"/>
+                <a:gd name="T42" fmla="*/ 8 w 335"/>
+                <a:gd name="T43" fmla="*/ 272 h 540"/>
+                <a:gd name="T44" fmla="*/ 3 w 335"/>
+                <a:gd name="T45" fmla="*/ 310 h 540"/>
+                <a:gd name="T46" fmla="*/ 0 w 335"/>
+                <a:gd name="T47" fmla="*/ 351 h 540"/>
+                <a:gd name="T48" fmla="*/ 1 w 335"/>
+                <a:gd name="T49" fmla="*/ 390 h 540"/>
+                <a:gd name="T50" fmla="*/ 7 w 335"/>
+                <a:gd name="T51" fmla="*/ 422 h 540"/>
+                <a:gd name="T52" fmla="*/ 20 w 335"/>
+                <a:gd name="T53" fmla="*/ 452 h 540"/>
+                <a:gd name="T54" fmla="*/ 38 w 335"/>
+                <a:gd name="T55" fmla="*/ 478 h 540"/>
+                <a:gd name="T56" fmla="*/ 61 w 335"/>
+                <a:gd name="T57" fmla="*/ 502 h 540"/>
+                <a:gd name="T58" fmla="*/ 88 w 335"/>
+                <a:gd name="T59" fmla="*/ 520 h 540"/>
+                <a:gd name="T60" fmla="*/ 117 w 335"/>
+                <a:gd name="T61" fmla="*/ 532 h 540"/>
+                <a:gd name="T62" fmla="*/ 150 w 335"/>
+                <a:gd name="T63" fmla="*/ 539 h 540"/>
+                <a:gd name="T64" fmla="*/ 185 w 335"/>
+                <a:gd name="T65" fmla="*/ 539 h 540"/>
+                <a:gd name="T66" fmla="*/ 218 w 335"/>
+                <a:gd name="T67" fmla="*/ 532 h 540"/>
+                <a:gd name="T68" fmla="*/ 248 w 335"/>
+                <a:gd name="T69" fmla="*/ 520 h 540"/>
+                <a:gd name="T70" fmla="*/ 274 w 335"/>
+                <a:gd name="T71" fmla="*/ 502 h 540"/>
+                <a:gd name="T72" fmla="*/ 297 w 335"/>
+                <a:gd name="T73" fmla="*/ 478 h 540"/>
+                <a:gd name="T74" fmla="*/ 315 w 335"/>
+                <a:gd name="T75" fmla="*/ 452 h 540"/>
+                <a:gd name="T76" fmla="*/ 328 w 335"/>
+                <a:gd name="T77" fmla="*/ 422 h 540"/>
+                <a:gd name="T78" fmla="*/ 334 w 335"/>
+                <a:gd name="T79" fmla="*/ 390 h 540"/>
+                <a:gd name="T80" fmla="*/ 334 w 335"/>
+                <a:gd name="T81" fmla="*/ 355 h 540"/>
+                <a:gd name="T82" fmla="*/ 328 w 335"/>
+                <a:gd name="T83" fmla="*/ 322 h 540"/>
+                <a:gd name="T84" fmla="*/ 315 w 335"/>
+                <a:gd name="T85" fmla="*/ 292 h 540"/>
+                <a:gd name="T86" fmla="*/ 297 w 335"/>
+                <a:gd name="T87" fmla="*/ 265 h 540"/>
+                <a:gd name="T88" fmla="*/ 274 w 335"/>
+                <a:gd name="T89" fmla="*/ 242 h 540"/>
+                <a:gd name="T90" fmla="*/ 248 w 335"/>
+                <a:gd name="T91" fmla="*/ 224 h 540"/>
+                <a:gd name="T92" fmla="*/ 218 w 335"/>
+                <a:gd name="T93" fmla="*/ 212 h 540"/>
+                <a:gd name="T94" fmla="*/ 185 w 335"/>
+                <a:gd name="T95" fmla="*/ 204 h 540"/>
+                <a:gd name="T96" fmla="*/ 153 w 335"/>
+                <a:gd name="T97" fmla="*/ 204 h 540"/>
+                <a:gd name="T98" fmla="*/ 126 w 335"/>
+                <a:gd name="T99" fmla="*/ 209 h 540"/>
+                <a:gd name="T100" fmla="*/ 99 w 335"/>
+                <a:gd name="T101" fmla="*/ 218 h 540"/>
+                <a:gd name="T102" fmla="*/ 76 w 335"/>
+                <a:gd name="T103" fmla="*/ 232 h 540"/>
+                <a:gd name="T104" fmla="*/ 73 w 335"/>
+                <a:gd name="T105" fmla="*/ 214 h 540"/>
+                <a:gd name="T106" fmla="*/ 94 w 335"/>
+                <a:gd name="T107" fmla="*/ 170 h 540"/>
+                <a:gd name="T108" fmla="*/ 119 w 335"/>
+                <a:gd name="T109" fmla="*/ 133 h 540"/>
+                <a:gd name="T110" fmla="*/ 150 w 335"/>
+                <a:gd name="T111" fmla="*/ 104 h 540"/>
+                <a:gd name="T112" fmla="*/ 183 w 335"/>
+                <a:gd name="T113" fmla="*/ 80 h 540"/>
+                <a:gd name="T114" fmla="*/ 218 w 335"/>
+                <a:gd name="T115" fmla="*/ 64 h 540"/>
+                <a:gd name="T116" fmla="*/ 255 w 335"/>
+                <a:gd name="T117" fmla="*/ 54 h 540"/>
+                <a:gd name="T118" fmla="*/ 293 w 335"/>
+                <a:gd name="T119" fmla="*/ 49 h 540"/>
+              </a:gdLst>
+              <a:ahLst/>
+              <a:cxnLst>
+                <a:cxn ang="0">
+                  <a:pos x="T0" y="T1"/>
+                </a:cxn>
+                <a:cxn ang="0">
+                  <a:pos x="T2" y="T3"/>
+                </a:cxn>
+                <a:cxn ang="0">
+                  <a:pos x="T4" y="T5"/>
+                </a:cxn>
+                <a:cxn ang="0">
+                  <a:pos x="T6" y="T7"/>
+                </a:cxn>
+                <a:cxn ang="0">
+                  <a:pos x="T8" y="T9"/>
+                </a:cxn>
+                <a:cxn ang="0">
+                  <a:pos x="T10" y="T11"/>
+                </a:cxn>
+                <a:cxn ang="0">
+                  <a:pos x="T12" y="T13"/>
+                </a:cxn>
+                <a:cxn ang="0">
+                  <a:pos x="T14" y="T15"/>
+                </a:cxn>
+                <a:cxn ang="0">
+                  <a:pos x="T16" y="T17"/>
+                </a:cxn>
+                <a:cxn ang="0">
+                  <a:pos x="T18" y="T19"/>
+                </a:cxn>
+                <a:cxn ang="0">
+                  <a:pos x="T20" y="T21"/>
+                </a:cxn>
+                <a:cxn ang="0">
+                  <a:pos x="T22" y="T23"/>
+                </a:cxn>
+                <a:cxn ang="0">
+                  <a:pos x="T24" y="T25"/>
+                </a:cxn>
+                <a:cxn ang="0">
+                  <a:pos x="T26" y="T27"/>
+                </a:cxn>
+                <a:cxn ang="0">
+                  <a:pos x="T28" y="T29"/>
+                </a:cxn>
+                <a:cxn ang="0">
+                  <a:pos x="T30" y="T31"/>
+                </a:cxn>
+                <a:cxn ang="0">
+                  <a:pos x="T32" y="T33"/>
+                </a:cxn>
+                <a:cxn ang="0">
+                  <a:pos x="T34" y="T35"/>
+                </a:cxn>
+                <a:cxn ang="0">
+                  <a:pos x="T36" y="T37"/>
+                </a:cxn>
+                <a:cxn ang="0">
+                  <a:pos x="T38" y="T39"/>
+                </a:cxn>
+                <a:cxn ang="0">
+                  <a:pos x="T40" y="T41"/>
+                </a:cxn>
+                <a:cxn ang="0">
+                  <a:pos x="T42" y="T43"/>
+                </a:cxn>
+                <a:cxn ang="0">
+                  <a:pos x="T44" y="T45"/>
+                </a:cxn>
+                <a:cxn ang="0">
+                  <a:pos x="T46" y="T47"/>
+                </a:cxn>
+                <a:cxn ang="0">
+                  <a:pos x="T48" y="T49"/>
+                </a:cxn>
+                <a:cxn ang="0">
+                  <a:pos x="T50" y="T51"/>
+                </a:cxn>
+                <a:cxn ang="0">
+                  <a:pos x="T52" y="T53"/>
+                </a:cxn>
+                <a:cxn ang="0">
+                  <a:pos x="T54" y="T55"/>
+                </a:cxn>
+                <a:cxn ang="0">
+                  <a:pos x="T56" y="T57"/>
+                </a:cxn>
+                <a:cxn ang="0">
+                  <a:pos x="T58" y="T59"/>
+                </a:cxn>
+                <a:cxn ang="0">
+                  <a:pos x="T60" y="T61"/>
+                </a:cxn>
+                <a:cxn ang="0">
+                  <a:pos x="T62" y="T63"/>
+                </a:cxn>
+                <a:cxn ang="0">
+                  <a:pos x="T64" y="T65"/>
+                </a:cxn>
+                <a:cxn ang="0">
+                  <a:pos x="T66" y="T67"/>
+                </a:cxn>
+                <a:cxn ang="0">
+                  <a:pos x="T68" y="T69"/>
+                </a:cxn>
+                <a:cxn ang="0">
+                  <a:pos x="T70" y="T71"/>
+                </a:cxn>
+                <a:cxn ang="0">
+                  <a:pos x="T72" y="T73"/>
+                </a:cxn>
+                <a:cxn ang="0">
+                  <a:pos x="T74" y="T75"/>
+                </a:cxn>
+                <a:cxn ang="0">
+                  <a:pos x="T76" y="T77"/>
+                </a:cxn>
+                <a:cxn ang="0">
+                  <a:pos x="T78" y="T79"/>
+                </a:cxn>
+                <a:cxn ang="0">
+                  <a:pos x="T80" y="T81"/>
+                </a:cxn>
+                <a:cxn ang="0">
+                  <a:pos x="T82" y="T83"/>
+                </a:cxn>
+                <a:cxn ang="0">
+                  <a:pos x="T84" y="T85"/>
+                </a:cxn>
+                <a:cxn ang="0">
+                  <a:pos x="T86" y="T87"/>
+                </a:cxn>
+                <a:cxn ang="0">
+                  <a:pos x="T88" y="T89"/>
+                </a:cxn>
+                <a:cxn ang="0">
+                  <a:pos x="T90" y="T91"/>
+                </a:cxn>
+                <a:cxn ang="0">
+                  <a:pos x="T92" y="T93"/>
+                </a:cxn>
+                <a:cxn ang="0">
+                  <a:pos x="T94" y="T95"/>
+                </a:cxn>
+                <a:cxn ang="0">
+                  <a:pos x="T96" y="T97"/>
+                </a:cxn>
+                <a:cxn ang="0">
+                  <a:pos x="T98" y="T99"/>
+                </a:cxn>
+                <a:cxn ang="0">
+                  <a:pos x="T100" y="T101"/>
+                </a:cxn>
+                <a:cxn ang="0">
+                  <a:pos x="T102" y="T103"/>
+                </a:cxn>
+                <a:cxn ang="0">
+                  <a:pos x="T104" y="T105"/>
+                </a:cxn>
+                <a:cxn ang="0">
+                  <a:pos x="T106" y="T107"/>
+                </a:cxn>
+                <a:cxn ang="0">
+                  <a:pos x="T108" y="T109"/>
+                </a:cxn>
+                <a:cxn ang="0">
+                  <a:pos x="T110" y="T111"/>
+                </a:cxn>
+                <a:cxn ang="0">
+                  <a:pos x="T112" y="T113"/>
+                </a:cxn>
+                <a:cxn ang="0">
+                  <a:pos x="T114" y="T115"/>
+                </a:cxn>
+                <a:cxn ang="0">
+                  <a:pos x="T116" y="T117"/>
+                </a:cxn>
+                <a:cxn ang="0">
+                  <a:pos x="T118" y="T119"/>
+                </a:cxn>
+              </a:cxnLst>
+              <a:rect l="0" t="0" r="r" b="b"/>
+              <a:pathLst>
+                <a:path w="335" h="540">
+                  <a:moveTo>
+                    <a:pt x="312" y="47"/>
+                  </a:moveTo>
+                  <a:lnTo>
+                    <a:pt x="316" y="47"/>
+                  </a:lnTo>
+                  <a:lnTo>
+                    <a:pt x="321" y="45"/>
+                  </a:lnTo>
+                  <a:lnTo>
+                    <a:pt x="325" y="43"/>
+                  </a:lnTo>
+                  <a:lnTo>
+                    <a:pt x="329" y="41"/>
+                  </a:lnTo>
+                  <a:lnTo>
+                    <a:pt x="331" y="37"/>
+                  </a:lnTo>
+                  <a:lnTo>
+                    <a:pt x="333" y="33"/>
+                  </a:lnTo>
+                  <a:lnTo>
+                    <a:pt x="335" y="28"/>
+                  </a:lnTo>
+                  <a:lnTo>
+                    <a:pt x="335" y="24"/>
+                  </a:lnTo>
+                  <a:lnTo>
+                    <a:pt x="335" y="19"/>
+                  </a:lnTo>
+                  <a:lnTo>
+                    <a:pt x="333" y="15"/>
+                  </a:lnTo>
+                  <a:lnTo>
+                    <a:pt x="331" y="10"/>
+                  </a:lnTo>
+                  <a:lnTo>
+                    <a:pt x="329" y="6"/>
+                  </a:lnTo>
+                  <a:lnTo>
+                    <a:pt x="325" y="4"/>
+                  </a:lnTo>
+                  <a:lnTo>
+                    <a:pt x="321" y="2"/>
+                  </a:lnTo>
+                  <a:lnTo>
+                    <a:pt x="316" y="0"/>
+                  </a:lnTo>
+                  <a:lnTo>
+                    <a:pt x="312" y="0"/>
+                  </a:lnTo>
+                  <a:lnTo>
+                    <a:pt x="294" y="0"/>
+                  </a:lnTo>
+                  <a:lnTo>
+                    <a:pt x="277" y="1"/>
+                  </a:lnTo>
+                  <a:lnTo>
+                    <a:pt x="260" y="3"/>
+                  </a:lnTo>
+                  <a:lnTo>
+                    <a:pt x="244" y="6"/>
+                  </a:lnTo>
+                  <a:lnTo>
+                    <a:pt x="227" y="10"/>
+                  </a:lnTo>
+                  <a:lnTo>
+                    <a:pt x="213" y="15"/>
+                  </a:lnTo>
+                  <a:lnTo>
+                    <a:pt x="198" y="20"/>
+                  </a:lnTo>
+                  <a:lnTo>
+                    <a:pt x="183" y="26"/>
+                  </a:lnTo>
+                  <a:lnTo>
+                    <a:pt x="169" y="33"/>
+                  </a:lnTo>
+                  <a:lnTo>
+                    <a:pt x="155" y="40"/>
+                  </a:lnTo>
+                  <a:lnTo>
+                    <a:pt x="142" y="49"/>
+                  </a:lnTo>
+                  <a:lnTo>
+                    <a:pt x="130" y="58"/>
+                  </a:lnTo>
+                  <a:lnTo>
+                    <a:pt x="117" y="68"/>
+                  </a:lnTo>
+                  <a:lnTo>
+                    <a:pt x="106" y="78"/>
+                  </a:lnTo>
+                  <a:lnTo>
+                    <a:pt x="95" y="89"/>
+                  </a:lnTo>
+                  <a:lnTo>
+                    <a:pt x="84" y="101"/>
+                  </a:lnTo>
+                  <a:lnTo>
+                    <a:pt x="75" y="113"/>
+                  </a:lnTo>
+                  <a:lnTo>
+                    <a:pt x="65" y="127"/>
+                  </a:lnTo>
+                  <a:lnTo>
+                    <a:pt x="57" y="141"/>
+                  </a:lnTo>
+                  <a:lnTo>
+                    <a:pt x="48" y="154"/>
+                  </a:lnTo>
+                  <a:lnTo>
+                    <a:pt x="41" y="170"/>
+                  </a:lnTo>
+                  <a:lnTo>
+                    <a:pt x="34" y="185"/>
+                  </a:lnTo>
+                  <a:lnTo>
+                    <a:pt x="27" y="202"/>
+                  </a:lnTo>
+                  <a:lnTo>
+                    <a:pt x="22" y="218"/>
+                  </a:lnTo>
+                  <a:lnTo>
+                    <a:pt x="17" y="236"/>
+                  </a:lnTo>
+                  <a:lnTo>
+                    <a:pt x="12" y="254"/>
+                  </a:lnTo>
+                  <a:lnTo>
+                    <a:pt x="8" y="272"/>
+                  </a:lnTo>
+                  <a:lnTo>
+                    <a:pt x="5" y="291"/>
+                  </a:lnTo>
+                  <a:lnTo>
+                    <a:pt x="3" y="310"/>
+                  </a:lnTo>
+                  <a:lnTo>
+                    <a:pt x="1" y="330"/>
+                  </a:lnTo>
+                  <a:lnTo>
+                    <a:pt x="0" y="351"/>
+                  </a:lnTo>
+                  <a:lnTo>
+                    <a:pt x="0" y="371"/>
+                  </a:lnTo>
+                  <a:lnTo>
+                    <a:pt x="1" y="390"/>
+                  </a:lnTo>
+                  <a:lnTo>
+                    <a:pt x="3" y="405"/>
+                  </a:lnTo>
+                  <a:lnTo>
+                    <a:pt x="7" y="422"/>
+                  </a:lnTo>
+                  <a:lnTo>
+                    <a:pt x="12" y="437"/>
+                  </a:lnTo>
+                  <a:lnTo>
+                    <a:pt x="20" y="452"/>
+                  </a:lnTo>
+                  <a:lnTo>
+                    <a:pt x="28" y="466"/>
+                  </a:lnTo>
+                  <a:lnTo>
+                    <a:pt x="38" y="478"/>
+                  </a:lnTo>
+                  <a:lnTo>
+                    <a:pt x="48" y="491"/>
+                  </a:lnTo>
+                  <a:lnTo>
+                    <a:pt x="61" y="502"/>
+                  </a:lnTo>
+                  <a:lnTo>
+                    <a:pt x="74" y="511"/>
+                  </a:lnTo>
+                  <a:lnTo>
+                    <a:pt x="88" y="520"/>
+                  </a:lnTo>
+                  <a:lnTo>
+                    <a:pt x="102" y="527"/>
+                  </a:lnTo>
+                  <a:lnTo>
+                    <a:pt x="117" y="532"/>
+                  </a:lnTo>
+                  <a:lnTo>
+                    <a:pt x="134" y="537"/>
+                  </a:lnTo>
+                  <a:lnTo>
+                    <a:pt x="150" y="539"/>
+                  </a:lnTo>
+                  <a:lnTo>
+                    <a:pt x="168" y="540"/>
+                  </a:lnTo>
+                  <a:lnTo>
+                    <a:pt x="185" y="539"/>
+                  </a:lnTo>
+                  <a:lnTo>
+                    <a:pt x="201" y="537"/>
+                  </a:lnTo>
+                  <a:lnTo>
+                    <a:pt x="218" y="532"/>
+                  </a:lnTo>
+                  <a:lnTo>
+                    <a:pt x="233" y="527"/>
+                  </a:lnTo>
+                  <a:lnTo>
+                    <a:pt x="248" y="520"/>
+                  </a:lnTo>
+                  <a:lnTo>
+                    <a:pt x="261" y="511"/>
+                  </a:lnTo>
+                  <a:lnTo>
+                    <a:pt x="274" y="502"/>
+                  </a:lnTo>
+                  <a:lnTo>
+                    <a:pt x="287" y="491"/>
+                  </a:lnTo>
+                  <a:lnTo>
+                    <a:pt x="297" y="478"/>
+                  </a:lnTo>
+                  <a:lnTo>
+                    <a:pt x="307" y="466"/>
+                  </a:lnTo>
+                  <a:lnTo>
+                    <a:pt x="315" y="452"/>
+                  </a:lnTo>
+                  <a:lnTo>
+                    <a:pt x="323" y="437"/>
+                  </a:lnTo>
+                  <a:lnTo>
+                    <a:pt x="328" y="422"/>
+                  </a:lnTo>
+                  <a:lnTo>
+                    <a:pt x="332" y="405"/>
+                  </a:lnTo>
+                  <a:lnTo>
+                    <a:pt x="334" y="390"/>
+                  </a:lnTo>
+                  <a:lnTo>
+                    <a:pt x="335" y="371"/>
+                  </a:lnTo>
+                  <a:lnTo>
+                    <a:pt x="334" y="355"/>
+                  </a:lnTo>
+                  <a:lnTo>
+                    <a:pt x="332" y="338"/>
+                  </a:lnTo>
+                  <a:lnTo>
+                    <a:pt x="328" y="322"/>
+                  </a:lnTo>
+                  <a:lnTo>
+                    <a:pt x="323" y="307"/>
+                  </a:lnTo>
+                  <a:lnTo>
+                    <a:pt x="315" y="292"/>
+                  </a:lnTo>
+                  <a:lnTo>
+                    <a:pt x="307" y="278"/>
+                  </a:lnTo>
+                  <a:lnTo>
+                    <a:pt x="297" y="265"/>
+                  </a:lnTo>
+                  <a:lnTo>
+                    <a:pt x="287" y="253"/>
+                  </a:lnTo>
+                  <a:lnTo>
+                    <a:pt x="274" y="242"/>
+                  </a:lnTo>
+                  <a:lnTo>
+                    <a:pt x="261" y="233"/>
+                  </a:lnTo>
+                  <a:lnTo>
+                    <a:pt x="248" y="224"/>
+                  </a:lnTo>
+                  <a:lnTo>
+                    <a:pt x="233" y="217"/>
+                  </a:lnTo>
+                  <a:lnTo>
+                    <a:pt x="218" y="212"/>
+                  </a:lnTo>
+                  <a:lnTo>
+                    <a:pt x="201" y="207"/>
+                  </a:lnTo>
+                  <a:lnTo>
+                    <a:pt x="185" y="204"/>
+                  </a:lnTo>
+                  <a:lnTo>
+                    <a:pt x="168" y="204"/>
+                  </a:lnTo>
+                  <a:lnTo>
+                    <a:pt x="153" y="204"/>
+                  </a:lnTo>
+                  <a:lnTo>
+                    <a:pt x="140" y="206"/>
+                  </a:lnTo>
+                  <a:lnTo>
+                    <a:pt x="126" y="209"/>
+                  </a:lnTo>
+                  <a:lnTo>
+                    <a:pt x="112" y="213"/>
+                  </a:lnTo>
+                  <a:lnTo>
+                    <a:pt x="99" y="218"/>
+                  </a:lnTo>
+                  <a:lnTo>
+                    <a:pt x="88" y="224"/>
+                  </a:lnTo>
+                  <a:lnTo>
+                    <a:pt x="76" y="232"/>
+                  </a:lnTo>
+                  <a:lnTo>
+                    <a:pt x="64" y="239"/>
+                  </a:lnTo>
+                  <a:lnTo>
+                    <a:pt x="73" y="214"/>
+                  </a:lnTo>
+                  <a:lnTo>
+                    <a:pt x="83" y="191"/>
+                  </a:lnTo>
+                  <a:lnTo>
+                    <a:pt x="94" y="170"/>
+                  </a:lnTo>
+                  <a:lnTo>
+                    <a:pt x="107" y="150"/>
+                  </a:lnTo>
+                  <a:lnTo>
+                    <a:pt x="119" y="133"/>
+                  </a:lnTo>
+                  <a:lnTo>
+                    <a:pt x="134" y="117"/>
+                  </a:lnTo>
+                  <a:lnTo>
+                    <a:pt x="150" y="104"/>
+                  </a:lnTo>
+                  <a:lnTo>
+                    <a:pt x="166" y="91"/>
+                  </a:lnTo>
+                  <a:lnTo>
+                    <a:pt x="183" y="80"/>
+                  </a:lnTo>
+                  <a:lnTo>
+                    <a:pt x="200" y="72"/>
+                  </a:lnTo>
+                  <a:lnTo>
+                    <a:pt x="218" y="64"/>
+                  </a:lnTo>
+                  <a:lnTo>
+                    <a:pt x="237" y="58"/>
+                  </a:lnTo>
+                  <a:lnTo>
+                    <a:pt x="255" y="54"/>
+                  </a:lnTo>
+                  <a:lnTo>
+                    <a:pt x="274" y="51"/>
+                  </a:lnTo>
+                  <a:lnTo>
+                    <a:pt x="293" y="49"/>
+                  </a:lnTo>
+                  <a:lnTo>
+                    <a:pt x="312" y="47"/>
+                  </a:lnTo>
+                  <a:close/>
+                </a:path>
+              </a:pathLst>
+            </a:custGeom>
+            <a:grpFill/>
+            <a:ln>
+              <a:noFill/>
+            </a:ln>
+            <a:extLst>
+              <a:ext uri="{91240B29-F687-4F45-9708-019B960494DF}">
+                <a14:hiddenLine xmlns:a14="http://schemas.microsoft.com/office/drawing/2010/main" w="9525">
+                  <a:solidFill>
+                    <a:srgbClr val="000000"/>
+                  </a:solidFill>
+                  <a:round/>
+                  <a:headEnd/>
+                  <a:tailEnd/>
+                </a14:hiddenLine>
+              </a:ext>
+            </a:extLst>
+          </p:spPr>
+          <p:txBody>
+            <a:bodyPr vert="horz" wrap="square" lIns="91440" tIns="45720" rIns="91440" bIns="45720" numCol="1" anchor="t" anchorCtr="0" compatLnSpc="1">
+              <a:prstTxWarp prst="textNoShape">
+                <a:avLst/>
+              </a:prstTxWarp>
+            </a:bodyPr>
+            <a:lstStyle/>
+            <a:p>
+              <a:endParaRPr lang="en-US">
+                <a:latin typeface="A GALEGA" pitchFamily="50" charset="0"/>
+              </a:endParaRPr>
+            </a:p>
+          </p:txBody>
+        </p:sp>
+        <p:sp>
+          <p:nvSpPr>
+            <p:cNvPr id="183" name="Freeform 79">
+              <a:extLst>
+                <a:ext uri="{FF2B5EF4-FFF2-40B4-BE49-F238E27FC236}">
+                  <a16:creationId xmlns:a16="http://schemas.microsoft.com/office/drawing/2014/main" id="{D3A9D34C-588C-457C-B2F6-460EE830A4A4}"/>
+                </a:ext>
+              </a:extLst>
+            </p:cNvPr>
+            <p:cNvSpPr>
+              <a:spLocks/>
+            </p:cNvSpPr>
+            <p:nvPr/>
+          </p:nvSpPr>
+          <p:spPr bwMode="auto">
+            <a:xfrm>
+              <a:off x="2767013" y="809625"/>
+              <a:ext cx="133350" cy="214313"/>
+            </a:xfrm>
+            <a:custGeom>
+              <a:avLst/>
+              <a:gdLst>
+                <a:gd name="T0" fmla="*/ 154 w 336"/>
+                <a:gd name="T1" fmla="*/ 204 h 540"/>
+                <a:gd name="T2" fmla="*/ 126 w 336"/>
+                <a:gd name="T3" fmla="*/ 209 h 540"/>
+                <a:gd name="T4" fmla="*/ 100 w 336"/>
+                <a:gd name="T5" fmla="*/ 218 h 540"/>
+                <a:gd name="T6" fmla="*/ 76 w 336"/>
+                <a:gd name="T7" fmla="*/ 232 h 540"/>
+                <a:gd name="T8" fmla="*/ 73 w 336"/>
+                <a:gd name="T9" fmla="*/ 214 h 540"/>
+                <a:gd name="T10" fmla="*/ 94 w 336"/>
+                <a:gd name="T11" fmla="*/ 170 h 540"/>
+                <a:gd name="T12" fmla="*/ 120 w 336"/>
+                <a:gd name="T13" fmla="*/ 133 h 540"/>
+                <a:gd name="T14" fmla="*/ 150 w 336"/>
+                <a:gd name="T15" fmla="*/ 104 h 540"/>
+                <a:gd name="T16" fmla="*/ 183 w 336"/>
+                <a:gd name="T17" fmla="*/ 80 h 540"/>
+                <a:gd name="T18" fmla="*/ 218 w 336"/>
+                <a:gd name="T19" fmla="*/ 64 h 540"/>
+                <a:gd name="T20" fmla="*/ 255 w 336"/>
+                <a:gd name="T21" fmla="*/ 54 h 540"/>
+                <a:gd name="T22" fmla="*/ 294 w 336"/>
+                <a:gd name="T23" fmla="*/ 49 h 540"/>
+                <a:gd name="T24" fmla="*/ 317 w 336"/>
+                <a:gd name="T25" fmla="*/ 47 h 540"/>
+                <a:gd name="T26" fmla="*/ 325 w 336"/>
+                <a:gd name="T27" fmla="*/ 43 h 540"/>
+                <a:gd name="T28" fmla="*/ 332 w 336"/>
+                <a:gd name="T29" fmla="*/ 37 h 540"/>
+                <a:gd name="T30" fmla="*/ 336 w 336"/>
+                <a:gd name="T31" fmla="*/ 28 h 540"/>
+                <a:gd name="T32" fmla="*/ 336 w 336"/>
+                <a:gd name="T33" fmla="*/ 19 h 540"/>
+                <a:gd name="T34" fmla="*/ 332 w 336"/>
+                <a:gd name="T35" fmla="*/ 10 h 540"/>
+                <a:gd name="T36" fmla="*/ 325 w 336"/>
+                <a:gd name="T37" fmla="*/ 4 h 540"/>
+                <a:gd name="T38" fmla="*/ 317 w 336"/>
+                <a:gd name="T39" fmla="*/ 0 h 540"/>
+                <a:gd name="T40" fmla="*/ 295 w 336"/>
+                <a:gd name="T41" fmla="*/ 0 h 540"/>
+                <a:gd name="T42" fmla="*/ 261 w 336"/>
+                <a:gd name="T43" fmla="*/ 3 h 540"/>
+                <a:gd name="T44" fmla="*/ 228 w 336"/>
+                <a:gd name="T45" fmla="*/ 10 h 540"/>
+                <a:gd name="T46" fmla="*/ 198 w 336"/>
+                <a:gd name="T47" fmla="*/ 20 h 540"/>
+                <a:gd name="T48" fmla="*/ 170 w 336"/>
+                <a:gd name="T49" fmla="*/ 33 h 540"/>
+                <a:gd name="T50" fmla="*/ 142 w 336"/>
+                <a:gd name="T51" fmla="*/ 49 h 540"/>
+                <a:gd name="T52" fmla="*/ 118 w 336"/>
+                <a:gd name="T53" fmla="*/ 68 h 540"/>
+                <a:gd name="T54" fmla="*/ 96 w 336"/>
+                <a:gd name="T55" fmla="*/ 89 h 540"/>
+                <a:gd name="T56" fmla="*/ 75 w 336"/>
+                <a:gd name="T57" fmla="*/ 113 h 540"/>
+                <a:gd name="T58" fmla="*/ 56 w 336"/>
+                <a:gd name="T59" fmla="*/ 141 h 540"/>
+                <a:gd name="T60" fmla="*/ 42 w 336"/>
+                <a:gd name="T61" fmla="*/ 170 h 540"/>
+                <a:gd name="T62" fmla="*/ 28 w 336"/>
+                <a:gd name="T63" fmla="*/ 202 h 540"/>
+                <a:gd name="T64" fmla="*/ 17 w 336"/>
+                <a:gd name="T65" fmla="*/ 236 h 540"/>
+                <a:gd name="T66" fmla="*/ 9 w 336"/>
+                <a:gd name="T67" fmla="*/ 272 h 540"/>
+                <a:gd name="T68" fmla="*/ 3 w 336"/>
+                <a:gd name="T69" fmla="*/ 310 h 540"/>
+                <a:gd name="T70" fmla="*/ 0 w 336"/>
+                <a:gd name="T71" fmla="*/ 351 h 540"/>
+                <a:gd name="T72" fmla="*/ 0 w 336"/>
+                <a:gd name="T73" fmla="*/ 390 h 540"/>
+                <a:gd name="T74" fmla="*/ 8 w 336"/>
+                <a:gd name="T75" fmla="*/ 422 h 540"/>
+                <a:gd name="T76" fmla="*/ 20 w 336"/>
+                <a:gd name="T77" fmla="*/ 452 h 540"/>
+                <a:gd name="T78" fmla="*/ 38 w 336"/>
+                <a:gd name="T79" fmla="*/ 478 h 540"/>
+                <a:gd name="T80" fmla="*/ 61 w 336"/>
+                <a:gd name="T81" fmla="*/ 502 h 540"/>
+                <a:gd name="T82" fmla="*/ 88 w 336"/>
+                <a:gd name="T83" fmla="*/ 520 h 540"/>
+                <a:gd name="T84" fmla="*/ 118 w 336"/>
+                <a:gd name="T85" fmla="*/ 532 h 540"/>
+                <a:gd name="T86" fmla="*/ 151 w 336"/>
+                <a:gd name="T87" fmla="*/ 539 h 540"/>
+                <a:gd name="T88" fmla="*/ 186 w 336"/>
+                <a:gd name="T89" fmla="*/ 539 h 540"/>
+                <a:gd name="T90" fmla="*/ 218 w 336"/>
+                <a:gd name="T91" fmla="*/ 532 h 540"/>
+                <a:gd name="T92" fmla="*/ 248 w 336"/>
+                <a:gd name="T93" fmla="*/ 520 h 540"/>
+                <a:gd name="T94" fmla="*/ 275 w 336"/>
+                <a:gd name="T95" fmla="*/ 502 h 540"/>
+                <a:gd name="T96" fmla="*/ 298 w 336"/>
+                <a:gd name="T97" fmla="*/ 478 h 540"/>
+                <a:gd name="T98" fmla="*/ 316 w 336"/>
+                <a:gd name="T99" fmla="*/ 452 h 540"/>
+                <a:gd name="T100" fmla="*/ 329 w 336"/>
+                <a:gd name="T101" fmla="*/ 422 h 540"/>
+                <a:gd name="T102" fmla="*/ 335 w 336"/>
+                <a:gd name="T103" fmla="*/ 390 h 540"/>
+                <a:gd name="T104" fmla="*/ 335 w 336"/>
+                <a:gd name="T105" fmla="*/ 355 h 540"/>
+                <a:gd name="T106" fmla="*/ 329 w 336"/>
+                <a:gd name="T107" fmla="*/ 322 h 540"/>
+                <a:gd name="T108" fmla="*/ 316 w 336"/>
+                <a:gd name="T109" fmla="*/ 292 h 540"/>
+                <a:gd name="T110" fmla="*/ 298 w 336"/>
+                <a:gd name="T111" fmla="*/ 265 h 540"/>
+                <a:gd name="T112" fmla="*/ 275 w 336"/>
+                <a:gd name="T113" fmla="*/ 242 h 540"/>
+                <a:gd name="T114" fmla="*/ 248 w 336"/>
+                <a:gd name="T115" fmla="*/ 224 h 540"/>
+                <a:gd name="T116" fmla="*/ 218 w 336"/>
+                <a:gd name="T117" fmla="*/ 212 h 540"/>
+                <a:gd name="T118" fmla="*/ 186 w 336"/>
+                <a:gd name="T119" fmla="*/ 204 h 540"/>
+              </a:gdLst>
+              <a:ahLst/>
+              <a:cxnLst>
+                <a:cxn ang="0">
+                  <a:pos x="T0" y="T1"/>
+                </a:cxn>
+                <a:cxn ang="0">
+                  <a:pos x="T2" y="T3"/>
+                </a:cxn>
+                <a:cxn ang="0">
+                  <a:pos x="T4" y="T5"/>
+                </a:cxn>
+                <a:cxn ang="0">
+                  <a:pos x="T6" y="T7"/>
+                </a:cxn>
+                <a:cxn ang="0">
+                  <a:pos x="T8" y="T9"/>
+                </a:cxn>
+                <a:cxn ang="0">
+                  <a:pos x="T10" y="T11"/>
+                </a:cxn>
+                <a:cxn ang="0">
+                  <a:pos x="T12" y="T13"/>
+                </a:cxn>
+                <a:cxn ang="0">
+                  <a:pos x="T14" y="T15"/>
+                </a:cxn>
+                <a:cxn ang="0">
+                  <a:pos x="T16" y="T17"/>
+                </a:cxn>
+                <a:cxn ang="0">
+                  <a:pos x="T18" y="T19"/>
+                </a:cxn>
+                <a:cxn ang="0">
+                  <a:pos x="T20" y="T21"/>
+                </a:cxn>
+                <a:cxn ang="0">
+                  <a:pos x="T22" y="T23"/>
+                </a:cxn>
+                <a:cxn ang="0">
+                  <a:pos x="T24" y="T25"/>
+                </a:cxn>
+                <a:cxn ang="0">
+                  <a:pos x="T26" y="T27"/>
+                </a:cxn>
+                <a:cxn ang="0">
+                  <a:pos x="T28" y="T29"/>
+                </a:cxn>
+                <a:cxn ang="0">
+                  <a:pos x="T30" y="T31"/>
+                </a:cxn>
+                <a:cxn ang="0">
+                  <a:pos x="T32" y="T33"/>
+                </a:cxn>
+                <a:cxn ang="0">
+                  <a:pos x="T34" y="T35"/>
+                </a:cxn>
+                <a:cxn ang="0">
+                  <a:pos x="T36" y="T37"/>
+                </a:cxn>
+                <a:cxn ang="0">
+                  <a:pos x="T38" y="T39"/>
+                </a:cxn>
+                <a:cxn ang="0">
+                  <a:pos x="T40" y="T41"/>
+                </a:cxn>
+                <a:cxn ang="0">
+                  <a:pos x="T42" y="T43"/>
+                </a:cxn>
+                <a:cxn ang="0">
+                  <a:pos x="T44" y="T45"/>
+                </a:cxn>
+                <a:cxn ang="0">
+                  <a:pos x="T46" y="T47"/>
+                </a:cxn>
+                <a:cxn ang="0">
+                  <a:pos x="T48" y="T49"/>
+                </a:cxn>
+                <a:cxn ang="0">
+                  <a:pos x="T50" y="T51"/>
+                </a:cxn>
+                <a:cxn ang="0">
+                  <a:pos x="T52" y="T53"/>
+                </a:cxn>
+                <a:cxn ang="0">
+                  <a:pos x="T54" y="T55"/>
+                </a:cxn>
+                <a:cxn ang="0">
+                  <a:pos x="T56" y="T57"/>
+                </a:cxn>
+                <a:cxn ang="0">
+                  <a:pos x="T58" y="T59"/>
+                </a:cxn>
+                <a:cxn ang="0">
+                  <a:pos x="T60" y="T61"/>
+                </a:cxn>
+                <a:cxn ang="0">
+                  <a:pos x="T62" y="T63"/>
+                </a:cxn>
+                <a:cxn ang="0">
+                  <a:pos x="T64" y="T65"/>
+                </a:cxn>
+                <a:cxn ang="0">
+                  <a:pos x="T66" y="T67"/>
+                </a:cxn>
+                <a:cxn ang="0">
+                  <a:pos x="T68" y="T69"/>
+                </a:cxn>
+                <a:cxn ang="0">
+                  <a:pos x="T70" y="T71"/>
+                </a:cxn>
+                <a:cxn ang="0">
+                  <a:pos x="T72" y="T73"/>
+                </a:cxn>
+                <a:cxn ang="0">
+                  <a:pos x="T74" y="T75"/>
+                </a:cxn>
+                <a:cxn ang="0">
+                  <a:pos x="T76" y="T77"/>
+                </a:cxn>
+                <a:cxn ang="0">
+                  <a:pos x="T78" y="T79"/>
+                </a:cxn>
+                <a:cxn ang="0">
+                  <a:pos x="T80" y="T81"/>
+                </a:cxn>
+                <a:cxn ang="0">
+                  <a:pos x="T82" y="T83"/>
+                </a:cxn>
+                <a:cxn ang="0">
+                  <a:pos x="T84" y="T85"/>
+                </a:cxn>
+                <a:cxn ang="0">
+                  <a:pos x="T86" y="T87"/>
+                </a:cxn>
+                <a:cxn ang="0">
+                  <a:pos x="T88" y="T89"/>
+                </a:cxn>
+                <a:cxn ang="0">
+                  <a:pos x="T90" y="T91"/>
+                </a:cxn>
+                <a:cxn ang="0">
+                  <a:pos x="T92" y="T93"/>
+                </a:cxn>
+                <a:cxn ang="0">
+                  <a:pos x="T94" y="T95"/>
+                </a:cxn>
+                <a:cxn ang="0">
+                  <a:pos x="T96" y="T97"/>
+                </a:cxn>
+                <a:cxn ang="0">
+                  <a:pos x="T98" y="T99"/>
+                </a:cxn>
+                <a:cxn ang="0">
+                  <a:pos x="T100" y="T101"/>
+                </a:cxn>
+                <a:cxn ang="0">
+                  <a:pos x="T102" y="T103"/>
+                </a:cxn>
+                <a:cxn ang="0">
+                  <a:pos x="T104" y="T105"/>
+                </a:cxn>
+                <a:cxn ang="0">
+                  <a:pos x="T106" y="T107"/>
+                </a:cxn>
+                <a:cxn ang="0">
+                  <a:pos x="T108" y="T109"/>
+                </a:cxn>
+                <a:cxn ang="0">
+                  <a:pos x="T110" y="T111"/>
+                </a:cxn>
+                <a:cxn ang="0">
+                  <a:pos x="T112" y="T113"/>
+                </a:cxn>
+                <a:cxn ang="0">
+                  <a:pos x="T114" y="T115"/>
+                </a:cxn>
+                <a:cxn ang="0">
+                  <a:pos x="T116" y="T117"/>
+                </a:cxn>
+                <a:cxn ang="0">
+                  <a:pos x="T118" y="T119"/>
+                </a:cxn>
+              </a:cxnLst>
+              <a:rect l="0" t="0" r="r" b="b"/>
+              <a:pathLst>
+                <a:path w="336" h="540">
+                  <a:moveTo>
+                    <a:pt x="168" y="204"/>
+                  </a:moveTo>
+                  <a:lnTo>
+                    <a:pt x="154" y="204"/>
+                  </a:lnTo>
+                  <a:lnTo>
+                    <a:pt x="140" y="206"/>
+                  </a:lnTo>
+                  <a:lnTo>
+                    <a:pt x="126" y="209"/>
+                  </a:lnTo>
+                  <a:lnTo>
+                    <a:pt x="112" y="213"/>
+                  </a:lnTo>
+                  <a:lnTo>
+                    <a:pt x="100" y="218"/>
+                  </a:lnTo>
+                  <a:lnTo>
+                    <a:pt x="88" y="224"/>
+                  </a:lnTo>
+                  <a:lnTo>
+                    <a:pt x="76" y="232"/>
+                  </a:lnTo>
+                  <a:lnTo>
+                    <a:pt x="65" y="239"/>
+                  </a:lnTo>
+                  <a:lnTo>
+                    <a:pt x="73" y="214"/>
+                  </a:lnTo>
+                  <a:lnTo>
+                    <a:pt x="83" y="191"/>
+                  </a:lnTo>
+                  <a:lnTo>
+                    <a:pt x="94" y="170"/>
+                  </a:lnTo>
+                  <a:lnTo>
+                    <a:pt x="107" y="150"/>
+                  </a:lnTo>
+                  <a:lnTo>
+                    <a:pt x="120" y="133"/>
+                  </a:lnTo>
+                  <a:lnTo>
+                    <a:pt x="135" y="117"/>
+                  </a:lnTo>
+                  <a:lnTo>
+                    <a:pt x="150" y="104"/>
+                  </a:lnTo>
+                  <a:lnTo>
+                    <a:pt x="167" y="91"/>
+                  </a:lnTo>
+                  <a:lnTo>
+                    <a:pt x="183" y="80"/>
+                  </a:lnTo>
+                  <a:lnTo>
+                    <a:pt x="200" y="72"/>
+                  </a:lnTo>
+                  <a:lnTo>
+                    <a:pt x="218" y="64"/>
+                  </a:lnTo>
+                  <a:lnTo>
+                    <a:pt x="236" y="58"/>
+                  </a:lnTo>
+                  <a:lnTo>
+                    <a:pt x="255" y="54"/>
+                  </a:lnTo>
+                  <a:lnTo>
+                    <a:pt x="275" y="51"/>
+                  </a:lnTo>
+                  <a:lnTo>
+                    <a:pt x="294" y="49"/>
+                  </a:lnTo>
+                  <a:lnTo>
+                    <a:pt x="313" y="47"/>
+                  </a:lnTo>
+                  <a:lnTo>
+                    <a:pt x="317" y="47"/>
+                  </a:lnTo>
+                  <a:lnTo>
+                    <a:pt x="321" y="45"/>
+                  </a:lnTo>
+                  <a:lnTo>
+                    <a:pt x="325" y="43"/>
+                  </a:lnTo>
+                  <a:lnTo>
+                    <a:pt x="330" y="41"/>
+                  </a:lnTo>
+                  <a:lnTo>
+                    <a:pt x="332" y="37"/>
+                  </a:lnTo>
+                  <a:lnTo>
+                    <a:pt x="334" y="33"/>
+                  </a:lnTo>
+                  <a:lnTo>
+                    <a:pt x="336" y="28"/>
+                  </a:lnTo>
+                  <a:lnTo>
+                    <a:pt x="336" y="24"/>
+                  </a:lnTo>
+                  <a:lnTo>
+                    <a:pt x="336" y="19"/>
+                  </a:lnTo>
+                  <a:lnTo>
+                    <a:pt x="334" y="15"/>
+                  </a:lnTo>
+                  <a:lnTo>
+                    <a:pt x="332" y="10"/>
+                  </a:lnTo>
+                  <a:lnTo>
+                    <a:pt x="330" y="6"/>
+                  </a:lnTo>
+                  <a:lnTo>
+                    <a:pt x="325" y="4"/>
+                  </a:lnTo>
+                  <a:lnTo>
+                    <a:pt x="321" y="2"/>
+                  </a:lnTo>
+                  <a:lnTo>
+                    <a:pt x="317" y="0"/>
+                  </a:lnTo>
+                  <a:lnTo>
+                    <a:pt x="313" y="0"/>
+                  </a:lnTo>
+                  <a:lnTo>
+                    <a:pt x="295" y="0"/>
+                  </a:lnTo>
+                  <a:lnTo>
+                    <a:pt x="278" y="1"/>
+                  </a:lnTo>
+                  <a:lnTo>
+                    <a:pt x="261" y="3"/>
+                  </a:lnTo>
+                  <a:lnTo>
+                    <a:pt x="244" y="6"/>
+                  </a:lnTo>
+                  <a:lnTo>
+                    <a:pt x="228" y="10"/>
+                  </a:lnTo>
+                  <a:lnTo>
+                    <a:pt x="213" y="15"/>
+                  </a:lnTo>
+                  <a:lnTo>
+                    <a:pt x="198" y="20"/>
+                  </a:lnTo>
+                  <a:lnTo>
+                    <a:pt x="183" y="26"/>
+                  </a:lnTo>
+                  <a:lnTo>
+                    <a:pt x="170" y="33"/>
+                  </a:lnTo>
+                  <a:lnTo>
+                    <a:pt x="156" y="40"/>
+                  </a:lnTo>
+                  <a:lnTo>
+                    <a:pt x="142" y="49"/>
+                  </a:lnTo>
+                  <a:lnTo>
+                    <a:pt x="131" y="58"/>
+                  </a:lnTo>
+                  <a:lnTo>
+                    <a:pt x="118" y="68"/>
+                  </a:lnTo>
+                  <a:lnTo>
+                    <a:pt x="106" y="78"/>
+                  </a:lnTo>
+                  <a:lnTo>
+                    <a:pt x="96" y="89"/>
+                  </a:lnTo>
+                  <a:lnTo>
+                    <a:pt x="85" y="101"/>
+                  </a:lnTo>
+                  <a:lnTo>
+                    <a:pt x="75" y="113"/>
+                  </a:lnTo>
+                  <a:lnTo>
+                    <a:pt x="66" y="127"/>
+                  </a:lnTo>
+                  <a:lnTo>
+                    <a:pt x="56" y="141"/>
+                  </a:lnTo>
+                  <a:lnTo>
+                    <a:pt x="49" y="154"/>
+                  </a:lnTo>
+                  <a:lnTo>
+                    <a:pt x="42" y="170"/>
+                  </a:lnTo>
+                  <a:lnTo>
+                    <a:pt x="34" y="185"/>
+                  </a:lnTo>
+                  <a:lnTo>
+                    <a:pt x="28" y="202"/>
+                  </a:lnTo>
+                  <a:lnTo>
+                    <a:pt x="22" y="218"/>
+                  </a:lnTo>
+                  <a:lnTo>
+                    <a:pt x="17" y="236"/>
+                  </a:lnTo>
+                  <a:lnTo>
+                    <a:pt x="13" y="254"/>
+                  </a:lnTo>
+                  <a:lnTo>
+                    <a:pt x="9" y="272"/>
+                  </a:lnTo>
+                  <a:lnTo>
+                    <a:pt x="6" y="291"/>
+                  </a:lnTo>
+                  <a:lnTo>
+                    <a:pt x="3" y="310"/>
+                  </a:lnTo>
+                  <a:lnTo>
+                    <a:pt x="1" y="330"/>
+                  </a:lnTo>
+                  <a:lnTo>
+                    <a:pt x="0" y="351"/>
+                  </a:lnTo>
+                  <a:lnTo>
+                    <a:pt x="0" y="371"/>
+                  </a:lnTo>
+                  <a:lnTo>
+                    <a:pt x="0" y="390"/>
+                  </a:lnTo>
+                  <a:lnTo>
+                    <a:pt x="3" y="405"/>
+                  </a:lnTo>
+                  <a:lnTo>
+                    <a:pt x="8" y="422"/>
+                  </a:lnTo>
+                  <a:lnTo>
+                    <a:pt x="13" y="437"/>
+                  </a:lnTo>
+                  <a:lnTo>
+                    <a:pt x="20" y="452"/>
+                  </a:lnTo>
+                  <a:lnTo>
+                    <a:pt x="29" y="466"/>
+                  </a:lnTo>
+                  <a:lnTo>
+                    <a:pt x="38" y="478"/>
+                  </a:lnTo>
+                  <a:lnTo>
+                    <a:pt x="49" y="491"/>
+                  </a:lnTo>
+                  <a:lnTo>
+                    <a:pt x="61" y="502"/>
+                  </a:lnTo>
+                  <a:lnTo>
+                    <a:pt x="74" y="511"/>
+                  </a:lnTo>
+                  <a:lnTo>
+                    <a:pt x="88" y="520"/>
+                  </a:lnTo>
+                  <a:lnTo>
+                    <a:pt x="103" y="527"/>
+                  </a:lnTo>
+                  <a:lnTo>
+                    <a:pt x="118" y="532"/>
+                  </a:lnTo>
+                  <a:lnTo>
+                    <a:pt x="134" y="537"/>
+                  </a:lnTo>
+                  <a:lnTo>
+                    <a:pt x="151" y="539"/>
+                  </a:lnTo>
+                  <a:lnTo>
+                    <a:pt x="168" y="540"/>
+                  </a:lnTo>
+                  <a:lnTo>
+                    <a:pt x="186" y="539"/>
+                  </a:lnTo>
+                  <a:lnTo>
+                    <a:pt x="201" y="537"/>
+                  </a:lnTo>
+                  <a:lnTo>
+                    <a:pt x="218" y="532"/>
+                  </a:lnTo>
+                  <a:lnTo>
+                    <a:pt x="233" y="527"/>
+                  </a:lnTo>
+                  <a:lnTo>
+                    <a:pt x="248" y="520"/>
+                  </a:lnTo>
+                  <a:lnTo>
+                    <a:pt x="262" y="511"/>
+                  </a:lnTo>
+                  <a:lnTo>
+                    <a:pt x="275" y="502"/>
+                  </a:lnTo>
+                  <a:lnTo>
+                    <a:pt x="287" y="491"/>
+                  </a:lnTo>
+                  <a:lnTo>
+                    <a:pt x="298" y="478"/>
+                  </a:lnTo>
+                  <a:lnTo>
+                    <a:pt x="307" y="466"/>
+                  </a:lnTo>
+                  <a:lnTo>
+                    <a:pt x="316" y="452"/>
+                  </a:lnTo>
+                  <a:lnTo>
+                    <a:pt x="323" y="437"/>
+                  </a:lnTo>
+                  <a:lnTo>
+                    <a:pt x="329" y="422"/>
+                  </a:lnTo>
+                  <a:lnTo>
+                    <a:pt x="333" y="405"/>
+                  </a:lnTo>
+                  <a:lnTo>
+                    <a:pt x="335" y="390"/>
+                  </a:lnTo>
+                  <a:lnTo>
+                    <a:pt x="336" y="371"/>
+                  </a:lnTo>
+                  <a:lnTo>
+                    <a:pt x="335" y="355"/>
+                  </a:lnTo>
+                  <a:lnTo>
+                    <a:pt x="333" y="338"/>
+                  </a:lnTo>
+                  <a:lnTo>
+                    <a:pt x="329" y="322"/>
+                  </a:lnTo>
+                  <a:lnTo>
+                    <a:pt x="323" y="307"/>
+                  </a:lnTo>
+                  <a:lnTo>
+                    <a:pt x="316" y="292"/>
+                  </a:lnTo>
+                  <a:lnTo>
+                    <a:pt x="307" y="278"/>
+                  </a:lnTo>
+                  <a:lnTo>
+                    <a:pt x="298" y="265"/>
+                  </a:lnTo>
+                  <a:lnTo>
+                    <a:pt x="287" y="253"/>
+                  </a:lnTo>
+                  <a:lnTo>
+                    <a:pt x="275" y="242"/>
+                  </a:lnTo>
+                  <a:lnTo>
+                    <a:pt x="262" y="233"/>
+                  </a:lnTo>
+                  <a:lnTo>
+                    <a:pt x="248" y="224"/>
+                  </a:lnTo>
+                  <a:lnTo>
+                    <a:pt x="233" y="217"/>
+                  </a:lnTo>
+                  <a:lnTo>
+                    <a:pt x="218" y="212"/>
+                  </a:lnTo>
+                  <a:lnTo>
+                    <a:pt x="201" y="207"/>
+                  </a:lnTo>
+                  <a:lnTo>
+                    <a:pt x="186" y="204"/>
+                  </a:lnTo>
+                  <a:lnTo>
+                    <a:pt x="168" y="204"/>
+                  </a:lnTo>
+                  <a:close/>
+                </a:path>
+              </a:pathLst>
+            </a:custGeom>
+            <a:grpFill/>
+            <a:ln>
+              <a:noFill/>
+            </a:ln>
+            <a:extLst>
+              <a:ext uri="{91240B29-F687-4F45-9708-019B960494DF}">
+                <a14:hiddenLine xmlns:a14="http://schemas.microsoft.com/office/drawing/2010/main" w="9525">
+                  <a:solidFill>
+                    <a:srgbClr val="000000"/>
+                  </a:solidFill>
+                  <a:round/>
+                  <a:headEnd/>
+                  <a:tailEnd/>
+                </a14:hiddenLine>
+              </a:ext>
+            </a:extLst>
+          </p:spPr>
+          <p:txBody>
+            <a:bodyPr vert="horz" wrap="square" lIns="91440" tIns="45720" rIns="91440" bIns="45720" numCol="1" anchor="t" anchorCtr="0" compatLnSpc="1">
+              <a:prstTxWarp prst="textNoShape">
+                <a:avLst/>
+              </a:prstTxWarp>
+            </a:bodyPr>
+            <a:lstStyle/>
+            <a:p>
+              <a:endParaRPr lang="en-US">
+                <a:latin typeface="A GALEGA" pitchFamily="50" charset="0"/>
+              </a:endParaRPr>
+            </a:p>
+          </p:txBody>
+        </p:sp>
+      </p:grpSp>
+      <p:sp>
+        <p:nvSpPr>
+          <p:cNvPr id="184" name="Rectangle 183">
+            <a:extLst>
+              <a:ext uri="{FF2B5EF4-FFF2-40B4-BE49-F238E27FC236}">
+                <a16:creationId xmlns:a16="http://schemas.microsoft.com/office/drawing/2014/main" id="{BED93381-124D-4F83-9A70-983905BCDEE5}"/>
+              </a:ext>
+            </a:extLst>
+          </p:cNvPr>
+          <p:cNvSpPr/>
+          <p:nvPr/>
+        </p:nvSpPr>
+        <p:spPr>
+          <a:xfrm>
+            <a:off x="9152662" y="2148293"/>
+            <a:ext cx="2741750" cy="2332946"/>
+          </a:xfrm>
+          <a:prstGeom prst="rect">
+            <a:avLst/>
+          </a:prstGeom>
+        </p:spPr>
+        <p:txBody>
+          <a:bodyPr wrap="square">
+            <a:spAutoFit/>
+          </a:bodyPr>
+          <a:lstStyle/>
+          <a:p>
+            <a:pPr>
+              <a:lnSpc>
+                <a:spcPct val="130000"/>
+              </a:lnSpc>
+            </a:pPr>
+            <a:r>
+              <a:rPr lang="en-US" sz="1400" dirty="0">
+                <a:solidFill>
+                  <a:schemeClr val="tx1">
+                    <a:lumMod val="75000"/>
+                    <a:lumOff val="25000"/>
+                  </a:schemeClr>
+                </a:solidFill>
+                <a:latin typeface="Segoe UI Light" panose="020B0502040204020203" pitchFamily="34" charset="0"/>
+                <a:cs typeface="Segoe UI Light" panose="020B0502040204020203" pitchFamily="34" charset="0"/>
+              </a:rPr>
+              <a:t>Lorem ipsum dolor sit </a:t>
+            </a:r>
+            <a:r>
+              <a:rPr lang="en-US" sz="1400" dirty="0" err="1">
+                <a:solidFill>
+                  <a:schemeClr val="tx1">
+                    <a:lumMod val="75000"/>
+                    <a:lumOff val="25000"/>
+                  </a:schemeClr>
+                </a:solidFill>
+                <a:latin typeface="Segoe UI Light" panose="020B0502040204020203" pitchFamily="34" charset="0"/>
+                <a:cs typeface="Segoe UI Light" panose="020B0502040204020203" pitchFamily="34" charset="0"/>
+              </a:rPr>
+              <a:t>amet</a:t>
+            </a:r>
+            <a:r>
+              <a:rPr lang="en-US" sz="1400" dirty="0">
+                <a:solidFill>
+                  <a:schemeClr val="tx1">
+                    <a:lumMod val="75000"/>
+                    <a:lumOff val="25000"/>
+                  </a:schemeClr>
+                </a:solidFill>
+                <a:latin typeface="Segoe UI Light" panose="020B0502040204020203" pitchFamily="34" charset="0"/>
+                <a:cs typeface="Segoe UI Light" panose="020B0502040204020203" pitchFamily="34" charset="0"/>
+              </a:rPr>
+              <a:t>, </a:t>
+            </a:r>
+            <a:r>
+              <a:rPr lang="en-US" sz="1400" dirty="0" err="1">
+                <a:solidFill>
+                  <a:schemeClr val="tx1">
+                    <a:lumMod val="75000"/>
+                    <a:lumOff val="25000"/>
+                  </a:schemeClr>
+                </a:solidFill>
+                <a:latin typeface="Segoe UI Light" panose="020B0502040204020203" pitchFamily="34" charset="0"/>
+                <a:cs typeface="Segoe UI Light" panose="020B0502040204020203" pitchFamily="34" charset="0"/>
+              </a:rPr>
+              <a:t>consectetur</a:t>
+            </a:r>
+            <a:r>
+              <a:rPr lang="en-US" sz="1400" dirty="0">
+                <a:solidFill>
+                  <a:schemeClr val="tx1">
+                    <a:lumMod val="75000"/>
+                    <a:lumOff val="25000"/>
+                  </a:schemeClr>
+                </a:solidFill>
+                <a:latin typeface="Segoe UI Light" panose="020B0502040204020203" pitchFamily="34" charset="0"/>
+                <a:cs typeface="Segoe UI Light" panose="020B0502040204020203" pitchFamily="34" charset="0"/>
+              </a:rPr>
+              <a:t> </a:t>
+            </a:r>
+            <a:r>
+              <a:rPr lang="en-US" sz="1400" dirty="0" err="1">
+                <a:solidFill>
+                  <a:schemeClr val="tx1">
+                    <a:lumMod val="75000"/>
+                    <a:lumOff val="25000"/>
+                  </a:schemeClr>
+                </a:solidFill>
+                <a:latin typeface="Segoe UI Light" panose="020B0502040204020203" pitchFamily="34" charset="0"/>
+                <a:cs typeface="Segoe UI Light" panose="020B0502040204020203" pitchFamily="34" charset="0"/>
+              </a:rPr>
+              <a:t>adipiscing</a:t>
+            </a:r>
+            <a:r>
+              <a:rPr lang="en-US" sz="1400" dirty="0">
+                <a:solidFill>
+                  <a:schemeClr val="tx1">
+                    <a:lumMod val="75000"/>
+                    <a:lumOff val="25000"/>
+                  </a:schemeClr>
+                </a:solidFill>
+                <a:latin typeface="Segoe UI Light" panose="020B0502040204020203" pitchFamily="34" charset="0"/>
+                <a:cs typeface="Segoe UI Light" panose="020B0502040204020203" pitchFamily="34" charset="0"/>
+              </a:rPr>
+              <a:t> </a:t>
+            </a:r>
+            <a:r>
+              <a:rPr lang="en-US" sz="1400" dirty="0" err="1">
+                <a:solidFill>
+                  <a:schemeClr val="tx1">
+                    <a:lumMod val="75000"/>
+                    <a:lumOff val="25000"/>
+                  </a:schemeClr>
+                </a:solidFill>
+                <a:latin typeface="Segoe UI Light" panose="020B0502040204020203" pitchFamily="34" charset="0"/>
+                <a:cs typeface="Segoe UI Light" panose="020B0502040204020203" pitchFamily="34" charset="0"/>
+              </a:rPr>
+              <a:t>elit</a:t>
+            </a:r>
+            <a:r>
+              <a:rPr lang="en-US" sz="1400" dirty="0">
+                <a:solidFill>
+                  <a:schemeClr val="tx1">
+                    <a:lumMod val="75000"/>
+                    <a:lumOff val="25000"/>
+                  </a:schemeClr>
+                </a:solidFill>
+                <a:latin typeface="Segoe UI Light" panose="020B0502040204020203" pitchFamily="34" charset="0"/>
+                <a:cs typeface="Segoe UI Light" panose="020B0502040204020203" pitchFamily="34" charset="0"/>
+              </a:rPr>
+              <a:t>, </a:t>
+            </a:r>
+            <a:r>
+              <a:rPr lang="en-US" sz="1400" dirty="0" err="1">
+                <a:solidFill>
+                  <a:schemeClr val="tx1">
+                    <a:lumMod val="75000"/>
+                    <a:lumOff val="25000"/>
+                  </a:schemeClr>
+                </a:solidFill>
+                <a:latin typeface="Segoe UI Light" panose="020B0502040204020203" pitchFamily="34" charset="0"/>
+                <a:cs typeface="Segoe UI Light" panose="020B0502040204020203" pitchFamily="34" charset="0"/>
+              </a:rPr>
+              <a:t>sed</a:t>
+            </a:r>
+            <a:r>
+              <a:rPr lang="en-US" sz="1400" dirty="0">
+                <a:solidFill>
+                  <a:schemeClr val="tx1">
+                    <a:lumMod val="75000"/>
+                    <a:lumOff val="25000"/>
+                  </a:schemeClr>
+                </a:solidFill>
+                <a:latin typeface="Segoe UI Light" panose="020B0502040204020203" pitchFamily="34" charset="0"/>
+                <a:cs typeface="Segoe UI Light" panose="020B0502040204020203" pitchFamily="34" charset="0"/>
+              </a:rPr>
+              <a:t> do </a:t>
+            </a:r>
+            <a:r>
+              <a:rPr lang="en-US" sz="1400" dirty="0" err="1">
+                <a:solidFill>
+                  <a:schemeClr val="tx1">
+                    <a:lumMod val="75000"/>
+                    <a:lumOff val="25000"/>
+                  </a:schemeClr>
+                </a:solidFill>
+                <a:latin typeface="Segoe UI Light" panose="020B0502040204020203" pitchFamily="34" charset="0"/>
+                <a:cs typeface="Segoe UI Light" panose="020B0502040204020203" pitchFamily="34" charset="0"/>
+              </a:rPr>
+              <a:t>eiusmod</a:t>
+            </a:r>
+            <a:r>
+              <a:rPr lang="en-US" sz="1400" dirty="0">
+                <a:solidFill>
+                  <a:schemeClr val="tx1">
+                    <a:lumMod val="75000"/>
+                    <a:lumOff val="25000"/>
+                  </a:schemeClr>
+                </a:solidFill>
+                <a:latin typeface="Segoe UI Light" panose="020B0502040204020203" pitchFamily="34" charset="0"/>
+                <a:cs typeface="Segoe UI Light" panose="020B0502040204020203" pitchFamily="34" charset="0"/>
+              </a:rPr>
+              <a:t> </a:t>
+            </a:r>
+            <a:r>
+              <a:rPr lang="en-US" sz="1400" dirty="0" err="1">
+                <a:solidFill>
+                  <a:schemeClr val="tx1">
+                    <a:lumMod val="75000"/>
+                    <a:lumOff val="25000"/>
+                  </a:schemeClr>
+                </a:solidFill>
+                <a:latin typeface="Segoe UI Light" panose="020B0502040204020203" pitchFamily="34" charset="0"/>
+                <a:cs typeface="Segoe UI Light" panose="020B0502040204020203" pitchFamily="34" charset="0"/>
+              </a:rPr>
+              <a:t>tempor</a:t>
+            </a:r>
+            <a:r>
+              <a:rPr lang="en-US" sz="1400" dirty="0">
+                <a:solidFill>
+                  <a:schemeClr val="tx1">
+                    <a:lumMod val="75000"/>
+                    <a:lumOff val="25000"/>
+                  </a:schemeClr>
+                </a:solidFill>
+                <a:latin typeface="Segoe UI Light" panose="020B0502040204020203" pitchFamily="34" charset="0"/>
+                <a:cs typeface="Segoe UI Light" panose="020B0502040204020203" pitchFamily="34" charset="0"/>
+              </a:rPr>
+              <a:t> </a:t>
+            </a:r>
+            <a:r>
+              <a:rPr lang="en-US" sz="1400" dirty="0" err="1">
+                <a:solidFill>
+                  <a:schemeClr val="tx1">
+                    <a:lumMod val="75000"/>
+                    <a:lumOff val="25000"/>
+                  </a:schemeClr>
+                </a:solidFill>
+                <a:latin typeface="Segoe UI Light" panose="020B0502040204020203" pitchFamily="34" charset="0"/>
+                <a:cs typeface="Segoe UI Light" panose="020B0502040204020203" pitchFamily="34" charset="0"/>
+              </a:rPr>
+              <a:t>incididunt</a:t>
+            </a:r>
+            <a:r>
+              <a:rPr lang="en-US" sz="1400" dirty="0">
+                <a:solidFill>
+                  <a:schemeClr val="tx1">
+                    <a:lumMod val="75000"/>
+                    <a:lumOff val="25000"/>
+                  </a:schemeClr>
+                </a:solidFill>
+                <a:latin typeface="Segoe UI Light" panose="020B0502040204020203" pitchFamily="34" charset="0"/>
+                <a:cs typeface="Segoe UI Light" panose="020B0502040204020203" pitchFamily="34" charset="0"/>
+              </a:rPr>
+              <a:t> </a:t>
+            </a:r>
+            <a:r>
+              <a:rPr lang="en-US" sz="1400" dirty="0" err="1">
+                <a:solidFill>
+                  <a:schemeClr val="tx1">
+                    <a:lumMod val="75000"/>
+                    <a:lumOff val="25000"/>
+                  </a:schemeClr>
+                </a:solidFill>
+                <a:latin typeface="Segoe UI Light" panose="020B0502040204020203" pitchFamily="34" charset="0"/>
+                <a:cs typeface="Segoe UI Light" panose="020B0502040204020203" pitchFamily="34" charset="0"/>
+              </a:rPr>
+              <a:t>ut</a:t>
+            </a:r>
+            <a:r>
+              <a:rPr lang="en-US" sz="1400" dirty="0">
+                <a:solidFill>
+                  <a:schemeClr val="tx1">
+                    <a:lumMod val="75000"/>
+                    <a:lumOff val="25000"/>
+                  </a:schemeClr>
+                </a:solidFill>
+                <a:latin typeface="Segoe UI Light" panose="020B0502040204020203" pitchFamily="34" charset="0"/>
+                <a:cs typeface="Segoe UI Light" panose="020B0502040204020203" pitchFamily="34" charset="0"/>
+              </a:rPr>
+              <a:t> </a:t>
+            </a:r>
+            <a:r>
+              <a:rPr lang="en-US" sz="1400" dirty="0" err="1">
+                <a:solidFill>
+                  <a:schemeClr val="tx1">
+                    <a:lumMod val="75000"/>
+                    <a:lumOff val="25000"/>
+                  </a:schemeClr>
+                </a:solidFill>
+                <a:latin typeface="Segoe UI Light" panose="020B0502040204020203" pitchFamily="34" charset="0"/>
+                <a:cs typeface="Segoe UI Light" panose="020B0502040204020203" pitchFamily="34" charset="0"/>
+              </a:rPr>
+              <a:t>labore</a:t>
+            </a:r>
+            <a:r>
+              <a:rPr lang="en-US" sz="1400" dirty="0">
+                <a:solidFill>
+                  <a:schemeClr val="tx1">
+                    <a:lumMod val="75000"/>
+                    <a:lumOff val="25000"/>
+                  </a:schemeClr>
+                </a:solidFill>
+                <a:latin typeface="Segoe UI Light" panose="020B0502040204020203" pitchFamily="34" charset="0"/>
+                <a:cs typeface="Segoe UI Light" panose="020B0502040204020203" pitchFamily="34" charset="0"/>
+              </a:rPr>
+              <a:t> et dolore magna </a:t>
+            </a:r>
+            <a:r>
+              <a:rPr lang="en-US" sz="1400" dirty="0" err="1">
+                <a:solidFill>
+                  <a:schemeClr val="tx1">
+                    <a:lumMod val="75000"/>
+                    <a:lumOff val="25000"/>
+                  </a:schemeClr>
+                </a:solidFill>
+                <a:latin typeface="Segoe UI Light" panose="020B0502040204020203" pitchFamily="34" charset="0"/>
+                <a:cs typeface="Segoe UI Light" panose="020B0502040204020203" pitchFamily="34" charset="0"/>
+              </a:rPr>
+              <a:t>aliqua</a:t>
+            </a:r>
+            <a:r>
+              <a:rPr lang="en-US" sz="1400" dirty="0">
+                <a:solidFill>
+                  <a:schemeClr val="tx1">
+                    <a:lumMod val="75000"/>
+                    <a:lumOff val="25000"/>
+                  </a:schemeClr>
+                </a:solidFill>
+                <a:latin typeface="Segoe UI Light" panose="020B0502040204020203" pitchFamily="34" charset="0"/>
+                <a:cs typeface="Segoe UI Light" panose="020B0502040204020203" pitchFamily="34" charset="0"/>
+              </a:rPr>
+              <a:t>. Ut </a:t>
+            </a:r>
+            <a:r>
+              <a:rPr lang="en-US" sz="1400" dirty="0" err="1">
+                <a:solidFill>
+                  <a:schemeClr val="tx1">
+                    <a:lumMod val="75000"/>
+                    <a:lumOff val="25000"/>
+                  </a:schemeClr>
+                </a:solidFill>
+                <a:latin typeface="Segoe UI Light" panose="020B0502040204020203" pitchFamily="34" charset="0"/>
+                <a:cs typeface="Segoe UI Light" panose="020B0502040204020203" pitchFamily="34" charset="0"/>
+              </a:rPr>
+              <a:t>enim</a:t>
+            </a:r>
+            <a:r>
+              <a:rPr lang="en-US" sz="1400" dirty="0">
+                <a:solidFill>
+                  <a:schemeClr val="tx1">
+                    <a:lumMod val="75000"/>
+                    <a:lumOff val="25000"/>
+                  </a:schemeClr>
+                </a:solidFill>
+                <a:latin typeface="Segoe UI Light" panose="020B0502040204020203" pitchFamily="34" charset="0"/>
+                <a:cs typeface="Segoe UI Light" panose="020B0502040204020203" pitchFamily="34" charset="0"/>
+              </a:rPr>
+              <a:t> ad minim </a:t>
+            </a:r>
+            <a:r>
+              <a:rPr lang="en-US" sz="1400" dirty="0" err="1">
+                <a:solidFill>
+                  <a:schemeClr val="tx1">
+                    <a:lumMod val="75000"/>
+                    <a:lumOff val="25000"/>
+                  </a:schemeClr>
+                </a:solidFill>
+                <a:latin typeface="Segoe UI Light" panose="020B0502040204020203" pitchFamily="34" charset="0"/>
+                <a:cs typeface="Segoe UI Light" panose="020B0502040204020203" pitchFamily="34" charset="0"/>
+              </a:rPr>
+              <a:t>veniam</a:t>
+            </a:r>
+            <a:r>
+              <a:rPr lang="en-US" sz="1400" dirty="0">
+                <a:solidFill>
+                  <a:schemeClr val="tx1">
+                    <a:lumMod val="75000"/>
+                    <a:lumOff val="25000"/>
+                  </a:schemeClr>
+                </a:solidFill>
+                <a:latin typeface="Segoe UI Light" panose="020B0502040204020203" pitchFamily="34" charset="0"/>
+                <a:cs typeface="Segoe UI Light" panose="020B0502040204020203" pitchFamily="34" charset="0"/>
+              </a:rPr>
+              <a:t>, </a:t>
+            </a:r>
+            <a:r>
+              <a:rPr lang="en-US" sz="1400" dirty="0" err="1">
+                <a:solidFill>
+                  <a:schemeClr val="tx1">
+                    <a:lumMod val="75000"/>
+                    <a:lumOff val="25000"/>
+                  </a:schemeClr>
+                </a:solidFill>
+                <a:latin typeface="Segoe UI Light" panose="020B0502040204020203" pitchFamily="34" charset="0"/>
+                <a:cs typeface="Segoe UI Light" panose="020B0502040204020203" pitchFamily="34" charset="0"/>
+              </a:rPr>
+              <a:t>quis</a:t>
+            </a:r>
+            <a:r>
+              <a:rPr lang="en-US" sz="1400" dirty="0">
+                <a:solidFill>
+                  <a:schemeClr val="tx1">
+                    <a:lumMod val="75000"/>
+                    <a:lumOff val="25000"/>
+                  </a:schemeClr>
+                </a:solidFill>
+                <a:latin typeface="Segoe UI Light" panose="020B0502040204020203" pitchFamily="34" charset="0"/>
+                <a:cs typeface="Segoe UI Light" panose="020B0502040204020203" pitchFamily="34" charset="0"/>
+              </a:rPr>
+              <a:t> </a:t>
+            </a:r>
+            <a:r>
+              <a:rPr lang="en-US" sz="1400" dirty="0" err="1">
+                <a:solidFill>
+                  <a:schemeClr val="tx1">
+                    <a:lumMod val="75000"/>
+                    <a:lumOff val="25000"/>
+                  </a:schemeClr>
+                </a:solidFill>
+                <a:latin typeface="Segoe UI Light" panose="020B0502040204020203" pitchFamily="34" charset="0"/>
+                <a:cs typeface="Segoe UI Light" panose="020B0502040204020203" pitchFamily="34" charset="0"/>
+              </a:rPr>
+              <a:t>nostrud</a:t>
+            </a:r>
+            <a:r>
+              <a:rPr lang="en-US" sz="1400" dirty="0">
+                <a:solidFill>
+                  <a:schemeClr val="tx1">
+                    <a:lumMod val="75000"/>
+                    <a:lumOff val="25000"/>
+                  </a:schemeClr>
+                </a:solidFill>
+                <a:latin typeface="Segoe UI Light" panose="020B0502040204020203" pitchFamily="34" charset="0"/>
+                <a:cs typeface="Segoe UI Light" panose="020B0502040204020203" pitchFamily="34" charset="0"/>
+              </a:rPr>
+              <a:t> exercitation </a:t>
+            </a:r>
+            <a:r>
+              <a:rPr lang="en-US" sz="1400" dirty="0" err="1">
+                <a:solidFill>
+                  <a:schemeClr val="tx1">
+                    <a:lumMod val="75000"/>
+                    <a:lumOff val="25000"/>
+                  </a:schemeClr>
+                </a:solidFill>
+                <a:latin typeface="Segoe UI Light" panose="020B0502040204020203" pitchFamily="34" charset="0"/>
+                <a:cs typeface="Segoe UI Light" panose="020B0502040204020203" pitchFamily="34" charset="0"/>
+              </a:rPr>
+              <a:t>ullamco</a:t>
+            </a:r>
+            <a:r>
+              <a:rPr lang="en-US" sz="1400" dirty="0">
+                <a:solidFill>
+                  <a:schemeClr val="tx1">
+                    <a:lumMod val="75000"/>
+                    <a:lumOff val="25000"/>
+                  </a:schemeClr>
+                </a:solidFill>
+                <a:latin typeface="Segoe UI Light" panose="020B0502040204020203" pitchFamily="34" charset="0"/>
+                <a:cs typeface="Segoe UI Light" panose="020B0502040204020203" pitchFamily="34" charset="0"/>
+              </a:rPr>
+              <a:t> </a:t>
+            </a:r>
+            <a:r>
+              <a:rPr lang="en-US" sz="1400" dirty="0" err="1">
+                <a:solidFill>
+                  <a:schemeClr val="tx1">
+                    <a:lumMod val="75000"/>
+                    <a:lumOff val="25000"/>
+                  </a:schemeClr>
+                </a:solidFill>
+                <a:latin typeface="Segoe UI Light" panose="020B0502040204020203" pitchFamily="34" charset="0"/>
+                <a:cs typeface="Segoe UI Light" panose="020B0502040204020203" pitchFamily="34" charset="0"/>
+              </a:rPr>
+              <a:t>laboris</a:t>
+            </a:r>
+            <a:r>
+              <a:rPr lang="en-US" sz="1400" dirty="0">
+                <a:solidFill>
+                  <a:schemeClr val="tx1">
+                    <a:lumMod val="75000"/>
+                    <a:lumOff val="25000"/>
+                  </a:schemeClr>
+                </a:solidFill>
+                <a:latin typeface="Segoe UI Light" panose="020B0502040204020203" pitchFamily="34" charset="0"/>
+                <a:cs typeface="Segoe UI Light" panose="020B0502040204020203" pitchFamily="34" charset="0"/>
+              </a:rPr>
+              <a:t> nisi </a:t>
+            </a:r>
+            <a:r>
+              <a:rPr lang="en-US" sz="1400" dirty="0" err="1">
+                <a:solidFill>
+                  <a:schemeClr val="tx1">
+                    <a:lumMod val="75000"/>
+                    <a:lumOff val="25000"/>
+                  </a:schemeClr>
+                </a:solidFill>
+                <a:latin typeface="Segoe UI Light" panose="020B0502040204020203" pitchFamily="34" charset="0"/>
+                <a:cs typeface="Segoe UI Light" panose="020B0502040204020203" pitchFamily="34" charset="0"/>
+              </a:rPr>
+              <a:t>ut</a:t>
+            </a:r>
+            <a:r>
+              <a:rPr lang="en-US" sz="1400" dirty="0">
+                <a:solidFill>
+                  <a:schemeClr val="tx1">
+                    <a:lumMod val="75000"/>
+                    <a:lumOff val="25000"/>
+                  </a:schemeClr>
+                </a:solidFill>
+                <a:latin typeface="Segoe UI Light" panose="020B0502040204020203" pitchFamily="34" charset="0"/>
+                <a:cs typeface="Segoe UI Light" panose="020B0502040204020203" pitchFamily="34" charset="0"/>
+              </a:rPr>
+              <a:t> </a:t>
+            </a:r>
+            <a:r>
+              <a:rPr lang="en-US" sz="1400" dirty="0" err="1">
+                <a:solidFill>
+                  <a:schemeClr val="tx1">
+                    <a:lumMod val="75000"/>
+                    <a:lumOff val="25000"/>
+                  </a:schemeClr>
+                </a:solidFill>
+                <a:latin typeface="Segoe UI Light" panose="020B0502040204020203" pitchFamily="34" charset="0"/>
+                <a:cs typeface="Segoe UI Light" panose="020B0502040204020203" pitchFamily="34" charset="0"/>
+              </a:rPr>
+              <a:t>aliquip</a:t>
+            </a:r>
+            <a:r>
+              <a:rPr lang="en-US" sz="1400" dirty="0">
+                <a:solidFill>
+                  <a:schemeClr val="tx1">
+                    <a:lumMod val="75000"/>
+                    <a:lumOff val="25000"/>
+                  </a:schemeClr>
+                </a:solidFill>
+                <a:latin typeface="Segoe UI Light" panose="020B0502040204020203" pitchFamily="34" charset="0"/>
+                <a:cs typeface="Segoe UI Light" panose="020B0502040204020203" pitchFamily="34" charset="0"/>
+              </a:rPr>
+              <a:t> ex </a:t>
+            </a:r>
+            <a:r>
+              <a:rPr lang="en-US" sz="1400" dirty="0" err="1">
+                <a:solidFill>
+                  <a:schemeClr val="tx1">
+                    <a:lumMod val="75000"/>
+                    <a:lumOff val="25000"/>
+                  </a:schemeClr>
+                </a:solidFill>
+                <a:latin typeface="Segoe UI Light" panose="020B0502040204020203" pitchFamily="34" charset="0"/>
+                <a:cs typeface="Segoe UI Light" panose="020B0502040204020203" pitchFamily="34" charset="0"/>
+              </a:rPr>
+              <a:t>ea</a:t>
+            </a:r>
+            <a:r>
+              <a:rPr lang="en-US" sz="1400" dirty="0">
+                <a:solidFill>
+                  <a:schemeClr val="tx1">
+                    <a:lumMod val="75000"/>
+                    <a:lumOff val="25000"/>
+                  </a:schemeClr>
+                </a:solidFill>
+                <a:latin typeface="Segoe UI Light" panose="020B0502040204020203" pitchFamily="34" charset="0"/>
+                <a:cs typeface="Segoe UI Light" panose="020B0502040204020203" pitchFamily="34" charset="0"/>
+              </a:rPr>
+              <a:t> </a:t>
+            </a:r>
+            <a:r>
+              <a:rPr lang="en-US" sz="1400" dirty="0" err="1">
+                <a:solidFill>
+                  <a:schemeClr val="tx1">
+                    <a:lumMod val="75000"/>
+                    <a:lumOff val="25000"/>
+                  </a:schemeClr>
+                </a:solidFill>
+                <a:latin typeface="Segoe UI Light" panose="020B0502040204020203" pitchFamily="34" charset="0"/>
+                <a:cs typeface="Segoe UI Light" panose="020B0502040204020203" pitchFamily="34" charset="0"/>
+              </a:rPr>
+              <a:t>commodo</a:t>
+            </a:r>
+            <a:r>
+              <a:rPr lang="en-US" sz="1400" dirty="0">
+                <a:solidFill>
+                  <a:schemeClr val="tx1">
+                    <a:lumMod val="75000"/>
+                    <a:lumOff val="25000"/>
+                  </a:schemeClr>
+                </a:solidFill>
+                <a:latin typeface="Segoe UI Light" panose="020B0502040204020203" pitchFamily="34" charset="0"/>
+                <a:cs typeface="Segoe UI Light" panose="020B0502040204020203" pitchFamily="34" charset="0"/>
+              </a:rPr>
+              <a:t> </a:t>
+            </a:r>
+            <a:r>
+              <a:rPr lang="en-US" sz="1400" dirty="0" err="1">
+                <a:solidFill>
+                  <a:schemeClr val="tx1">
+                    <a:lumMod val="75000"/>
+                    <a:lumOff val="25000"/>
+                  </a:schemeClr>
+                </a:solidFill>
+                <a:latin typeface="Segoe UI Light" panose="020B0502040204020203" pitchFamily="34" charset="0"/>
+                <a:cs typeface="Segoe UI Light" panose="020B0502040204020203" pitchFamily="34" charset="0"/>
+              </a:rPr>
+              <a:t>consequat</a:t>
+            </a:r>
+            <a:r>
+              <a:rPr lang="en-US" sz="1400" dirty="0">
+                <a:solidFill>
+                  <a:schemeClr val="tx1">
+                    <a:lumMod val="75000"/>
+                    <a:lumOff val="25000"/>
+                  </a:schemeClr>
+                </a:solidFill>
+                <a:latin typeface="Segoe UI Light" panose="020B0502040204020203" pitchFamily="34" charset="0"/>
+                <a:cs typeface="Segoe UI Light" panose="020B0502040204020203" pitchFamily="34" charset="0"/>
+              </a:rPr>
+              <a:t>.</a:t>
+            </a:r>
+          </a:p>
+        </p:txBody>
+      </p:sp>
+      <p:sp>
+        <p:nvSpPr>
+          <p:cNvPr id="2" name="Date Placeholder 1"/>
           <p:cNvSpPr>
             <a:spLocks noGrp="1"/>
           </p:cNvSpPr>
           <p:nvPr>
-            <p:ph type="title"/>
+            <p:ph type="dt" sz="half" idx="10"/>
           </p:nvPr>
         </p:nvSpPr>
         <p:spPr/>
@@ -3835,36 +8109,22 @@
           <a:bodyPr/>
           <a:lstStyle/>
           <a:p>
-            <a:r>
-              <a:rPr lang="nl-BE" dirty="0" err="1"/>
-              <a:t>NoSQL</a:t>
-            </a:r>
-            <a:r>
-              <a:rPr lang="nl-BE" dirty="0"/>
-              <a:t> - </a:t>
-            </a:r>
-            <a:r>
-              <a:rPr lang="nl-BE" dirty="0" err="1"/>
-              <a:t>MongoDB</a:t>
-            </a:r>
-            <a:endParaRPr lang="nl-BE" dirty="0"/>
-          </a:p>
-        </p:txBody>
-      </p:sp>
-      <p:sp>
-        <p:nvSpPr>
-          <p:cNvPr id="3" name="Tijdelijke aanduiding voor inhoud 2">
-            <a:extLst>
-              <a:ext uri="{FF2B5EF4-FFF2-40B4-BE49-F238E27FC236}">
-                <a16:creationId xmlns:a16="http://schemas.microsoft.com/office/drawing/2014/main" id="{E20A148C-CCB0-7771-5FC3-F80A46071356}"/>
-              </a:ext>
-            </a:extLst>
-          </p:cNvPr>
+            <a:fld id="{5D2A5BCA-CFD9-4AED-A589-E41154D4A6DF}" type="datetime1">
+              <a:rPr lang="en-US" smtClean="0"/>
+              <a:t>11/4/2022</a:t>
+            </a:fld>
+            <a:endParaRPr lang="en-US"/>
+          </a:p>
+        </p:txBody>
+      </p:sp>
+      <p:sp>
+        <p:nvSpPr>
+          <p:cNvPr id="4" name="Slide Number Placeholder 3"/>
           <p:cNvSpPr>
             <a:spLocks noGrp="1"/>
           </p:cNvSpPr>
           <p:nvPr>
-            <p:ph idx="1"/>
+            <p:ph type="sldNum" sz="quarter" idx="12"/>
           </p:nvPr>
         </p:nvSpPr>
         <p:spPr/>
@@ -3872,14 +8132,1186 @@
           <a:bodyPr/>
           <a:lstStyle/>
           <a:p>
-            <a:endParaRPr lang="nl-BE"/>
-          </a:p>
-        </p:txBody>
-      </p:sp>
+            <a:fld id="{58EBAA78-A8B6-4B10-8AE6-E0A63F3F5923}" type="slidenum">
+              <a:rPr lang="en-US" smtClean="0"/>
+              <a:t>6</a:t>
+            </a:fld>
+            <a:endParaRPr lang="en-US"/>
+          </a:p>
+        </p:txBody>
+      </p:sp>
+      <p:sp>
+        <p:nvSpPr>
+          <p:cNvPr id="123" name="Rectangle 122"/>
+          <p:cNvSpPr/>
+          <p:nvPr/>
+        </p:nvSpPr>
+        <p:spPr>
+          <a:xfrm>
+            <a:off x="440896" y="448735"/>
+            <a:ext cx="4825360" cy="646331"/>
+          </a:xfrm>
+          <a:prstGeom prst="rect">
+            <a:avLst/>
+          </a:prstGeom>
+        </p:spPr>
+        <p:txBody>
+          <a:bodyPr wrap="none">
+            <a:spAutoFit/>
+          </a:bodyPr>
+          <a:lstStyle/>
+          <a:p>
+            <a:r>
+              <a:rPr lang="en-ID" sz="3600" b="1" dirty="0">
+                <a:solidFill>
+                  <a:schemeClr val="tx1">
+                    <a:lumMod val="75000"/>
+                    <a:lumOff val="25000"/>
+                  </a:schemeClr>
+                </a:solidFill>
+                <a:latin typeface="Segoe UI" panose="020B0502040204020203" pitchFamily="34" charset="0"/>
+                <a:cs typeface="Segoe UI" panose="020B0502040204020203" pitchFamily="34" charset="0"/>
+              </a:rPr>
+              <a:t>NOSQL – MONGO DB</a:t>
+            </a:r>
+            <a:endParaRPr lang="en-US" sz="3600" b="1" dirty="0">
+              <a:solidFill>
+                <a:schemeClr val="tx1">
+                  <a:lumMod val="75000"/>
+                  <a:lumOff val="25000"/>
+                </a:schemeClr>
+              </a:solidFill>
+              <a:latin typeface="Segoe UI" panose="020B0502040204020203" pitchFamily="34" charset="0"/>
+              <a:cs typeface="Segoe UI" panose="020B0502040204020203" pitchFamily="34" charset="0"/>
+            </a:endParaRPr>
+          </a:p>
+        </p:txBody>
+      </p:sp>
+      <p:grpSp>
+        <p:nvGrpSpPr>
+          <p:cNvPr id="128" name="Group 127">
+            <a:extLst>
+              <a:ext uri="{FF2B5EF4-FFF2-40B4-BE49-F238E27FC236}">
+                <a16:creationId xmlns:a16="http://schemas.microsoft.com/office/drawing/2014/main" id="{0FCE2220-B5E8-4F86-8FE8-47DC246D0733}"/>
+              </a:ext>
+            </a:extLst>
+          </p:cNvPr>
+          <p:cNvGrpSpPr/>
+          <p:nvPr/>
+        </p:nvGrpSpPr>
+        <p:grpSpPr>
+          <a:xfrm>
+            <a:off x="-1" y="6785954"/>
+            <a:ext cx="12192001" cy="87035"/>
+            <a:chOff x="-1" y="6655633"/>
+            <a:chExt cx="12192001" cy="217357"/>
+          </a:xfrm>
+        </p:grpSpPr>
+        <p:sp>
+          <p:nvSpPr>
+            <p:cNvPr id="133" name="Rectangle 132">
+              <a:extLst>
+                <a:ext uri="{FF2B5EF4-FFF2-40B4-BE49-F238E27FC236}">
+                  <a16:creationId xmlns:a16="http://schemas.microsoft.com/office/drawing/2014/main" id="{1BF6E7F7-C587-492D-B4EA-CF9E0DDDE627}"/>
+                </a:ext>
+              </a:extLst>
+            </p:cNvPr>
+            <p:cNvSpPr/>
+            <p:nvPr/>
+          </p:nvSpPr>
+          <p:spPr>
+            <a:xfrm>
+              <a:off x="6096000" y="6655633"/>
+              <a:ext cx="3381829" cy="217357"/>
+            </a:xfrm>
+            <a:prstGeom prst="rect">
+              <a:avLst/>
+            </a:prstGeom>
+            <a:solidFill>
+              <a:srgbClr val="1C819E"/>
+            </a:solidFill>
+            <a:ln>
+              <a:noFill/>
+            </a:ln>
+          </p:spPr>
+          <p:style>
+            <a:lnRef idx="2">
+              <a:schemeClr val="accent1">
+                <a:shade val="50000"/>
+              </a:schemeClr>
+            </a:lnRef>
+            <a:fillRef idx="1">
+              <a:schemeClr val="accent1"/>
+            </a:fillRef>
+            <a:effectRef idx="0">
+              <a:schemeClr val="accent1"/>
+            </a:effectRef>
+            <a:fontRef idx="minor">
+              <a:schemeClr val="lt1"/>
+            </a:fontRef>
+          </p:style>
+          <p:txBody>
+            <a:bodyPr rtlCol="0" anchor="ctr"/>
+            <a:lstStyle/>
+            <a:p>
+              <a:pPr algn="ctr"/>
+              <a:endParaRPr lang="en-US"/>
+            </a:p>
+          </p:txBody>
+        </p:sp>
+        <p:sp>
+          <p:nvSpPr>
+            <p:cNvPr id="142" name="Rectangle 141">
+              <a:extLst>
+                <a:ext uri="{FF2B5EF4-FFF2-40B4-BE49-F238E27FC236}">
+                  <a16:creationId xmlns:a16="http://schemas.microsoft.com/office/drawing/2014/main" id="{A2D755BF-AEA6-4FE3-B685-ADC45A9838AC}"/>
+                </a:ext>
+              </a:extLst>
+            </p:cNvPr>
+            <p:cNvSpPr/>
+            <p:nvPr/>
+          </p:nvSpPr>
+          <p:spPr>
+            <a:xfrm>
+              <a:off x="9477829" y="6655633"/>
+              <a:ext cx="2714171" cy="217357"/>
+            </a:xfrm>
+            <a:prstGeom prst="rect">
+              <a:avLst/>
+            </a:prstGeom>
+            <a:solidFill>
+              <a:srgbClr val="FFBE00"/>
+            </a:solidFill>
+            <a:ln>
+              <a:noFill/>
+            </a:ln>
+          </p:spPr>
+          <p:style>
+            <a:lnRef idx="2">
+              <a:schemeClr val="accent1">
+                <a:shade val="50000"/>
+              </a:schemeClr>
+            </a:lnRef>
+            <a:fillRef idx="1">
+              <a:schemeClr val="accent1"/>
+            </a:fillRef>
+            <a:effectRef idx="0">
+              <a:schemeClr val="accent1"/>
+            </a:effectRef>
+            <a:fontRef idx="minor">
+              <a:schemeClr val="lt1"/>
+            </a:fontRef>
+          </p:style>
+          <p:txBody>
+            <a:bodyPr rtlCol="0" anchor="ctr"/>
+            <a:lstStyle/>
+            <a:p>
+              <a:pPr algn="ctr"/>
+              <a:endParaRPr lang="en-US"/>
+            </a:p>
+          </p:txBody>
+        </p:sp>
+        <p:sp>
+          <p:nvSpPr>
+            <p:cNvPr id="146" name="Rectangle 145">
+              <a:extLst>
+                <a:ext uri="{FF2B5EF4-FFF2-40B4-BE49-F238E27FC236}">
+                  <a16:creationId xmlns:a16="http://schemas.microsoft.com/office/drawing/2014/main" id="{4C92C81A-7EFC-4A90-A593-F3AD1DDA85B0}"/>
+                </a:ext>
+              </a:extLst>
+            </p:cNvPr>
+            <p:cNvSpPr/>
+            <p:nvPr/>
+          </p:nvSpPr>
+          <p:spPr>
+            <a:xfrm>
+              <a:off x="-1" y="6655633"/>
+              <a:ext cx="6132513" cy="217357"/>
+            </a:xfrm>
+            <a:prstGeom prst="rect">
+              <a:avLst/>
+            </a:prstGeom>
+            <a:solidFill>
+              <a:schemeClr val="tx1">
+                <a:lumMod val="75000"/>
+                <a:lumOff val="25000"/>
+              </a:schemeClr>
+            </a:solidFill>
+            <a:ln>
+              <a:noFill/>
+            </a:ln>
+          </p:spPr>
+          <p:style>
+            <a:lnRef idx="2">
+              <a:schemeClr val="accent1">
+                <a:shade val="50000"/>
+              </a:schemeClr>
+            </a:lnRef>
+            <a:fillRef idx="1">
+              <a:schemeClr val="accent1"/>
+            </a:fillRef>
+            <a:effectRef idx="0">
+              <a:schemeClr val="accent1"/>
+            </a:effectRef>
+            <a:fontRef idx="minor">
+              <a:schemeClr val="lt1"/>
+            </a:fontRef>
+          </p:style>
+          <p:txBody>
+            <a:bodyPr rtlCol="0" anchor="ctr"/>
+            <a:lstStyle/>
+            <a:p>
+              <a:pPr algn="ctr"/>
+              <a:endParaRPr lang="en-US"/>
+            </a:p>
+          </p:txBody>
+        </p:sp>
+      </p:grpSp>
     </p:spTree>
     <p:extLst>
       <p:ext uri="{BB962C8B-B14F-4D97-AF65-F5344CB8AC3E}">
-        <p14:creationId xmlns:p14="http://schemas.microsoft.com/office/powerpoint/2010/main" val="721805981"/>
+        <p14:creationId xmlns:p14="http://schemas.microsoft.com/office/powerpoint/2010/main" val="1674013678"/>
+      </p:ext>
+    </p:extLst>
+  </p:cSld>
+  <p:clrMapOvr>
+    <a:masterClrMapping/>
+  </p:clrMapOvr>
+</p:sld>
+</file>
+
+<file path=ppt/slides/slide7.xml><?xml version="1.0" encoding="utf-8"?>
+<p:sld xmlns:a="http://schemas.openxmlformats.org/drawingml/2006/main" xmlns:r="http://schemas.openxmlformats.org/officeDocument/2006/relationships" xmlns:p="http://schemas.openxmlformats.org/presentationml/2006/main">
+  <p:cSld>
+    <p:spTree>
+      <p:nvGrpSpPr>
+        <p:cNvPr id="1" name=""/>
+        <p:cNvGrpSpPr/>
+        <p:nvPr/>
+      </p:nvGrpSpPr>
+      <p:grpSpPr>
+        <a:xfrm>
+          <a:off x="0" y="0"/>
+          <a:ext cx="0" cy="0"/>
+          <a:chOff x="0" y="0"/>
+          <a:chExt cx="0" cy="0"/>
+        </a:xfrm>
+      </p:grpSpPr>
+      <p:sp>
+        <p:nvSpPr>
+          <p:cNvPr id="2" name="Date Placeholder 1"/>
+          <p:cNvSpPr>
+            <a:spLocks noGrp="1"/>
+          </p:cNvSpPr>
+          <p:nvPr>
+            <p:ph type="dt" sz="half" idx="10"/>
+          </p:nvPr>
+        </p:nvSpPr>
+        <p:spPr/>
+        <p:txBody>
+          <a:bodyPr/>
+          <a:lstStyle/>
+          <a:p>
+            <a:fld id="{5D2A5BCA-CFD9-4AED-A589-E41154D4A6DF}" type="datetime1">
+              <a:rPr lang="en-US" smtClean="0"/>
+              <a:t>11/4/2022</a:t>
+            </a:fld>
+            <a:endParaRPr lang="en-US"/>
+          </a:p>
+        </p:txBody>
+      </p:sp>
+      <p:sp>
+        <p:nvSpPr>
+          <p:cNvPr id="4" name="Slide Number Placeholder 3"/>
+          <p:cNvSpPr>
+            <a:spLocks noGrp="1"/>
+          </p:cNvSpPr>
+          <p:nvPr>
+            <p:ph type="sldNum" sz="quarter" idx="12"/>
+          </p:nvPr>
+        </p:nvSpPr>
+        <p:spPr/>
+        <p:txBody>
+          <a:bodyPr/>
+          <a:lstStyle/>
+          <a:p>
+            <a:fld id="{58EBAA78-A8B6-4B10-8AE6-E0A63F3F5923}" type="slidenum">
+              <a:rPr lang="en-US" smtClean="0"/>
+              <a:t>7</a:t>
+            </a:fld>
+            <a:endParaRPr lang="en-US"/>
+          </a:p>
+        </p:txBody>
+      </p:sp>
+      <p:sp>
+        <p:nvSpPr>
+          <p:cNvPr id="123" name="Rectangle 122"/>
+          <p:cNvSpPr/>
+          <p:nvPr/>
+        </p:nvSpPr>
+        <p:spPr>
+          <a:xfrm>
+            <a:off x="440896" y="448735"/>
+            <a:ext cx="5908349" cy="646331"/>
+          </a:xfrm>
+          <a:prstGeom prst="rect">
+            <a:avLst/>
+          </a:prstGeom>
+        </p:spPr>
+        <p:txBody>
+          <a:bodyPr wrap="none">
+            <a:spAutoFit/>
+          </a:bodyPr>
+          <a:lstStyle/>
+          <a:p>
+            <a:r>
+              <a:rPr lang="en-ID" sz="3600" b="1" dirty="0">
+                <a:solidFill>
+                  <a:schemeClr val="tx1">
+                    <a:lumMod val="75000"/>
+                    <a:lumOff val="25000"/>
+                  </a:schemeClr>
+                </a:solidFill>
+                <a:latin typeface="Segoe UI" panose="020B0502040204020203" pitchFamily="34" charset="0"/>
+                <a:cs typeface="Segoe UI" panose="020B0502040204020203" pitchFamily="34" charset="0"/>
+              </a:rPr>
+              <a:t>NOSQL – ELASTIC SEARCH</a:t>
+            </a:r>
+            <a:endParaRPr lang="en-US" sz="3600" b="1" dirty="0">
+              <a:solidFill>
+                <a:schemeClr val="tx1">
+                  <a:lumMod val="75000"/>
+                  <a:lumOff val="25000"/>
+                </a:schemeClr>
+              </a:solidFill>
+              <a:latin typeface="Segoe UI" panose="020B0502040204020203" pitchFamily="34" charset="0"/>
+              <a:cs typeface="Segoe UI" panose="020B0502040204020203" pitchFamily="34" charset="0"/>
+            </a:endParaRPr>
+          </a:p>
+        </p:txBody>
+      </p:sp>
+      <p:grpSp>
+        <p:nvGrpSpPr>
+          <p:cNvPr id="128" name="Group 127">
+            <a:extLst>
+              <a:ext uri="{FF2B5EF4-FFF2-40B4-BE49-F238E27FC236}">
+                <a16:creationId xmlns:a16="http://schemas.microsoft.com/office/drawing/2014/main" id="{0FCE2220-B5E8-4F86-8FE8-47DC246D0733}"/>
+              </a:ext>
+            </a:extLst>
+          </p:cNvPr>
+          <p:cNvGrpSpPr/>
+          <p:nvPr/>
+        </p:nvGrpSpPr>
+        <p:grpSpPr>
+          <a:xfrm>
+            <a:off x="-1" y="6785954"/>
+            <a:ext cx="12192001" cy="87035"/>
+            <a:chOff x="-1" y="6655633"/>
+            <a:chExt cx="12192001" cy="217357"/>
+          </a:xfrm>
+        </p:grpSpPr>
+        <p:sp>
+          <p:nvSpPr>
+            <p:cNvPr id="133" name="Rectangle 132">
+              <a:extLst>
+                <a:ext uri="{FF2B5EF4-FFF2-40B4-BE49-F238E27FC236}">
+                  <a16:creationId xmlns:a16="http://schemas.microsoft.com/office/drawing/2014/main" id="{1BF6E7F7-C587-492D-B4EA-CF9E0DDDE627}"/>
+                </a:ext>
+              </a:extLst>
+            </p:cNvPr>
+            <p:cNvSpPr/>
+            <p:nvPr/>
+          </p:nvSpPr>
+          <p:spPr>
+            <a:xfrm>
+              <a:off x="6096000" y="6655633"/>
+              <a:ext cx="3381829" cy="217357"/>
+            </a:xfrm>
+            <a:prstGeom prst="rect">
+              <a:avLst/>
+            </a:prstGeom>
+            <a:solidFill>
+              <a:srgbClr val="1C819E"/>
+            </a:solidFill>
+            <a:ln>
+              <a:noFill/>
+            </a:ln>
+          </p:spPr>
+          <p:style>
+            <a:lnRef idx="2">
+              <a:schemeClr val="accent1">
+                <a:shade val="50000"/>
+              </a:schemeClr>
+            </a:lnRef>
+            <a:fillRef idx="1">
+              <a:schemeClr val="accent1"/>
+            </a:fillRef>
+            <a:effectRef idx="0">
+              <a:schemeClr val="accent1"/>
+            </a:effectRef>
+            <a:fontRef idx="minor">
+              <a:schemeClr val="lt1"/>
+            </a:fontRef>
+          </p:style>
+          <p:txBody>
+            <a:bodyPr rtlCol="0" anchor="ctr"/>
+            <a:lstStyle/>
+            <a:p>
+              <a:pPr algn="ctr"/>
+              <a:endParaRPr lang="en-US"/>
+            </a:p>
+          </p:txBody>
+        </p:sp>
+        <p:sp>
+          <p:nvSpPr>
+            <p:cNvPr id="142" name="Rectangle 141">
+              <a:extLst>
+                <a:ext uri="{FF2B5EF4-FFF2-40B4-BE49-F238E27FC236}">
+                  <a16:creationId xmlns:a16="http://schemas.microsoft.com/office/drawing/2014/main" id="{A2D755BF-AEA6-4FE3-B685-ADC45A9838AC}"/>
+                </a:ext>
+              </a:extLst>
+            </p:cNvPr>
+            <p:cNvSpPr/>
+            <p:nvPr/>
+          </p:nvSpPr>
+          <p:spPr>
+            <a:xfrm>
+              <a:off x="9477829" y="6655633"/>
+              <a:ext cx="2714171" cy="217357"/>
+            </a:xfrm>
+            <a:prstGeom prst="rect">
+              <a:avLst/>
+            </a:prstGeom>
+            <a:solidFill>
+              <a:srgbClr val="FFBE00"/>
+            </a:solidFill>
+            <a:ln>
+              <a:noFill/>
+            </a:ln>
+          </p:spPr>
+          <p:style>
+            <a:lnRef idx="2">
+              <a:schemeClr val="accent1">
+                <a:shade val="50000"/>
+              </a:schemeClr>
+            </a:lnRef>
+            <a:fillRef idx="1">
+              <a:schemeClr val="accent1"/>
+            </a:fillRef>
+            <a:effectRef idx="0">
+              <a:schemeClr val="accent1"/>
+            </a:effectRef>
+            <a:fontRef idx="minor">
+              <a:schemeClr val="lt1"/>
+            </a:fontRef>
+          </p:style>
+          <p:txBody>
+            <a:bodyPr rtlCol="0" anchor="ctr"/>
+            <a:lstStyle/>
+            <a:p>
+              <a:pPr algn="ctr"/>
+              <a:endParaRPr lang="en-US"/>
+            </a:p>
+          </p:txBody>
+        </p:sp>
+        <p:sp>
+          <p:nvSpPr>
+            <p:cNvPr id="146" name="Rectangle 145">
+              <a:extLst>
+                <a:ext uri="{FF2B5EF4-FFF2-40B4-BE49-F238E27FC236}">
+                  <a16:creationId xmlns:a16="http://schemas.microsoft.com/office/drawing/2014/main" id="{4C92C81A-7EFC-4A90-A593-F3AD1DDA85B0}"/>
+                </a:ext>
+              </a:extLst>
+            </p:cNvPr>
+            <p:cNvSpPr/>
+            <p:nvPr/>
+          </p:nvSpPr>
+          <p:spPr>
+            <a:xfrm>
+              <a:off x="-1" y="6655633"/>
+              <a:ext cx="6132513" cy="217357"/>
+            </a:xfrm>
+            <a:prstGeom prst="rect">
+              <a:avLst/>
+            </a:prstGeom>
+            <a:solidFill>
+              <a:schemeClr val="tx1">
+                <a:lumMod val="75000"/>
+                <a:lumOff val="25000"/>
+              </a:schemeClr>
+            </a:solidFill>
+            <a:ln>
+              <a:noFill/>
+            </a:ln>
+          </p:spPr>
+          <p:style>
+            <a:lnRef idx="2">
+              <a:schemeClr val="accent1">
+                <a:shade val="50000"/>
+              </a:schemeClr>
+            </a:lnRef>
+            <a:fillRef idx="1">
+              <a:schemeClr val="accent1"/>
+            </a:fillRef>
+            <a:effectRef idx="0">
+              <a:schemeClr val="accent1"/>
+            </a:effectRef>
+            <a:fontRef idx="minor">
+              <a:schemeClr val="lt1"/>
+            </a:fontRef>
+          </p:style>
+          <p:txBody>
+            <a:bodyPr rtlCol="0" anchor="ctr"/>
+            <a:lstStyle/>
+            <a:p>
+              <a:pPr algn="ctr"/>
+              <a:endParaRPr lang="en-US"/>
+            </a:p>
+          </p:txBody>
+        </p:sp>
+      </p:grpSp>
+      <p:sp>
+        <p:nvSpPr>
+          <p:cNvPr id="3" name="Tekstvak 2">
+            <a:extLst>
+              <a:ext uri="{FF2B5EF4-FFF2-40B4-BE49-F238E27FC236}">
+                <a16:creationId xmlns:a16="http://schemas.microsoft.com/office/drawing/2014/main" id="{D5B13CA2-B232-A564-B360-995476D56EE7}"/>
+              </a:ext>
+            </a:extLst>
+          </p:cNvPr>
+          <p:cNvSpPr txBox="1"/>
+          <p:nvPr/>
+        </p:nvSpPr>
+        <p:spPr>
+          <a:xfrm>
+            <a:off x="440896" y="1299411"/>
+            <a:ext cx="10912904" cy="3139321"/>
+          </a:xfrm>
+          <a:prstGeom prst="rect">
+            <a:avLst/>
+          </a:prstGeom>
+          <a:noFill/>
+        </p:spPr>
+        <p:txBody>
+          <a:bodyPr wrap="square" rtlCol="0">
+            <a:spAutoFit/>
+          </a:bodyPr>
+          <a:lstStyle/>
+          <a:p>
+            <a:r>
+              <a:rPr lang="nl-BE" dirty="0" err="1"/>
+              <a:t>Elastic</a:t>
+            </a:r>
+            <a:r>
+              <a:rPr lang="nl-BE" dirty="0"/>
+              <a:t> Search:</a:t>
+            </a:r>
+          </a:p>
+          <a:p>
+            <a:pPr marL="285750" indent="-285750">
+              <a:buFontTx/>
+              <a:buChar char="-"/>
+            </a:pPr>
+            <a:r>
+              <a:rPr lang="nl-BE" dirty="0" err="1"/>
+              <a:t>Inverted</a:t>
+            </a:r>
+            <a:r>
+              <a:rPr lang="nl-BE" dirty="0"/>
+              <a:t> </a:t>
+            </a:r>
+            <a:r>
+              <a:rPr lang="nl-BE" dirty="0" err="1"/>
+              <a:t>Indexes</a:t>
+            </a:r>
+            <a:endParaRPr lang="nl-BE" dirty="0"/>
+          </a:p>
+          <a:p>
+            <a:pPr marL="285750" indent="-285750">
+              <a:buFontTx/>
+              <a:buChar char="-"/>
+            </a:pPr>
+            <a:r>
+              <a:rPr lang="nl-BE" dirty="0" err="1"/>
+              <a:t>Tokenizers</a:t>
+            </a:r>
+            <a:r>
+              <a:rPr lang="nl-BE" dirty="0"/>
+              <a:t> (tokens)</a:t>
+            </a:r>
+          </a:p>
+          <a:p>
+            <a:pPr marL="285750" indent="-285750">
+              <a:buFontTx/>
+              <a:buChar char="-"/>
+            </a:pPr>
+            <a:r>
+              <a:rPr lang="nl-BE" dirty="0"/>
+              <a:t>Filters (tekst)</a:t>
+            </a:r>
+          </a:p>
+          <a:p>
+            <a:pPr marL="285750" indent="-285750">
+              <a:buFontTx/>
+              <a:buChar char="-"/>
+            </a:pPr>
+            <a:endParaRPr lang="nl-BE" dirty="0"/>
+          </a:p>
+          <a:p>
+            <a:r>
+              <a:rPr lang="nl-BE" dirty="0" err="1"/>
+              <a:t>Rows</a:t>
+            </a:r>
+            <a:r>
+              <a:rPr lang="nl-BE" dirty="0"/>
+              <a:t> &amp; Columns = </a:t>
+            </a:r>
+            <a:r>
+              <a:rPr lang="nl-BE" dirty="0" err="1"/>
+              <a:t>Documents</a:t>
+            </a:r>
+            <a:r>
+              <a:rPr lang="nl-BE" dirty="0"/>
+              <a:t> &amp; fields</a:t>
+            </a:r>
+          </a:p>
+          <a:p>
+            <a:pPr marL="285750" indent="-285750">
+              <a:buFontTx/>
+              <a:buChar char="-"/>
+            </a:pPr>
+            <a:endParaRPr lang="nl-BE" dirty="0"/>
+          </a:p>
+          <a:p>
+            <a:r>
+              <a:rPr lang="nl-BE" dirty="0"/>
+              <a:t>Soorten </a:t>
+            </a:r>
+            <a:r>
+              <a:rPr lang="nl-BE" dirty="0" err="1"/>
+              <a:t>Queries</a:t>
+            </a:r>
+            <a:r>
+              <a:rPr lang="nl-BE" dirty="0"/>
+              <a:t> (&amp; combineren)</a:t>
+            </a:r>
+          </a:p>
+          <a:p>
+            <a:r>
+              <a:rPr lang="nl-BE" dirty="0"/>
+              <a:t>Match, </a:t>
+            </a:r>
+            <a:r>
+              <a:rPr lang="nl-BE" dirty="0" err="1"/>
+              <a:t>Phrase</a:t>
+            </a:r>
+            <a:r>
+              <a:rPr lang="nl-BE" dirty="0"/>
+              <a:t>, Range, </a:t>
+            </a:r>
+            <a:r>
+              <a:rPr lang="nl-BE" dirty="0" err="1"/>
+              <a:t>Exists</a:t>
+            </a:r>
+            <a:r>
+              <a:rPr lang="nl-BE" dirty="0"/>
+              <a:t>, Wildcard, </a:t>
+            </a:r>
+            <a:r>
+              <a:rPr lang="nl-BE" dirty="0" err="1"/>
+              <a:t>Boosting</a:t>
+            </a:r>
+            <a:r>
+              <a:rPr lang="nl-BE" dirty="0"/>
+              <a:t>, Filter, </a:t>
+            </a:r>
+            <a:r>
+              <a:rPr lang="nl-BE" dirty="0" err="1"/>
+              <a:t>Fuzzy</a:t>
+            </a:r>
+            <a:r>
+              <a:rPr lang="nl-BE" dirty="0"/>
+              <a:t>, </a:t>
+            </a:r>
+            <a:r>
+              <a:rPr lang="nl-BE" dirty="0" err="1"/>
+              <a:t>Sorting</a:t>
+            </a:r>
+            <a:endParaRPr lang="nl-BE" dirty="0"/>
+          </a:p>
+          <a:p>
+            <a:endParaRPr lang="nl-BE" dirty="0"/>
+          </a:p>
+          <a:p>
+            <a:endParaRPr lang="nl-BE" dirty="0"/>
+          </a:p>
+        </p:txBody>
+      </p:sp>
+    </p:spTree>
+    <p:extLst>
+      <p:ext uri="{BB962C8B-B14F-4D97-AF65-F5344CB8AC3E}">
+        <p14:creationId xmlns:p14="http://schemas.microsoft.com/office/powerpoint/2010/main" val="1946860266"/>
+      </p:ext>
+    </p:extLst>
+  </p:cSld>
+  <p:clrMapOvr>
+    <a:masterClrMapping/>
+  </p:clrMapOvr>
+</p:sld>
+</file>
+
+<file path=ppt/slides/slide8.xml><?xml version="1.0" encoding="utf-8"?>
+<p:sld xmlns:a="http://schemas.openxmlformats.org/drawingml/2006/main" xmlns:r="http://schemas.openxmlformats.org/officeDocument/2006/relationships" xmlns:p="http://schemas.openxmlformats.org/presentationml/2006/main">
+  <p:cSld>
+    <p:bg>
+      <p:bgPr>
+        <a:pattFill prst="ltUpDiag">
+          <a:fgClr>
+            <a:srgbClr val="F7F7F7"/>
+          </a:fgClr>
+          <a:bgClr>
+            <a:schemeClr val="bg1"/>
+          </a:bgClr>
+        </a:pattFill>
+        <a:effectLst/>
+      </p:bgPr>
+    </p:bg>
+    <p:spTree>
+      <p:nvGrpSpPr>
+        <p:cNvPr id="1" name=""/>
+        <p:cNvGrpSpPr/>
+        <p:nvPr/>
+      </p:nvGrpSpPr>
+      <p:grpSpPr>
+        <a:xfrm>
+          <a:off x="0" y="0"/>
+          <a:ext cx="0" cy="0"/>
+          <a:chOff x="0" y="0"/>
+          <a:chExt cx="0" cy="0"/>
+        </a:xfrm>
+      </p:grpSpPr>
+      <p:sp>
+        <p:nvSpPr>
+          <p:cNvPr id="8" name="Rectangle 7"/>
+          <p:cNvSpPr/>
+          <p:nvPr/>
+        </p:nvSpPr>
+        <p:spPr>
+          <a:xfrm>
+            <a:off x="2850629" y="1652666"/>
+            <a:ext cx="6655633" cy="3732551"/>
+          </a:xfrm>
+          <a:prstGeom prst="rect">
+            <a:avLst/>
+          </a:prstGeom>
+          <a:solidFill>
+            <a:srgbClr val="1C819E">
+              <a:alpha val="54000"/>
+            </a:srgbClr>
+          </a:solidFill>
+          <a:ln>
+            <a:noFill/>
+          </a:ln>
+        </p:spPr>
+        <p:style>
+          <a:lnRef idx="2">
+            <a:schemeClr val="accent1">
+              <a:shade val="50000"/>
+            </a:schemeClr>
+          </a:lnRef>
+          <a:fillRef idx="1">
+            <a:schemeClr val="accent1"/>
+          </a:fillRef>
+          <a:effectRef idx="0">
+            <a:schemeClr val="accent1"/>
+          </a:effectRef>
+          <a:fontRef idx="minor">
+            <a:schemeClr val="lt1"/>
+          </a:fontRef>
+        </p:style>
+        <p:txBody>
+          <a:bodyPr rtlCol="0" anchor="ctr"/>
+          <a:lstStyle/>
+          <a:p>
+            <a:pPr algn="ctr"/>
+            <a:endParaRPr lang="en-US"/>
+          </a:p>
+        </p:txBody>
+      </p:sp>
+      <p:sp>
+        <p:nvSpPr>
+          <p:cNvPr id="9" name="Rectangle 8"/>
+          <p:cNvSpPr/>
+          <p:nvPr/>
+        </p:nvSpPr>
+        <p:spPr>
+          <a:xfrm>
+            <a:off x="2685738" y="1472784"/>
+            <a:ext cx="6655633" cy="3732551"/>
+          </a:xfrm>
+          <a:prstGeom prst="rect">
+            <a:avLst/>
+          </a:prstGeom>
+          <a:solidFill>
+            <a:srgbClr val="1C819E"/>
+          </a:solidFill>
+          <a:ln>
+            <a:noFill/>
+          </a:ln>
+        </p:spPr>
+        <p:style>
+          <a:lnRef idx="2">
+            <a:schemeClr val="accent1">
+              <a:shade val="50000"/>
+            </a:schemeClr>
+          </a:lnRef>
+          <a:fillRef idx="1">
+            <a:schemeClr val="accent1"/>
+          </a:fillRef>
+          <a:effectRef idx="0">
+            <a:schemeClr val="accent1"/>
+          </a:effectRef>
+          <a:fontRef idx="minor">
+            <a:schemeClr val="lt1"/>
+          </a:fontRef>
+        </p:style>
+        <p:txBody>
+          <a:bodyPr rtlCol="0" anchor="ctr"/>
+          <a:lstStyle/>
+          <a:p>
+            <a:pPr algn="ctr"/>
+            <a:endParaRPr lang="en-US" dirty="0"/>
+          </a:p>
+        </p:txBody>
+      </p:sp>
+      <p:grpSp>
+        <p:nvGrpSpPr>
+          <p:cNvPr id="3" name="Group 2"/>
+          <p:cNvGrpSpPr/>
+          <p:nvPr/>
+        </p:nvGrpSpPr>
+        <p:grpSpPr>
+          <a:xfrm>
+            <a:off x="3109391" y="2428886"/>
+            <a:ext cx="5808326" cy="1393780"/>
+            <a:chOff x="3378300" y="2428886"/>
+            <a:chExt cx="5808326" cy="1393780"/>
+          </a:xfrm>
+        </p:grpSpPr>
+        <p:sp>
+          <p:nvSpPr>
+            <p:cNvPr id="11" name="TextBox 10"/>
+            <p:cNvSpPr txBox="1"/>
+            <p:nvPr/>
+          </p:nvSpPr>
+          <p:spPr>
+            <a:xfrm>
+              <a:off x="4071414" y="2428886"/>
+              <a:ext cx="4422099" cy="830997"/>
+            </a:xfrm>
+            <a:prstGeom prst="rect">
+              <a:avLst/>
+            </a:prstGeom>
+            <a:noFill/>
+            <a:ln>
+              <a:noFill/>
+            </a:ln>
+          </p:spPr>
+          <p:txBody>
+            <a:bodyPr wrap="square" lIns="0" rtlCol="0">
+              <a:spAutoFit/>
+            </a:bodyPr>
+            <a:lstStyle/>
+            <a:p>
+              <a:pPr algn="ctr"/>
+              <a:r>
+                <a:rPr lang="en-ID" sz="4800" b="1" dirty="0">
+                  <a:solidFill>
+                    <a:schemeClr val="bg1"/>
+                  </a:solidFill>
+                  <a:latin typeface="Segoe UI" panose="020B0502040204020203" pitchFamily="34" charset="0"/>
+                  <a:cs typeface="Segoe UI" panose="020B0502040204020203" pitchFamily="34" charset="0"/>
+                </a:rPr>
+                <a:t>DEMO</a:t>
+              </a:r>
+              <a:endParaRPr lang="en-US" sz="4800" b="1" dirty="0">
+                <a:solidFill>
+                  <a:srgbClr val="FFC000"/>
+                </a:solidFill>
+                <a:latin typeface="Segoe UI" panose="020B0502040204020203" pitchFamily="34" charset="0"/>
+                <a:cs typeface="Segoe UI" panose="020B0502040204020203" pitchFamily="34" charset="0"/>
+              </a:endParaRPr>
+            </a:p>
+          </p:txBody>
+        </p:sp>
+        <p:sp>
+          <p:nvSpPr>
+            <p:cNvPr id="14" name="Rectangle 13"/>
+            <p:cNvSpPr/>
+            <p:nvPr/>
+          </p:nvSpPr>
+          <p:spPr>
+            <a:xfrm>
+              <a:off x="5922699" y="3329853"/>
+              <a:ext cx="719528" cy="79801"/>
+            </a:xfrm>
+            <a:prstGeom prst="rect">
+              <a:avLst/>
+            </a:prstGeom>
+            <a:solidFill>
+              <a:schemeClr val="bg1"/>
+            </a:solidFill>
+            <a:ln>
+              <a:noFill/>
+            </a:ln>
+          </p:spPr>
+          <p:style>
+            <a:lnRef idx="2">
+              <a:schemeClr val="accent1">
+                <a:shade val="50000"/>
+              </a:schemeClr>
+            </a:lnRef>
+            <a:fillRef idx="1">
+              <a:schemeClr val="accent1"/>
+            </a:fillRef>
+            <a:effectRef idx="0">
+              <a:schemeClr val="accent1"/>
+            </a:effectRef>
+            <a:fontRef idx="minor">
+              <a:schemeClr val="lt1"/>
+            </a:fontRef>
+          </p:style>
+          <p:txBody>
+            <a:bodyPr rtlCol="0" anchor="ctr"/>
+            <a:lstStyle/>
+            <a:p>
+              <a:pPr algn="ctr"/>
+              <a:endParaRPr lang="en-US"/>
+            </a:p>
+          </p:txBody>
+        </p:sp>
+        <p:sp>
+          <p:nvSpPr>
+            <p:cNvPr id="15" name="TextBox 14"/>
+            <p:cNvSpPr txBox="1"/>
+            <p:nvPr/>
+          </p:nvSpPr>
+          <p:spPr>
+            <a:xfrm>
+              <a:off x="3378300" y="3479623"/>
+              <a:ext cx="5808326" cy="343043"/>
+            </a:xfrm>
+            <a:prstGeom prst="rect">
+              <a:avLst/>
+            </a:prstGeom>
+            <a:noFill/>
+          </p:spPr>
+          <p:txBody>
+            <a:bodyPr wrap="square" lIns="0" rtlCol="0">
+              <a:spAutoFit/>
+            </a:bodyPr>
+            <a:lstStyle/>
+            <a:p>
+              <a:pPr algn="ctr">
+                <a:lnSpc>
+                  <a:spcPct val="130000"/>
+                </a:lnSpc>
+              </a:pPr>
+              <a:endParaRPr lang="en-US" sz="1400" dirty="0">
+                <a:solidFill>
+                  <a:schemeClr val="bg1"/>
+                </a:solidFill>
+                <a:latin typeface="Segoe UI" panose="020B0502040204020203" pitchFamily="34" charset="0"/>
+                <a:cs typeface="Segoe UI" panose="020B0502040204020203" pitchFamily="34" charset="0"/>
+              </a:endParaRPr>
+            </a:p>
+          </p:txBody>
+        </p:sp>
+      </p:grpSp>
+      <p:grpSp>
+        <p:nvGrpSpPr>
+          <p:cNvPr id="19" name="Group 18">
+            <a:extLst>
+              <a:ext uri="{FF2B5EF4-FFF2-40B4-BE49-F238E27FC236}">
+                <a16:creationId xmlns:a16="http://schemas.microsoft.com/office/drawing/2014/main" id="{37DC6EC7-205A-4131-B0E8-EB03794F17EB}"/>
+              </a:ext>
+            </a:extLst>
+          </p:cNvPr>
+          <p:cNvGrpSpPr/>
+          <p:nvPr/>
+        </p:nvGrpSpPr>
+        <p:grpSpPr>
+          <a:xfrm>
+            <a:off x="-1" y="6785954"/>
+            <a:ext cx="12192001" cy="87035"/>
+            <a:chOff x="-1" y="6655633"/>
+            <a:chExt cx="12192001" cy="217357"/>
+          </a:xfrm>
+        </p:grpSpPr>
+        <p:sp>
+          <p:nvSpPr>
+            <p:cNvPr id="20" name="Rectangle 19">
+              <a:extLst>
+                <a:ext uri="{FF2B5EF4-FFF2-40B4-BE49-F238E27FC236}">
+                  <a16:creationId xmlns:a16="http://schemas.microsoft.com/office/drawing/2014/main" id="{2247D5A7-D95A-49A1-B9AA-3AA7E23A92A6}"/>
+                </a:ext>
+              </a:extLst>
+            </p:cNvPr>
+            <p:cNvSpPr/>
+            <p:nvPr/>
+          </p:nvSpPr>
+          <p:spPr>
+            <a:xfrm>
+              <a:off x="6096000" y="6655633"/>
+              <a:ext cx="3381829" cy="217357"/>
+            </a:xfrm>
+            <a:prstGeom prst="rect">
+              <a:avLst/>
+            </a:prstGeom>
+            <a:solidFill>
+              <a:srgbClr val="1C819E"/>
+            </a:solidFill>
+            <a:ln>
+              <a:noFill/>
+            </a:ln>
+          </p:spPr>
+          <p:style>
+            <a:lnRef idx="2">
+              <a:schemeClr val="accent1">
+                <a:shade val="50000"/>
+              </a:schemeClr>
+            </a:lnRef>
+            <a:fillRef idx="1">
+              <a:schemeClr val="accent1"/>
+            </a:fillRef>
+            <a:effectRef idx="0">
+              <a:schemeClr val="accent1"/>
+            </a:effectRef>
+            <a:fontRef idx="minor">
+              <a:schemeClr val="lt1"/>
+            </a:fontRef>
+          </p:style>
+          <p:txBody>
+            <a:bodyPr rtlCol="0" anchor="ctr"/>
+            <a:lstStyle/>
+            <a:p>
+              <a:pPr algn="ctr"/>
+              <a:endParaRPr lang="en-US"/>
+            </a:p>
+          </p:txBody>
+        </p:sp>
+        <p:sp>
+          <p:nvSpPr>
+            <p:cNvPr id="21" name="Rectangle 20">
+              <a:extLst>
+                <a:ext uri="{FF2B5EF4-FFF2-40B4-BE49-F238E27FC236}">
+                  <a16:creationId xmlns:a16="http://schemas.microsoft.com/office/drawing/2014/main" id="{B389ED10-D565-43F3-82F1-8892C88F09FF}"/>
+                </a:ext>
+              </a:extLst>
+            </p:cNvPr>
+            <p:cNvSpPr/>
+            <p:nvPr/>
+          </p:nvSpPr>
+          <p:spPr>
+            <a:xfrm>
+              <a:off x="9477829" y="6655633"/>
+              <a:ext cx="2714171" cy="217357"/>
+            </a:xfrm>
+            <a:prstGeom prst="rect">
+              <a:avLst/>
+            </a:prstGeom>
+            <a:solidFill>
+              <a:srgbClr val="FFBE00"/>
+            </a:solidFill>
+            <a:ln>
+              <a:noFill/>
+            </a:ln>
+          </p:spPr>
+          <p:style>
+            <a:lnRef idx="2">
+              <a:schemeClr val="accent1">
+                <a:shade val="50000"/>
+              </a:schemeClr>
+            </a:lnRef>
+            <a:fillRef idx="1">
+              <a:schemeClr val="accent1"/>
+            </a:fillRef>
+            <a:effectRef idx="0">
+              <a:schemeClr val="accent1"/>
+            </a:effectRef>
+            <a:fontRef idx="minor">
+              <a:schemeClr val="lt1"/>
+            </a:fontRef>
+          </p:style>
+          <p:txBody>
+            <a:bodyPr rtlCol="0" anchor="ctr"/>
+            <a:lstStyle/>
+            <a:p>
+              <a:pPr algn="ctr"/>
+              <a:endParaRPr lang="en-US"/>
+            </a:p>
+          </p:txBody>
+        </p:sp>
+        <p:sp>
+          <p:nvSpPr>
+            <p:cNvPr id="22" name="Rectangle 21">
+              <a:extLst>
+                <a:ext uri="{FF2B5EF4-FFF2-40B4-BE49-F238E27FC236}">
+                  <a16:creationId xmlns:a16="http://schemas.microsoft.com/office/drawing/2014/main" id="{7B9B590B-CFE9-4921-ADAE-9A42DDC4DCF2}"/>
+                </a:ext>
+              </a:extLst>
+            </p:cNvPr>
+            <p:cNvSpPr/>
+            <p:nvPr/>
+          </p:nvSpPr>
+          <p:spPr>
+            <a:xfrm>
+              <a:off x="-1" y="6655633"/>
+              <a:ext cx="6132513" cy="217357"/>
+            </a:xfrm>
+            <a:prstGeom prst="rect">
+              <a:avLst/>
+            </a:prstGeom>
+            <a:solidFill>
+              <a:schemeClr val="tx1">
+                <a:lumMod val="75000"/>
+                <a:lumOff val="25000"/>
+              </a:schemeClr>
+            </a:solidFill>
+            <a:ln>
+              <a:noFill/>
+            </a:ln>
+          </p:spPr>
+          <p:style>
+            <a:lnRef idx="2">
+              <a:schemeClr val="accent1">
+                <a:shade val="50000"/>
+              </a:schemeClr>
+            </a:lnRef>
+            <a:fillRef idx="1">
+              <a:schemeClr val="accent1"/>
+            </a:fillRef>
+            <a:effectRef idx="0">
+              <a:schemeClr val="accent1"/>
+            </a:effectRef>
+            <a:fontRef idx="minor">
+              <a:schemeClr val="lt1"/>
+            </a:fontRef>
+          </p:style>
+          <p:txBody>
+            <a:bodyPr rtlCol="0" anchor="ctr"/>
+            <a:lstStyle/>
+            <a:p>
+              <a:pPr algn="ctr"/>
+              <a:endParaRPr lang="en-US"/>
+            </a:p>
+          </p:txBody>
+        </p:sp>
+      </p:grpSp>
+    </p:spTree>
+    <p:extLst>
+      <p:ext uri="{BB962C8B-B14F-4D97-AF65-F5344CB8AC3E}">
+        <p14:creationId xmlns:p14="http://schemas.microsoft.com/office/powerpoint/2010/main" val="761093895"/>
       </p:ext>
     </p:extLst>
   </p:cSld>
@@ -3890,7 +9322,7 @@
 </file>
 
 <file path=ppt/theme/theme1.xml><?xml version="1.0" encoding="utf-8"?>
-<a:theme xmlns:a="http://schemas.openxmlformats.org/drawingml/2006/main" name="Kantoorthema">
+<a:theme xmlns:a="http://schemas.openxmlformats.org/drawingml/2006/main" name="Office Theme">
   <a:themeElements>
     <a:clrScheme name="Office">
       <a:dk1>
@@ -3906,7 +9338,7 @@
         <a:srgbClr val="E7E6E6"/>
       </a:lt2>
       <a:accent1>
-        <a:srgbClr val="4472C4"/>
+        <a:srgbClr val="5B9BD5"/>
       </a:accent1>
       <a:accent2>
         <a:srgbClr val="ED7D31"/>
@@ -3918,7 +9350,7 @@
         <a:srgbClr val="FFC000"/>
       </a:accent4>
       <a:accent5>
-        <a:srgbClr val="5B9BD5"/>
+        <a:srgbClr val="4472C4"/>
       </a:accent5>
       <a:accent6>
         <a:srgbClr val="70AD47"/>
@@ -3935,9 +9367,9 @@
         <a:latin typeface="Calibri Light" panose="020F0302020204030204"/>
         <a:ea typeface=""/>
         <a:cs typeface=""/>
-        <a:font script="Jpan" typeface="游ゴシック Light"/>
+        <a:font script="Jpan" typeface="ＭＳ Ｐゴシック"/>
         <a:font script="Hang" typeface="맑은 고딕"/>
-        <a:font script="Hans" typeface="等线 Light"/>
+        <a:font script="Hans" typeface="宋体"/>
         <a:font script="Hant" typeface="新細明體"/>
         <a:font script="Arab" typeface="Times New Roman"/>
         <a:font script="Hebr" typeface="Times New Roman"/>
@@ -3965,31 +9397,14 @@
         <a:font script="Viet" typeface="Times New Roman"/>
         <a:font script="Uigh" typeface="Microsoft Uighur"/>
         <a:font script="Geor" typeface="Sylfaen"/>
-        <a:font script="Armn" typeface="Arial"/>
-        <a:font script="Bugi" typeface="Leelawadee UI"/>
-        <a:font script="Bopo" typeface="Microsoft JhengHei"/>
-        <a:font script="Java" typeface="Javanese Text"/>
-        <a:font script="Lisu" typeface="Segoe UI"/>
-        <a:font script="Mymr" typeface="Myanmar Text"/>
-        <a:font script="Nkoo" typeface="Ebrima"/>
-        <a:font script="Olck" typeface="Nirmala UI"/>
-        <a:font script="Osma" typeface="Ebrima"/>
-        <a:font script="Phag" typeface="Phagspa"/>
-        <a:font script="Syrn" typeface="Estrangelo Edessa"/>
-        <a:font script="Syrj" typeface="Estrangelo Edessa"/>
-        <a:font script="Syre" typeface="Estrangelo Edessa"/>
-        <a:font script="Sora" typeface="Nirmala UI"/>
-        <a:font script="Tale" typeface="Microsoft Tai Le"/>
-        <a:font script="Talu" typeface="Microsoft New Tai Lue"/>
-        <a:font script="Tfng" typeface="Ebrima"/>
       </a:majorFont>
       <a:minorFont>
         <a:latin typeface="Calibri" panose="020F0502020204030204"/>
         <a:ea typeface=""/>
         <a:cs typeface=""/>
-        <a:font script="Jpan" typeface="游ゴシック"/>
+        <a:font script="Jpan" typeface="ＭＳ Ｐゴシック"/>
         <a:font script="Hang" typeface="맑은 고딕"/>
-        <a:font script="Hans" typeface="等线"/>
+        <a:font script="Hans" typeface="宋体"/>
         <a:font script="Hant" typeface="新細明體"/>
         <a:font script="Arab" typeface="Arial"/>
         <a:font script="Hebr" typeface="Arial"/>
@@ -4017,23 +9432,267 @@
         <a:font script="Viet" typeface="Arial"/>
         <a:font script="Uigh" typeface="Microsoft Uighur"/>
         <a:font script="Geor" typeface="Sylfaen"/>
-        <a:font script="Armn" typeface="Arial"/>
-        <a:font script="Bugi" typeface="Leelawadee UI"/>
-        <a:font script="Bopo" typeface="Microsoft JhengHei"/>
-        <a:font script="Java" typeface="Javanese Text"/>
-        <a:font script="Lisu" typeface="Segoe UI"/>
-        <a:font script="Mymr" typeface="Myanmar Text"/>
-        <a:font script="Nkoo" typeface="Ebrima"/>
-        <a:font script="Olck" typeface="Nirmala UI"/>
-        <a:font script="Osma" typeface="Ebrima"/>
-        <a:font script="Phag" typeface="Phagspa"/>
-        <a:font script="Syrn" typeface="Estrangelo Edessa"/>
-        <a:font script="Syrj" typeface="Estrangelo Edessa"/>
-        <a:font script="Syre" typeface="Estrangelo Edessa"/>
-        <a:font script="Sora" typeface="Nirmala UI"/>
-        <a:font script="Tale" typeface="Microsoft Tai Le"/>
-        <a:font script="Talu" typeface="Microsoft New Tai Lue"/>
-        <a:font script="Tfng" typeface="Ebrima"/>
+      </a:minorFont>
+    </a:fontScheme>
+    <a:fmtScheme name="Office">
+      <a:fillStyleLst>
+        <a:solidFill>
+          <a:schemeClr val="phClr"/>
+        </a:solidFill>
+        <a:gradFill rotWithShape="1">
+          <a:gsLst>
+            <a:gs pos="0">
+              <a:schemeClr val="phClr">
+                <a:lumMod val="110000"/>
+                <a:satMod val="105000"/>
+                <a:tint val="67000"/>
+              </a:schemeClr>
+            </a:gs>
+            <a:gs pos="50000">
+              <a:schemeClr val="phClr">
+                <a:lumMod val="105000"/>
+                <a:satMod val="103000"/>
+                <a:tint val="73000"/>
+              </a:schemeClr>
+            </a:gs>
+            <a:gs pos="100000">
+              <a:schemeClr val="phClr">
+                <a:lumMod val="105000"/>
+                <a:satMod val="109000"/>
+                <a:tint val="81000"/>
+              </a:schemeClr>
+            </a:gs>
+          </a:gsLst>
+          <a:lin ang="5400000" scaled="0"/>
+        </a:gradFill>
+        <a:gradFill rotWithShape="1">
+          <a:gsLst>
+            <a:gs pos="0">
+              <a:schemeClr val="phClr">
+                <a:satMod val="103000"/>
+                <a:lumMod val="102000"/>
+                <a:tint val="94000"/>
+              </a:schemeClr>
+            </a:gs>
+            <a:gs pos="50000">
+              <a:schemeClr val="phClr">
+                <a:satMod val="110000"/>
+                <a:lumMod val="100000"/>
+                <a:shade val="100000"/>
+              </a:schemeClr>
+            </a:gs>
+            <a:gs pos="100000">
+              <a:schemeClr val="phClr">
+                <a:lumMod val="99000"/>
+                <a:satMod val="120000"/>
+                <a:shade val="78000"/>
+              </a:schemeClr>
+            </a:gs>
+          </a:gsLst>
+          <a:lin ang="5400000" scaled="0"/>
+        </a:gradFill>
+      </a:fillStyleLst>
+      <a:lnStyleLst>
+        <a:ln w="6350" cap="flat" cmpd="sng" algn="ctr">
+          <a:solidFill>
+            <a:schemeClr val="phClr"/>
+          </a:solidFill>
+          <a:prstDash val="solid"/>
+          <a:miter lim="800000"/>
+        </a:ln>
+        <a:ln w="12700" cap="flat" cmpd="sng" algn="ctr">
+          <a:solidFill>
+            <a:schemeClr val="phClr"/>
+          </a:solidFill>
+          <a:prstDash val="solid"/>
+          <a:miter lim="800000"/>
+        </a:ln>
+        <a:ln w="19050" cap="flat" cmpd="sng" algn="ctr">
+          <a:solidFill>
+            <a:schemeClr val="phClr"/>
+          </a:solidFill>
+          <a:prstDash val="solid"/>
+          <a:miter lim="800000"/>
+        </a:ln>
+      </a:lnStyleLst>
+      <a:effectStyleLst>
+        <a:effectStyle>
+          <a:effectLst/>
+        </a:effectStyle>
+        <a:effectStyle>
+          <a:effectLst/>
+        </a:effectStyle>
+        <a:effectStyle>
+          <a:effectLst>
+            <a:outerShdw blurRad="57150" dist="19050" dir="5400000" algn="ctr" rotWithShape="0">
+              <a:srgbClr val="000000">
+                <a:alpha val="63000"/>
+              </a:srgbClr>
+            </a:outerShdw>
+          </a:effectLst>
+        </a:effectStyle>
+      </a:effectStyleLst>
+      <a:bgFillStyleLst>
+        <a:solidFill>
+          <a:schemeClr val="phClr"/>
+        </a:solidFill>
+        <a:solidFill>
+          <a:schemeClr val="phClr">
+            <a:tint val="95000"/>
+            <a:satMod val="170000"/>
+          </a:schemeClr>
+        </a:solidFill>
+        <a:gradFill rotWithShape="1">
+          <a:gsLst>
+            <a:gs pos="0">
+              <a:schemeClr val="phClr">
+                <a:tint val="93000"/>
+                <a:satMod val="150000"/>
+                <a:shade val="98000"/>
+                <a:lumMod val="102000"/>
+              </a:schemeClr>
+            </a:gs>
+            <a:gs pos="50000">
+              <a:schemeClr val="phClr">
+                <a:tint val="98000"/>
+                <a:satMod val="130000"/>
+                <a:shade val="90000"/>
+                <a:lumMod val="103000"/>
+              </a:schemeClr>
+            </a:gs>
+            <a:gs pos="100000">
+              <a:schemeClr val="phClr">
+                <a:shade val="63000"/>
+                <a:satMod val="120000"/>
+              </a:schemeClr>
+            </a:gs>
+          </a:gsLst>
+          <a:lin ang="5400000" scaled="0"/>
+        </a:gradFill>
+      </a:bgFillStyleLst>
+    </a:fmtScheme>
+  </a:themeElements>
+  <a:objectDefaults/>
+  <a:extraClrSchemeLst/>
+  <a:extLst>
+    <a:ext uri="{05A4C25C-085E-4340-85A3-A5531E510DB2}">
+      <thm15:themeFamily xmlns:thm15="http://schemas.microsoft.com/office/thememl/2012/main" name="Office Theme" id="{62F939B6-93AF-4DB8-9C6B-D6C7DFDC589F}" vid="{4A3C46E8-61CC-4603-A589-7422A47A8E4A}"/>
+    </a:ext>
+  </a:extLst>
+</a:theme>
+</file>
+
+<file path=ppt/theme/theme2.xml><?xml version="1.0" encoding="utf-8"?>
+<a:theme xmlns:a="http://schemas.openxmlformats.org/drawingml/2006/main" name="Office Theme">
+  <a:themeElements>
+    <a:clrScheme name="Office">
+      <a:dk1>
+        <a:sysClr val="windowText" lastClr="000000"/>
+      </a:dk1>
+      <a:lt1>
+        <a:sysClr val="window" lastClr="FFFFFF"/>
+      </a:lt1>
+      <a:dk2>
+        <a:srgbClr val="44546A"/>
+      </a:dk2>
+      <a:lt2>
+        <a:srgbClr val="E7E6E6"/>
+      </a:lt2>
+      <a:accent1>
+        <a:srgbClr val="5B9BD5"/>
+      </a:accent1>
+      <a:accent2>
+        <a:srgbClr val="ED7D31"/>
+      </a:accent2>
+      <a:accent3>
+        <a:srgbClr val="A5A5A5"/>
+      </a:accent3>
+      <a:accent4>
+        <a:srgbClr val="FFC000"/>
+      </a:accent4>
+      <a:accent5>
+        <a:srgbClr val="4472C4"/>
+      </a:accent5>
+      <a:accent6>
+        <a:srgbClr val="70AD47"/>
+      </a:accent6>
+      <a:hlink>
+        <a:srgbClr val="0563C1"/>
+      </a:hlink>
+      <a:folHlink>
+        <a:srgbClr val="954F72"/>
+      </a:folHlink>
+    </a:clrScheme>
+    <a:fontScheme name="Office">
+      <a:majorFont>
+        <a:latin typeface="Calibri Light" panose="020F0302020204030204"/>
+        <a:ea typeface=""/>
+        <a:cs typeface=""/>
+        <a:font script="Jpan" typeface="ＭＳ Ｐゴシック"/>
+        <a:font script="Hang" typeface="맑은 고딕"/>
+        <a:font script="Hans" typeface="宋体"/>
+        <a:font script="Hant" typeface="新細明體"/>
+        <a:font script="Arab" typeface="Times New Roman"/>
+        <a:font script="Hebr" typeface="Times New Roman"/>
+        <a:font script="Thai" typeface="Angsana New"/>
+        <a:font script="Ethi" typeface="Nyala"/>
+        <a:font script="Beng" typeface="Vrinda"/>
+        <a:font script="Gujr" typeface="Shruti"/>
+        <a:font script="Khmr" typeface="MoolBoran"/>
+        <a:font script="Knda" typeface="Tunga"/>
+        <a:font script="Guru" typeface="Raavi"/>
+        <a:font script="Cans" typeface="Euphemia"/>
+        <a:font script="Cher" typeface="Plantagenet Cherokee"/>
+        <a:font script="Yiii" typeface="Microsoft Yi Baiti"/>
+        <a:font script="Tibt" typeface="Microsoft Himalaya"/>
+        <a:font script="Thaa" typeface="MV Boli"/>
+        <a:font script="Deva" typeface="Mangal"/>
+        <a:font script="Telu" typeface="Gautami"/>
+        <a:font script="Taml" typeface="Latha"/>
+        <a:font script="Syrc" typeface="Estrangelo Edessa"/>
+        <a:font script="Orya" typeface="Kalinga"/>
+        <a:font script="Mlym" typeface="Kartika"/>
+        <a:font script="Laoo" typeface="DokChampa"/>
+        <a:font script="Sinh" typeface="Iskoola Pota"/>
+        <a:font script="Mong" typeface="Mongolian Baiti"/>
+        <a:font script="Viet" typeface="Times New Roman"/>
+        <a:font script="Uigh" typeface="Microsoft Uighur"/>
+        <a:font script="Geor" typeface="Sylfaen"/>
+      </a:majorFont>
+      <a:minorFont>
+        <a:latin typeface="Calibri" panose="020F0502020204030204"/>
+        <a:ea typeface=""/>
+        <a:cs typeface=""/>
+        <a:font script="Jpan" typeface="ＭＳ Ｐゴシック"/>
+        <a:font script="Hang" typeface="맑은 고딕"/>
+        <a:font script="Hans" typeface="宋体"/>
+        <a:font script="Hant" typeface="新細明體"/>
+        <a:font script="Arab" typeface="Arial"/>
+        <a:font script="Hebr" typeface="Arial"/>
+        <a:font script="Thai" typeface="Cordia New"/>
+        <a:font script="Ethi" typeface="Nyala"/>
+        <a:font script="Beng" typeface="Vrinda"/>
+        <a:font script="Gujr" typeface="Shruti"/>
+        <a:font script="Khmr" typeface="DaunPenh"/>
+        <a:font script="Knda" typeface="Tunga"/>
+        <a:font script="Guru" typeface="Raavi"/>
+        <a:font script="Cans" typeface="Euphemia"/>
+        <a:font script="Cher" typeface="Plantagenet Cherokee"/>
+        <a:font script="Yiii" typeface="Microsoft Yi Baiti"/>
+        <a:font script="Tibt" typeface="Microsoft Himalaya"/>
+        <a:font script="Thaa" typeface="MV Boli"/>
+        <a:font script="Deva" typeface="Mangal"/>
+        <a:font script="Telu" typeface="Gautami"/>
+        <a:font script="Taml" typeface="Latha"/>
+        <a:font script="Syrc" typeface="Estrangelo Edessa"/>
+        <a:font script="Orya" typeface="Kalinga"/>
+        <a:font script="Mlym" typeface="Kartika"/>
+        <a:font script="Laoo" typeface="DokChampa"/>
+        <a:font script="Sinh" typeface="Iskoola Pota"/>
+        <a:font script="Mong" typeface="Mongolian Baiti"/>
+        <a:font script="Viet" typeface="Arial"/>
+        <a:font script="Uigh" typeface="Microsoft Uighur"/>
+        <a:font script="Geor" typeface="Sylfaen"/>
       </a:minorFont>
     </a:fontScheme>
     <a:fmtScheme name="Office">

--- a/Presentatie.pptx
+++ b/Presentatie.pptx
@@ -122,6 +122,97 @@
 </p:presentation>
 </file>
 
+<file path=ppt/revisionInfo.xml><?xml version="1.0" encoding="utf-8"?>
+<p1510:revInfo xmlns:a="http://schemas.openxmlformats.org/drawingml/2006/main" xmlns:r="http://schemas.openxmlformats.org/officeDocument/2006/relationships" xmlns:p1510="http://schemas.microsoft.com/office/powerpoint/2015/10/main">
+  <p1510:revLst>
+    <p1510:client id="{F3E1E097-396B-4351-BB80-BBF05EFE94FF}" v="3" dt="2022-11-06T21:48:11.503"/>
+  </p1510:revLst>
+</p1510:revInfo>
+</file>
+
+<file path=ppt/changesInfos/changesInfo1.xml><?xml version="1.0" encoding="utf-8"?>
+<pc:chgInfo xmlns:a="http://schemas.openxmlformats.org/drawingml/2006/main" xmlns:r="http://schemas.openxmlformats.org/officeDocument/2006/relationships" xmlns:ac="http://schemas.microsoft.com/office/drawing/2013/main/command" xmlns:pc="http://schemas.microsoft.com/office/powerpoint/2013/main/command">
+  <pc:docChgLst>
+    <pc:chgData name="Jonas Leijzen" userId="e39d7f93f1dd7ed7" providerId="LiveId" clId="{F3E1E097-396B-4351-BB80-BBF05EFE94FF}"/>
+    <pc:docChg chg="undo custSel addSld delSld modSld">
+      <pc:chgData name="Jonas Leijzen" userId="e39d7f93f1dd7ed7" providerId="LiveId" clId="{F3E1E097-396B-4351-BB80-BBF05EFE94FF}" dt="2022-11-06T22:16:28.518" v="408" actId="20577"/>
+      <pc:docMkLst>
+        <pc:docMk/>
+      </pc:docMkLst>
+      <pc:sldChg chg="addSp delSp modSp mod">
+        <pc:chgData name="Jonas Leijzen" userId="e39d7f93f1dd7ed7" providerId="LiveId" clId="{F3E1E097-396B-4351-BB80-BBF05EFE94FF}" dt="2022-11-06T21:47:36.137" v="15" actId="478"/>
+        <pc:sldMkLst>
+          <pc:docMk/>
+          <pc:sldMk cId="1946860266" sldId="273"/>
+        </pc:sldMkLst>
+        <pc:picChg chg="add del mod">
+          <ac:chgData name="Jonas Leijzen" userId="e39d7f93f1dd7ed7" providerId="LiveId" clId="{F3E1E097-396B-4351-BB80-BBF05EFE94FF}" dt="2022-11-06T21:47:36.137" v="15" actId="478"/>
+          <ac:picMkLst>
+            <pc:docMk/>
+            <pc:sldMk cId="1946860266" sldId="273"/>
+            <ac:picMk id="6" creationId="{B136DDA3-61B1-3499-8334-A7BE5E5EE911}"/>
+          </ac:picMkLst>
+        </pc:picChg>
+      </pc:sldChg>
+      <pc:sldChg chg="addSp delSp modSp mod">
+        <pc:chgData name="Jonas Leijzen" userId="e39d7f93f1dd7ed7" providerId="LiveId" clId="{F3E1E097-396B-4351-BB80-BBF05EFE94FF}" dt="2022-11-06T22:16:28.518" v="408" actId="20577"/>
+        <pc:sldMkLst>
+          <pc:docMk/>
+          <pc:sldMk cId="1674013678" sldId="274"/>
+        </pc:sldMkLst>
+        <pc:spChg chg="add mod">
+          <ac:chgData name="Jonas Leijzen" userId="e39d7f93f1dd7ed7" providerId="LiveId" clId="{F3E1E097-396B-4351-BB80-BBF05EFE94FF}" dt="2022-11-06T22:16:28.518" v="408" actId="20577"/>
+          <ac:spMkLst>
+            <pc:docMk/>
+            <pc:sldMk cId="1674013678" sldId="274"/>
+            <ac:spMk id="6" creationId="{F10F8F79-E1B6-0F91-CCBC-ED84F56F6284}"/>
+          </ac:spMkLst>
+        </pc:spChg>
+        <pc:spChg chg="del mod">
+          <ac:chgData name="Jonas Leijzen" userId="e39d7f93f1dd7ed7" providerId="LiveId" clId="{F3E1E097-396B-4351-BB80-BBF05EFE94FF}" dt="2022-11-06T21:44:50.053" v="5"/>
+          <ac:spMkLst>
+            <pc:docMk/>
+            <pc:sldMk cId="1674013678" sldId="274"/>
+            <ac:spMk id="184" creationId="{BED93381-124D-4F83-9A70-983905BCDEE5}"/>
+          </ac:spMkLst>
+        </pc:spChg>
+        <pc:grpChg chg="del">
+          <ac:chgData name="Jonas Leijzen" userId="e39d7f93f1dd7ed7" providerId="LiveId" clId="{F3E1E097-396B-4351-BB80-BBF05EFE94FF}" dt="2022-11-06T21:44:50.833" v="6" actId="478"/>
+          <ac:grpSpMkLst>
+            <pc:docMk/>
+            <pc:sldMk cId="1674013678" sldId="274"/>
+            <ac:grpSpMk id="181" creationId="{3F7F3BCE-10A9-4059-8E7A-286F7D6A5CF7}"/>
+          </ac:grpSpMkLst>
+        </pc:grpChg>
+        <pc:picChg chg="add mod">
+          <ac:chgData name="Jonas Leijzen" userId="e39d7f93f1dd7ed7" providerId="LiveId" clId="{F3E1E097-396B-4351-BB80-BBF05EFE94FF}" dt="2022-11-06T21:45:33.894" v="11" actId="1076"/>
+          <ac:picMkLst>
+            <pc:docMk/>
+            <pc:sldMk cId="1674013678" sldId="274"/>
+            <ac:picMk id="5" creationId="{49B9FE59-CEEE-A4BF-CDAD-5DB3E6D2E36C}"/>
+          </ac:picMkLst>
+        </pc:picChg>
+      </pc:sldChg>
+      <pc:sldChg chg="modSp new del mod">
+        <pc:chgData name="Jonas Leijzen" userId="e39d7f93f1dd7ed7" providerId="LiveId" clId="{F3E1E097-396B-4351-BB80-BBF05EFE94FF}" dt="2022-11-06T21:44:41.823" v="2" actId="47"/>
+        <pc:sldMkLst>
+          <pc:docMk/>
+          <pc:sldMk cId="3212093222" sldId="276"/>
+        </pc:sldMkLst>
+        <pc:spChg chg="mod">
+          <ac:chgData name="Jonas Leijzen" userId="e39d7f93f1dd7ed7" providerId="LiveId" clId="{F3E1E097-396B-4351-BB80-BBF05EFE94FF}" dt="2022-11-06T21:44:38.808" v="1"/>
+          <ac:spMkLst>
+            <pc:docMk/>
+            <pc:sldMk cId="3212093222" sldId="276"/>
+            <ac:spMk id="2" creationId="{BEF075C4-3D82-38E3-4C28-ECECEB0AAD9A}"/>
+          </ac:spMkLst>
+        </pc:spChg>
+      </pc:sldChg>
+    </pc:docChg>
+  </pc:docChgLst>
+</pc:chgInfo>
+</file>
+
 <file path=ppt/notesMasters/notesMaster1.xml><?xml version="1.0" encoding="utf-8"?>
 <p:notesMaster xmlns:a="http://schemas.openxmlformats.org/drawingml/2006/main" xmlns:r="http://schemas.openxmlformats.org/officeDocument/2006/relationships" xmlns:p="http://schemas.openxmlformats.org/presentationml/2006/main">
   <p:cSld>
@@ -204,7 +295,7 @@
           <a:p>
             <a:fld id="{A034EED6-39AB-4311-872A-0192AD9FD702}" type="datetimeFigureOut">
               <a:rPr lang="en-US" smtClean="0"/>
-              <a:t>11/4/2022</a:t>
+              <a:t>11/6/2022</a:t>
             </a:fld>
             <a:endParaRPr lang="en-US"/>
           </a:p>
@@ -600,7 +691,7 @@
           <a:p>
             <a:fld id="{A545F807-836F-4D5D-874B-A69A7FCC58CB}" type="datetime1">
               <a:rPr lang="en-US" smtClean="0"/>
-              <a:t>11/4/2022</a:t>
+              <a:t>11/6/2022</a:t>
             </a:fld>
             <a:endParaRPr lang="en-US"/>
           </a:p>
@@ -768,7 +859,7 @@
           <a:p>
             <a:fld id="{54DB6B26-6A9F-4406-92F5-6D332EF95DFD}" type="datetime1">
               <a:rPr lang="en-US" smtClean="0"/>
-              <a:t>11/4/2022</a:t>
+              <a:t>11/6/2022</a:t>
             </a:fld>
             <a:endParaRPr lang="en-US"/>
           </a:p>
@@ -946,7 +1037,7 @@
           <a:p>
             <a:fld id="{F7CFF9CC-CF3B-44C1-BD85-CB8CD18212E2}" type="datetime1">
               <a:rPr lang="en-US" smtClean="0"/>
-              <a:t>11/4/2022</a:t>
+              <a:t>11/6/2022</a:t>
             </a:fld>
             <a:endParaRPr lang="en-US"/>
           </a:p>
@@ -1114,7 +1205,7 @@
           <a:p>
             <a:fld id="{3938454D-FE39-42CD-BE11-AE96EA6800B4}" type="datetime1">
               <a:rPr lang="en-US" smtClean="0"/>
-              <a:t>11/4/2022</a:t>
+              <a:t>11/6/2022</a:t>
             </a:fld>
             <a:endParaRPr lang="en-US"/>
           </a:p>
@@ -1359,7 +1450,7 @@
           <a:p>
             <a:fld id="{15AC4295-CAF5-4ECE-9BA5-421ACF1724F7}" type="datetime1">
               <a:rPr lang="en-US" smtClean="0"/>
-              <a:t>11/4/2022</a:t>
+              <a:t>11/6/2022</a:t>
             </a:fld>
             <a:endParaRPr lang="en-US"/>
           </a:p>
@@ -1588,7 +1679,7 @@
           <a:p>
             <a:fld id="{2029BD38-4644-4DB7-ADAE-2B6E91DEDF25}" type="datetime1">
               <a:rPr lang="en-US" smtClean="0"/>
-              <a:t>11/4/2022</a:t>
+              <a:t>11/6/2022</a:t>
             </a:fld>
             <a:endParaRPr lang="en-US"/>
           </a:p>
@@ -1952,7 +2043,7 @@
           <a:p>
             <a:fld id="{58564C8A-517D-4C94-BE03-FFC67836ECF0}" type="datetime1">
               <a:rPr lang="en-US" smtClean="0"/>
-              <a:t>11/4/2022</a:t>
+              <a:t>11/6/2022</a:t>
             </a:fld>
             <a:endParaRPr lang="en-US"/>
           </a:p>
@@ -2069,7 +2160,7 @@
           <a:p>
             <a:fld id="{4385644D-08C9-4441-852A-03B1F7D1FA80}" type="datetime1">
               <a:rPr lang="en-US" smtClean="0"/>
-              <a:t>11/4/2022</a:t>
+              <a:t>11/6/2022</a:t>
             </a:fld>
             <a:endParaRPr lang="en-US"/>
           </a:p>
@@ -2164,7 +2255,7 @@
           <a:p>
             <a:fld id="{139B5574-D002-4381-8804-EAFBB3510711}" type="datetime1">
               <a:rPr lang="en-US" smtClean="0"/>
-              <a:t>11/4/2022</a:t>
+              <a:t>11/6/2022</a:t>
             </a:fld>
             <a:endParaRPr lang="en-US"/>
           </a:p>
@@ -2439,7 +2530,7 @@
           <a:p>
             <a:fld id="{5A68FAAE-7C8C-41FE-8695-DFED53AB67E3}" type="datetime1">
               <a:rPr lang="en-US" smtClean="0"/>
-              <a:t>11/4/2022</a:t>
+              <a:t>11/6/2022</a:t>
             </a:fld>
             <a:endParaRPr lang="en-US"/>
           </a:p>
@@ -2691,7 +2782,7 @@
           <a:p>
             <a:fld id="{B07D2DBE-2391-4857-A636-DE70DBBA9206}" type="datetime1">
               <a:rPr lang="en-US" smtClean="0"/>
-              <a:t>11/4/2022</a:t>
+              <a:t>11/6/2022</a:t>
             </a:fld>
             <a:endParaRPr lang="en-US"/>
           </a:p>
@@ -2902,7 +2993,7 @@
           <a:p>
             <a:fld id="{E7551C38-A972-4C75-A1F0-A0F671BCE3E0}" type="datetime1">
               <a:rPr lang="en-US" smtClean="0"/>
-              <a:t>11/4/2022</a:t>
+              <a:t>11/6/2022</a:t>
             </a:fld>
             <a:endParaRPr lang="en-US"/>
           </a:p>
@@ -3858,7 +3949,7 @@
           <a:p>
             <a:fld id="{5D2A5BCA-CFD9-4AED-A589-E41154D4A6DF}" type="datetime1">
               <a:rPr lang="en-US" smtClean="0"/>
-              <a:t>11/4/2022</a:t>
+              <a:t>11/6/2022</a:t>
             </a:fld>
             <a:endParaRPr lang="en-US"/>
           </a:p>
@@ -4597,7 +4688,7 @@
           <a:p>
             <a:fld id="{5D2A5BCA-CFD9-4AED-A589-E41154D4A6DF}" type="datetime1">
               <a:rPr lang="en-US" smtClean="0"/>
-              <a:t>11/4/2022</a:t>
+              <a:t>11/6/2022</a:t>
             </a:fld>
             <a:endParaRPr lang="en-US"/>
           </a:p>
@@ -5126,7 +5217,7 @@
           <a:p>
             <a:fld id="{5D2A5BCA-CFD9-4AED-A589-E41154D4A6DF}" type="datetime1">
               <a:rPr lang="en-US" smtClean="0"/>
-              <a:t>11/4/2022</a:t>
+              <a:t>11/6/2022</a:t>
             </a:fld>
             <a:endParaRPr lang="en-US"/>
           </a:p>
@@ -5512,7 +5603,7 @@
           <a:p>
             <a:fld id="{5D2A5BCA-CFD9-4AED-A589-E41154D4A6DF}" type="datetime1">
               <a:rPr lang="en-US" smtClean="0"/>
-              <a:t>11/4/2022</a:t>
+              <a:t>11/6/2022</a:t>
             </a:fld>
             <a:endParaRPr lang="en-US"/>
           </a:p>
@@ -5996,2104 +6087,6 @@
           <a:chExt cx="0" cy="0"/>
         </a:xfrm>
       </p:grpSpPr>
-      <p:grpSp>
-        <p:nvGrpSpPr>
-          <p:cNvPr id="181" name="Group 180">
-            <a:extLst>
-              <a:ext uri="{FF2B5EF4-FFF2-40B4-BE49-F238E27FC236}">
-                <a16:creationId xmlns:a16="http://schemas.microsoft.com/office/drawing/2014/main" id="{3F7F3BCE-10A9-4059-8E7A-286F7D6A5CF7}"/>
-              </a:ext>
-            </a:extLst>
-          </p:cNvPr>
-          <p:cNvGrpSpPr/>
-          <p:nvPr/>
-        </p:nvGrpSpPr>
-        <p:grpSpPr>
-          <a:xfrm>
-            <a:off x="8847862" y="2041137"/>
-            <a:ext cx="285750" cy="214313"/>
-            <a:chOff x="2614613" y="809625"/>
-            <a:chExt cx="285750" cy="214313"/>
-          </a:xfrm>
-          <a:solidFill>
-            <a:srgbClr val="1C819E"/>
-          </a:solidFill>
-        </p:grpSpPr>
-        <p:sp>
-          <p:nvSpPr>
-            <p:cNvPr id="182" name="Freeform 78">
-              <a:extLst>
-                <a:ext uri="{FF2B5EF4-FFF2-40B4-BE49-F238E27FC236}">
-                  <a16:creationId xmlns:a16="http://schemas.microsoft.com/office/drawing/2014/main" id="{1F27A54E-0FBC-4700-B090-2AAC791B3D1D}"/>
-                </a:ext>
-              </a:extLst>
-            </p:cNvPr>
-            <p:cNvSpPr>
-              <a:spLocks/>
-            </p:cNvSpPr>
-            <p:nvPr/>
-          </p:nvSpPr>
-          <p:spPr bwMode="auto">
-            <a:xfrm>
-              <a:off x="2614613" y="809625"/>
-              <a:ext cx="133350" cy="214313"/>
-            </a:xfrm>
-            <a:custGeom>
-              <a:avLst/>
-              <a:gdLst>
-                <a:gd name="T0" fmla="*/ 316 w 335"/>
-                <a:gd name="T1" fmla="*/ 47 h 540"/>
-                <a:gd name="T2" fmla="*/ 325 w 335"/>
-                <a:gd name="T3" fmla="*/ 43 h 540"/>
-                <a:gd name="T4" fmla="*/ 331 w 335"/>
-                <a:gd name="T5" fmla="*/ 37 h 540"/>
-                <a:gd name="T6" fmla="*/ 335 w 335"/>
-                <a:gd name="T7" fmla="*/ 28 h 540"/>
-                <a:gd name="T8" fmla="*/ 335 w 335"/>
-                <a:gd name="T9" fmla="*/ 19 h 540"/>
-                <a:gd name="T10" fmla="*/ 331 w 335"/>
-                <a:gd name="T11" fmla="*/ 10 h 540"/>
-                <a:gd name="T12" fmla="*/ 325 w 335"/>
-                <a:gd name="T13" fmla="*/ 4 h 540"/>
-                <a:gd name="T14" fmla="*/ 316 w 335"/>
-                <a:gd name="T15" fmla="*/ 0 h 540"/>
-                <a:gd name="T16" fmla="*/ 294 w 335"/>
-                <a:gd name="T17" fmla="*/ 0 h 540"/>
-                <a:gd name="T18" fmla="*/ 260 w 335"/>
-                <a:gd name="T19" fmla="*/ 3 h 540"/>
-                <a:gd name="T20" fmla="*/ 227 w 335"/>
-                <a:gd name="T21" fmla="*/ 10 h 540"/>
-                <a:gd name="T22" fmla="*/ 198 w 335"/>
-                <a:gd name="T23" fmla="*/ 20 h 540"/>
-                <a:gd name="T24" fmla="*/ 169 w 335"/>
-                <a:gd name="T25" fmla="*/ 33 h 540"/>
-                <a:gd name="T26" fmla="*/ 142 w 335"/>
-                <a:gd name="T27" fmla="*/ 49 h 540"/>
-                <a:gd name="T28" fmla="*/ 117 w 335"/>
-                <a:gd name="T29" fmla="*/ 68 h 540"/>
-                <a:gd name="T30" fmla="*/ 95 w 335"/>
-                <a:gd name="T31" fmla="*/ 89 h 540"/>
-                <a:gd name="T32" fmla="*/ 75 w 335"/>
-                <a:gd name="T33" fmla="*/ 113 h 540"/>
-                <a:gd name="T34" fmla="*/ 57 w 335"/>
-                <a:gd name="T35" fmla="*/ 141 h 540"/>
-                <a:gd name="T36" fmla="*/ 41 w 335"/>
-                <a:gd name="T37" fmla="*/ 170 h 540"/>
-                <a:gd name="T38" fmla="*/ 27 w 335"/>
-                <a:gd name="T39" fmla="*/ 202 h 540"/>
-                <a:gd name="T40" fmla="*/ 17 w 335"/>
-                <a:gd name="T41" fmla="*/ 236 h 540"/>
-                <a:gd name="T42" fmla="*/ 8 w 335"/>
-                <a:gd name="T43" fmla="*/ 272 h 540"/>
-                <a:gd name="T44" fmla="*/ 3 w 335"/>
-                <a:gd name="T45" fmla="*/ 310 h 540"/>
-                <a:gd name="T46" fmla="*/ 0 w 335"/>
-                <a:gd name="T47" fmla="*/ 351 h 540"/>
-                <a:gd name="T48" fmla="*/ 1 w 335"/>
-                <a:gd name="T49" fmla="*/ 390 h 540"/>
-                <a:gd name="T50" fmla="*/ 7 w 335"/>
-                <a:gd name="T51" fmla="*/ 422 h 540"/>
-                <a:gd name="T52" fmla="*/ 20 w 335"/>
-                <a:gd name="T53" fmla="*/ 452 h 540"/>
-                <a:gd name="T54" fmla="*/ 38 w 335"/>
-                <a:gd name="T55" fmla="*/ 478 h 540"/>
-                <a:gd name="T56" fmla="*/ 61 w 335"/>
-                <a:gd name="T57" fmla="*/ 502 h 540"/>
-                <a:gd name="T58" fmla="*/ 88 w 335"/>
-                <a:gd name="T59" fmla="*/ 520 h 540"/>
-                <a:gd name="T60" fmla="*/ 117 w 335"/>
-                <a:gd name="T61" fmla="*/ 532 h 540"/>
-                <a:gd name="T62" fmla="*/ 150 w 335"/>
-                <a:gd name="T63" fmla="*/ 539 h 540"/>
-                <a:gd name="T64" fmla="*/ 185 w 335"/>
-                <a:gd name="T65" fmla="*/ 539 h 540"/>
-                <a:gd name="T66" fmla="*/ 218 w 335"/>
-                <a:gd name="T67" fmla="*/ 532 h 540"/>
-                <a:gd name="T68" fmla="*/ 248 w 335"/>
-                <a:gd name="T69" fmla="*/ 520 h 540"/>
-                <a:gd name="T70" fmla="*/ 274 w 335"/>
-                <a:gd name="T71" fmla="*/ 502 h 540"/>
-                <a:gd name="T72" fmla="*/ 297 w 335"/>
-                <a:gd name="T73" fmla="*/ 478 h 540"/>
-                <a:gd name="T74" fmla="*/ 315 w 335"/>
-                <a:gd name="T75" fmla="*/ 452 h 540"/>
-                <a:gd name="T76" fmla="*/ 328 w 335"/>
-                <a:gd name="T77" fmla="*/ 422 h 540"/>
-                <a:gd name="T78" fmla="*/ 334 w 335"/>
-                <a:gd name="T79" fmla="*/ 390 h 540"/>
-                <a:gd name="T80" fmla="*/ 334 w 335"/>
-                <a:gd name="T81" fmla="*/ 355 h 540"/>
-                <a:gd name="T82" fmla="*/ 328 w 335"/>
-                <a:gd name="T83" fmla="*/ 322 h 540"/>
-                <a:gd name="T84" fmla="*/ 315 w 335"/>
-                <a:gd name="T85" fmla="*/ 292 h 540"/>
-                <a:gd name="T86" fmla="*/ 297 w 335"/>
-                <a:gd name="T87" fmla="*/ 265 h 540"/>
-                <a:gd name="T88" fmla="*/ 274 w 335"/>
-                <a:gd name="T89" fmla="*/ 242 h 540"/>
-                <a:gd name="T90" fmla="*/ 248 w 335"/>
-                <a:gd name="T91" fmla="*/ 224 h 540"/>
-                <a:gd name="T92" fmla="*/ 218 w 335"/>
-                <a:gd name="T93" fmla="*/ 212 h 540"/>
-                <a:gd name="T94" fmla="*/ 185 w 335"/>
-                <a:gd name="T95" fmla="*/ 204 h 540"/>
-                <a:gd name="T96" fmla="*/ 153 w 335"/>
-                <a:gd name="T97" fmla="*/ 204 h 540"/>
-                <a:gd name="T98" fmla="*/ 126 w 335"/>
-                <a:gd name="T99" fmla="*/ 209 h 540"/>
-                <a:gd name="T100" fmla="*/ 99 w 335"/>
-                <a:gd name="T101" fmla="*/ 218 h 540"/>
-                <a:gd name="T102" fmla="*/ 76 w 335"/>
-                <a:gd name="T103" fmla="*/ 232 h 540"/>
-                <a:gd name="T104" fmla="*/ 73 w 335"/>
-                <a:gd name="T105" fmla="*/ 214 h 540"/>
-                <a:gd name="T106" fmla="*/ 94 w 335"/>
-                <a:gd name="T107" fmla="*/ 170 h 540"/>
-                <a:gd name="T108" fmla="*/ 119 w 335"/>
-                <a:gd name="T109" fmla="*/ 133 h 540"/>
-                <a:gd name="T110" fmla="*/ 150 w 335"/>
-                <a:gd name="T111" fmla="*/ 104 h 540"/>
-                <a:gd name="T112" fmla="*/ 183 w 335"/>
-                <a:gd name="T113" fmla="*/ 80 h 540"/>
-                <a:gd name="T114" fmla="*/ 218 w 335"/>
-                <a:gd name="T115" fmla="*/ 64 h 540"/>
-                <a:gd name="T116" fmla="*/ 255 w 335"/>
-                <a:gd name="T117" fmla="*/ 54 h 540"/>
-                <a:gd name="T118" fmla="*/ 293 w 335"/>
-                <a:gd name="T119" fmla="*/ 49 h 540"/>
-              </a:gdLst>
-              <a:ahLst/>
-              <a:cxnLst>
-                <a:cxn ang="0">
-                  <a:pos x="T0" y="T1"/>
-                </a:cxn>
-                <a:cxn ang="0">
-                  <a:pos x="T2" y="T3"/>
-                </a:cxn>
-                <a:cxn ang="0">
-                  <a:pos x="T4" y="T5"/>
-                </a:cxn>
-                <a:cxn ang="0">
-                  <a:pos x="T6" y="T7"/>
-                </a:cxn>
-                <a:cxn ang="0">
-                  <a:pos x="T8" y="T9"/>
-                </a:cxn>
-                <a:cxn ang="0">
-                  <a:pos x="T10" y="T11"/>
-                </a:cxn>
-                <a:cxn ang="0">
-                  <a:pos x="T12" y="T13"/>
-                </a:cxn>
-                <a:cxn ang="0">
-                  <a:pos x="T14" y="T15"/>
-                </a:cxn>
-                <a:cxn ang="0">
-                  <a:pos x="T16" y="T17"/>
-                </a:cxn>
-                <a:cxn ang="0">
-                  <a:pos x="T18" y="T19"/>
-                </a:cxn>
-                <a:cxn ang="0">
-                  <a:pos x="T20" y="T21"/>
-                </a:cxn>
-                <a:cxn ang="0">
-                  <a:pos x="T22" y="T23"/>
-                </a:cxn>
-                <a:cxn ang="0">
-                  <a:pos x="T24" y="T25"/>
-                </a:cxn>
-                <a:cxn ang="0">
-                  <a:pos x="T26" y="T27"/>
-                </a:cxn>
-                <a:cxn ang="0">
-                  <a:pos x="T28" y="T29"/>
-                </a:cxn>
-                <a:cxn ang="0">
-                  <a:pos x="T30" y="T31"/>
-                </a:cxn>
-                <a:cxn ang="0">
-                  <a:pos x="T32" y="T33"/>
-                </a:cxn>
-                <a:cxn ang="0">
-                  <a:pos x="T34" y="T35"/>
-                </a:cxn>
-                <a:cxn ang="0">
-                  <a:pos x="T36" y="T37"/>
-                </a:cxn>
-                <a:cxn ang="0">
-                  <a:pos x="T38" y="T39"/>
-                </a:cxn>
-                <a:cxn ang="0">
-                  <a:pos x="T40" y="T41"/>
-                </a:cxn>
-                <a:cxn ang="0">
-                  <a:pos x="T42" y="T43"/>
-                </a:cxn>
-                <a:cxn ang="0">
-                  <a:pos x="T44" y="T45"/>
-                </a:cxn>
-                <a:cxn ang="0">
-                  <a:pos x="T46" y="T47"/>
-                </a:cxn>
-                <a:cxn ang="0">
-                  <a:pos x="T48" y="T49"/>
-                </a:cxn>
-                <a:cxn ang="0">
-                  <a:pos x="T50" y="T51"/>
-                </a:cxn>
-                <a:cxn ang="0">
-                  <a:pos x="T52" y="T53"/>
-                </a:cxn>
-                <a:cxn ang="0">
-                  <a:pos x="T54" y="T55"/>
-                </a:cxn>
-                <a:cxn ang="0">
-                  <a:pos x="T56" y="T57"/>
-                </a:cxn>
-                <a:cxn ang="0">
-                  <a:pos x="T58" y="T59"/>
-                </a:cxn>
-                <a:cxn ang="0">
-                  <a:pos x="T60" y="T61"/>
-                </a:cxn>
-                <a:cxn ang="0">
-                  <a:pos x="T62" y="T63"/>
-                </a:cxn>
-                <a:cxn ang="0">
-                  <a:pos x="T64" y="T65"/>
-                </a:cxn>
-                <a:cxn ang="0">
-                  <a:pos x="T66" y="T67"/>
-                </a:cxn>
-                <a:cxn ang="0">
-                  <a:pos x="T68" y="T69"/>
-                </a:cxn>
-                <a:cxn ang="0">
-                  <a:pos x="T70" y="T71"/>
-                </a:cxn>
-                <a:cxn ang="0">
-                  <a:pos x="T72" y="T73"/>
-                </a:cxn>
-                <a:cxn ang="0">
-                  <a:pos x="T74" y="T75"/>
-                </a:cxn>
-                <a:cxn ang="0">
-                  <a:pos x="T76" y="T77"/>
-                </a:cxn>
-                <a:cxn ang="0">
-                  <a:pos x="T78" y="T79"/>
-                </a:cxn>
-                <a:cxn ang="0">
-                  <a:pos x="T80" y="T81"/>
-                </a:cxn>
-                <a:cxn ang="0">
-                  <a:pos x="T82" y="T83"/>
-                </a:cxn>
-                <a:cxn ang="0">
-                  <a:pos x="T84" y="T85"/>
-                </a:cxn>
-                <a:cxn ang="0">
-                  <a:pos x="T86" y="T87"/>
-                </a:cxn>
-                <a:cxn ang="0">
-                  <a:pos x="T88" y="T89"/>
-                </a:cxn>
-                <a:cxn ang="0">
-                  <a:pos x="T90" y="T91"/>
-                </a:cxn>
-                <a:cxn ang="0">
-                  <a:pos x="T92" y="T93"/>
-                </a:cxn>
-                <a:cxn ang="0">
-                  <a:pos x="T94" y="T95"/>
-                </a:cxn>
-                <a:cxn ang="0">
-                  <a:pos x="T96" y="T97"/>
-                </a:cxn>
-                <a:cxn ang="0">
-                  <a:pos x="T98" y="T99"/>
-                </a:cxn>
-                <a:cxn ang="0">
-                  <a:pos x="T100" y="T101"/>
-                </a:cxn>
-                <a:cxn ang="0">
-                  <a:pos x="T102" y="T103"/>
-                </a:cxn>
-                <a:cxn ang="0">
-                  <a:pos x="T104" y="T105"/>
-                </a:cxn>
-                <a:cxn ang="0">
-                  <a:pos x="T106" y="T107"/>
-                </a:cxn>
-                <a:cxn ang="0">
-                  <a:pos x="T108" y="T109"/>
-                </a:cxn>
-                <a:cxn ang="0">
-                  <a:pos x="T110" y="T111"/>
-                </a:cxn>
-                <a:cxn ang="0">
-                  <a:pos x="T112" y="T113"/>
-                </a:cxn>
-                <a:cxn ang="0">
-                  <a:pos x="T114" y="T115"/>
-                </a:cxn>
-                <a:cxn ang="0">
-                  <a:pos x="T116" y="T117"/>
-                </a:cxn>
-                <a:cxn ang="0">
-                  <a:pos x="T118" y="T119"/>
-                </a:cxn>
-              </a:cxnLst>
-              <a:rect l="0" t="0" r="r" b="b"/>
-              <a:pathLst>
-                <a:path w="335" h="540">
-                  <a:moveTo>
-                    <a:pt x="312" y="47"/>
-                  </a:moveTo>
-                  <a:lnTo>
-                    <a:pt x="316" y="47"/>
-                  </a:lnTo>
-                  <a:lnTo>
-                    <a:pt x="321" y="45"/>
-                  </a:lnTo>
-                  <a:lnTo>
-                    <a:pt x="325" y="43"/>
-                  </a:lnTo>
-                  <a:lnTo>
-                    <a:pt x="329" y="41"/>
-                  </a:lnTo>
-                  <a:lnTo>
-                    <a:pt x="331" y="37"/>
-                  </a:lnTo>
-                  <a:lnTo>
-                    <a:pt x="333" y="33"/>
-                  </a:lnTo>
-                  <a:lnTo>
-                    <a:pt x="335" y="28"/>
-                  </a:lnTo>
-                  <a:lnTo>
-                    <a:pt x="335" y="24"/>
-                  </a:lnTo>
-                  <a:lnTo>
-                    <a:pt x="335" y="19"/>
-                  </a:lnTo>
-                  <a:lnTo>
-                    <a:pt x="333" y="15"/>
-                  </a:lnTo>
-                  <a:lnTo>
-                    <a:pt x="331" y="10"/>
-                  </a:lnTo>
-                  <a:lnTo>
-                    <a:pt x="329" y="6"/>
-                  </a:lnTo>
-                  <a:lnTo>
-                    <a:pt x="325" y="4"/>
-                  </a:lnTo>
-                  <a:lnTo>
-                    <a:pt x="321" y="2"/>
-                  </a:lnTo>
-                  <a:lnTo>
-                    <a:pt x="316" y="0"/>
-                  </a:lnTo>
-                  <a:lnTo>
-                    <a:pt x="312" y="0"/>
-                  </a:lnTo>
-                  <a:lnTo>
-                    <a:pt x="294" y="0"/>
-                  </a:lnTo>
-                  <a:lnTo>
-                    <a:pt x="277" y="1"/>
-                  </a:lnTo>
-                  <a:lnTo>
-                    <a:pt x="260" y="3"/>
-                  </a:lnTo>
-                  <a:lnTo>
-                    <a:pt x="244" y="6"/>
-                  </a:lnTo>
-                  <a:lnTo>
-                    <a:pt x="227" y="10"/>
-                  </a:lnTo>
-                  <a:lnTo>
-                    <a:pt x="213" y="15"/>
-                  </a:lnTo>
-                  <a:lnTo>
-                    <a:pt x="198" y="20"/>
-                  </a:lnTo>
-                  <a:lnTo>
-                    <a:pt x="183" y="26"/>
-                  </a:lnTo>
-                  <a:lnTo>
-                    <a:pt x="169" y="33"/>
-                  </a:lnTo>
-                  <a:lnTo>
-                    <a:pt x="155" y="40"/>
-                  </a:lnTo>
-                  <a:lnTo>
-                    <a:pt x="142" y="49"/>
-                  </a:lnTo>
-                  <a:lnTo>
-                    <a:pt x="130" y="58"/>
-                  </a:lnTo>
-                  <a:lnTo>
-                    <a:pt x="117" y="68"/>
-                  </a:lnTo>
-                  <a:lnTo>
-                    <a:pt x="106" y="78"/>
-                  </a:lnTo>
-                  <a:lnTo>
-                    <a:pt x="95" y="89"/>
-                  </a:lnTo>
-                  <a:lnTo>
-                    <a:pt x="84" y="101"/>
-                  </a:lnTo>
-                  <a:lnTo>
-                    <a:pt x="75" y="113"/>
-                  </a:lnTo>
-                  <a:lnTo>
-                    <a:pt x="65" y="127"/>
-                  </a:lnTo>
-                  <a:lnTo>
-                    <a:pt x="57" y="141"/>
-                  </a:lnTo>
-                  <a:lnTo>
-                    <a:pt x="48" y="154"/>
-                  </a:lnTo>
-                  <a:lnTo>
-                    <a:pt x="41" y="170"/>
-                  </a:lnTo>
-                  <a:lnTo>
-                    <a:pt x="34" y="185"/>
-                  </a:lnTo>
-                  <a:lnTo>
-                    <a:pt x="27" y="202"/>
-                  </a:lnTo>
-                  <a:lnTo>
-                    <a:pt x="22" y="218"/>
-                  </a:lnTo>
-                  <a:lnTo>
-                    <a:pt x="17" y="236"/>
-                  </a:lnTo>
-                  <a:lnTo>
-                    <a:pt x="12" y="254"/>
-                  </a:lnTo>
-                  <a:lnTo>
-                    <a:pt x="8" y="272"/>
-                  </a:lnTo>
-                  <a:lnTo>
-                    <a:pt x="5" y="291"/>
-                  </a:lnTo>
-                  <a:lnTo>
-                    <a:pt x="3" y="310"/>
-                  </a:lnTo>
-                  <a:lnTo>
-                    <a:pt x="1" y="330"/>
-                  </a:lnTo>
-                  <a:lnTo>
-                    <a:pt x="0" y="351"/>
-                  </a:lnTo>
-                  <a:lnTo>
-                    <a:pt x="0" y="371"/>
-                  </a:lnTo>
-                  <a:lnTo>
-                    <a:pt x="1" y="390"/>
-                  </a:lnTo>
-                  <a:lnTo>
-                    <a:pt x="3" y="405"/>
-                  </a:lnTo>
-                  <a:lnTo>
-                    <a:pt x="7" y="422"/>
-                  </a:lnTo>
-                  <a:lnTo>
-                    <a:pt x="12" y="437"/>
-                  </a:lnTo>
-                  <a:lnTo>
-                    <a:pt x="20" y="452"/>
-                  </a:lnTo>
-                  <a:lnTo>
-                    <a:pt x="28" y="466"/>
-                  </a:lnTo>
-                  <a:lnTo>
-                    <a:pt x="38" y="478"/>
-                  </a:lnTo>
-                  <a:lnTo>
-                    <a:pt x="48" y="491"/>
-                  </a:lnTo>
-                  <a:lnTo>
-                    <a:pt x="61" y="502"/>
-                  </a:lnTo>
-                  <a:lnTo>
-                    <a:pt x="74" y="511"/>
-                  </a:lnTo>
-                  <a:lnTo>
-                    <a:pt x="88" y="520"/>
-                  </a:lnTo>
-                  <a:lnTo>
-                    <a:pt x="102" y="527"/>
-                  </a:lnTo>
-                  <a:lnTo>
-                    <a:pt x="117" y="532"/>
-                  </a:lnTo>
-                  <a:lnTo>
-                    <a:pt x="134" y="537"/>
-                  </a:lnTo>
-                  <a:lnTo>
-                    <a:pt x="150" y="539"/>
-                  </a:lnTo>
-                  <a:lnTo>
-                    <a:pt x="168" y="540"/>
-                  </a:lnTo>
-                  <a:lnTo>
-                    <a:pt x="185" y="539"/>
-                  </a:lnTo>
-                  <a:lnTo>
-                    <a:pt x="201" y="537"/>
-                  </a:lnTo>
-                  <a:lnTo>
-                    <a:pt x="218" y="532"/>
-                  </a:lnTo>
-                  <a:lnTo>
-                    <a:pt x="233" y="527"/>
-                  </a:lnTo>
-                  <a:lnTo>
-                    <a:pt x="248" y="520"/>
-                  </a:lnTo>
-                  <a:lnTo>
-                    <a:pt x="261" y="511"/>
-                  </a:lnTo>
-                  <a:lnTo>
-                    <a:pt x="274" y="502"/>
-                  </a:lnTo>
-                  <a:lnTo>
-                    <a:pt x="287" y="491"/>
-                  </a:lnTo>
-                  <a:lnTo>
-                    <a:pt x="297" y="478"/>
-                  </a:lnTo>
-                  <a:lnTo>
-                    <a:pt x="307" y="466"/>
-                  </a:lnTo>
-                  <a:lnTo>
-                    <a:pt x="315" y="452"/>
-                  </a:lnTo>
-                  <a:lnTo>
-                    <a:pt x="323" y="437"/>
-                  </a:lnTo>
-                  <a:lnTo>
-                    <a:pt x="328" y="422"/>
-                  </a:lnTo>
-                  <a:lnTo>
-                    <a:pt x="332" y="405"/>
-                  </a:lnTo>
-                  <a:lnTo>
-                    <a:pt x="334" y="390"/>
-                  </a:lnTo>
-                  <a:lnTo>
-                    <a:pt x="335" y="371"/>
-                  </a:lnTo>
-                  <a:lnTo>
-                    <a:pt x="334" y="355"/>
-                  </a:lnTo>
-                  <a:lnTo>
-                    <a:pt x="332" y="338"/>
-                  </a:lnTo>
-                  <a:lnTo>
-                    <a:pt x="328" y="322"/>
-                  </a:lnTo>
-                  <a:lnTo>
-                    <a:pt x="323" y="307"/>
-                  </a:lnTo>
-                  <a:lnTo>
-                    <a:pt x="315" y="292"/>
-                  </a:lnTo>
-                  <a:lnTo>
-                    <a:pt x="307" y="278"/>
-                  </a:lnTo>
-                  <a:lnTo>
-                    <a:pt x="297" y="265"/>
-                  </a:lnTo>
-                  <a:lnTo>
-                    <a:pt x="287" y="253"/>
-                  </a:lnTo>
-                  <a:lnTo>
-                    <a:pt x="274" y="242"/>
-                  </a:lnTo>
-                  <a:lnTo>
-                    <a:pt x="261" y="233"/>
-                  </a:lnTo>
-                  <a:lnTo>
-                    <a:pt x="248" y="224"/>
-                  </a:lnTo>
-                  <a:lnTo>
-                    <a:pt x="233" y="217"/>
-                  </a:lnTo>
-                  <a:lnTo>
-                    <a:pt x="218" y="212"/>
-                  </a:lnTo>
-                  <a:lnTo>
-                    <a:pt x="201" y="207"/>
-                  </a:lnTo>
-                  <a:lnTo>
-                    <a:pt x="185" y="204"/>
-                  </a:lnTo>
-                  <a:lnTo>
-                    <a:pt x="168" y="204"/>
-                  </a:lnTo>
-                  <a:lnTo>
-                    <a:pt x="153" y="204"/>
-                  </a:lnTo>
-                  <a:lnTo>
-                    <a:pt x="140" y="206"/>
-                  </a:lnTo>
-                  <a:lnTo>
-                    <a:pt x="126" y="209"/>
-                  </a:lnTo>
-                  <a:lnTo>
-                    <a:pt x="112" y="213"/>
-                  </a:lnTo>
-                  <a:lnTo>
-                    <a:pt x="99" y="218"/>
-                  </a:lnTo>
-                  <a:lnTo>
-                    <a:pt x="88" y="224"/>
-                  </a:lnTo>
-                  <a:lnTo>
-                    <a:pt x="76" y="232"/>
-                  </a:lnTo>
-                  <a:lnTo>
-                    <a:pt x="64" y="239"/>
-                  </a:lnTo>
-                  <a:lnTo>
-                    <a:pt x="73" y="214"/>
-                  </a:lnTo>
-                  <a:lnTo>
-                    <a:pt x="83" y="191"/>
-                  </a:lnTo>
-                  <a:lnTo>
-                    <a:pt x="94" y="170"/>
-                  </a:lnTo>
-                  <a:lnTo>
-                    <a:pt x="107" y="150"/>
-                  </a:lnTo>
-                  <a:lnTo>
-                    <a:pt x="119" y="133"/>
-                  </a:lnTo>
-                  <a:lnTo>
-                    <a:pt x="134" y="117"/>
-                  </a:lnTo>
-                  <a:lnTo>
-                    <a:pt x="150" y="104"/>
-                  </a:lnTo>
-                  <a:lnTo>
-                    <a:pt x="166" y="91"/>
-                  </a:lnTo>
-                  <a:lnTo>
-                    <a:pt x="183" y="80"/>
-                  </a:lnTo>
-                  <a:lnTo>
-                    <a:pt x="200" y="72"/>
-                  </a:lnTo>
-                  <a:lnTo>
-                    <a:pt x="218" y="64"/>
-                  </a:lnTo>
-                  <a:lnTo>
-                    <a:pt x="237" y="58"/>
-                  </a:lnTo>
-                  <a:lnTo>
-                    <a:pt x="255" y="54"/>
-                  </a:lnTo>
-                  <a:lnTo>
-                    <a:pt x="274" y="51"/>
-                  </a:lnTo>
-                  <a:lnTo>
-                    <a:pt x="293" y="49"/>
-                  </a:lnTo>
-                  <a:lnTo>
-                    <a:pt x="312" y="47"/>
-                  </a:lnTo>
-                  <a:close/>
-                </a:path>
-              </a:pathLst>
-            </a:custGeom>
-            <a:grpFill/>
-            <a:ln>
-              <a:noFill/>
-            </a:ln>
-            <a:extLst>
-              <a:ext uri="{91240B29-F687-4F45-9708-019B960494DF}">
-                <a14:hiddenLine xmlns:a14="http://schemas.microsoft.com/office/drawing/2010/main" w="9525">
-                  <a:solidFill>
-                    <a:srgbClr val="000000"/>
-                  </a:solidFill>
-                  <a:round/>
-                  <a:headEnd/>
-                  <a:tailEnd/>
-                </a14:hiddenLine>
-              </a:ext>
-            </a:extLst>
-          </p:spPr>
-          <p:txBody>
-            <a:bodyPr vert="horz" wrap="square" lIns="91440" tIns="45720" rIns="91440" bIns="45720" numCol="1" anchor="t" anchorCtr="0" compatLnSpc="1">
-              <a:prstTxWarp prst="textNoShape">
-                <a:avLst/>
-              </a:prstTxWarp>
-            </a:bodyPr>
-            <a:lstStyle/>
-            <a:p>
-              <a:endParaRPr lang="en-US">
-                <a:latin typeface="A GALEGA" pitchFamily="50" charset="0"/>
-              </a:endParaRPr>
-            </a:p>
-          </p:txBody>
-        </p:sp>
-        <p:sp>
-          <p:nvSpPr>
-            <p:cNvPr id="183" name="Freeform 79">
-              <a:extLst>
-                <a:ext uri="{FF2B5EF4-FFF2-40B4-BE49-F238E27FC236}">
-                  <a16:creationId xmlns:a16="http://schemas.microsoft.com/office/drawing/2014/main" id="{D3A9D34C-588C-457C-B2F6-460EE830A4A4}"/>
-                </a:ext>
-              </a:extLst>
-            </p:cNvPr>
-            <p:cNvSpPr>
-              <a:spLocks/>
-            </p:cNvSpPr>
-            <p:nvPr/>
-          </p:nvSpPr>
-          <p:spPr bwMode="auto">
-            <a:xfrm>
-              <a:off x="2767013" y="809625"/>
-              <a:ext cx="133350" cy="214313"/>
-            </a:xfrm>
-            <a:custGeom>
-              <a:avLst/>
-              <a:gdLst>
-                <a:gd name="T0" fmla="*/ 154 w 336"/>
-                <a:gd name="T1" fmla="*/ 204 h 540"/>
-                <a:gd name="T2" fmla="*/ 126 w 336"/>
-                <a:gd name="T3" fmla="*/ 209 h 540"/>
-                <a:gd name="T4" fmla="*/ 100 w 336"/>
-                <a:gd name="T5" fmla="*/ 218 h 540"/>
-                <a:gd name="T6" fmla="*/ 76 w 336"/>
-                <a:gd name="T7" fmla="*/ 232 h 540"/>
-                <a:gd name="T8" fmla="*/ 73 w 336"/>
-                <a:gd name="T9" fmla="*/ 214 h 540"/>
-                <a:gd name="T10" fmla="*/ 94 w 336"/>
-                <a:gd name="T11" fmla="*/ 170 h 540"/>
-                <a:gd name="T12" fmla="*/ 120 w 336"/>
-                <a:gd name="T13" fmla="*/ 133 h 540"/>
-                <a:gd name="T14" fmla="*/ 150 w 336"/>
-                <a:gd name="T15" fmla="*/ 104 h 540"/>
-                <a:gd name="T16" fmla="*/ 183 w 336"/>
-                <a:gd name="T17" fmla="*/ 80 h 540"/>
-                <a:gd name="T18" fmla="*/ 218 w 336"/>
-                <a:gd name="T19" fmla="*/ 64 h 540"/>
-                <a:gd name="T20" fmla="*/ 255 w 336"/>
-                <a:gd name="T21" fmla="*/ 54 h 540"/>
-                <a:gd name="T22" fmla="*/ 294 w 336"/>
-                <a:gd name="T23" fmla="*/ 49 h 540"/>
-                <a:gd name="T24" fmla="*/ 317 w 336"/>
-                <a:gd name="T25" fmla="*/ 47 h 540"/>
-                <a:gd name="T26" fmla="*/ 325 w 336"/>
-                <a:gd name="T27" fmla="*/ 43 h 540"/>
-                <a:gd name="T28" fmla="*/ 332 w 336"/>
-                <a:gd name="T29" fmla="*/ 37 h 540"/>
-                <a:gd name="T30" fmla="*/ 336 w 336"/>
-                <a:gd name="T31" fmla="*/ 28 h 540"/>
-                <a:gd name="T32" fmla="*/ 336 w 336"/>
-                <a:gd name="T33" fmla="*/ 19 h 540"/>
-                <a:gd name="T34" fmla="*/ 332 w 336"/>
-                <a:gd name="T35" fmla="*/ 10 h 540"/>
-                <a:gd name="T36" fmla="*/ 325 w 336"/>
-                <a:gd name="T37" fmla="*/ 4 h 540"/>
-                <a:gd name="T38" fmla="*/ 317 w 336"/>
-                <a:gd name="T39" fmla="*/ 0 h 540"/>
-                <a:gd name="T40" fmla="*/ 295 w 336"/>
-                <a:gd name="T41" fmla="*/ 0 h 540"/>
-                <a:gd name="T42" fmla="*/ 261 w 336"/>
-                <a:gd name="T43" fmla="*/ 3 h 540"/>
-                <a:gd name="T44" fmla="*/ 228 w 336"/>
-                <a:gd name="T45" fmla="*/ 10 h 540"/>
-                <a:gd name="T46" fmla="*/ 198 w 336"/>
-                <a:gd name="T47" fmla="*/ 20 h 540"/>
-                <a:gd name="T48" fmla="*/ 170 w 336"/>
-                <a:gd name="T49" fmla="*/ 33 h 540"/>
-                <a:gd name="T50" fmla="*/ 142 w 336"/>
-                <a:gd name="T51" fmla="*/ 49 h 540"/>
-                <a:gd name="T52" fmla="*/ 118 w 336"/>
-                <a:gd name="T53" fmla="*/ 68 h 540"/>
-                <a:gd name="T54" fmla="*/ 96 w 336"/>
-                <a:gd name="T55" fmla="*/ 89 h 540"/>
-                <a:gd name="T56" fmla="*/ 75 w 336"/>
-                <a:gd name="T57" fmla="*/ 113 h 540"/>
-                <a:gd name="T58" fmla="*/ 56 w 336"/>
-                <a:gd name="T59" fmla="*/ 141 h 540"/>
-                <a:gd name="T60" fmla="*/ 42 w 336"/>
-                <a:gd name="T61" fmla="*/ 170 h 540"/>
-                <a:gd name="T62" fmla="*/ 28 w 336"/>
-                <a:gd name="T63" fmla="*/ 202 h 540"/>
-                <a:gd name="T64" fmla="*/ 17 w 336"/>
-                <a:gd name="T65" fmla="*/ 236 h 540"/>
-                <a:gd name="T66" fmla="*/ 9 w 336"/>
-                <a:gd name="T67" fmla="*/ 272 h 540"/>
-                <a:gd name="T68" fmla="*/ 3 w 336"/>
-                <a:gd name="T69" fmla="*/ 310 h 540"/>
-                <a:gd name="T70" fmla="*/ 0 w 336"/>
-                <a:gd name="T71" fmla="*/ 351 h 540"/>
-                <a:gd name="T72" fmla="*/ 0 w 336"/>
-                <a:gd name="T73" fmla="*/ 390 h 540"/>
-                <a:gd name="T74" fmla="*/ 8 w 336"/>
-                <a:gd name="T75" fmla="*/ 422 h 540"/>
-                <a:gd name="T76" fmla="*/ 20 w 336"/>
-                <a:gd name="T77" fmla="*/ 452 h 540"/>
-                <a:gd name="T78" fmla="*/ 38 w 336"/>
-                <a:gd name="T79" fmla="*/ 478 h 540"/>
-                <a:gd name="T80" fmla="*/ 61 w 336"/>
-                <a:gd name="T81" fmla="*/ 502 h 540"/>
-                <a:gd name="T82" fmla="*/ 88 w 336"/>
-                <a:gd name="T83" fmla="*/ 520 h 540"/>
-                <a:gd name="T84" fmla="*/ 118 w 336"/>
-                <a:gd name="T85" fmla="*/ 532 h 540"/>
-                <a:gd name="T86" fmla="*/ 151 w 336"/>
-                <a:gd name="T87" fmla="*/ 539 h 540"/>
-                <a:gd name="T88" fmla="*/ 186 w 336"/>
-                <a:gd name="T89" fmla="*/ 539 h 540"/>
-                <a:gd name="T90" fmla="*/ 218 w 336"/>
-                <a:gd name="T91" fmla="*/ 532 h 540"/>
-                <a:gd name="T92" fmla="*/ 248 w 336"/>
-                <a:gd name="T93" fmla="*/ 520 h 540"/>
-                <a:gd name="T94" fmla="*/ 275 w 336"/>
-                <a:gd name="T95" fmla="*/ 502 h 540"/>
-                <a:gd name="T96" fmla="*/ 298 w 336"/>
-                <a:gd name="T97" fmla="*/ 478 h 540"/>
-                <a:gd name="T98" fmla="*/ 316 w 336"/>
-                <a:gd name="T99" fmla="*/ 452 h 540"/>
-                <a:gd name="T100" fmla="*/ 329 w 336"/>
-                <a:gd name="T101" fmla="*/ 422 h 540"/>
-                <a:gd name="T102" fmla="*/ 335 w 336"/>
-                <a:gd name="T103" fmla="*/ 390 h 540"/>
-                <a:gd name="T104" fmla="*/ 335 w 336"/>
-                <a:gd name="T105" fmla="*/ 355 h 540"/>
-                <a:gd name="T106" fmla="*/ 329 w 336"/>
-                <a:gd name="T107" fmla="*/ 322 h 540"/>
-                <a:gd name="T108" fmla="*/ 316 w 336"/>
-                <a:gd name="T109" fmla="*/ 292 h 540"/>
-                <a:gd name="T110" fmla="*/ 298 w 336"/>
-                <a:gd name="T111" fmla="*/ 265 h 540"/>
-                <a:gd name="T112" fmla="*/ 275 w 336"/>
-                <a:gd name="T113" fmla="*/ 242 h 540"/>
-                <a:gd name="T114" fmla="*/ 248 w 336"/>
-                <a:gd name="T115" fmla="*/ 224 h 540"/>
-                <a:gd name="T116" fmla="*/ 218 w 336"/>
-                <a:gd name="T117" fmla="*/ 212 h 540"/>
-                <a:gd name="T118" fmla="*/ 186 w 336"/>
-                <a:gd name="T119" fmla="*/ 204 h 540"/>
-              </a:gdLst>
-              <a:ahLst/>
-              <a:cxnLst>
-                <a:cxn ang="0">
-                  <a:pos x="T0" y="T1"/>
-                </a:cxn>
-                <a:cxn ang="0">
-                  <a:pos x="T2" y="T3"/>
-                </a:cxn>
-                <a:cxn ang="0">
-                  <a:pos x="T4" y="T5"/>
-                </a:cxn>
-                <a:cxn ang="0">
-                  <a:pos x="T6" y="T7"/>
-                </a:cxn>
-                <a:cxn ang="0">
-                  <a:pos x="T8" y="T9"/>
-                </a:cxn>
-                <a:cxn ang="0">
-                  <a:pos x="T10" y="T11"/>
-                </a:cxn>
-                <a:cxn ang="0">
-                  <a:pos x="T12" y="T13"/>
-                </a:cxn>
-                <a:cxn ang="0">
-                  <a:pos x="T14" y="T15"/>
-                </a:cxn>
-                <a:cxn ang="0">
-                  <a:pos x="T16" y="T17"/>
-                </a:cxn>
-                <a:cxn ang="0">
-                  <a:pos x="T18" y="T19"/>
-                </a:cxn>
-                <a:cxn ang="0">
-                  <a:pos x="T20" y="T21"/>
-                </a:cxn>
-                <a:cxn ang="0">
-                  <a:pos x="T22" y="T23"/>
-                </a:cxn>
-                <a:cxn ang="0">
-                  <a:pos x="T24" y="T25"/>
-                </a:cxn>
-                <a:cxn ang="0">
-                  <a:pos x="T26" y="T27"/>
-                </a:cxn>
-                <a:cxn ang="0">
-                  <a:pos x="T28" y="T29"/>
-                </a:cxn>
-                <a:cxn ang="0">
-                  <a:pos x="T30" y="T31"/>
-                </a:cxn>
-                <a:cxn ang="0">
-                  <a:pos x="T32" y="T33"/>
-                </a:cxn>
-                <a:cxn ang="0">
-                  <a:pos x="T34" y="T35"/>
-                </a:cxn>
-                <a:cxn ang="0">
-                  <a:pos x="T36" y="T37"/>
-                </a:cxn>
-                <a:cxn ang="0">
-                  <a:pos x="T38" y="T39"/>
-                </a:cxn>
-                <a:cxn ang="0">
-                  <a:pos x="T40" y="T41"/>
-                </a:cxn>
-                <a:cxn ang="0">
-                  <a:pos x="T42" y="T43"/>
-                </a:cxn>
-                <a:cxn ang="0">
-                  <a:pos x="T44" y="T45"/>
-                </a:cxn>
-                <a:cxn ang="0">
-                  <a:pos x="T46" y="T47"/>
-                </a:cxn>
-                <a:cxn ang="0">
-                  <a:pos x="T48" y="T49"/>
-                </a:cxn>
-                <a:cxn ang="0">
-                  <a:pos x="T50" y="T51"/>
-                </a:cxn>
-                <a:cxn ang="0">
-                  <a:pos x="T52" y="T53"/>
-                </a:cxn>
-                <a:cxn ang="0">
-                  <a:pos x="T54" y="T55"/>
-                </a:cxn>
-                <a:cxn ang="0">
-                  <a:pos x="T56" y="T57"/>
-                </a:cxn>
-                <a:cxn ang="0">
-                  <a:pos x="T58" y="T59"/>
-                </a:cxn>
-                <a:cxn ang="0">
-                  <a:pos x="T60" y="T61"/>
-                </a:cxn>
-                <a:cxn ang="0">
-                  <a:pos x="T62" y="T63"/>
-                </a:cxn>
-                <a:cxn ang="0">
-                  <a:pos x="T64" y="T65"/>
-                </a:cxn>
-                <a:cxn ang="0">
-                  <a:pos x="T66" y="T67"/>
-                </a:cxn>
-                <a:cxn ang="0">
-                  <a:pos x="T68" y="T69"/>
-                </a:cxn>
-                <a:cxn ang="0">
-                  <a:pos x="T70" y="T71"/>
-                </a:cxn>
-                <a:cxn ang="0">
-                  <a:pos x="T72" y="T73"/>
-                </a:cxn>
-                <a:cxn ang="0">
-                  <a:pos x="T74" y="T75"/>
-                </a:cxn>
-                <a:cxn ang="0">
-                  <a:pos x="T76" y="T77"/>
-                </a:cxn>
-                <a:cxn ang="0">
-                  <a:pos x="T78" y="T79"/>
-                </a:cxn>
-                <a:cxn ang="0">
-                  <a:pos x="T80" y="T81"/>
-                </a:cxn>
-                <a:cxn ang="0">
-                  <a:pos x="T82" y="T83"/>
-                </a:cxn>
-                <a:cxn ang="0">
-                  <a:pos x="T84" y="T85"/>
-                </a:cxn>
-                <a:cxn ang="0">
-                  <a:pos x="T86" y="T87"/>
-                </a:cxn>
-                <a:cxn ang="0">
-                  <a:pos x="T88" y="T89"/>
-                </a:cxn>
-                <a:cxn ang="0">
-                  <a:pos x="T90" y="T91"/>
-                </a:cxn>
-                <a:cxn ang="0">
-                  <a:pos x="T92" y="T93"/>
-                </a:cxn>
-                <a:cxn ang="0">
-                  <a:pos x="T94" y="T95"/>
-                </a:cxn>
-                <a:cxn ang="0">
-                  <a:pos x="T96" y="T97"/>
-                </a:cxn>
-                <a:cxn ang="0">
-                  <a:pos x="T98" y="T99"/>
-                </a:cxn>
-                <a:cxn ang="0">
-                  <a:pos x="T100" y="T101"/>
-                </a:cxn>
-                <a:cxn ang="0">
-                  <a:pos x="T102" y="T103"/>
-                </a:cxn>
-                <a:cxn ang="0">
-                  <a:pos x="T104" y="T105"/>
-                </a:cxn>
-                <a:cxn ang="0">
-                  <a:pos x="T106" y="T107"/>
-                </a:cxn>
-                <a:cxn ang="0">
-                  <a:pos x="T108" y="T109"/>
-                </a:cxn>
-                <a:cxn ang="0">
-                  <a:pos x="T110" y="T111"/>
-                </a:cxn>
-                <a:cxn ang="0">
-                  <a:pos x="T112" y="T113"/>
-                </a:cxn>
-                <a:cxn ang="0">
-                  <a:pos x="T114" y="T115"/>
-                </a:cxn>
-                <a:cxn ang="0">
-                  <a:pos x="T116" y="T117"/>
-                </a:cxn>
-                <a:cxn ang="0">
-                  <a:pos x="T118" y="T119"/>
-                </a:cxn>
-              </a:cxnLst>
-              <a:rect l="0" t="0" r="r" b="b"/>
-              <a:pathLst>
-                <a:path w="336" h="540">
-                  <a:moveTo>
-                    <a:pt x="168" y="204"/>
-                  </a:moveTo>
-                  <a:lnTo>
-                    <a:pt x="154" y="204"/>
-                  </a:lnTo>
-                  <a:lnTo>
-                    <a:pt x="140" y="206"/>
-                  </a:lnTo>
-                  <a:lnTo>
-                    <a:pt x="126" y="209"/>
-                  </a:lnTo>
-                  <a:lnTo>
-                    <a:pt x="112" y="213"/>
-                  </a:lnTo>
-                  <a:lnTo>
-                    <a:pt x="100" y="218"/>
-                  </a:lnTo>
-                  <a:lnTo>
-                    <a:pt x="88" y="224"/>
-                  </a:lnTo>
-                  <a:lnTo>
-                    <a:pt x="76" y="232"/>
-                  </a:lnTo>
-                  <a:lnTo>
-                    <a:pt x="65" y="239"/>
-                  </a:lnTo>
-                  <a:lnTo>
-                    <a:pt x="73" y="214"/>
-                  </a:lnTo>
-                  <a:lnTo>
-                    <a:pt x="83" y="191"/>
-                  </a:lnTo>
-                  <a:lnTo>
-                    <a:pt x="94" y="170"/>
-                  </a:lnTo>
-                  <a:lnTo>
-                    <a:pt x="107" y="150"/>
-                  </a:lnTo>
-                  <a:lnTo>
-                    <a:pt x="120" y="133"/>
-                  </a:lnTo>
-                  <a:lnTo>
-                    <a:pt x="135" y="117"/>
-                  </a:lnTo>
-                  <a:lnTo>
-                    <a:pt x="150" y="104"/>
-                  </a:lnTo>
-                  <a:lnTo>
-                    <a:pt x="167" y="91"/>
-                  </a:lnTo>
-                  <a:lnTo>
-                    <a:pt x="183" y="80"/>
-                  </a:lnTo>
-                  <a:lnTo>
-                    <a:pt x="200" y="72"/>
-                  </a:lnTo>
-                  <a:lnTo>
-                    <a:pt x="218" y="64"/>
-                  </a:lnTo>
-                  <a:lnTo>
-                    <a:pt x="236" y="58"/>
-                  </a:lnTo>
-                  <a:lnTo>
-                    <a:pt x="255" y="54"/>
-                  </a:lnTo>
-                  <a:lnTo>
-                    <a:pt x="275" y="51"/>
-                  </a:lnTo>
-                  <a:lnTo>
-                    <a:pt x="294" y="49"/>
-                  </a:lnTo>
-                  <a:lnTo>
-                    <a:pt x="313" y="47"/>
-                  </a:lnTo>
-                  <a:lnTo>
-                    <a:pt x="317" y="47"/>
-                  </a:lnTo>
-                  <a:lnTo>
-                    <a:pt x="321" y="45"/>
-                  </a:lnTo>
-                  <a:lnTo>
-                    <a:pt x="325" y="43"/>
-                  </a:lnTo>
-                  <a:lnTo>
-                    <a:pt x="330" y="41"/>
-                  </a:lnTo>
-                  <a:lnTo>
-                    <a:pt x="332" y="37"/>
-                  </a:lnTo>
-                  <a:lnTo>
-                    <a:pt x="334" y="33"/>
-                  </a:lnTo>
-                  <a:lnTo>
-                    <a:pt x="336" y="28"/>
-                  </a:lnTo>
-                  <a:lnTo>
-                    <a:pt x="336" y="24"/>
-                  </a:lnTo>
-                  <a:lnTo>
-                    <a:pt x="336" y="19"/>
-                  </a:lnTo>
-                  <a:lnTo>
-                    <a:pt x="334" y="15"/>
-                  </a:lnTo>
-                  <a:lnTo>
-                    <a:pt x="332" y="10"/>
-                  </a:lnTo>
-                  <a:lnTo>
-                    <a:pt x="330" y="6"/>
-                  </a:lnTo>
-                  <a:lnTo>
-                    <a:pt x="325" y="4"/>
-                  </a:lnTo>
-                  <a:lnTo>
-                    <a:pt x="321" y="2"/>
-                  </a:lnTo>
-                  <a:lnTo>
-                    <a:pt x="317" y="0"/>
-                  </a:lnTo>
-                  <a:lnTo>
-                    <a:pt x="313" y="0"/>
-                  </a:lnTo>
-                  <a:lnTo>
-                    <a:pt x="295" y="0"/>
-                  </a:lnTo>
-                  <a:lnTo>
-                    <a:pt x="278" y="1"/>
-                  </a:lnTo>
-                  <a:lnTo>
-                    <a:pt x="261" y="3"/>
-                  </a:lnTo>
-                  <a:lnTo>
-                    <a:pt x="244" y="6"/>
-                  </a:lnTo>
-                  <a:lnTo>
-                    <a:pt x="228" y="10"/>
-                  </a:lnTo>
-                  <a:lnTo>
-                    <a:pt x="213" y="15"/>
-                  </a:lnTo>
-                  <a:lnTo>
-                    <a:pt x="198" y="20"/>
-                  </a:lnTo>
-                  <a:lnTo>
-                    <a:pt x="183" y="26"/>
-                  </a:lnTo>
-                  <a:lnTo>
-                    <a:pt x="170" y="33"/>
-                  </a:lnTo>
-                  <a:lnTo>
-                    <a:pt x="156" y="40"/>
-                  </a:lnTo>
-                  <a:lnTo>
-                    <a:pt x="142" y="49"/>
-                  </a:lnTo>
-                  <a:lnTo>
-                    <a:pt x="131" y="58"/>
-                  </a:lnTo>
-                  <a:lnTo>
-                    <a:pt x="118" y="68"/>
-                  </a:lnTo>
-                  <a:lnTo>
-                    <a:pt x="106" y="78"/>
-                  </a:lnTo>
-                  <a:lnTo>
-                    <a:pt x="96" y="89"/>
-                  </a:lnTo>
-                  <a:lnTo>
-                    <a:pt x="85" y="101"/>
-                  </a:lnTo>
-                  <a:lnTo>
-                    <a:pt x="75" y="113"/>
-                  </a:lnTo>
-                  <a:lnTo>
-                    <a:pt x="66" y="127"/>
-                  </a:lnTo>
-                  <a:lnTo>
-                    <a:pt x="56" y="141"/>
-                  </a:lnTo>
-                  <a:lnTo>
-                    <a:pt x="49" y="154"/>
-                  </a:lnTo>
-                  <a:lnTo>
-                    <a:pt x="42" y="170"/>
-                  </a:lnTo>
-                  <a:lnTo>
-                    <a:pt x="34" y="185"/>
-                  </a:lnTo>
-                  <a:lnTo>
-                    <a:pt x="28" y="202"/>
-                  </a:lnTo>
-                  <a:lnTo>
-                    <a:pt x="22" y="218"/>
-                  </a:lnTo>
-                  <a:lnTo>
-                    <a:pt x="17" y="236"/>
-                  </a:lnTo>
-                  <a:lnTo>
-                    <a:pt x="13" y="254"/>
-                  </a:lnTo>
-                  <a:lnTo>
-                    <a:pt x="9" y="272"/>
-                  </a:lnTo>
-                  <a:lnTo>
-                    <a:pt x="6" y="291"/>
-                  </a:lnTo>
-                  <a:lnTo>
-                    <a:pt x="3" y="310"/>
-                  </a:lnTo>
-                  <a:lnTo>
-                    <a:pt x="1" y="330"/>
-                  </a:lnTo>
-                  <a:lnTo>
-                    <a:pt x="0" y="351"/>
-                  </a:lnTo>
-                  <a:lnTo>
-                    <a:pt x="0" y="371"/>
-                  </a:lnTo>
-                  <a:lnTo>
-                    <a:pt x="0" y="390"/>
-                  </a:lnTo>
-                  <a:lnTo>
-                    <a:pt x="3" y="405"/>
-                  </a:lnTo>
-                  <a:lnTo>
-                    <a:pt x="8" y="422"/>
-                  </a:lnTo>
-                  <a:lnTo>
-                    <a:pt x="13" y="437"/>
-                  </a:lnTo>
-                  <a:lnTo>
-                    <a:pt x="20" y="452"/>
-                  </a:lnTo>
-                  <a:lnTo>
-                    <a:pt x="29" y="466"/>
-                  </a:lnTo>
-                  <a:lnTo>
-                    <a:pt x="38" y="478"/>
-                  </a:lnTo>
-                  <a:lnTo>
-                    <a:pt x="49" y="491"/>
-                  </a:lnTo>
-                  <a:lnTo>
-                    <a:pt x="61" y="502"/>
-                  </a:lnTo>
-                  <a:lnTo>
-                    <a:pt x="74" y="511"/>
-                  </a:lnTo>
-                  <a:lnTo>
-                    <a:pt x="88" y="520"/>
-                  </a:lnTo>
-                  <a:lnTo>
-                    <a:pt x="103" y="527"/>
-                  </a:lnTo>
-                  <a:lnTo>
-                    <a:pt x="118" y="532"/>
-                  </a:lnTo>
-                  <a:lnTo>
-                    <a:pt x="134" y="537"/>
-                  </a:lnTo>
-                  <a:lnTo>
-                    <a:pt x="151" y="539"/>
-                  </a:lnTo>
-                  <a:lnTo>
-                    <a:pt x="168" y="540"/>
-                  </a:lnTo>
-                  <a:lnTo>
-                    <a:pt x="186" y="539"/>
-                  </a:lnTo>
-                  <a:lnTo>
-                    <a:pt x="201" y="537"/>
-                  </a:lnTo>
-                  <a:lnTo>
-                    <a:pt x="218" y="532"/>
-                  </a:lnTo>
-                  <a:lnTo>
-                    <a:pt x="233" y="527"/>
-                  </a:lnTo>
-                  <a:lnTo>
-                    <a:pt x="248" y="520"/>
-                  </a:lnTo>
-                  <a:lnTo>
-                    <a:pt x="262" y="511"/>
-                  </a:lnTo>
-                  <a:lnTo>
-                    <a:pt x="275" y="502"/>
-                  </a:lnTo>
-                  <a:lnTo>
-                    <a:pt x="287" y="491"/>
-                  </a:lnTo>
-                  <a:lnTo>
-                    <a:pt x="298" y="478"/>
-                  </a:lnTo>
-                  <a:lnTo>
-                    <a:pt x="307" y="466"/>
-                  </a:lnTo>
-                  <a:lnTo>
-                    <a:pt x="316" y="452"/>
-                  </a:lnTo>
-                  <a:lnTo>
-                    <a:pt x="323" y="437"/>
-                  </a:lnTo>
-                  <a:lnTo>
-                    <a:pt x="329" y="422"/>
-                  </a:lnTo>
-                  <a:lnTo>
-                    <a:pt x="333" y="405"/>
-                  </a:lnTo>
-                  <a:lnTo>
-                    <a:pt x="335" y="390"/>
-                  </a:lnTo>
-                  <a:lnTo>
-                    <a:pt x="336" y="371"/>
-                  </a:lnTo>
-                  <a:lnTo>
-                    <a:pt x="335" y="355"/>
-                  </a:lnTo>
-                  <a:lnTo>
-                    <a:pt x="333" y="338"/>
-                  </a:lnTo>
-                  <a:lnTo>
-                    <a:pt x="329" y="322"/>
-                  </a:lnTo>
-                  <a:lnTo>
-                    <a:pt x="323" y="307"/>
-                  </a:lnTo>
-                  <a:lnTo>
-                    <a:pt x="316" y="292"/>
-                  </a:lnTo>
-                  <a:lnTo>
-                    <a:pt x="307" y="278"/>
-                  </a:lnTo>
-                  <a:lnTo>
-                    <a:pt x="298" y="265"/>
-                  </a:lnTo>
-                  <a:lnTo>
-                    <a:pt x="287" y="253"/>
-                  </a:lnTo>
-                  <a:lnTo>
-                    <a:pt x="275" y="242"/>
-                  </a:lnTo>
-                  <a:lnTo>
-                    <a:pt x="262" y="233"/>
-                  </a:lnTo>
-                  <a:lnTo>
-                    <a:pt x="248" y="224"/>
-                  </a:lnTo>
-                  <a:lnTo>
-                    <a:pt x="233" y="217"/>
-                  </a:lnTo>
-                  <a:lnTo>
-                    <a:pt x="218" y="212"/>
-                  </a:lnTo>
-                  <a:lnTo>
-                    <a:pt x="201" y="207"/>
-                  </a:lnTo>
-                  <a:lnTo>
-                    <a:pt x="186" y="204"/>
-                  </a:lnTo>
-                  <a:lnTo>
-                    <a:pt x="168" y="204"/>
-                  </a:lnTo>
-                  <a:close/>
-                </a:path>
-              </a:pathLst>
-            </a:custGeom>
-            <a:grpFill/>
-            <a:ln>
-              <a:noFill/>
-            </a:ln>
-            <a:extLst>
-              <a:ext uri="{91240B29-F687-4F45-9708-019B960494DF}">
-                <a14:hiddenLine xmlns:a14="http://schemas.microsoft.com/office/drawing/2010/main" w="9525">
-                  <a:solidFill>
-                    <a:srgbClr val="000000"/>
-                  </a:solidFill>
-                  <a:round/>
-                  <a:headEnd/>
-                  <a:tailEnd/>
-                </a14:hiddenLine>
-              </a:ext>
-            </a:extLst>
-          </p:spPr>
-          <p:txBody>
-            <a:bodyPr vert="horz" wrap="square" lIns="91440" tIns="45720" rIns="91440" bIns="45720" numCol="1" anchor="t" anchorCtr="0" compatLnSpc="1">
-              <a:prstTxWarp prst="textNoShape">
-                <a:avLst/>
-              </a:prstTxWarp>
-            </a:bodyPr>
-            <a:lstStyle/>
-            <a:p>
-              <a:endParaRPr lang="en-US">
-                <a:latin typeface="A GALEGA" pitchFamily="50" charset="0"/>
-              </a:endParaRPr>
-            </a:p>
-          </p:txBody>
-        </p:sp>
-      </p:grpSp>
-      <p:sp>
-        <p:nvSpPr>
-          <p:cNvPr id="184" name="Rectangle 183">
-            <a:extLst>
-              <a:ext uri="{FF2B5EF4-FFF2-40B4-BE49-F238E27FC236}">
-                <a16:creationId xmlns:a16="http://schemas.microsoft.com/office/drawing/2014/main" id="{BED93381-124D-4F83-9A70-983905BCDEE5}"/>
-              </a:ext>
-            </a:extLst>
-          </p:cNvPr>
-          <p:cNvSpPr/>
-          <p:nvPr/>
-        </p:nvSpPr>
-        <p:spPr>
-          <a:xfrm>
-            <a:off x="9152662" y="2148293"/>
-            <a:ext cx="2741750" cy="2332946"/>
-          </a:xfrm>
-          <a:prstGeom prst="rect">
-            <a:avLst/>
-          </a:prstGeom>
-        </p:spPr>
-        <p:txBody>
-          <a:bodyPr wrap="square">
-            <a:spAutoFit/>
-          </a:bodyPr>
-          <a:lstStyle/>
-          <a:p>
-            <a:pPr>
-              <a:lnSpc>
-                <a:spcPct val="130000"/>
-              </a:lnSpc>
-            </a:pPr>
-            <a:r>
-              <a:rPr lang="en-US" sz="1400" dirty="0">
-                <a:solidFill>
-                  <a:schemeClr val="tx1">
-                    <a:lumMod val="75000"/>
-                    <a:lumOff val="25000"/>
-                  </a:schemeClr>
-                </a:solidFill>
-                <a:latin typeface="Segoe UI Light" panose="020B0502040204020203" pitchFamily="34" charset="0"/>
-                <a:cs typeface="Segoe UI Light" panose="020B0502040204020203" pitchFamily="34" charset="0"/>
-              </a:rPr>
-              <a:t>Lorem ipsum dolor sit </a:t>
-            </a:r>
-            <a:r>
-              <a:rPr lang="en-US" sz="1400" dirty="0" err="1">
-                <a:solidFill>
-                  <a:schemeClr val="tx1">
-                    <a:lumMod val="75000"/>
-                    <a:lumOff val="25000"/>
-                  </a:schemeClr>
-                </a:solidFill>
-                <a:latin typeface="Segoe UI Light" panose="020B0502040204020203" pitchFamily="34" charset="0"/>
-                <a:cs typeface="Segoe UI Light" panose="020B0502040204020203" pitchFamily="34" charset="0"/>
-              </a:rPr>
-              <a:t>amet</a:t>
-            </a:r>
-            <a:r>
-              <a:rPr lang="en-US" sz="1400" dirty="0">
-                <a:solidFill>
-                  <a:schemeClr val="tx1">
-                    <a:lumMod val="75000"/>
-                    <a:lumOff val="25000"/>
-                  </a:schemeClr>
-                </a:solidFill>
-                <a:latin typeface="Segoe UI Light" panose="020B0502040204020203" pitchFamily="34" charset="0"/>
-                <a:cs typeface="Segoe UI Light" panose="020B0502040204020203" pitchFamily="34" charset="0"/>
-              </a:rPr>
-              <a:t>, </a:t>
-            </a:r>
-            <a:r>
-              <a:rPr lang="en-US" sz="1400" dirty="0" err="1">
-                <a:solidFill>
-                  <a:schemeClr val="tx1">
-                    <a:lumMod val="75000"/>
-                    <a:lumOff val="25000"/>
-                  </a:schemeClr>
-                </a:solidFill>
-                <a:latin typeface="Segoe UI Light" panose="020B0502040204020203" pitchFamily="34" charset="0"/>
-                <a:cs typeface="Segoe UI Light" panose="020B0502040204020203" pitchFamily="34" charset="0"/>
-              </a:rPr>
-              <a:t>consectetur</a:t>
-            </a:r>
-            <a:r>
-              <a:rPr lang="en-US" sz="1400" dirty="0">
-                <a:solidFill>
-                  <a:schemeClr val="tx1">
-                    <a:lumMod val="75000"/>
-                    <a:lumOff val="25000"/>
-                  </a:schemeClr>
-                </a:solidFill>
-                <a:latin typeface="Segoe UI Light" panose="020B0502040204020203" pitchFamily="34" charset="0"/>
-                <a:cs typeface="Segoe UI Light" panose="020B0502040204020203" pitchFamily="34" charset="0"/>
-              </a:rPr>
-              <a:t> </a:t>
-            </a:r>
-            <a:r>
-              <a:rPr lang="en-US" sz="1400" dirty="0" err="1">
-                <a:solidFill>
-                  <a:schemeClr val="tx1">
-                    <a:lumMod val="75000"/>
-                    <a:lumOff val="25000"/>
-                  </a:schemeClr>
-                </a:solidFill>
-                <a:latin typeface="Segoe UI Light" panose="020B0502040204020203" pitchFamily="34" charset="0"/>
-                <a:cs typeface="Segoe UI Light" panose="020B0502040204020203" pitchFamily="34" charset="0"/>
-              </a:rPr>
-              <a:t>adipiscing</a:t>
-            </a:r>
-            <a:r>
-              <a:rPr lang="en-US" sz="1400" dirty="0">
-                <a:solidFill>
-                  <a:schemeClr val="tx1">
-                    <a:lumMod val="75000"/>
-                    <a:lumOff val="25000"/>
-                  </a:schemeClr>
-                </a:solidFill>
-                <a:latin typeface="Segoe UI Light" panose="020B0502040204020203" pitchFamily="34" charset="0"/>
-                <a:cs typeface="Segoe UI Light" panose="020B0502040204020203" pitchFamily="34" charset="0"/>
-              </a:rPr>
-              <a:t> </a:t>
-            </a:r>
-            <a:r>
-              <a:rPr lang="en-US" sz="1400" dirty="0" err="1">
-                <a:solidFill>
-                  <a:schemeClr val="tx1">
-                    <a:lumMod val="75000"/>
-                    <a:lumOff val="25000"/>
-                  </a:schemeClr>
-                </a:solidFill>
-                <a:latin typeface="Segoe UI Light" panose="020B0502040204020203" pitchFamily="34" charset="0"/>
-                <a:cs typeface="Segoe UI Light" panose="020B0502040204020203" pitchFamily="34" charset="0"/>
-              </a:rPr>
-              <a:t>elit</a:t>
-            </a:r>
-            <a:r>
-              <a:rPr lang="en-US" sz="1400" dirty="0">
-                <a:solidFill>
-                  <a:schemeClr val="tx1">
-                    <a:lumMod val="75000"/>
-                    <a:lumOff val="25000"/>
-                  </a:schemeClr>
-                </a:solidFill>
-                <a:latin typeface="Segoe UI Light" panose="020B0502040204020203" pitchFamily="34" charset="0"/>
-                <a:cs typeface="Segoe UI Light" panose="020B0502040204020203" pitchFamily="34" charset="0"/>
-              </a:rPr>
-              <a:t>, </a:t>
-            </a:r>
-            <a:r>
-              <a:rPr lang="en-US" sz="1400" dirty="0" err="1">
-                <a:solidFill>
-                  <a:schemeClr val="tx1">
-                    <a:lumMod val="75000"/>
-                    <a:lumOff val="25000"/>
-                  </a:schemeClr>
-                </a:solidFill>
-                <a:latin typeface="Segoe UI Light" panose="020B0502040204020203" pitchFamily="34" charset="0"/>
-                <a:cs typeface="Segoe UI Light" panose="020B0502040204020203" pitchFamily="34" charset="0"/>
-              </a:rPr>
-              <a:t>sed</a:t>
-            </a:r>
-            <a:r>
-              <a:rPr lang="en-US" sz="1400" dirty="0">
-                <a:solidFill>
-                  <a:schemeClr val="tx1">
-                    <a:lumMod val="75000"/>
-                    <a:lumOff val="25000"/>
-                  </a:schemeClr>
-                </a:solidFill>
-                <a:latin typeface="Segoe UI Light" panose="020B0502040204020203" pitchFamily="34" charset="0"/>
-                <a:cs typeface="Segoe UI Light" panose="020B0502040204020203" pitchFamily="34" charset="0"/>
-              </a:rPr>
-              <a:t> do </a:t>
-            </a:r>
-            <a:r>
-              <a:rPr lang="en-US" sz="1400" dirty="0" err="1">
-                <a:solidFill>
-                  <a:schemeClr val="tx1">
-                    <a:lumMod val="75000"/>
-                    <a:lumOff val="25000"/>
-                  </a:schemeClr>
-                </a:solidFill>
-                <a:latin typeface="Segoe UI Light" panose="020B0502040204020203" pitchFamily="34" charset="0"/>
-                <a:cs typeface="Segoe UI Light" panose="020B0502040204020203" pitchFamily="34" charset="0"/>
-              </a:rPr>
-              <a:t>eiusmod</a:t>
-            </a:r>
-            <a:r>
-              <a:rPr lang="en-US" sz="1400" dirty="0">
-                <a:solidFill>
-                  <a:schemeClr val="tx1">
-                    <a:lumMod val="75000"/>
-                    <a:lumOff val="25000"/>
-                  </a:schemeClr>
-                </a:solidFill>
-                <a:latin typeface="Segoe UI Light" panose="020B0502040204020203" pitchFamily="34" charset="0"/>
-                <a:cs typeface="Segoe UI Light" panose="020B0502040204020203" pitchFamily="34" charset="0"/>
-              </a:rPr>
-              <a:t> </a:t>
-            </a:r>
-            <a:r>
-              <a:rPr lang="en-US" sz="1400" dirty="0" err="1">
-                <a:solidFill>
-                  <a:schemeClr val="tx1">
-                    <a:lumMod val="75000"/>
-                    <a:lumOff val="25000"/>
-                  </a:schemeClr>
-                </a:solidFill>
-                <a:latin typeface="Segoe UI Light" panose="020B0502040204020203" pitchFamily="34" charset="0"/>
-                <a:cs typeface="Segoe UI Light" panose="020B0502040204020203" pitchFamily="34" charset="0"/>
-              </a:rPr>
-              <a:t>tempor</a:t>
-            </a:r>
-            <a:r>
-              <a:rPr lang="en-US" sz="1400" dirty="0">
-                <a:solidFill>
-                  <a:schemeClr val="tx1">
-                    <a:lumMod val="75000"/>
-                    <a:lumOff val="25000"/>
-                  </a:schemeClr>
-                </a:solidFill>
-                <a:latin typeface="Segoe UI Light" panose="020B0502040204020203" pitchFamily="34" charset="0"/>
-                <a:cs typeface="Segoe UI Light" panose="020B0502040204020203" pitchFamily="34" charset="0"/>
-              </a:rPr>
-              <a:t> </a:t>
-            </a:r>
-            <a:r>
-              <a:rPr lang="en-US" sz="1400" dirty="0" err="1">
-                <a:solidFill>
-                  <a:schemeClr val="tx1">
-                    <a:lumMod val="75000"/>
-                    <a:lumOff val="25000"/>
-                  </a:schemeClr>
-                </a:solidFill>
-                <a:latin typeface="Segoe UI Light" panose="020B0502040204020203" pitchFamily="34" charset="0"/>
-                <a:cs typeface="Segoe UI Light" panose="020B0502040204020203" pitchFamily="34" charset="0"/>
-              </a:rPr>
-              <a:t>incididunt</a:t>
-            </a:r>
-            <a:r>
-              <a:rPr lang="en-US" sz="1400" dirty="0">
-                <a:solidFill>
-                  <a:schemeClr val="tx1">
-                    <a:lumMod val="75000"/>
-                    <a:lumOff val="25000"/>
-                  </a:schemeClr>
-                </a:solidFill>
-                <a:latin typeface="Segoe UI Light" panose="020B0502040204020203" pitchFamily="34" charset="0"/>
-                <a:cs typeface="Segoe UI Light" panose="020B0502040204020203" pitchFamily="34" charset="0"/>
-              </a:rPr>
-              <a:t> </a:t>
-            </a:r>
-            <a:r>
-              <a:rPr lang="en-US" sz="1400" dirty="0" err="1">
-                <a:solidFill>
-                  <a:schemeClr val="tx1">
-                    <a:lumMod val="75000"/>
-                    <a:lumOff val="25000"/>
-                  </a:schemeClr>
-                </a:solidFill>
-                <a:latin typeface="Segoe UI Light" panose="020B0502040204020203" pitchFamily="34" charset="0"/>
-                <a:cs typeface="Segoe UI Light" panose="020B0502040204020203" pitchFamily="34" charset="0"/>
-              </a:rPr>
-              <a:t>ut</a:t>
-            </a:r>
-            <a:r>
-              <a:rPr lang="en-US" sz="1400" dirty="0">
-                <a:solidFill>
-                  <a:schemeClr val="tx1">
-                    <a:lumMod val="75000"/>
-                    <a:lumOff val="25000"/>
-                  </a:schemeClr>
-                </a:solidFill>
-                <a:latin typeface="Segoe UI Light" panose="020B0502040204020203" pitchFamily="34" charset="0"/>
-                <a:cs typeface="Segoe UI Light" panose="020B0502040204020203" pitchFamily="34" charset="0"/>
-              </a:rPr>
-              <a:t> </a:t>
-            </a:r>
-            <a:r>
-              <a:rPr lang="en-US" sz="1400" dirty="0" err="1">
-                <a:solidFill>
-                  <a:schemeClr val="tx1">
-                    <a:lumMod val="75000"/>
-                    <a:lumOff val="25000"/>
-                  </a:schemeClr>
-                </a:solidFill>
-                <a:latin typeface="Segoe UI Light" panose="020B0502040204020203" pitchFamily="34" charset="0"/>
-                <a:cs typeface="Segoe UI Light" panose="020B0502040204020203" pitchFamily="34" charset="0"/>
-              </a:rPr>
-              <a:t>labore</a:t>
-            </a:r>
-            <a:r>
-              <a:rPr lang="en-US" sz="1400" dirty="0">
-                <a:solidFill>
-                  <a:schemeClr val="tx1">
-                    <a:lumMod val="75000"/>
-                    <a:lumOff val="25000"/>
-                  </a:schemeClr>
-                </a:solidFill>
-                <a:latin typeface="Segoe UI Light" panose="020B0502040204020203" pitchFamily="34" charset="0"/>
-                <a:cs typeface="Segoe UI Light" panose="020B0502040204020203" pitchFamily="34" charset="0"/>
-              </a:rPr>
-              <a:t> et dolore magna </a:t>
-            </a:r>
-            <a:r>
-              <a:rPr lang="en-US" sz="1400" dirty="0" err="1">
-                <a:solidFill>
-                  <a:schemeClr val="tx1">
-                    <a:lumMod val="75000"/>
-                    <a:lumOff val="25000"/>
-                  </a:schemeClr>
-                </a:solidFill>
-                <a:latin typeface="Segoe UI Light" panose="020B0502040204020203" pitchFamily="34" charset="0"/>
-                <a:cs typeface="Segoe UI Light" panose="020B0502040204020203" pitchFamily="34" charset="0"/>
-              </a:rPr>
-              <a:t>aliqua</a:t>
-            </a:r>
-            <a:r>
-              <a:rPr lang="en-US" sz="1400" dirty="0">
-                <a:solidFill>
-                  <a:schemeClr val="tx1">
-                    <a:lumMod val="75000"/>
-                    <a:lumOff val="25000"/>
-                  </a:schemeClr>
-                </a:solidFill>
-                <a:latin typeface="Segoe UI Light" panose="020B0502040204020203" pitchFamily="34" charset="0"/>
-                <a:cs typeface="Segoe UI Light" panose="020B0502040204020203" pitchFamily="34" charset="0"/>
-              </a:rPr>
-              <a:t>. Ut </a:t>
-            </a:r>
-            <a:r>
-              <a:rPr lang="en-US" sz="1400" dirty="0" err="1">
-                <a:solidFill>
-                  <a:schemeClr val="tx1">
-                    <a:lumMod val="75000"/>
-                    <a:lumOff val="25000"/>
-                  </a:schemeClr>
-                </a:solidFill>
-                <a:latin typeface="Segoe UI Light" panose="020B0502040204020203" pitchFamily="34" charset="0"/>
-                <a:cs typeface="Segoe UI Light" panose="020B0502040204020203" pitchFamily="34" charset="0"/>
-              </a:rPr>
-              <a:t>enim</a:t>
-            </a:r>
-            <a:r>
-              <a:rPr lang="en-US" sz="1400" dirty="0">
-                <a:solidFill>
-                  <a:schemeClr val="tx1">
-                    <a:lumMod val="75000"/>
-                    <a:lumOff val="25000"/>
-                  </a:schemeClr>
-                </a:solidFill>
-                <a:latin typeface="Segoe UI Light" panose="020B0502040204020203" pitchFamily="34" charset="0"/>
-                <a:cs typeface="Segoe UI Light" panose="020B0502040204020203" pitchFamily="34" charset="0"/>
-              </a:rPr>
-              <a:t> ad minim </a:t>
-            </a:r>
-            <a:r>
-              <a:rPr lang="en-US" sz="1400" dirty="0" err="1">
-                <a:solidFill>
-                  <a:schemeClr val="tx1">
-                    <a:lumMod val="75000"/>
-                    <a:lumOff val="25000"/>
-                  </a:schemeClr>
-                </a:solidFill>
-                <a:latin typeface="Segoe UI Light" panose="020B0502040204020203" pitchFamily="34" charset="0"/>
-                <a:cs typeface="Segoe UI Light" panose="020B0502040204020203" pitchFamily="34" charset="0"/>
-              </a:rPr>
-              <a:t>veniam</a:t>
-            </a:r>
-            <a:r>
-              <a:rPr lang="en-US" sz="1400" dirty="0">
-                <a:solidFill>
-                  <a:schemeClr val="tx1">
-                    <a:lumMod val="75000"/>
-                    <a:lumOff val="25000"/>
-                  </a:schemeClr>
-                </a:solidFill>
-                <a:latin typeface="Segoe UI Light" panose="020B0502040204020203" pitchFamily="34" charset="0"/>
-                <a:cs typeface="Segoe UI Light" panose="020B0502040204020203" pitchFamily="34" charset="0"/>
-              </a:rPr>
-              <a:t>, </a:t>
-            </a:r>
-            <a:r>
-              <a:rPr lang="en-US" sz="1400" dirty="0" err="1">
-                <a:solidFill>
-                  <a:schemeClr val="tx1">
-                    <a:lumMod val="75000"/>
-                    <a:lumOff val="25000"/>
-                  </a:schemeClr>
-                </a:solidFill>
-                <a:latin typeface="Segoe UI Light" panose="020B0502040204020203" pitchFamily="34" charset="0"/>
-                <a:cs typeface="Segoe UI Light" panose="020B0502040204020203" pitchFamily="34" charset="0"/>
-              </a:rPr>
-              <a:t>quis</a:t>
-            </a:r>
-            <a:r>
-              <a:rPr lang="en-US" sz="1400" dirty="0">
-                <a:solidFill>
-                  <a:schemeClr val="tx1">
-                    <a:lumMod val="75000"/>
-                    <a:lumOff val="25000"/>
-                  </a:schemeClr>
-                </a:solidFill>
-                <a:latin typeface="Segoe UI Light" panose="020B0502040204020203" pitchFamily="34" charset="0"/>
-                <a:cs typeface="Segoe UI Light" panose="020B0502040204020203" pitchFamily="34" charset="0"/>
-              </a:rPr>
-              <a:t> </a:t>
-            </a:r>
-            <a:r>
-              <a:rPr lang="en-US" sz="1400" dirty="0" err="1">
-                <a:solidFill>
-                  <a:schemeClr val="tx1">
-                    <a:lumMod val="75000"/>
-                    <a:lumOff val="25000"/>
-                  </a:schemeClr>
-                </a:solidFill>
-                <a:latin typeface="Segoe UI Light" panose="020B0502040204020203" pitchFamily="34" charset="0"/>
-                <a:cs typeface="Segoe UI Light" panose="020B0502040204020203" pitchFamily="34" charset="0"/>
-              </a:rPr>
-              <a:t>nostrud</a:t>
-            </a:r>
-            <a:r>
-              <a:rPr lang="en-US" sz="1400" dirty="0">
-                <a:solidFill>
-                  <a:schemeClr val="tx1">
-                    <a:lumMod val="75000"/>
-                    <a:lumOff val="25000"/>
-                  </a:schemeClr>
-                </a:solidFill>
-                <a:latin typeface="Segoe UI Light" panose="020B0502040204020203" pitchFamily="34" charset="0"/>
-                <a:cs typeface="Segoe UI Light" panose="020B0502040204020203" pitchFamily="34" charset="0"/>
-              </a:rPr>
-              <a:t> exercitation </a:t>
-            </a:r>
-            <a:r>
-              <a:rPr lang="en-US" sz="1400" dirty="0" err="1">
-                <a:solidFill>
-                  <a:schemeClr val="tx1">
-                    <a:lumMod val="75000"/>
-                    <a:lumOff val="25000"/>
-                  </a:schemeClr>
-                </a:solidFill>
-                <a:latin typeface="Segoe UI Light" panose="020B0502040204020203" pitchFamily="34" charset="0"/>
-                <a:cs typeface="Segoe UI Light" panose="020B0502040204020203" pitchFamily="34" charset="0"/>
-              </a:rPr>
-              <a:t>ullamco</a:t>
-            </a:r>
-            <a:r>
-              <a:rPr lang="en-US" sz="1400" dirty="0">
-                <a:solidFill>
-                  <a:schemeClr val="tx1">
-                    <a:lumMod val="75000"/>
-                    <a:lumOff val="25000"/>
-                  </a:schemeClr>
-                </a:solidFill>
-                <a:latin typeface="Segoe UI Light" panose="020B0502040204020203" pitchFamily="34" charset="0"/>
-                <a:cs typeface="Segoe UI Light" panose="020B0502040204020203" pitchFamily="34" charset="0"/>
-              </a:rPr>
-              <a:t> </a:t>
-            </a:r>
-            <a:r>
-              <a:rPr lang="en-US" sz="1400" dirty="0" err="1">
-                <a:solidFill>
-                  <a:schemeClr val="tx1">
-                    <a:lumMod val="75000"/>
-                    <a:lumOff val="25000"/>
-                  </a:schemeClr>
-                </a:solidFill>
-                <a:latin typeface="Segoe UI Light" panose="020B0502040204020203" pitchFamily="34" charset="0"/>
-                <a:cs typeface="Segoe UI Light" panose="020B0502040204020203" pitchFamily="34" charset="0"/>
-              </a:rPr>
-              <a:t>laboris</a:t>
-            </a:r>
-            <a:r>
-              <a:rPr lang="en-US" sz="1400" dirty="0">
-                <a:solidFill>
-                  <a:schemeClr val="tx1">
-                    <a:lumMod val="75000"/>
-                    <a:lumOff val="25000"/>
-                  </a:schemeClr>
-                </a:solidFill>
-                <a:latin typeface="Segoe UI Light" panose="020B0502040204020203" pitchFamily="34" charset="0"/>
-                <a:cs typeface="Segoe UI Light" panose="020B0502040204020203" pitchFamily="34" charset="0"/>
-              </a:rPr>
-              <a:t> nisi </a:t>
-            </a:r>
-            <a:r>
-              <a:rPr lang="en-US" sz="1400" dirty="0" err="1">
-                <a:solidFill>
-                  <a:schemeClr val="tx1">
-                    <a:lumMod val="75000"/>
-                    <a:lumOff val="25000"/>
-                  </a:schemeClr>
-                </a:solidFill>
-                <a:latin typeface="Segoe UI Light" panose="020B0502040204020203" pitchFamily="34" charset="0"/>
-                <a:cs typeface="Segoe UI Light" panose="020B0502040204020203" pitchFamily="34" charset="0"/>
-              </a:rPr>
-              <a:t>ut</a:t>
-            </a:r>
-            <a:r>
-              <a:rPr lang="en-US" sz="1400" dirty="0">
-                <a:solidFill>
-                  <a:schemeClr val="tx1">
-                    <a:lumMod val="75000"/>
-                    <a:lumOff val="25000"/>
-                  </a:schemeClr>
-                </a:solidFill>
-                <a:latin typeface="Segoe UI Light" panose="020B0502040204020203" pitchFamily="34" charset="0"/>
-                <a:cs typeface="Segoe UI Light" panose="020B0502040204020203" pitchFamily="34" charset="0"/>
-              </a:rPr>
-              <a:t> </a:t>
-            </a:r>
-            <a:r>
-              <a:rPr lang="en-US" sz="1400" dirty="0" err="1">
-                <a:solidFill>
-                  <a:schemeClr val="tx1">
-                    <a:lumMod val="75000"/>
-                    <a:lumOff val="25000"/>
-                  </a:schemeClr>
-                </a:solidFill>
-                <a:latin typeface="Segoe UI Light" panose="020B0502040204020203" pitchFamily="34" charset="0"/>
-                <a:cs typeface="Segoe UI Light" panose="020B0502040204020203" pitchFamily="34" charset="0"/>
-              </a:rPr>
-              <a:t>aliquip</a:t>
-            </a:r>
-            <a:r>
-              <a:rPr lang="en-US" sz="1400" dirty="0">
-                <a:solidFill>
-                  <a:schemeClr val="tx1">
-                    <a:lumMod val="75000"/>
-                    <a:lumOff val="25000"/>
-                  </a:schemeClr>
-                </a:solidFill>
-                <a:latin typeface="Segoe UI Light" panose="020B0502040204020203" pitchFamily="34" charset="0"/>
-                <a:cs typeface="Segoe UI Light" panose="020B0502040204020203" pitchFamily="34" charset="0"/>
-              </a:rPr>
-              <a:t> ex </a:t>
-            </a:r>
-            <a:r>
-              <a:rPr lang="en-US" sz="1400" dirty="0" err="1">
-                <a:solidFill>
-                  <a:schemeClr val="tx1">
-                    <a:lumMod val="75000"/>
-                    <a:lumOff val="25000"/>
-                  </a:schemeClr>
-                </a:solidFill>
-                <a:latin typeface="Segoe UI Light" panose="020B0502040204020203" pitchFamily="34" charset="0"/>
-                <a:cs typeface="Segoe UI Light" panose="020B0502040204020203" pitchFamily="34" charset="0"/>
-              </a:rPr>
-              <a:t>ea</a:t>
-            </a:r>
-            <a:r>
-              <a:rPr lang="en-US" sz="1400" dirty="0">
-                <a:solidFill>
-                  <a:schemeClr val="tx1">
-                    <a:lumMod val="75000"/>
-                    <a:lumOff val="25000"/>
-                  </a:schemeClr>
-                </a:solidFill>
-                <a:latin typeface="Segoe UI Light" panose="020B0502040204020203" pitchFamily="34" charset="0"/>
-                <a:cs typeface="Segoe UI Light" panose="020B0502040204020203" pitchFamily="34" charset="0"/>
-              </a:rPr>
-              <a:t> </a:t>
-            </a:r>
-            <a:r>
-              <a:rPr lang="en-US" sz="1400" dirty="0" err="1">
-                <a:solidFill>
-                  <a:schemeClr val="tx1">
-                    <a:lumMod val="75000"/>
-                    <a:lumOff val="25000"/>
-                  </a:schemeClr>
-                </a:solidFill>
-                <a:latin typeface="Segoe UI Light" panose="020B0502040204020203" pitchFamily="34" charset="0"/>
-                <a:cs typeface="Segoe UI Light" panose="020B0502040204020203" pitchFamily="34" charset="0"/>
-              </a:rPr>
-              <a:t>commodo</a:t>
-            </a:r>
-            <a:r>
-              <a:rPr lang="en-US" sz="1400" dirty="0">
-                <a:solidFill>
-                  <a:schemeClr val="tx1">
-                    <a:lumMod val="75000"/>
-                    <a:lumOff val="25000"/>
-                  </a:schemeClr>
-                </a:solidFill>
-                <a:latin typeface="Segoe UI Light" panose="020B0502040204020203" pitchFamily="34" charset="0"/>
-                <a:cs typeface="Segoe UI Light" panose="020B0502040204020203" pitchFamily="34" charset="0"/>
-              </a:rPr>
-              <a:t> </a:t>
-            </a:r>
-            <a:r>
-              <a:rPr lang="en-US" sz="1400" dirty="0" err="1">
-                <a:solidFill>
-                  <a:schemeClr val="tx1">
-                    <a:lumMod val="75000"/>
-                    <a:lumOff val="25000"/>
-                  </a:schemeClr>
-                </a:solidFill>
-                <a:latin typeface="Segoe UI Light" panose="020B0502040204020203" pitchFamily="34" charset="0"/>
-                <a:cs typeface="Segoe UI Light" panose="020B0502040204020203" pitchFamily="34" charset="0"/>
-              </a:rPr>
-              <a:t>consequat</a:t>
-            </a:r>
-            <a:r>
-              <a:rPr lang="en-US" sz="1400" dirty="0">
-                <a:solidFill>
-                  <a:schemeClr val="tx1">
-                    <a:lumMod val="75000"/>
-                    <a:lumOff val="25000"/>
-                  </a:schemeClr>
-                </a:solidFill>
-                <a:latin typeface="Segoe UI Light" panose="020B0502040204020203" pitchFamily="34" charset="0"/>
-                <a:cs typeface="Segoe UI Light" panose="020B0502040204020203" pitchFamily="34" charset="0"/>
-              </a:rPr>
-              <a:t>.</a:t>
-            </a:r>
-          </a:p>
-        </p:txBody>
-      </p:sp>
       <p:sp>
         <p:nvSpPr>
           <p:cNvPr id="2" name="Date Placeholder 1"/>
@@ -8111,7 +6104,7 @@
           <a:p>
             <a:fld id="{5D2A5BCA-CFD9-4AED-A589-E41154D4A6DF}" type="datetime1">
               <a:rPr lang="en-US" smtClean="0"/>
-              <a:t>11/4/2022</a:t>
+              <a:t>11/6/2022</a:t>
             </a:fld>
             <a:endParaRPr lang="en-US"/>
           </a:p>
@@ -8367,6 +6360,161 @@
           </p:txBody>
         </p:sp>
       </p:grpSp>
+      <p:pic>
+        <p:nvPicPr>
+          <p:cNvPr id="5" name="Afbeelding 4">
+            <a:extLst>
+              <a:ext uri="{FF2B5EF4-FFF2-40B4-BE49-F238E27FC236}">
+                <a16:creationId xmlns:a16="http://schemas.microsoft.com/office/drawing/2014/main" id="{49B9FE59-CEEE-A4BF-CDAD-5DB3E6D2E36C}"/>
+              </a:ext>
+            </a:extLst>
+          </p:cNvPr>
+          <p:cNvPicPr>
+            <a:picLocks noChangeAspect="1"/>
+          </p:cNvPicPr>
+          <p:nvPr/>
+        </p:nvPicPr>
+        <p:blipFill>
+          <a:blip r:embed="rId2">
+            <a:extLst>
+              <a:ext uri="{28A0092B-C50C-407E-A947-70E740481C1C}">
+                <a14:useLocalDpi xmlns:a14="http://schemas.microsoft.com/office/drawing/2010/main" val="0"/>
+              </a:ext>
+            </a:extLst>
+          </a:blip>
+          <a:stretch>
+            <a:fillRect/>
+          </a:stretch>
+        </p:blipFill>
+        <p:spPr>
+          <a:xfrm>
+            <a:off x="7050281" y="1838282"/>
+            <a:ext cx="4619714" cy="2887321"/>
+          </a:xfrm>
+          <a:prstGeom prst="rect">
+            <a:avLst/>
+          </a:prstGeom>
+        </p:spPr>
+      </p:pic>
+      <p:sp>
+        <p:nvSpPr>
+          <p:cNvPr id="6" name="Tekstvak 5">
+            <a:extLst>
+              <a:ext uri="{FF2B5EF4-FFF2-40B4-BE49-F238E27FC236}">
+                <a16:creationId xmlns:a16="http://schemas.microsoft.com/office/drawing/2014/main" id="{F10F8F79-E1B6-0F91-CCBC-ED84F56F6284}"/>
+              </a:ext>
+            </a:extLst>
+          </p:cNvPr>
+          <p:cNvSpPr txBox="1"/>
+          <p:nvPr/>
+        </p:nvSpPr>
+        <p:spPr>
+          <a:xfrm>
+            <a:off x="440896" y="1304824"/>
+            <a:ext cx="4560606" cy="2585323"/>
+          </a:xfrm>
+          <a:prstGeom prst="rect">
+            <a:avLst/>
+          </a:prstGeom>
+          <a:noFill/>
+        </p:spPr>
+        <p:txBody>
+          <a:bodyPr wrap="square" rtlCol="0">
+            <a:spAutoFit/>
+          </a:bodyPr>
+          <a:lstStyle/>
+          <a:p>
+            <a:r>
+              <a:rPr lang="nl-BE" dirty="0"/>
+              <a:t>JSON Document store</a:t>
+            </a:r>
+          </a:p>
+          <a:p>
+            <a:pPr marL="285750" indent="-285750">
+              <a:buFontTx/>
+              <a:buChar char="-"/>
+            </a:pPr>
+            <a:r>
+              <a:rPr lang="nl-BE" dirty="0" err="1"/>
+              <a:t>Collections</a:t>
+            </a:r>
+            <a:r>
+              <a:rPr lang="nl-BE" dirty="0"/>
+              <a:t> </a:t>
+            </a:r>
+            <a:r>
+              <a:rPr lang="nl-BE" dirty="0" err="1"/>
+              <a:t>ipv</a:t>
+            </a:r>
+            <a:r>
+              <a:rPr lang="nl-BE" dirty="0"/>
+              <a:t> </a:t>
+            </a:r>
+            <a:r>
+              <a:rPr lang="nl-BE" dirty="0" err="1"/>
+              <a:t>tables</a:t>
+            </a:r>
+            <a:endParaRPr lang="nl-BE" dirty="0"/>
+          </a:p>
+          <a:p>
+            <a:pPr marL="285750" indent="-285750">
+              <a:buFontTx/>
+              <a:buChar char="-"/>
+            </a:pPr>
+            <a:r>
+              <a:rPr lang="nl-BE" dirty="0"/>
+              <a:t>Ongeordende data</a:t>
+            </a:r>
+          </a:p>
+          <a:p>
+            <a:pPr marL="285750" indent="-285750">
+              <a:buFontTx/>
+              <a:buChar char="-"/>
+            </a:pPr>
+            <a:r>
+              <a:rPr lang="nl-BE" dirty="0"/>
+              <a:t>Werkt goed met OOP talen</a:t>
+            </a:r>
+          </a:p>
+          <a:p>
+            <a:pPr marL="285750" indent="-285750">
+              <a:buFontTx/>
+              <a:buChar char="-"/>
+            </a:pPr>
+            <a:r>
+              <a:rPr lang="nl-BE" dirty="0"/>
+              <a:t>Geen strikt database schema</a:t>
+            </a:r>
+          </a:p>
+          <a:p>
+            <a:pPr marL="285750" indent="-285750">
+              <a:buFontTx/>
+              <a:buChar char="-"/>
+            </a:pPr>
+            <a:endParaRPr lang="nl-BE" dirty="0"/>
+          </a:p>
+          <a:p>
+            <a:r>
+              <a:rPr lang="nl-BE" dirty="0"/>
+              <a:t>Zeer goede verticale en horizontale </a:t>
+            </a:r>
+            <a:r>
+              <a:rPr lang="nl-BE" dirty="0" err="1"/>
+              <a:t>scaling</a:t>
+            </a:r>
+            <a:endParaRPr lang="nl-BE" dirty="0"/>
+          </a:p>
+          <a:p>
+            <a:endParaRPr lang="nl-BE" dirty="0"/>
+          </a:p>
+          <a:p>
+            <a:r>
+              <a:rPr lang="nl-BE" dirty="0"/>
+              <a:t>Gemaakt voor projecten groot en klein</a:t>
+            </a:r>
+          </a:p>
+        </p:txBody>
+      </p:sp>
     </p:spTree>
     <p:extLst>
       <p:ext uri="{BB962C8B-B14F-4D97-AF65-F5344CB8AC3E}">
@@ -8414,7 +6562,7 @@
           <a:p>
             <a:fld id="{5D2A5BCA-CFD9-4AED-A589-E41154D4A6DF}" type="datetime1">
               <a:rPr lang="en-US" smtClean="0"/>
-              <a:t>11/4/2022</a:t>
+              <a:t>11/6/2022</a:t>
             </a:fld>
             <a:endParaRPr lang="en-US"/>
           </a:p>

--- a/Presentatie.pptx
+++ b/Presentatie.pptx
@@ -5,7 +5,7 @@
     <p:sldMasterId id="2147483648" r:id="rId1"/>
   </p:sldMasterIdLst>
   <p:notesMasterIdLst>
-    <p:notesMasterId r:id="rId10"/>
+    <p:notesMasterId r:id="rId9"/>
   </p:notesMasterIdLst>
   <p:sldIdLst>
     <p:sldId id="270" r:id="rId2"/>
@@ -15,7 +15,6 @@
     <p:sldId id="272" r:id="rId6"/>
     <p:sldId id="274" r:id="rId7"/>
     <p:sldId id="273" r:id="rId8"/>
-    <p:sldId id="263" r:id="rId9"/>
   </p:sldIdLst>
   <p:sldSz cx="12192000" cy="6858000"/>
   <p:notesSz cx="6858000" cy="9144000"/>
@@ -125,7 +124,7 @@
 <file path=ppt/revisionInfo.xml><?xml version="1.0" encoding="utf-8"?>
 <p1510:revInfo xmlns:a="http://schemas.openxmlformats.org/drawingml/2006/main" xmlns:r="http://schemas.openxmlformats.org/officeDocument/2006/relationships" xmlns:p1510="http://schemas.microsoft.com/office/powerpoint/2015/10/main">
   <p1510:revLst>
-    <p1510:client id="{F3E1E097-396B-4351-BB80-BBF05EFE94FF}" v="3" dt="2022-11-06T21:48:11.503"/>
+    <p1510:client id="{F3E1E097-396B-4351-BB80-BBF05EFE94FF}" v="10" dt="2022-11-09T10:00:32.737"/>
   </p1510:revLst>
 </p1510:revInfo>
 </file>
@@ -135,12 +134,161 @@
   <pc:docChgLst>
     <pc:chgData name="Jonas Leijzen" userId="e39d7f93f1dd7ed7" providerId="LiveId" clId="{F3E1E097-396B-4351-BB80-BBF05EFE94FF}"/>
     <pc:docChg chg="undo custSel addSld delSld modSld">
-      <pc:chgData name="Jonas Leijzen" userId="e39d7f93f1dd7ed7" providerId="LiveId" clId="{F3E1E097-396B-4351-BB80-BBF05EFE94FF}" dt="2022-11-06T22:16:28.518" v="408" actId="20577"/>
+      <pc:chgData name="Jonas Leijzen" userId="e39d7f93f1dd7ed7" providerId="LiveId" clId="{F3E1E097-396B-4351-BB80-BBF05EFE94FF}" dt="2022-11-09T10:19:47.061" v="604" actId="1076"/>
       <pc:docMkLst>
         <pc:docMk/>
       </pc:docMkLst>
+      <pc:sldChg chg="del">
+        <pc:chgData name="Jonas Leijzen" userId="e39d7f93f1dd7ed7" providerId="LiveId" clId="{F3E1E097-396B-4351-BB80-BBF05EFE94FF}" dt="2022-11-09T10:19:11.457" v="599" actId="47"/>
+        <pc:sldMkLst>
+          <pc:docMk/>
+          <pc:sldMk cId="761093895" sldId="263"/>
+        </pc:sldMkLst>
+      </pc:sldChg>
+      <pc:sldChg chg="addSp delSp modSp mod delAnim modAnim">
+        <pc:chgData name="Jonas Leijzen" userId="e39d7f93f1dd7ed7" providerId="LiveId" clId="{F3E1E097-396B-4351-BB80-BBF05EFE94FF}" dt="2022-11-09T10:02:01.451" v="591" actId="478"/>
+        <pc:sldMkLst>
+          <pc:docMk/>
+          <pc:sldMk cId="245037332" sldId="264"/>
+        </pc:sldMkLst>
+        <pc:spChg chg="del">
+          <ac:chgData name="Jonas Leijzen" userId="e39d7f93f1dd7ed7" providerId="LiveId" clId="{F3E1E097-396B-4351-BB80-BBF05EFE94FF}" dt="2022-11-09T09:58:09.576" v="568" actId="478"/>
+          <ac:spMkLst>
+            <pc:docMk/>
+            <pc:sldMk cId="245037332" sldId="264"/>
+            <ac:spMk id="3" creationId="{D834E2DD-2BA1-2864-B7C9-2D8CED50A421}"/>
+          </ac:spMkLst>
+        </pc:spChg>
+        <pc:spChg chg="mod topLvl">
+          <ac:chgData name="Jonas Leijzen" userId="e39d7f93f1dd7ed7" providerId="LiveId" clId="{F3E1E097-396B-4351-BB80-BBF05EFE94FF}" dt="2022-11-09T10:01:24.742" v="587" actId="1076"/>
+          <ac:spMkLst>
+            <pc:docMk/>
+            <pc:sldMk cId="245037332" sldId="264"/>
+            <ac:spMk id="9" creationId="{00F0B6A3-CE18-BEEE-5115-B600B62868AF}"/>
+          </ac:spMkLst>
+        </pc:spChg>
+        <pc:spChg chg="del mod topLvl">
+          <ac:chgData name="Jonas Leijzen" userId="e39d7f93f1dd7ed7" providerId="LiveId" clId="{F3E1E097-396B-4351-BB80-BBF05EFE94FF}" dt="2022-11-09T10:02:01.451" v="591" actId="478"/>
+          <ac:spMkLst>
+            <pc:docMk/>
+            <pc:sldMk cId="245037332" sldId="264"/>
+            <ac:spMk id="11" creationId="{922A3CD7-7F1D-6F38-2A3A-1A179D572E13}"/>
+          </ac:spMkLst>
+        </pc:spChg>
+        <pc:spChg chg="mod">
+          <ac:chgData name="Jonas Leijzen" userId="e39d7f93f1dd7ed7" providerId="LiveId" clId="{F3E1E097-396B-4351-BB80-BBF05EFE94FF}" dt="2022-11-09T09:27:43.076" v="416" actId="20577"/>
+          <ac:spMkLst>
+            <pc:docMk/>
+            <pc:sldMk cId="245037332" sldId="264"/>
+            <ac:spMk id="123" creationId="{00000000-0000-0000-0000-000000000000}"/>
+          </ac:spMkLst>
+        </pc:spChg>
+        <pc:grpChg chg="del">
+          <ac:chgData name="Jonas Leijzen" userId="e39d7f93f1dd7ed7" providerId="LiveId" clId="{F3E1E097-396B-4351-BB80-BBF05EFE94FF}" dt="2022-11-09T09:58:56.818" v="569" actId="165"/>
+          <ac:grpSpMkLst>
+            <pc:docMk/>
+            <pc:sldMk cId="245037332" sldId="264"/>
+            <ac:grpSpMk id="10" creationId="{CA746097-31C4-E353-F606-478A69C77ADC}"/>
+          </ac:grpSpMkLst>
+        </pc:grpChg>
+        <pc:grpChg chg="add mod">
+          <ac:chgData name="Jonas Leijzen" userId="e39d7f93f1dd7ed7" providerId="LiveId" clId="{F3E1E097-396B-4351-BB80-BBF05EFE94FF}" dt="2022-11-09T09:59:48.152" v="580" actId="164"/>
+          <ac:grpSpMkLst>
+            <pc:docMk/>
+            <pc:sldMk cId="245037332" sldId="264"/>
+            <ac:grpSpMk id="12" creationId="{C2CFBF6F-177D-A898-D9AC-A04A62B4E882}"/>
+          </ac:grpSpMkLst>
+        </pc:grpChg>
+        <pc:grpChg chg="del mod">
+          <ac:chgData name="Jonas Leijzen" userId="e39d7f93f1dd7ed7" providerId="LiveId" clId="{F3E1E097-396B-4351-BB80-BBF05EFE94FF}" dt="2022-11-09T10:02:01.451" v="591" actId="478"/>
+          <ac:grpSpMkLst>
+            <pc:docMk/>
+            <pc:sldMk cId="245037332" sldId="264"/>
+            <ac:grpSpMk id="14" creationId="{A3BDCB95-901A-E1F7-D18B-469C22CD9D3F}"/>
+          </ac:grpSpMkLst>
+        </pc:grpChg>
+        <pc:grpChg chg="add mod topLvl">
+          <ac:chgData name="Jonas Leijzen" userId="e39d7f93f1dd7ed7" providerId="LiveId" clId="{F3E1E097-396B-4351-BB80-BBF05EFE94FF}" dt="2022-11-09T10:00:37.416" v="584" actId="14100"/>
+          <ac:grpSpMkLst>
+            <pc:docMk/>
+            <pc:sldMk cId="245037332" sldId="264"/>
+            <ac:grpSpMk id="15" creationId="{05DF2B76-2DD0-3F8F-C015-14593DAA373E}"/>
+          </ac:grpSpMkLst>
+        </pc:grpChg>
+        <pc:grpChg chg="add del mod">
+          <ac:chgData name="Jonas Leijzen" userId="e39d7f93f1dd7ed7" providerId="LiveId" clId="{F3E1E097-396B-4351-BB80-BBF05EFE94FF}" dt="2022-11-09T10:00:32.736" v="583" actId="165"/>
+          <ac:grpSpMkLst>
+            <pc:docMk/>
+            <pc:sldMk cId="245037332" sldId="264"/>
+            <ac:grpSpMk id="16" creationId="{86FB77F0-E491-FDCF-1498-93BDD1415383}"/>
+          </ac:grpSpMkLst>
+        </pc:grpChg>
+        <pc:picChg chg="del mod topLvl">
+          <ac:chgData name="Jonas Leijzen" userId="e39d7f93f1dd7ed7" providerId="LiveId" clId="{F3E1E097-396B-4351-BB80-BBF05EFE94FF}" dt="2022-11-09T09:59:01.800" v="570" actId="478"/>
+          <ac:picMkLst>
+            <pc:docMk/>
+            <pc:sldMk cId="245037332" sldId="264"/>
+            <ac:picMk id="6" creationId="{95740C23-0A53-D366-BF6D-406B20859F98}"/>
+          </ac:picMkLst>
+        </pc:picChg>
+        <pc:picChg chg="add mod topLvl modCrop">
+          <ac:chgData name="Jonas Leijzen" userId="e39d7f93f1dd7ed7" providerId="LiveId" clId="{F3E1E097-396B-4351-BB80-BBF05EFE94FF}" dt="2022-11-09T10:01:43.297" v="590" actId="14100"/>
+          <ac:picMkLst>
+            <pc:docMk/>
+            <pc:sldMk cId="245037332" sldId="264"/>
+            <ac:picMk id="7" creationId="{2FD238DF-920C-17F0-D25A-595EE216376F}"/>
+          </ac:picMkLst>
+        </pc:picChg>
+        <pc:picChg chg="mod topLvl modCrop">
+          <ac:chgData name="Jonas Leijzen" userId="e39d7f93f1dd7ed7" providerId="LiveId" clId="{F3E1E097-396B-4351-BB80-BBF05EFE94FF}" dt="2022-11-09T10:00:51.363" v="586" actId="732"/>
+          <ac:picMkLst>
+            <pc:docMk/>
+            <pc:sldMk cId="245037332" sldId="264"/>
+            <ac:picMk id="8" creationId="{8DFECF22-1CAA-F59E-FCC6-648F5F15E941}"/>
+          </ac:picMkLst>
+        </pc:picChg>
+        <pc:picChg chg="topLvl">
+          <ac:chgData name="Jonas Leijzen" userId="e39d7f93f1dd7ed7" providerId="LiveId" clId="{F3E1E097-396B-4351-BB80-BBF05EFE94FF}" dt="2022-11-09T10:02:01.451" v="591" actId="478"/>
+          <ac:picMkLst>
+            <pc:docMk/>
+            <pc:sldMk cId="245037332" sldId="264"/>
+            <ac:picMk id="13" creationId="{1405C968-6BAE-498B-E0FC-08841D2A0CB2}"/>
+          </ac:picMkLst>
+        </pc:picChg>
+      </pc:sldChg>
       <pc:sldChg chg="addSp delSp modSp mod">
-        <pc:chgData name="Jonas Leijzen" userId="e39d7f93f1dd7ed7" providerId="LiveId" clId="{F3E1E097-396B-4351-BB80-BBF05EFE94FF}" dt="2022-11-06T21:47:36.137" v="15" actId="478"/>
+        <pc:chgData name="Jonas Leijzen" userId="e39d7f93f1dd7ed7" providerId="LiveId" clId="{F3E1E097-396B-4351-BB80-BBF05EFE94FF}" dt="2022-11-09T10:16:25.599" v="593" actId="478"/>
+        <pc:sldMkLst>
+          <pc:docMk/>
+          <pc:sldMk cId="1414992491" sldId="271"/>
+        </pc:sldMkLst>
+        <pc:spChg chg="mod">
+          <ac:chgData name="Jonas Leijzen" userId="e39d7f93f1dd7ed7" providerId="LiveId" clId="{F3E1E097-396B-4351-BB80-BBF05EFE94FF}" dt="2022-11-09T09:29:20.823" v="465" actId="20577"/>
+          <ac:spMkLst>
+            <pc:docMk/>
+            <pc:sldMk cId="1414992491" sldId="271"/>
+            <ac:spMk id="3" creationId="{EA3194BE-A8C6-D16C-18FA-B4F175FD2341}"/>
+          </ac:spMkLst>
+        </pc:spChg>
+        <pc:picChg chg="mod">
+          <ac:chgData name="Jonas Leijzen" userId="e39d7f93f1dd7ed7" providerId="LiveId" clId="{F3E1E097-396B-4351-BB80-BBF05EFE94FF}" dt="2022-11-09T09:28:46.130" v="446" actId="1076"/>
+          <ac:picMkLst>
+            <pc:docMk/>
+            <pc:sldMk cId="1414992491" sldId="271"/>
+            <ac:picMk id="6" creationId="{8B7FAC3E-7696-8318-F165-2B24F57F0121}"/>
+          </ac:picMkLst>
+        </pc:picChg>
+        <pc:picChg chg="add del">
+          <ac:chgData name="Jonas Leijzen" userId="e39d7f93f1dd7ed7" providerId="LiveId" clId="{F3E1E097-396B-4351-BB80-BBF05EFE94FF}" dt="2022-11-09T10:16:25.599" v="593" actId="478"/>
+          <ac:picMkLst>
+            <pc:docMk/>
+            <pc:sldMk cId="1414992491" sldId="271"/>
+            <ac:picMk id="7" creationId="{651EB1AA-EAA6-7AE3-E1A5-F520F28F8A4E}"/>
+          </ac:picMkLst>
+        </pc:picChg>
+      </pc:sldChg>
+      <pc:sldChg chg="addSp delSp modSp mod">
+        <pc:chgData name="Jonas Leijzen" userId="e39d7f93f1dd7ed7" providerId="LiveId" clId="{F3E1E097-396B-4351-BB80-BBF05EFE94FF}" dt="2022-11-09T10:19:20.337" v="600" actId="1076"/>
         <pc:sldMkLst>
           <pc:docMk/>
           <pc:sldMk cId="1946860266" sldId="273"/>
@@ -153,9 +301,17 @@
             <ac:picMk id="6" creationId="{B136DDA3-61B1-3499-8334-A7BE5E5EE911}"/>
           </ac:picMkLst>
         </pc:picChg>
+        <pc:picChg chg="add mod modCrop">
+          <ac:chgData name="Jonas Leijzen" userId="e39d7f93f1dd7ed7" providerId="LiveId" clId="{F3E1E097-396B-4351-BB80-BBF05EFE94FF}" dt="2022-11-09T10:19:20.337" v="600" actId="1076"/>
+          <ac:picMkLst>
+            <pc:docMk/>
+            <pc:sldMk cId="1946860266" sldId="273"/>
+            <ac:picMk id="6" creationId="{CA14E448-DE28-2874-A4AB-CA3797A090D8}"/>
+          </ac:picMkLst>
+        </pc:picChg>
       </pc:sldChg>
       <pc:sldChg chg="addSp delSp modSp mod">
-        <pc:chgData name="Jonas Leijzen" userId="e39d7f93f1dd7ed7" providerId="LiveId" clId="{F3E1E097-396B-4351-BB80-BBF05EFE94FF}" dt="2022-11-06T22:16:28.518" v="408" actId="20577"/>
+        <pc:chgData name="Jonas Leijzen" userId="e39d7f93f1dd7ed7" providerId="LiveId" clId="{F3E1E097-396B-4351-BB80-BBF05EFE94FF}" dt="2022-11-09T10:19:47.061" v="604" actId="1076"/>
         <pc:sldMkLst>
           <pc:docMk/>
           <pc:sldMk cId="1674013678" sldId="274"/>
@@ -185,13 +341,28 @@
           </ac:grpSpMkLst>
         </pc:grpChg>
         <pc:picChg chg="add mod">
-          <ac:chgData name="Jonas Leijzen" userId="e39d7f93f1dd7ed7" providerId="LiveId" clId="{F3E1E097-396B-4351-BB80-BBF05EFE94FF}" dt="2022-11-06T21:45:33.894" v="11" actId="1076"/>
+          <ac:chgData name="Jonas Leijzen" userId="e39d7f93f1dd7ed7" providerId="LiveId" clId="{F3E1E097-396B-4351-BB80-BBF05EFE94FF}" dt="2022-11-09T10:19:47.061" v="604" actId="1076"/>
           <ac:picMkLst>
             <pc:docMk/>
             <pc:sldMk cId="1674013678" sldId="274"/>
             <ac:picMk id="5" creationId="{49B9FE59-CEEE-A4BF-CDAD-5DB3E6D2E36C}"/>
           </ac:picMkLst>
         </pc:picChg>
+      </pc:sldChg>
+      <pc:sldChg chg="modSp mod">
+        <pc:chgData name="Jonas Leijzen" userId="e39d7f93f1dd7ed7" providerId="LiveId" clId="{F3E1E097-396B-4351-BB80-BBF05EFE94FF}" dt="2022-11-09T09:31:02.906" v="567" actId="20577"/>
+        <pc:sldMkLst>
+          <pc:docMk/>
+          <pc:sldMk cId="1427241855" sldId="275"/>
+        </pc:sldMkLst>
+        <pc:spChg chg="mod">
+          <ac:chgData name="Jonas Leijzen" userId="e39d7f93f1dd7ed7" providerId="LiveId" clId="{F3E1E097-396B-4351-BB80-BBF05EFE94FF}" dt="2022-11-09T09:31:02.906" v="567" actId="20577"/>
+          <ac:spMkLst>
+            <pc:docMk/>
+            <pc:sldMk cId="1427241855" sldId="275"/>
+            <ac:spMk id="3" creationId="{EA3194BE-A8C6-D16C-18FA-B4F175FD2341}"/>
+          </ac:spMkLst>
+        </pc:spChg>
       </pc:sldChg>
       <pc:sldChg chg="modSp new del mod">
         <pc:chgData name="Jonas Leijzen" userId="e39d7f93f1dd7ed7" providerId="LiveId" clId="{F3E1E097-396B-4351-BB80-BBF05EFE94FF}" dt="2022-11-06T21:44:41.823" v="2" actId="47"/>
@@ -295,7 +466,7 @@
           <a:p>
             <a:fld id="{A034EED6-39AB-4311-872A-0192AD9FD702}" type="datetimeFigureOut">
               <a:rPr lang="en-US" smtClean="0"/>
-              <a:t>11/6/2022</a:t>
+              <a:t>11/9/2022</a:t>
             </a:fld>
             <a:endParaRPr lang="en-US"/>
           </a:p>
@@ -691,7 +862,7 @@
           <a:p>
             <a:fld id="{A545F807-836F-4D5D-874B-A69A7FCC58CB}" type="datetime1">
               <a:rPr lang="en-US" smtClean="0"/>
-              <a:t>11/6/2022</a:t>
+              <a:t>11/9/2022</a:t>
             </a:fld>
             <a:endParaRPr lang="en-US"/>
           </a:p>
@@ -859,7 +1030,7 @@
           <a:p>
             <a:fld id="{54DB6B26-6A9F-4406-92F5-6D332EF95DFD}" type="datetime1">
               <a:rPr lang="en-US" smtClean="0"/>
-              <a:t>11/6/2022</a:t>
+              <a:t>11/9/2022</a:t>
             </a:fld>
             <a:endParaRPr lang="en-US"/>
           </a:p>
@@ -1037,7 +1208,7 @@
           <a:p>
             <a:fld id="{F7CFF9CC-CF3B-44C1-BD85-CB8CD18212E2}" type="datetime1">
               <a:rPr lang="en-US" smtClean="0"/>
-              <a:t>11/6/2022</a:t>
+              <a:t>11/9/2022</a:t>
             </a:fld>
             <a:endParaRPr lang="en-US"/>
           </a:p>
@@ -1205,7 +1376,7 @@
           <a:p>
             <a:fld id="{3938454D-FE39-42CD-BE11-AE96EA6800B4}" type="datetime1">
               <a:rPr lang="en-US" smtClean="0"/>
-              <a:t>11/6/2022</a:t>
+              <a:t>11/9/2022</a:t>
             </a:fld>
             <a:endParaRPr lang="en-US"/>
           </a:p>
@@ -1450,7 +1621,7 @@
           <a:p>
             <a:fld id="{15AC4295-CAF5-4ECE-9BA5-421ACF1724F7}" type="datetime1">
               <a:rPr lang="en-US" smtClean="0"/>
-              <a:t>11/6/2022</a:t>
+              <a:t>11/9/2022</a:t>
             </a:fld>
             <a:endParaRPr lang="en-US"/>
           </a:p>
@@ -1679,7 +1850,7 @@
           <a:p>
             <a:fld id="{2029BD38-4644-4DB7-ADAE-2B6E91DEDF25}" type="datetime1">
               <a:rPr lang="en-US" smtClean="0"/>
-              <a:t>11/6/2022</a:t>
+              <a:t>11/9/2022</a:t>
             </a:fld>
             <a:endParaRPr lang="en-US"/>
           </a:p>
@@ -2043,7 +2214,7 @@
           <a:p>
             <a:fld id="{58564C8A-517D-4C94-BE03-FFC67836ECF0}" type="datetime1">
               <a:rPr lang="en-US" smtClean="0"/>
-              <a:t>11/6/2022</a:t>
+              <a:t>11/9/2022</a:t>
             </a:fld>
             <a:endParaRPr lang="en-US"/>
           </a:p>
@@ -2160,7 +2331,7 @@
           <a:p>
             <a:fld id="{4385644D-08C9-4441-852A-03B1F7D1FA80}" type="datetime1">
               <a:rPr lang="en-US" smtClean="0"/>
-              <a:t>11/6/2022</a:t>
+              <a:t>11/9/2022</a:t>
             </a:fld>
             <a:endParaRPr lang="en-US"/>
           </a:p>
@@ -2255,7 +2426,7 @@
           <a:p>
             <a:fld id="{139B5574-D002-4381-8804-EAFBB3510711}" type="datetime1">
               <a:rPr lang="en-US" smtClean="0"/>
-              <a:t>11/6/2022</a:t>
+              <a:t>11/9/2022</a:t>
             </a:fld>
             <a:endParaRPr lang="en-US"/>
           </a:p>
@@ -2530,7 +2701,7 @@
           <a:p>
             <a:fld id="{5A68FAAE-7C8C-41FE-8695-DFED53AB67E3}" type="datetime1">
               <a:rPr lang="en-US" smtClean="0"/>
-              <a:t>11/6/2022</a:t>
+              <a:t>11/9/2022</a:t>
             </a:fld>
             <a:endParaRPr lang="en-US"/>
           </a:p>
@@ -2782,7 +2953,7 @@
           <a:p>
             <a:fld id="{B07D2DBE-2391-4857-A636-DE70DBBA9206}" type="datetime1">
               <a:rPr lang="en-US" smtClean="0"/>
-              <a:t>11/6/2022</a:t>
+              <a:t>11/9/2022</a:t>
             </a:fld>
             <a:endParaRPr lang="en-US"/>
           </a:p>
@@ -2993,7 +3164,7 @@
           <a:p>
             <a:fld id="{E7551C38-A972-4C75-A1F0-A0F671BCE3E0}" type="datetime1">
               <a:rPr lang="en-US" smtClean="0"/>
-              <a:t>11/6/2022</a:t>
+              <a:t>11/9/2022</a:t>
             </a:fld>
             <a:endParaRPr lang="en-US"/>
           </a:p>
@@ -3949,7 +4120,7 @@
           <a:p>
             <a:fld id="{5D2A5BCA-CFD9-4AED-A589-E41154D4A6DF}" type="datetime1">
               <a:rPr lang="en-US" smtClean="0"/>
-              <a:t>11/6/2022</a:t>
+              <a:t>11/9/2022</a:t>
             </a:fld>
             <a:endParaRPr lang="en-US"/>
           </a:p>
@@ -3987,7 +4158,7 @@
         <p:spPr>
           <a:xfrm>
             <a:off x="440896" y="448735"/>
-            <a:ext cx="3994812" cy="646331"/>
+            <a:ext cx="5939062" cy="646331"/>
           </a:xfrm>
           <a:prstGeom prst="rect">
             <a:avLst/>
@@ -4010,7 +4181,7 @@
                 <a:latin typeface="Segoe UI" panose="020B0502040204020203" pitchFamily="34" charset="0"/>
                 <a:cs typeface="Segoe UI" panose="020B0502040204020203" pitchFamily="34" charset="0"/>
               </a:rPr>
-              <a:t>TRANSFORMATIE</a:t>
+              <a:t>TRANSFORMATIE (XPATH)</a:t>
             </a:r>
             <a:endParaRPr lang="en-US" sz="3600" b="1" dirty="0">
               <a:solidFill>
@@ -4205,53 +4376,42 @@
           </p:txBody>
         </p:sp>
       </p:grpSp>
-      <p:sp>
-        <p:nvSpPr>
-          <p:cNvPr id="3" name="Tekstvak 2">
+      <p:pic>
+        <p:nvPicPr>
+          <p:cNvPr id="13" name="Afbeelding 12">
             <a:extLst>
               <a:ext uri="{FF2B5EF4-FFF2-40B4-BE49-F238E27FC236}">
-                <a16:creationId xmlns:a16="http://schemas.microsoft.com/office/drawing/2014/main" id="{D834E2DD-2BA1-2864-B7C9-2D8CED50A421}"/>
+                <a16:creationId xmlns:a16="http://schemas.microsoft.com/office/drawing/2014/main" id="{1405C968-6BAE-498B-E0FC-08841D2A0CB2}"/>
               </a:ext>
             </a:extLst>
           </p:cNvPr>
-          <p:cNvSpPr txBox="1"/>
+          <p:cNvPicPr>
+            <a:picLocks noChangeAspect="1"/>
+          </p:cNvPicPr>
           <p:nvPr/>
-        </p:nvSpPr>
+        </p:nvPicPr>
+        <p:blipFill>
+          <a:blip r:embed="rId2"/>
+          <a:stretch>
+            <a:fillRect/>
+          </a:stretch>
+        </p:blipFill>
         <p:spPr>
           <a:xfrm>
-            <a:off x="572568" y="1264778"/>
-            <a:ext cx="10781232" cy="923330"/>
+            <a:off x="299501" y="4793102"/>
+            <a:ext cx="11211490" cy="1563248"/>
           </a:xfrm>
           <a:prstGeom prst="rect">
             <a:avLst/>
           </a:prstGeom>
-          <a:noFill/>
         </p:spPr>
-        <p:txBody>
-          <a:bodyPr wrap="square" rtlCol="0">
-            <a:spAutoFit/>
-          </a:bodyPr>
-          <a:lstStyle/>
-          <a:p>
-            <a:r>
-              <a:rPr lang="nl-BE" dirty="0"/>
-              <a:t>Data van vorm tot vorm transformeren.</a:t>
-            </a:r>
-          </a:p>
-          <a:p>
-            <a:endParaRPr lang="nl-BE" dirty="0"/>
-          </a:p>
-          <a:p>
-            <a:endParaRPr lang="nl-BE" dirty="0"/>
-          </a:p>
-        </p:txBody>
-      </p:sp>
+      </p:pic>
       <p:grpSp>
         <p:nvGrpSpPr>
-          <p:cNvPr id="10" name="Groep 9">
+          <p:cNvPr id="15" name="Groep 14">
             <a:extLst>
               <a:ext uri="{FF2B5EF4-FFF2-40B4-BE49-F238E27FC236}">
-                <a16:creationId xmlns:a16="http://schemas.microsoft.com/office/drawing/2014/main" id="{CA746097-31C4-E353-F606-478A69C77ADC}"/>
+                <a16:creationId xmlns:a16="http://schemas.microsoft.com/office/drawing/2014/main" id="{05DF2B76-2DD0-3F8F-C015-14593DAA373E}"/>
               </a:ext>
             </a:extLst>
           </p:cNvPr>
@@ -4260,41 +4420,12 @@
         </p:nvGrpSpPr>
         <p:grpSpPr>
           <a:xfrm>
-            <a:off x="572568" y="1654219"/>
-            <a:ext cx="10781232" cy="3967273"/>
-            <a:chOff x="572568" y="1654219"/>
-            <a:chExt cx="10781232" cy="3967273"/>
+            <a:off x="572569" y="1654220"/>
+            <a:ext cx="5200548" cy="2743947"/>
+            <a:chOff x="572568" y="1654220"/>
+            <a:chExt cx="5516554" cy="3313595"/>
           </a:xfrm>
         </p:grpSpPr>
-        <p:pic>
-          <p:nvPicPr>
-            <p:cNvPr id="6" name="Afbeelding 5">
-              <a:extLst>
-                <a:ext uri="{FF2B5EF4-FFF2-40B4-BE49-F238E27FC236}">
-                  <a16:creationId xmlns:a16="http://schemas.microsoft.com/office/drawing/2014/main" id="{95740C23-0A53-D366-BF6D-406B20859F98}"/>
-                </a:ext>
-              </a:extLst>
-            </p:cNvPr>
-            <p:cNvPicPr>
-              <a:picLocks noChangeAspect="1"/>
-            </p:cNvPicPr>
-            <p:nvPr/>
-          </p:nvPicPr>
-          <p:blipFill rotWithShape="1">
-            <a:blip r:embed="rId2"/>
-            <a:srcRect r="49553"/>
-            <a:stretch/>
-          </p:blipFill>
-          <p:spPr>
-            <a:xfrm>
-              <a:off x="6190953" y="1654219"/>
-              <a:ext cx="5162847" cy="3840727"/>
-            </a:xfrm>
-            <a:prstGeom prst="rect">
-              <a:avLst/>
-            </a:prstGeom>
-          </p:spPr>
-        </p:pic>
         <p:pic>
           <p:nvPicPr>
             <p:cNvPr id="8" name="Afbeelding 7">
@@ -4309,16 +4440,15 @@
             </p:cNvPicPr>
             <p:nvPr/>
           </p:nvPicPr>
-          <p:blipFill>
+          <p:blipFill rotWithShape="1">
             <a:blip r:embed="rId3"/>
-            <a:stretch>
-              <a:fillRect/>
-            </a:stretch>
+            <a:srcRect b="16477"/>
+            <a:stretch/>
           </p:blipFill>
           <p:spPr>
             <a:xfrm>
               <a:off x="572568" y="1654220"/>
-              <a:ext cx="3537959" cy="3967272"/>
+              <a:ext cx="3537958" cy="3313595"/>
             </a:xfrm>
             <a:prstGeom prst="rect">
               <a:avLst/>
@@ -4339,7 +4469,7 @@
           </p:nvSpPr>
           <p:spPr>
             <a:xfrm>
-              <a:off x="4435708" y="3235422"/>
+              <a:off x="4730781" y="3157348"/>
               <a:ext cx="1358341" cy="511350"/>
             </a:xfrm>
             <a:prstGeom prst="rightArrow">
@@ -4372,103 +4502,35 @@
           </p:txBody>
         </p:sp>
       </p:grpSp>
-      <p:grpSp>
-        <p:nvGrpSpPr>
-          <p:cNvPr id="14" name="Groep 13">
+      <p:pic>
+        <p:nvPicPr>
+          <p:cNvPr id="7" name="Afbeelding 6">
             <a:extLst>
               <a:ext uri="{FF2B5EF4-FFF2-40B4-BE49-F238E27FC236}">
-                <a16:creationId xmlns:a16="http://schemas.microsoft.com/office/drawing/2014/main" id="{A3BDCB95-901A-E1F7-D18B-469C22CD9D3F}"/>
+                <a16:creationId xmlns:a16="http://schemas.microsoft.com/office/drawing/2014/main" id="{2FD238DF-920C-17F0-D25A-595EE216376F}"/>
               </a:ext>
             </a:extLst>
           </p:cNvPr>
-          <p:cNvGrpSpPr/>
+          <p:cNvPicPr>
+            <a:picLocks noChangeAspect="1"/>
+          </p:cNvPicPr>
           <p:nvPr/>
-        </p:nvGrpSpPr>
-        <p:grpSpPr>
+        </p:nvPicPr>
+        <p:blipFill rotWithShape="1">
+          <a:blip r:embed="rId4"/>
+          <a:srcRect r="9784" b="22291"/>
+          <a:stretch/>
+        </p:blipFill>
+        <p:spPr>
           <a:xfrm>
-            <a:off x="325191" y="3373156"/>
-            <a:ext cx="11211490" cy="2637778"/>
-            <a:chOff x="325191" y="3373156"/>
-            <a:chExt cx="11211490" cy="2637778"/>
+            <a:off x="6286755" y="1607617"/>
+            <a:ext cx="5156065" cy="2743947"/>
           </a:xfrm>
-        </p:grpSpPr>
-        <p:sp>
-          <p:nvSpPr>
-            <p:cNvPr id="11" name="Pijl: omlaag 10">
-              <a:extLst>
-                <a:ext uri="{FF2B5EF4-FFF2-40B4-BE49-F238E27FC236}">
-                  <a16:creationId xmlns:a16="http://schemas.microsoft.com/office/drawing/2014/main" id="{922A3CD7-7F1D-6F38-2A3A-1A179D572E13}"/>
-                </a:ext>
-              </a:extLst>
-            </p:cNvPr>
-            <p:cNvSpPr/>
-            <p:nvPr/>
-          </p:nvSpPr>
-          <p:spPr>
-            <a:xfrm>
-              <a:off x="5158542" y="3373156"/>
-              <a:ext cx="484632" cy="978408"/>
-            </a:xfrm>
-            <a:prstGeom prst="downArrow">
-              <a:avLst/>
-            </a:prstGeom>
-          </p:spPr>
-          <p:style>
-            <a:lnRef idx="2">
-              <a:schemeClr val="accent1">
-                <a:shade val="50000"/>
-              </a:schemeClr>
-            </a:lnRef>
-            <a:fillRef idx="1">
-              <a:schemeClr val="accent1"/>
-            </a:fillRef>
-            <a:effectRef idx="0">
-              <a:schemeClr val="accent1"/>
-            </a:effectRef>
-            <a:fontRef idx="minor">
-              <a:schemeClr val="lt1"/>
-            </a:fontRef>
-          </p:style>
-          <p:txBody>
-            <a:bodyPr rtlCol="0" anchor="ctr"/>
-            <a:lstStyle/>
-            <a:p>
-              <a:pPr algn="ctr"/>
-              <a:endParaRPr lang="nl-BE"/>
-            </a:p>
-          </p:txBody>
-        </p:sp>
-        <p:pic>
-          <p:nvPicPr>
-            <p:cNvPr id="13" name="Afbeelding 12">
-              <a:extLst>
-                <a:ext uri="{FF2B5EF4-FFF2-40B4-BE49-F238E27FC236}">
-                  <a16:creationId xmlns:a16="http://schemas.microsoft.com/office/drawing/2014/main" id="{1405C968-6BAE-498B-E0FC-08841D2A0CB2}"/>
-                </a:ext>
-              </a:extLst>
-            </p:cNvPr>
-            <p:cNvPicPr>
-              <a:picLocks noChangeAspect="1"/>
-            </p:cNvPicPr>
-            <p:nvPr/>
-          </p:nvPicPr>
-          <p:blipFill>
-            <a:blip r:embed="rId4"/>
-            <a:stretch>
-              <a:fillRect/>
-            </a:stretch>
-          </p:blipFill>
-          <p:spPr>
-            <a:xfrm>
-              <a:off x="325191" y="4447686"/>
-              <a:ext cx="11211490" cy="1563248"/>
-            </a:xfrm>
-            <a:prstGeom prst="rect">
-              <a:avLst/>
-            </a:prstGeom>
-          </p:spPr>
-        </p:pic>
-      </p:grpSp>
+          <a:prstGeom prst="rect">
+            <a:avLst/>
+          </a:prstGeom>
+        </p:spPr>
+      </p:pic>
     </p:spTree>
     <p:extLst>
       <p:ext uri="{BB962C8B-B14F-4D97-AF65-F5344CB8AC3E}">
@@ -4479,178 +4541,6 @@
   <p:clrMapOvr>
     <a:masterClrMapping/>
   </p:clrMapOvr>
-  <p:timing>
-    <p:tnLst>
-      <p:par>
-        <p:cTn id="1" dur="indefinite" restart="never" nodeType="tmRoot">
-          <p:childTnLst>
-            <p:seq concurrent="1" nextAc="seek">
-              <p:cTn id="2" dur="indefinite" nodeType="mainSeq">
-                <p:childTnLst>
-                  <p:par>
-                    <p:cTn id="3" fill="hold">
-                      <p:stCondLst>
-                        <p:cond delay="indefinite"/>
-                        <p:cond evt="onBegin" delay="0">
-                          <p:tn val="2"/>
-                        </p:cond>
-                      </p:stCondLst>
-                      <p:childTnLst>
-                        <p:par>
-                          <p:cTn id="4" fill="hold">
-                            <p:stCondLst>
-                              <p:cond delay="0"/>
-                            </p:stCondLst>
-                            <p:childTnLst>
-                              <p:par>
-                                <p:cTn id="5" presetID="1" presetClass="exit" presetSubtype="0" fill="hold" nodeType="withEffect">
-                                  <p:stCondLst>
-                                    <p:cond delay="0"/>
-                                  </p:stCondLst>
-                                  <p:childTnLst>
-                                    <p:set>
-                                      <p:cBhvr>
-                                        <p:cTn id="6" dur="1" fill="hold">
-                                          <p:stCondLst>
-                                            <p:cond delay="0"/>
-                                          </p:stCondLst>
-                                        </p:cTn>
-                                        <p:tgtEl>
-                                          <p:spTgt spid="14"/>
-                                        </p:tgtEl>
-                                        <p:attrNameLst>
-                                          <p:attrName>style.visibility</p:attrName>
-                                        </p:attrNameLst>
-                                      </p:cBhvr>
-                                      <p:to>
-                                        <p:strVal val="hidden"/>
-                                      </p:to>
-                                    </p:set>
-                                  </p:childTnLst>
-                                </p:cTn>
-                              </p:par>
-                            </p:childTnLst>
-                          </p:cTn>
-                        </p:par>
-                      </p:childTnLst>
-                    </p:cTn>
-                  </p:par>
-                  <p:par>
-                    <p:cTn id="7" fill="hold">
-                      <p:stCondLst>
-                        <p:cond delay="indefinite"/>
-                      </p:stCondLst>
-                      <p:childTnLst>
-                        <p:par>
-                          <p:cTn id="8" fill="hold">
-                            <p:stCondLst>
-                              <p:cond delay="0"/>
-                            </p:stCondLst>
-                            <p:childTnLst>
-                              <p:par>
-                                <p:cTn id="9" presetID="42" presetClass="path" presetSubtype="0" accel="50000" decel="50000" fill="hold" nodeType="clickEffect">
-                                  <p:stCondLst>
-                                    <p:cond delay="0"/>
-                                  </p:stCondLst>
-                                  <p:childTnLst>
-                                    <p:animMotion origin="layout" path="M -2.5E-6 -4.07407E-6 L -0.0026 -0.17546 " pathEditMode="relative" rAng="0" ptsTypes="AA">
-                                      <p:cBhvr>
-                                        <p:cTn id="10" dur="2000" fill="hold"/>
-                                        <p:tgtEl>
-                                          <p:spTgt spid="10"/>
-                                        </p:tgtEl>
-                                        <p:attrNameLst>
-                                          <p:attrName>ppt_x</p:attrName>
-                                          <p:attrName>ppt_y</p:attrName>
-                                        </p:attrNameLst>
-                                      </p:cBhvr>
-                                      <p:rCtr x="-130" y="-8773"/>
-                                    </p:animMotion>
-                                  </p:childTnLst>
-                                </p:cTn>
-                              </p:par>
-                              <p:par>
-                                <p:cTn id="11" presetID="6" presetClass="emph" presetSubtype="0" fill="hold" nodeType="withEffect">
-                                  <p:stCondLst>
-                                    <p:cond delay="0"/>
-                                  </p:stCondLst>
-                                  <p:childTnLst>
-                                    <p:animScale>
-                                      <p:cBhvr>
-                                        <p:cTn id="12" dur="2000" fill="hold"/>
-                                        <p:tgtEl>
-                                          <p:spTgt spid="10"/>
-                                        </p:tgtEl>
-                                      </p:cBhvr>
-                                      <p:by x="50000" y="50000"/>
-                                    </p:animScale>
-                                  </p:childTnLst>
-                                </p:cTn>
-                              </p:par>
-                            </p:childTnLst>
-                          </p:cTn>
-                        </p:par>
-                        <p:par>
-                          <p:cTn id="13" fill="hold">
-                            <p:stCondLst>
-                              <p:cond delay="2000"/>
-                            </p:stCondLst>
-                            <p:childTnLst>
-                              <p:par>
-                                <p:cTn id="14" presetID="1" presetClass="entr" presetSubtype="0" fill="hold" nodeType="afterEffect">
-                                  <p:stCondLst>
-                                    <p:cond delay="0"/>
-                                  </p:stCondLst>
-                                  <p:childTnLst>
-                                    <p:set>
-                                      <p:cBhvr>
-                                        <p:cTn id="15" dur="1" fill="hold">
-                                          <p:stCondLst>
-                                            <p:cond delay="0"/>
-                                          </p:stCondLst>
-                                        </p:cTn>
-                                        <p:tgtEl>
-                                          <p:spTgt spid="14"/>
-                                        </p:tgtEl>
-                                        <p:attrNameLst>
-                                          <p:attrName>style.visibility</p:attrName>
-                                        </p:attrNameLst>
-                                      </p:cBhvr>
-                                      <p:to>
-                                        <p:strVal val="visible"/>
-                                      </p:to>
-                                    </p:set>
-                                  </p:childTnLst>
-                                </p:cTn>
-                              </p:par>
-                            </p:childTnLst>
-                          </p:cTn>
-                        </p:par>
-                      </p:childTnLst>
-                    </p:cTn>
-                  </p:par>
-                </p:childTnLst>
-              </p:cTn>
-              <p:prevCondLst>
-                <p:cond evt="onPrev" delay="0">
-                  <p:tgtEl>
-                    <p:sldTgt/>
-                  </p:tgtEl>
-                </p:cond>
-              </p:prevCondLst>
-              <p:nextCondLst>
-                <p:cond evt="onNext" delay="0">
-                  <p:tgtEl>
-                    <p:sldTgt/>
-                  </p:tgtEl>
-                </p:cond>
-              </p:nextCondLst>
-            </p:seq>
-          </p:childTnLst>
-        </p:cTn>
-      </p:par>
-    </p:tnLst>
-  </p:timing>
 </p:sld>
 </file>
 
@@ -4688,7 +4578,7 @@
           <a:p>
             <a:fld id="{5D2A5BCA-CFD9-4AED-A589-E41154D4A6DF}" type="datetime1">
               <a:rPr lang="en-US" smtClean="0"/>
-              <a:t>11/6/2022</a:t>
+              <a:t>11/9/2022</a:t>
             </a:fld>
             <a:endParaRPr lang="en-US"/>
           </a:p>
@@ -4959,7 +4849,7 @@
         <p:spPr>
           <a:xfrm>
             <a:off x="555477" y="1324598"/>
-            <a:ext cx="10955708" cy="646331"/>
+            <a:ext cx="10955708" cy="923330"/>
           </a:xfrm>
           <a:prstGeom prst="rect">
             <a:avLst/>
@@ -4989,6 +4879,12 @@
             <a:r>
               <a:rPr lang="nl-BE" dirty="0"/>
               <a:t>Data uit verschillende bronnen -&gt; Transformeren -&gt; Datawarehouse</a:t>
+            </a:r>
+          </a:p>
+          <a:p>
+            <a:r>
+              <a:rPr lang="nl-BE" dirty="0"/>
+              <a:t>Onze tool: Talend</a:t>
             </a:r>
           </a:p>
         </p:txBody>
@@ -5015,7 +4911,7 @@
         </p:blipFill>
         <p:spPr>
           <a:xfrm>
-            <a:off x="838200" y="2035407"/>
+            <a:off x="838200" y="2206420"/>
             <a:ext cx="5838825" cy="4124325"/>
           </a:xfrm>
           <a:prstGeom prst="rect">
@@ -5217,7 +5113,7 @@
           <a:p>
             <a:fld id="{5D2A5BCA-CFD9-4AED-A589-E41154D4A6DF}" type="datetime1">
               <a:rPr lang="en-US" smtClean="0"/>
-              <a:t>11/6/2022</a:t>
+              <a:t>11/9/2022</a:t>
             </a:fld>
             <a:endParaRPr lang="en-US"/>
           </a:p>
@@ -5488,7 +5384,7 @@
         <p:spPr>
           <a:xfrm>
             <a:off x="555477" y="1324598"/>
-            <a:ext cx="10955708" cy="923330"/>
+            <a:ext cx="10955708" cy="1477328"/>
           </a:xfrm>
           <a:prstGeom prst="rect">
             <a:avLst/>
@@ -5516,12 +5412,25 @@
               <a:rPr lang="nl-BE" dirty="0"/>
             </a:br>
             <a:r>
+              <a:rPr lang="nl-BE" dirty="0"/>
+              <a:t>Denormalisatie!</a:t>
+            </a:r>
+          </a:p>
+          <a:p>
+            <a:endParaRPr lang="nl-BE" dirty="0"/>
+          </a:p>
+          <a:p>
+            <a:r>
+              <a:rPr lang="nl-BE" dirty="0"/>
+              <a:t>Alleen maar meetwaarden en </a:t>
+            </a:r>
+            <a:r>
               <a:rPr lang="nl-BE" dirty="0" err="1"/>
-              <a:t>Denormalisatie</a:t>
+              <a:t>FK’s</a:t>
             </a:r>
             <a:r>
               <a:rPr lang="nl-BE" dirty="0"/>
-              <a:t>!</a:t>
+              <a:t> in feit</a:t>
             </a:r>
           </a:p>
         </p:txBody>
@@ -5603,7 +5512,7 @@
           <a:p>
             <a:fld id="{5D2A5BCA-CFD9-4AED-A589-E41154D4A6DF}" type="datetime1">
               <a:rPr lang="en-US" smtClean="0"/>
-              <a:t>11/6/2022</a:t>
+              <a:t>11/9/2022</a:t>
             </a:fld>
             <a:endParaRPr lang="en-US"/>
           </a:p>
@@ -6104,7 +6013,7 @@
           <a:p>
             <a:fld id="{5D2A5BCA-CFD9-4AED-A589-E41154D4A6DF}" type="datetime1">
               <a:rPr lang="en-US" smtClean="0"/>
-              <a:t>11/6/2022</a:t>
+              <a:t>11/9/2022</a:t>
             </a:fld>
             <a:endParaRPr lang="en-US"/>
           </a:p>
@@ -6388,8 +6297,8 @@
         </p:blipFill>
         <p:spPr>
           <a:xfrm>
-            <a:off x="7050281" y="1838282"/>
-            <a:ext cx="4619714" cy="2887321"/>
+            <a:off x="6584458" y="3422887"/>
+            <a:ext cx="5277741" cy="3298588"/>
           </a:xfrm>
           <a:prstGeom prst="rect">
             <a:avLst/>
@@ -6562,7 +6471,7 @@
           <a:p>
             <a:fld id="{5D2A5BCA-CFD9-4AED-A589-E41154D4A6DF}" type="datetime1">
               <a:rPr lang="en-US" smtClean="0"/>
-              <a:t>11/6/2022</a:t>
+              <a:t>11/9/2022</a:t>
             </a:fld>
             <a:endParaRPr lang="en-US"/>
           </a:p>
@@ -6995,471 +6904,39 @@
           </a:p>
         </p:txBody>
       </p:sp>
+      <p:pic>
+        <p:nvPicPr>
+          <p:cNvPr id="6" name="Afbeelding 5">
+            <a:extLst>
+              <a:ext uri="{FF2B5EF4-FFF2-40B4-BE49-F238E27FC236}">
+                <a16:creationId xmlns:a16="http://schemas.microsoft.com/office/drawing/2014/main" id="{CA14E448-DE28-2874-A4AB-CA3797A090D8}"/>
+              </a:ext>
+            </a:extLst>
+          </p:cNvPr>
+          <p:cNvPicPr>
+            <a:picLocks noChangeAspect="1"/>
+          </p:cNvPicPr>
+          <p:nvPr/>
+        </p:nvPicPr>
+        <p:blipFill rotWithShape="1">
+          <a:blip r:embed="rId2"/>
+          <a:srcRect t="3669"/>
+          <a:stretch/>
+        </p:blipFill>
+        <p:spPr>
+          <a:xfrm>
+            <a:off x="6387781" y="4315538"/>
+            <a:ext cx="5363323" cy="1734403"/>
+          </a:xfrm>
+          <a:prstGeom prst="rect">
+            <a:avLst/>
+          </a:prstGeom>
+        </p:spPr>
+      </p:pic>
     </p:spTree>
     <p:extLst>
       <p:ext uri="{BB962C8B-B14F-4D97-AF65-F5344CB8AC3E}">
         <p14:creationId xmlns:p14="http://schemas.microsoft.com/office/powerpoint/2010/main" val="1946860266"/>
-      </p:ext>
-    </p:extLst>
-  </p:cSld>
-  <p:clrMapOvr>
-    <a:masterClrMapping/>
-  </p:clrMapOvr>
-</p:sld>
-</file>
-
-<file path=ppt/slides/slide8.xml><?xml version="1.0" encoding="utf-8"?>
-<p:sld xmlns:a="http://schemas.openxmlformats.org/drawingml/2006/main" xmlns:r="http://schemas.openxmlformats.org/officeDocument/2006/relationships" xmlns:p="http://schemas.openxmlformats.org/presentationml/2006/main">
-  <p:cSld>
-    <p:bg>
-      <p:bgPr>
-        <a:pattFill prst="ltUpDiag">
-          <a:fgClr>
-            <a:srgbClr val="F7F7F7"/>
-          </a:fgClr>
-          <a:bgClr>
-            <a:schemeClr val="bg1"/>
-          </a:bgClr>
-        </a:pattFill>
-        <a:effectLst/>
-      </p:bgPr>
-    </p:bg>
-    <p:spTree>
-      <p:nvGrpSpPr>
-        <p:cNvPr id="1" name=""/>
-        <p:cNvGrpSpPr/>
-        <p:nvPr/>
-      </p:nvGrpSpPr>
-      <p:grpSpPr>
-        <a:xfrm>
-          <a:off x="0" y="0"/>
-          <a:ext cx="0" cy="0"/>
-          <a:chOff x="0" y="0"/>
-          <a:chExt cx="0" cy="0"/>
-        </a:xfrm>
-      </p:grpSpPr>
-      <p:sp>
-        <p:nvSpPr>
-          <p:cNvPr id="8" name="Rectangle 7"/>
-          <p:cNvSpPr/>
-          <p:nvPr/>
-        </p:nvSpPr>
-        <p:spPr>
-          <a:xfrm>
-            <a:off x="2850629" y="1652666"/>
-            <a:ext cx="6655633" cy="3732551"/>
-          </a:xfrm>
-          <a:prstGeom prst="rect">
-            <a:avLst/>
-          </a:prstGeom>
-          <a:solidFill>
-            <a:srgbClr val="1C819E">
-              <a:alpha val="54000"/>
-            </a:srgbClr>
-          </a:solidFill>
-          <a:ln>
-            <a:noFill/>
-          </a:ln>
-        </p:spPr>
-        <p:style>
-          <a:lnRef idx="2">
-            <a:schemeClr val="accent1">
-              <a:shade val="50000"/>
-            </a:schemeClr>
-          </a:lnRef>
-          <a:fillRef idx="1">
-            <a:schemeClr val="accent1"/>
-          </a:fillRef>
-          <a:effectRef idx="0">
-            <a:schemeClr val="accent1"/>
-          </a:effectRef>
-          <a:fontRef idx="minor">
-            <a:schemeClr val="lt1"/>
-          </a:fontRef>
-        </p:style>
-        <p:txBody>
-          <a:bodyPr rtlCol="0" anchor="ctr"/>
-          <a:lstStyle/>
-          <a:p>
-            <a:pPr algn="ctr"/>
-            <a:endParaRPr lang="en-US"/>
-          </a:p>
-        </p:txBody>
-      </p:sp>
-      <p:sp>
-        <p:nvSpPr>
-          <p:cNvPr id="9" name="Rectangle 8"/>
-          <p:cNvSpPr/>
-          <p:nvPr/>
-        </p:nvSpPr>
-        <p:spPr>
-          <a:xfrm>
-            <a:off x="2685738" y="1472784"/>
-            <a:ext cx="6655633" cy="3732551"/>
-          </a:xfrm>
-          <a:prstGeom prst="rect">
-            <a:avLst/>
-          </a:prstGeom>
-          <a:solidFill>
-            <a:srgbClr val="1C819E"/>
-          </a:solidFill>
-          <a:ln>
-            <a:noFill/>
-          </a:ln>
-        </p:spPr>
-        <p:style>
-          <a:lnRef idx="2">
-            <a:schemeClr val="accent1">
-              <a:shade val="50000"/>
-            </a:schemeClr>
-          </a:lnRef>
-          <a:fillRef idx="1">
-            <a:schemeClr val="accent1"/>
-          </a:fillRef>
-          <a:effectRef idx="0">
-            <a:schemeClr val="accent1"/>
-          </a:effectRef>
-          <a:fontRef idx="minor">
-            <a:schemeClr val="lt1"/>
-          </a:fontRef>
-        </p:style>
-        <p:txBody>
-          <a:bodyPr rtlCol="0" anchor="ctr"/>
-          <a:lstStyle/>
-          <a:p>
-            <a:pPr algn="ctr"/>
-            <a:endParaRPr lang="en-US" dirty="0"/>
-          </a:p>
-        </p:txBody>
-      </p:sp>
-      <p:grpSp>
-        <p:nvGrpSpPr>
-          <p:cNvPr id="3" name="Group 2"/>
-          <p:cNvGrpSpPr/>
-          <p:nvPr/>
-        </p:nvGrpSpPr>
-        <p:grpSpPr>
-          <a:xfrm>
-            <a:off x="3109391" y="2428886"/>
-            <a:ext cx="5808326" cy="1393780"/>
-            <a:chOff x="3378300" y="2428886"/>
-            <a:chExt cx="5808326" cy="1393780"/>
-          </a:xfrm>
-        </p:grpSpPr>
-        <p:sp>
-          <p:nvSpPr>
-            <p:cNvPr id="11" name="TextBox 10"/>
-            <p:cNvSpPr txBox="1"/>
-            <p:nvPr/>
-          </p:nvSpPr>
-          <p:spPr>
-            <a:xfrm>
-              <a:off x="4071414" y="2428886"/>
-              <a:ext cx="4422099" cy="830997"/>
-            </a:xfrm>
-            <a:prstGeom prst="rect">
-              <a:avLst/>
-            </a:prstGeom>
-            <a:noFill/>
-            <a:ln>
-              <a:noFill/>
-            </a:ln>
-          </p:spPr>
-          <p:txBody>
-            <a:bodyPr wrap="square" lIns="0" rtlCol="0">
-              <a:spAutoFit/>
-            </a:bodyPr>
-            <a:lstStyle/>
-            <a:p>
-              <a:pPr algn="ctr"/>
-              <a:r>
-                <a:rPr lang="en-ID" sz="4800" b="1" dirty="0">
-                  <a:solidFill>
-                    <a:schemeClr val="bg1"/>
-                  </a:solidFill>
-                  <a:latin typeface="Segoe UI" panose="020B0502040204020203" pitchFamily="34" charset="0"/>
-                  <a:cs typeface="Segoe UI" panose="020B0502040204020203" pitchFamily="34" charset="0"/>
-                </a:rPr>
-                <a:t>DEMO</a:t>
-              </a:r>
-              <a:endParaRPr lang="en-US" sz="4800" b="1" dirty="0">
-                <a:solidFill>
-                  <a:srgbClr val="FFC000"/>
-                </a:solidFill>
-                <a:latin typeface="Segoe UI" panose="020B0502040204020203" pitchFamily="34" charset="0"/>
-                <a:cs typeface="Segoe UI" panose="020B0502040204020203" pitchFamily="34" charset="0"/>
-              </a:endParaRPr>
-            </a:p>
-          </p:txBody>
-        </p:sp>
-        <p:sp>
-          <p:nvSpPr>
-            <p:cNvPr id="14" name="Rectangle 13"/>
-            <p:cNvSpPr/>
-            <p:nvPr/>
-          </p:nvSpPr>
-          <p:spPr>
-            <a:xfrm>
-              <a:off x="5922699" y="3329853"/>
-              <a:ext cx="719528" cy="79801"/>
-            </a:xfrm>
-            <a:prstGeom prst="rect">
-              <a:avLst/>
-            </a:prstGeom>
-            <a:solidFill>
-              <a:schemeClr val="bg1"/>
-            </a:solidFill>
-            <a:ln>
-              <a:noFill/>
-            </a:ln>
-          </p:spPr>
-          <p:style>
-            <a:lnRef idx="2">
-              <a:schemeClr val="accent1">
-                <a:shade val="50000"/>
-              </a:schemeClr>
-            </a:lnRef>
-            <a:fillRef idx="1">
-              <a:schemeClr val="accent1"/>
-            </a:fillRef>
-            <a:effectRef idx="0">
-              <a:schemeClr val="accent1"/>
-            </a:effectRef>
-            <a:fontRef idx="minor">
-              <a:schemeClr val="lt1"/>
-            </a:fontRef>
-          </p:style>
-          <p:txBody>
-            <a:bodyPr rtlCol="0" anchor="ctr"/>
-            <a:lstStyle/>
-            <a:p>
-              <a:pPr algn="ctr"/>
-              <a:endParaRPr lang="en-US"/>
-            </a:p>
-          </p:txBody>
-        </p:sp>
-        <p:sp>
-          <p:nvSpPr>
-            <p:cNvPr id="15" name="TextBox 14"/>
-            <p:cNvSpPr txBox="1"/>
-            <p:nvPr/>
-          </p:nvSpPr>
-          <p:spPr>
-            <a:xfrm>
-              <a:off x="3378300" y="3479623"/>
-              <a:ext cx="5808326" cy="343043"/>
-            </a:xfrm>
-            <a:prstGeom prst="rect">
-              <a:avLst/>
-            </a:prstGeom>
-            <a:noFill/>
-          </p:spPr>
-          <p:txBody>
-            <a:bodyPr wrap="square" lIns="0" rtlCol="0">
-              <a:spAutoFit/>
-            </a:bodyPr>
-            <a:lstStyle/>
-            <a:p>
-              <a:pPr algn="ctr">
-                <a:lnSpc>
-                  <a:spcPct val="130000"/>
-                </a:lnSpc>
-              </a:pPr>
-              <a:endParaRPr lang="en-US" sz="1400" dirty="0">
-                <a:solidFill>
-                  <a:schemeClr val="bg1"/>
-                </a:solidFill>
-                <a:latin typeface="Segoe UI" panose="020B0502040204020203" pitchFamily="34" charset="0"/>
-                <a:cs typeface="Segoe UI" panose="020B0502040204020203" pitchFamily="34" charset="0"/>
-              </a:endParaRPr>
-            </a:p>
-          </p:txBody>
-        </p:sp>
-      </p:grpSp>
-      <p:grpSp>
-        <p:nvGrpSpPr>
-          <p:cNvPr id="19" name="Group 18">
-            <a:extLst>
-              <a:ext uri="{FF2B5EF4-FFF2-40B4-BE49-F238E27FC236}">
-                <a16:creationId xmlns:a16="http://schemas.microsoft.com/office/drawing/2014/main" id="{37DC6EC7-205A-4131-B0E8-EB03794F17EB}"/>
-              </a:ext>
-            </a:extLst>
-          </p:cNvPr>
-          <p:cNvGrpSpPr/>
-          <p:nvPr/>
-        </p:nvGrpSpPr>
-        <p:grpSpPr>
-          <a:xfrm>
-            <a:off x="-1" y="6785954"/>
-            <a:ext cx="12192001" cy="87035"/>
-            <a:chOff x="-1" y="6655633"/>
-            <a:chExt cx="12192001" cy="217357"/>
-          </a:xfrm>
-        </p:grpSpPr>
-        <p:sp>
-          <p:nvSpPr>
-            <p:cNvPr id="20" name="Rectangle 19">
-              <a:extLst>
-                <a:ext uri="{FF2B5EF4-FFF2-40B4-BE49-F238E27FC236}">
-                  <a16:creationId xmlns:a16="http://schemas.microsoft.com/office/drawing/2014/main" id="{2247D5A7-D95A-49A1-B9AA-3AA7E23A92A6}"/>
-                </a:ext>
-              </a:extLst>
-            </p:cNvPr>
-            <p:cNvSpPr/>
-            <p:nvPr/>
-          </p:nvSpPr>
-          <p:spPr>
-            <a:xfrm>
-              <a:off x="6096000" y="6655633"/>
-              <a:ext cx="3381829" cy="217357"/>
-            </a:xfrm>
-            <a:prstGeom prst="rect">
-              <a:avLst/>
-            </a:prstGeom>
-            <a:solidFill>
-              <a:srgbClr val="1C819E"/>
-            </a:solidFill>
-            <a:ln>
-              <a:noFill/>
-            </a:ln>
-          </p:spPr>
-          <p:style>
-            <a:lnRef idx="2">
-              <a:schemeClr val="accent1">
-                <a:shade val="50000"/>
-              </a:schemeClr>
-            </a:lnRef>
-            <a:fillRef idx="1">
-              <a:schemeClr val="accent1"/>
-            </a:fillRef>
-            <a:effectRef idx="0">
-              <a:schemeClr val="accent1"/>
-            </a:effectRef>
-            <a:fontRef idx="minor">
-              <a:schemeClr val="lt1"/>
-            </a:fontRef>
-          </p:style>
-          <p:txBody>
-            <a:bodyPr rtlCol="0" anchor="ctr"/>
-            <a:lstStyle/>
-            <a:p>
-              <a:pPr algn="ctr"/>
-              <a:endParaRPr lang="en-US"/>
-            </a:p>
-          </p:txBody>
-        </p:sp>
-        <p:sp>
-          <p:nvSpPr>
-            <p:cNvPr id="21" name="Rectangle 20">
-              <a:extLst>
-                <a:ext uri="{FF2B5EF4-FFF2-40B4-BE49-F238E27FC236}">
-                  <a16:creationId xmlns:a16="http://schemas.microsoft.com/office/drawing/2014/main" id="{B389ED10-D565-43F3-82F1-8892C88F09FF}"/>
-                </a:ext>
-              </a:extLst>
-            </p:cNvPr>
-            <p:cNvSpPr/>
-            <p:nvPr/>
-          </p:nvSpPr>
-          <p:spPr>
-            <a:xfrm>
-              <a:off x="9477829" y="6655633"/>
-              <a:ext cx="2714171" cy="217357"/>
-            </a:xfrm>
-            <a:prstGeom prst="rect">
-              <a:avLst/>
-            </a:prstGeom>
-            <a:solidFill>
-              <a:srgbClr val="FFBE00"/>
-            </a:solidFill>
-            <a:ln>
-              <a:noFill/>
-            </a:ln>
-          </p:spPr>
-          <p:style>
-            <a:lnRef idx="2">
-              <a:schemeClr val="accent1">
-                <a:shade val="50000"/>
-              </a:schemeClr>
-            </a:lnRef>
-            <a:fillRef idx="1">
-              <a:schemeClr val="accent1"/>
-            </a:fillRef>
-            <a:effectRef idx="0">
-              <a:schemeClr val="accent1"/>
-            </a:effectRef>
-            <a:fontRef idx="minor">
-              <a:schemeClr val="lt1"/>
-            </a:fontRef>
-          </p:style>
-          <p:txBody>
-            <a:bodyPr rtlCol="0" anchor="ctr"/>
-            <a:lstStyle/>
-            <a:p>
-              <a:pPr algn="ctr"/>
-              <a:endParaRPr lang="en-US"/>
-            </a:p>
-          </p:txBody>
-        </p:sp>
-        <p:sp>
-          <p:nvSpPr>
-            <p:cNvPr id="22" name="Rectangle 21">
-              <a:extLst>
-                <a:ext uri="{FF2B5EF4-FFF2-40B4-BE49-F238E27FC236}">
-                  <a16:creationId xmlns:a16="http://schemas.microsoft.com/office/drawing/2014/main" id="{7B9B590B-CFE9-4921-ADAE-9A42DDC4DCF2}"/>
-                </a:ext>
-              </a:extLst>
-            </p:cNvPr>
-            <p:cNvSpPr/>
-            <p:nvPr/>
-          </p:nvSpPr>
-          <p:spPr>
-            <a:xfrm>
-              <a:off x="-1" y="6655633"/>
-              <a:ext cx="6132513" cy="217357"/>
-            </a:xfrm>
-            <a:prstGeom prst="rect">
-              <a:avLst/>
-            </a:prstGeom>
-            <a:solidFill>
-              <a:schemeClr val="tx1">
-                <a:lumMod val="75000"/>
-                <a:lumOff val="25000"/>
-              </a:schemeClr>
-            </a:solidFill>
-            <a:ln>
-              <a:noFill/>
-            </a:ln>
-          </p:spPr>
-          <p:style>
-            <a:lnRef idx="2">
-              <a:schemeClr val="accent1">
-                <a:shade val="50000"/>
-              </a:schemeClr>
-            </a:lnRef>
-            <a:fillRef idx="1">
-              <a:schemeClr val="accent1"/>
-            </a:fillRef>
-            <a:effectRef idx="0">
-              <a:schemeClr val="accent1"/>
-            </a:effectRef>
-            <a:fontRef idx="minor">
-              <a:schemeClr val="lt1"/>
-            </a:fontRef>
-          </p:style>
-          <p:txBody>
-            <a:bodyPr rtlCol="0" anchor="ctr"/>
-            <a:lstStyle/>
-            <a:p>
-              <a:pPr algn="ctr"/>
-              <a:endParaRPr lang="en-US"/>
-            </a:p>
-          </p:txBody>
-        </p:sp>
-      </p:grpSp>
-    </p:spTree>
-    <p:extLst>
-      <p:ext uri="{BB962C8B-B14F-4D97-AF65-F5344CB8AC3E}">
-        <p14:creationId xmlns:p14="http://schemas.microsoft.com/office/powerpoint/2010/main" val="761093895"/>
       </p:ext>
     </p:extLst>
   </p:cSld>
